--- a/Presentation/slide_deck.pptx
+++ b/Presentation/slide_deck.pptx
@@ -5,13 +5,20 @@
     <p:sldMasterId id="2147483648" r:id="rId1"/>
   </p:sldMasterIdLst>
   <p:notesMasterIdLst>
-    <p:notesMasterId r:id="rId6"/>
+    <p:notesMasterId r:id="rId13"/>
   </p:notesMasterIdLst>
   <p:sldIdLst>
     <p:sldId id="275" r:id="rId2"/>
     <p:sldId id="256" r:id="rId3"/>
-    <p:sldId id="267" r:id="rId4"/>
-    <p:sldId id="274" r:id="rId5"/>
+    <p:sldId id="276" r:id="rId4"/>
+    <p:sldId id="277" r:id="rId5"/>
+    <p:sldId id="283" r:id="rId6"/>
+    <p:sldId id="279" r:id="rId7"/>
+    <p:sldId id="280" r:id="rId8"/>
+    <p:sldId id="281" r:id="rId9"/>
+    <p:sldId id="282" r:id="rId10"/>
+    <p:sldId id="267" r:id="rId11"/>
+    <p:sldId id="274" r:id="rId12"/>
   </p:sldIdLst>
   <p:sldSz cx="12192000" cy="6858000"/>
   <p:notesSz cx="6858000" cy="9144000"/>
@@ -704,7 +711,7 @@
           <a:p>
             <a:fld id="{3398E8B9-81F1-424D-AE77-F968A2DCD636}" type="datetimeFigureOut">
               <a:rPr lang="en-US" smtClean="0"/>
-              <a:t>10/17/21</a:t>
+              <a:t>10/18/21</a:t>
             </a:fld>
             <a:endParaRPr lang="en-US"/>
           </a:p>
@@ -1049,6 +1056,528 @@
     </p:spTree>
     <p:extLst>
       <p:ext uri="{BB962C8B-B14F-4D97-AF65-F5344CB8AC3E}">
+        <p14:creationId xmlns:p14="http://schemas.microsoft.com/office/powerpoint/2010/main" val="1941939309"/>
+      </p:ext>
+    </p:extLst>
+  </p:cSld>
+  <p:clrMapOvr>
+    <a:masterClrMapping/>
+  </p:clrMapOvr>
+</p:notes>
+</file>
+
+<file path=ppt/notesSlides/notesSlide2.xml><?xml version="1.0" encoding="utf-8"?>
+<p:notes xmlns:a="http://schemas.openxmlformats.org/drawingml/2006/main" xmlns:r="http://schemas.openxmlformats.org/officeDocument/2006/relationships" xmlns:p="http://schemas.openxmlformats.org/presentationml/2006/main">
+  <p:cSld>
+    <p:spTree>
+      <p:nvGrpSpPr>
+        <p:cNvPr id="1" name=""/>
+        <p:cNvGrpSpPr/>
+        <p:nvPr/>
+      </p:nvGrpSpPr>
+      <p:grpSpPr>
+        <a:xfrm>
+          <a:off x="0" y="0"/>
+          <a:ext cx="0" cy="0"/>
+          <a:chOff x="0" y="0"/>
+          <a:chExt cx="0" cy="0"/>
+        </a:xfrm>
+      </p:grpSpPr>
+      <p:sp>
+        <p:nvSpPr>
+          <p:cNvPr id="2" name="Slide Image Placeholder 1"/>
+          <p:cNvSpPr>
+            <a:spLocks noGrp="1" noRot="1" noChangeAspect="1"/>
+          </p:cNvSpPr>
+          <p:nvPr>
+            <p:ph type="sldImg"/>
+          </p:nvPr>
+        </p:nvSpPr>
+        <p:spPr/>
+      </p:sp>
+      <p:sp>
+        <p:nvSpPr>
+          <p:cNvPr id="3" name="Notes Placeholder 2"/>
+          <p:cNvSpPr>
+            <a:spLocks noGrp="1"/>
+          </p:cNvSpPr>
+          <p:nvPr>
+            <p:ph type="body" idx="1"/>
+          </p:nvPr>
+        </p:nvSpPr>
+        <p:spPr/>
+        <p:txBody>
+          <a:bodyPr/>
+          <a:lstStyle/>
+          <a:p>
+            <a:r>
+              <a:rPr lang="en-US" dirty="0"/>
+              <a:t>Moritz</a:t>
+            </a:r>
+          </a:p>
+        </p:txBody>
+      </p:sp>
+      <p:sp>
+        <p:nvSpPr>
+          <p:cNvPr id="4" name="Slide Number Placeholder 3"/>
+          <p:cNvSpPr>
+            <a:spLocks noGrp="1"/>
+          </p:cNvSpPr>
+          <p:nvPr>
+            <p:ph type="sldNum" sz="quarter" idx="5"/>
+          </p:nvPr>
+        </p:nvSpPr>
+        <p:spPr/>
+        <p:txBody>
+          <a:bodyPr/>
+          <a:lstStyle/>
+          <a:p>
+            <a:fld id="{F5134806-D19D-A540-9B0B-614DC5FE67CD}" type="slidenum">
+              <a:rPr lang="en-US" smtClean="0"/>
+              <a:t>5</a:t>
+            </a:fld>
+            <a:endParaRPr lang="en-US"/>
+          </a:p>
+        </p:txBody>
+      </p:sp>
+    </p:spTree>
+    <p:extLst>
+      <p:ext uri="{BB962C8B-B14F-4D97-AF65-F5344CB8AC3E}">
+        <p14:creationId xmlns:p14="http://schemas.microsoft.com/office/powerpoint/2010/main" val="199526837"/>
+      </p:ext>
+    </p:extLst>
+  </p:cSld>
+  <p:clrMapOvr>
+    <a:masterClrMapping/>
+  </p:clrMapOvr>
+</p:notes>
+</file>
+
+<file path=ppt/notesSlides/notesSlide3.xml><?xml version="1.0" encoding="utf-8"?>
+<p:notes xmlns:a="http://schemas.openxmlformats.org/drawingml/2006/main" xmlns:r="http://schemas.openxmlformats.org/officeDocument/2006/relationships" xmlns:p="http://schemas.openxmlformats.org/presentationml/2006/main">
+  <p:cSld>
+    <p:spTree>
+      <p:nvGrpSpPr>
+        <p:cNvPr id="1" name=""/>
+        <p:cNvGrpSpPr/>
+        <p:nvPr/>
+      </p:nvGrpSpPr>
+      <p:grpSpPr>
+        <a:xfrm>
+          <a:off x="0" y="0"/>
+          <a:ext cx="0" cy="0"/>
+          <a:chOff x="0" y="0"/>
+          <a:chExt cx="0" cy="0"/>
+        </a:xfrm>
+      </p:grpSpPr>
+      <p:sp>
+        <p:nvSpPr>
+          <p:cNvPr id="2" name="Slide Image Placeholder 1"/>
+          <p:cNvSpPr>
+            <a:spLocks noGrp="1" noRot="1" noChangeAspect="1"/>
+          </p:cNvSpPr>
+          <p:nvPr>
+            <p:ph type="sldImg"/>
+          </p:nvPr>
+        </p:nvSpPr>
+        <p:spPr/>
+      </p:sp>
+      <p:sp>
+        <p:nvSpPr>
+          <p:cNvPr id="3" name="Notes Placeholder 2"/>
+          <p:cNvSpPr>
+            <a:spLocks noGrp="1"/>
+          </p:cNvSpPr>
+          <p:nvPr>
+            <p:ph type="body" idx="1"/>
+          </p:nvPr>
+        </p:nvSpPr>
+        <p:spPr/>
+        <p:txBody>
+          <a:bodyPr/>
+          <a:lstStyle/>
+          <a:p>
+            <a:r>
+              <a:rPr lang="en-US" dirty="0"/>
+              <a:t>Moritz</a:t>
+            </a:r>
+          </a:p>
+        </p:txBody>
+      </p:sp>
+      <p:sp>
+        <p:nvSpPr>
+          <p:cNvPr id="4" name="Slide Number Placeholder 3"/>
+          <p:cNvSpPr>
+            <a:spLocks noGrp="1"/>
+          </p:cNvSpPr>
+          <p:nvPr>
+            <p:ph type="sldNum" sz="quarter" idx="5"/>
+          </p:nvPr>
+        </p:nvSpPr>
+        <p:spPr/>
+        <p:txBody>
+          <a:bodyPr/>
+          <a:lstStyle/>
+          <a:p>
+            <a:fld id="{F5134806-D19D-A540-9B0B-614DC5FE67CD}" type="slidenum">
+              <a:rPr lang="en-US" smtClean="0"/>
+              <a:t>6</a:t>
+            </a:fld>
+            <a:endParaRPr lang="en-US"/>
+          </a:p>
+        </p:txBody>
+      </p:sp>
+    </p:spTree>
+    <p:extLst>
+      <p:ext uri="{BB962C8B-B14F-4D97-AF65-F5344CB8AC3E}">
+        <p14:creationId xmlns:p14="http://schemas.microsoft.com/office/powerpoint/2010/main" val="3995754909"/>
+      </p:ext>
+    </p:extLst>
+  </p:cSld>
+  <p:clrMapOvr>
+    <a:masterClrMapping/>
+  </p:clrMapOvr>
+</p:notes>
+</file>
+
+<file path=ppt/notesSlides/notesSlide4.xml><?xml version="1.0" encoding="utf-8"?>
+<p:notes xmlns:a="http://schemas.openxmlformats.org/drawingml/2006/main" xmlns:r="http://schemas.openxmlformats.org/officeDocument/2006/relationships" xmlns:p="http://schemas.openxmlformats.org/presentationml/2006/main">
+  <p:cSld>
+    <p:spTree>
+      <p:nvGrpSpPr>
+        <p:cNvPr id="1" name=""/>
+        <p:cNvGrpSpPr/>
+        <p:nvPr/>
+      </p:nvGrpSpPr>
+      <p:grpSpPr>
+        <a:xfrm>
+          <a:off x="0" y="0"/>
+          <a:ext cx="0" cy="0"/>
+          <a:chOff x="0" y="0"/>
+          <a:chExt cx="0" cy="0"/>
+        </a:xfrm>
+      </p:grpSpPr>
+      <p:sp>
+        <p:nvSpPr>
+          <p:cNvPr id="2" name="Slide Image Placeholder 1"/>
+          <p:cNvSpPr>
+            <a:spLocks noGrp="1" noRot="1" noChangeAspect="1"/>
+          </p:cNvSpPr>
+          <p:nvPr>
+            <p:ph type="sldImg"/>
+          </p:nvPr>
+        </p:nvSpPr>
+        <p:spPr/>
+      </p:sp>
+      <p:sp>
+        <p:nvSpPr>
+          <p:cNvPr id="3" name="Notes Placeholder 2"/>
+          <p:cNvSpPr>
+            <a:spLocks noGrp="1"/>
+          </p:cNvSpPr>
+          <p:nvPr>
+            <p:ph type="body" idx="1"/>
+          </p:nvPr>
+        </p:nvSpPr>
+        <p:spPr/>
+        <p:txBody>
+          <a:bodyPr/>
+          <a:lstStyle/>
+          <a:p>
+            <a:r>
+              <a:rPr lang="en-US" dirty="0"/>
+              <a:t>Moritz</a:t>
+            </a:r>
+          </a:p>
+        </p:txBody>
+      </p:sp>
+      <p:sp>
+        <p:nvSpPr>
+          <p:cNvPr id="4" name="Slide Number Placeholder 3"/>
+          <p:cNvSpPr>
+            <a:spLocks noGrp="1"/>
+          </p:cNvSpPr>
+          <p:nvPr>
+            <p:ph type="sldNum" sz="quarter" idx="5"/>
+          </p:nvPr>
+        </p:nvSpPr>
+        <p:spPr/>
+        <p:txBody>
+          <a:bodyPr/>
+          <a:lstStyle/>
+          <a:p>
+            <a:fld id="{F5134806-D19D-A540-9B0B-614DC5FE67CD}" type="slidenum">
+              <a:rPr lang="en-US" smtClean="0"/>
+              <a:t>7</a:t>
+            </a:fld>
+            <a:endParaRPr lang="en-US"/>
+          </a:p>
+        </p:txBody>
+      </p:sp>
+    </p:spTree>
+    <p:extLst>
+      <p:ext uri="{BB962C8B-B14F-4D97-AF65-F5344CB8AC3E}">
+        <p14:creationId xmlns:p14="http://schemas.microsoft.com/office/powerpoint/2010/main" val="2292253128"/>
+      </p:ext>
+    </p:extLst>
+  </p:cSld>
+  <p:clrMapOvr>
+    <a:masterClrMapping/>
+  </p:clrMapOvr>
+</p:notes>
+</file>
+
+<file path=ppt/notesSlides/notesSlide5.xml><?xml version="1.0" encoding="utf-8"?>
+<p:notes xmlns:a="http://schemas.openxmlformats.org/drawingml/2006/main" xmlns:r="http://schemas.openxmlformats.org/officeDocument/2006/relationships" xmlns:p="http://schemas.openxmlformats.org/presentationml/2006/main">
+  <p:cSld>
+    <p:spTree>
+      <p:nvGrpSpPr>
+        <p:cNvPr id="1" name=""/>
+        <p:cNvGrpSpPr/>
+        <p:nvPr/>
+      </p:nvGrpSpPr>
+      <p:grpSpPr>
+        <a:xfrm>
+          <a:off x="0" y="0"/>
+          <a:ext cx="0" cy="0"/>
+          <a:chOff x="0" y="0"/>
+          <a:chExt cx="0" cy="0"/>
+        </a:xfrm>
+      </p:grpSpPr>
+      <p:sp>
+        <p:nvSpPr>
+          <p:cNvPr id="2" name="Slide Image Placeholder 1"/>
+          <p:cNvSpPr>
+            <a:spLocks noGrp="1" noRot="1" noChangeAspect="1"/>
+          </p:cNvSpPr>
+          <p:nvPr>
+            <p:ph type="sldImg"/>
+          </p:nvPr>
+        </p:nvSpPr>
+        <p:spPr/>
+      </p:sp>
+      <p:sp>
+        <p:nvSpPr>
+          <p:cNvPr id="3" name="Notes Placeholder 2"/>
+          <p:cNvSpPr>
+            <a:spLocks noGrp="1"/>
+          </p:cNvSpPr>
+          <p:nvPr>
+            <p:ph type="body" idx="1"/>
+          </p:nvPr>
+        </p:nvSpPr>
+        <p:spPr/>
+        <p:txBody>
+          <a:bodyPr/>
+          <a:lstStyle/>
+          <a:p>
+            <a:r>
+              <a:rPr lang="en-US" dirty="0"/>
+              <a:t>Moritz</a:t>
+            </a:r>
+          </a:p>
+        </p:txBody>
+      </p:sp>
+      <p:sp>
+        <p:nvSpPr>
+          <p:cNvPr id="4" name="Slide Number Placeholder 3"/>
+          <p:cNvSpPr>
+            <a:spLocks noGrp="1"/>
+          </p:cNvSpPr>
+          <p:nvPr>
+            <p:ph type="sldNum" sz="quarter" idx="5"/>
+          </p:nvPr>
+        </p:nvSpPr>
+        <p:spPr/>
+        <p:txBody>
+          <a:bodyPr/>
+          <a:lstStyle/>
+          <a:p>
+            <a:fld id="{F5134806-D19D-A540-9B0B-614DC5FE67CD}" type="slidenum">
+              <a:rPr lang="en-US" smtClean="0"/>
+              <a:t>8</a:t>
+            </a:fld>
+            <a:endParaRPr lang="en-US"/>
+          </a:p>
+        </p:txBody>
+      </p:sp>
+    </p:spTree>
+    <p:extLst>
+      <p:ext uri="{BB962C8B-B14F-4D97-AF65-F5344CB8AC3E}">
+        <p14:creationId xmlns:p14="http://schemas.microsoft.com/office/powerpoint/2010/main" val="635991519"/>
+      </p:ext>
+    </p:extLst>
+  </p:cSld>
+  <p:clrMapOvr>
+    <a:masterClrMapping/>
+  </p:clrMapOvr>
+</p:notes>
+</file>
+
+<file path=ppt/notesSlides/notesSlide6.xml><?xml version="1.0" encoding="utf-8"?>
+<p:notes xmlns:a="http://schemas.openxmlformats.org/drawingml/2006/main" xmlns:r="http://schemas.openxmlformats.org/officeDocument/2006/relationships" xmlns:p="http://schemas.openxmlformats.org/presentationml/2006/main">
+  <p:cSld>
+    <p:spTree>
+      <p:nvGrpSpPr>
+        <p:cNvPr id="1" name=""/>
+        <p:cNvGrpSpPr/>
+        <p:nvPr/>
+      </p:nvGrpSpPr>
+      <p:grpSpPr>
+        <a:xfrm>
+          <a:off x="0" y="0"/>
+          <a:ext cx="0" cy="0"/>
+          <a:chOff x="0" y="0"/>
+          <a:chExt cx="0" cy="0"/>
+        </a:xfrm>
+      </p:grpSpPr>
+      <p:sp>
+        <p:nvSpPr>
+          <p:cNvPr id="2" name="Slide Image Placeholder 1"/>
+          <p:cNvSpPr>
+            <a:spLocks noGrp="1" noRot="1" noChangeAspect="1"/>
+          </p:cNvSpPr>
+          <p:nvPr>
+            <p:ph type="sldImg"/>
+          </p:nvPr>
+        </p:nvSpPr>
+        <p:spPr/>
+      </p:sp>
+      <p:sp>
+        <p:nvSpPr>
+          <p:cNvPr id="3" name="Notes Placeholder 2"/>
+          <p:cNvSpPr>
+            <a:spLocks noGrp="1"/>
+          </p:cNvSpPr>
+          <p:nvPr>
+            <p:ph type="body" idx="1"/>
+          </p:nvPr>
+        </p:nvSpPr>
+        <p:spPr/>
+        <p:txBody>
+          <a:bodyPr/>
+          <a:lstStyle/>
+          <a:p>
+            <a:r>
+              <a:rPr lang="en-US" dirty="0"/>
+              <a:t>Moritz</a:t>
+            </a:r>
+          </a:p>
+        </p:txBody>
+      </p:sp>
+      <p:sp>
+        <p:nvSpPr>
+          <p:cNvPr id="4" name="Slide Number Placeholder 3"/>
+          <p:cNvSpPr>
+            <a:spLocks noGrp="1"/>
+          </p:cNvSpPr>
+          <p:nvPr>
+            <p:ph type="sldNum" sz="quarter" idx="5"/>
+          </p:nvPr>
+        </p:nvSpPr>
+        <p:spPr/>
+        <p:txBody>
+          <a:bodyPr/>
+          <a:lstStyle/>
+          <a:p>
+            <a:fld id="{F5134806-D19D-A540-9B0B-614DC5FE67CD}" type="slidenum">
+              <a:rPr lang="en-US" smtClean="0"/>
+              <a:t>9</a:t>
+            </a:fld>
+            <a:endParaRPr lang="en-US"/>
+          </a:p>
+        </p:txBody>
+      </p:sp>
+    </p:spTree>
+    <p:extLst>
+      <p:ext uri="{BB962C8B-B14F-4D97-AF65-F5344CB8AC3E}">
+        <p14:creationId xmlns:p14="http://schemas.microsoft.com/office/powerpoint/2010/main" val="656284342"/>
+      </p:ext>
+    </p:extLst>
+  </p:cSld>
+  <p:clrMapOvr>
+    <a:masterClrMapping/>
+  </p:clrMapOvr>
+</p:notes>
+</file>
+
+<file path=ppt/notesSlides/notesSlide7.xml><?xml version="1.0" encoding="utf-8"?>
+<p:notes xmlns:a="http://schemas.openxmlformats.org/drawingml/2006/main" xmlns:r="http://schemas.openxmlformats.org/officeDocument/2006/relationships" xmlns:p="http://schemas.openxmlformats.org/presentationml/2006/main">
+  <p:cSld>
+    <p:spTree>
+      <p:nvGrpSpPr>
+        <p:cNvPr id="1" name=""/>
+        <p:cNvGrpSpPr/>
+        <p:nvPr/>
+      </p:nvGrpSpPr>
+      <p:grpSpPr>
+        <a:xfrm>
+          <a:off x="0" y="0"/>
+          <a:ext cx="0" cy="0"/>
+          <a:chOff x="0" y="0"/>
+          <a:chExt cx="0" cy="0"/>
+        </a:xfrm>
+      </p:grpSpPr>
+      <p:sp>
+        <p:nvSpPr>
+          <p:cNvPr id="2" name="Slide Image Placeholder 1"/>
+          <p:cNvSpPr>
+            <a:spLocks noGrp="1" noRot="1" noChangeAspect="1"/>
+          </p:cNvSpPr>
+          <p:nvPr>
+            <p:ph type="sldImg"/>
+          </p:nvPr>
+        </p:nvSpPr>
+        <p:spPr/>
+      </p:sp>
+      <p:sp>
+        <p:nvSpPr>
+          <p:cNvPr id="3" name="Notes Placeholder 2"/>
+          <p:cNvSpPr>
+            <a:spLocks noGrp="1"/>
+          </p:cNvSpPr>
+          <p:nvPr>
+            <p:ph type="body" idx="1"/>
+          </p:nvPr>
+        </p:nvSpPr>
+        <p:spPr/>
+        <p:txBody>
+          <a:bodyPr/>
+          <a:lstStyle/>
+          <a:p>
+            <a:r>
+              <a:rPr lang="en-US" dirty="0"/>
+              <a:t>Moritz</a:t>
+            </a:r>
+          </a:p>
+        </p:txBody>
+      </p:sp>
+      <p:sp>
+        <p:nvSpPr>
+          <p:cNvPr id="4" name="Slide Number Placeholder 3"/>
+          <p:cNvSpPr>
+            <a:spLocks noGrp="1"/>
+          </p:cNvSpPr>
+          <p:nvPr>
+            <p:ph type="sldNum" sz="quarter" idx="5"/>
+          </p:nvPr>
+        </p:nvSpPr>
+        <p:spPr/>
+        <p:txBody>
+          <a:bodyPr/>
+          <a:lstStyle/>
+          <a:p>
+            <a:fld id="{F5134806-D19D-A540-9B0B-614DC5FE67CD}" type="slidenum">
+              <a:rPr lang="en-US" smtClean="0"/>
+              <a:t>11</a:t>
+            </a:fld>
+            <a:endParaRPr lang="en-US"/>
+          </a:p>
+        </p:txBody>
+      </p:sp>
+    </p:spTree>
+    <p:extLst>
+      <p:ext uri="{BB962C8B-B14F-4D97-AF65-F5344CB8AC3E}">
         <p14:creationId xmlns:p14="http://schemas.microsoft.com/office/powerpoint/2010/main" val="3892769745"/>
       </p:ext>
     </p:extLst>
@@ -1208,7 +1737,7 @@
           <a:p>
             <a:fld id="{D7919F00-95C3-E345-9A68-6806DD4786C7}" type="datetime1">
               <a:rPr lang="de-DE" smtClean="0"/>
-              <a:t>17.10.21</a:t>
+              <a:t>18.10.21</a:t>
             </a:fld>
             <a:endParaRPr lang="en-US"/>
           </a:p>
@@ -1408,7 +1937,7 @@
           <a:p>
             <a:fld id="{EEF8CF17-46D6-4746-9F83-62838F7FFA9E}" type="datetime1">
               <a:rPr lang="de-DE" smtClean="0"/>
-              <a:t>17.10.21</a:t>
+              <a:t>18.10.21</a:t>
             </a:fld>
             <a:endParaRPr lang="en-US"/>
           </a:p>
@@ -1618,7 +2147,7 @@
           <a:p>
             <a:fld id="{846669D5-C56A-D444-8228-920498C21CB5}" type="datetime1">
               <a:rPr lang="de-DE" smtClean="0"/>
-              <a:t>17.10.21</a:t>
+              <a:t>18.10.21</a:t>
             </a:fld>
             <a:endParaRPr lang="en-US"/>
           </a:p>
@@ -1818,7 +2347,7 @@
           <a:p>
             <a:fld id="{6B2A11E0-3F60-484C-B31C-C335BE773633}" type="datetime1">
               <a:rPr lang="de-DE" smtClean="0"/>
-              <a:t>17.10.21</a:t>
+              <a:t>18.10.21</a:t>
             </a:fld>
             <a:endParaRPr lang="en-US"/>
           </a:p>
@@ -2094,7 +2623,7 @@
           <a:p>
             <a:fld id="{AD0CF0BE-8C02-7A46-B8F9-9A1A359A3221}" type="datetime1">
               <a:rPr lang="de-DE" smtClean="0"/>
-              <a:t>17.10.21</a:t>
+              <a:t>18.10.21</a:t>
             </a:fld>
             <a:endParaRPr lang="en-US"/>
           </a:p>
@@ -2362,7 +2891,7 @@
           <a:p>
             <a:fld id="{E3D55EAB-06EA-2B41-8799-9D715C6BB5C9}" type="datetime1">
               <a:rPr lang="de-DE" smtClean="0"/>
-              <a:t>17.10.21</a:t>
+              <a:t>18.10.21</a:t>
             </a:fld>
             <a:endParaRPr lang="en-US"/>
           </a:p>
@@ -2777,7 +3306,7 @@
           <a:p>
             <a:fld id="{899C43E9-79E3-0343-886E-B54191E8154C}" type="datetime1">
               <a:rPr lang="de-DE" smtClean="0"/>
-              <a:t>17.10.21</a:t>
+              <a:t>18.10.21</a:t>
             </a:fld>
             <a:endParaRPr lang="en-US"/>
           </a:p>
@@ -2919,7 +3448,7 @@
           <a:p>
             <a:fld id="{38D1FDF0-7FAD-B74F-9C14-35E95702474C}" type="datetime1">
               <a:rPr lang="de-DE" smtClean="0"/>
-              <a:t>17.10.21</a:t>
+              <a:t>18.10.21</a:t>
             </a:fld>
             <a:endParaRPr lang="en-US"/>
           </a:p>
@@ -3032,7 +3561,7 @@
           <a:p>
             <a:fld id="{40CA08E2-633C-6F4C-B416-7B24EADBD5D5}" type="datetime1">
               <a:rPr lang="de-DE" smtClean="0"/>
-              <a:t>17.10.21</a:t>
+              <a:t>18.10.21</a:t>
             </a:fld>
             <a:endParaRPr lang="en-US"/>
           </a:p>
@@ -3350,7 +3879,7 @@
           <a:p>
             <a:fld id="{25A8823F-BF39-4B48-92AC-7573D6900421}" type="datetime1">
               <a:rPr lang="de-DE" smtClean="0"/>
-              <a:t>17.10.21</a:t>
+              <a:t>18.10.21</a:t>
             </a:fld>
             <a:endParaRPr lang="en-US"/>
           </a:p>
@@ -3643,7 +4172,7 @@
           <a:p>
             <a:fld id="{9133BCCA-5C2C-1E48-9D3E-EC5297EB8560}" type="datetime1">
               <a:rPr lang="de-DE" smtClean="0"/>
-              <a:t>17.10.21</a:t>
+              <a:t>18.10.21</a:t>
             </a:fld>
             <a:endParaRPr lang="en-US"/>
           </a:p>
@@ -3900,7 +4429,7 @@
           <a:p>
             <a:fld id="{4ECDE09A-B1E7-BF49-A4A8-79F389F3B4B8}" type="datetime1">
               <a:rPr lang="de-DE" smtClean="0"/>
-              <a:t>17.10.21</a:t>
+              <a:t>18.10.21</a:t>
             </a:fld>
             <a:endParaRPr lang="en-US"/>
           </a:p>
@@ -4820,8 +5349,8 @@
               <a:chExt cx="1564920" cy="405720"/>
             </a:xfrm>
           </p:grpSpPr>
-          <mc:AlternateContent xmlns:mc="http://schemas.openxmlformats.org/markup-compatibility/2006">
-            <mc:Choice xmlns:p14="http://schemas.microsoft.com/office/powerpoint/2010/main" Requires="p14">
+          <mc:AlternateContent xmlns:mc="http://schemas.openxmlformats.org/markup-compatibility/2006" xmlns:p14="http://schemas.microsoft.com/office/powerpoint/2010/main">
+            <mc:Choice Requires="p14">
               <p:contentPart p14:bwMode="auto" r:id="rId6">
                 <p14:nvContentPartPr>
                   <p14:cNvPr id="12" name="Ink 11">
@@ -4840,7 +5369,7 @@
                 </p14:xfrm>
               </p:contentPart>
             </mc:Choice>
-            <mc:Fallback>
+            <mc:Fallback xmlns="">
               <p:pic>
                 <p:nvPicPr>
                   <p:cNvPr id="12" name="Ink 11">
@@ -4871,8 +5400,8 @@
               </p:pic>
             </mc:Fallback>
           </mc:AlternateContent>
-          <mc:AlternateContent xmlns:mc="http://schemas.openxmlformats.org/markup-compatibility/2006">
-            <mc:Choice xmlns:p14="http://schemas.microsoft.com/office/powerpoint/2010/main" Requires="p14">
+          <mc:AlternateContent xmlns:mc="http://schemas.openxmlformats.org/markup-compatibility/2006" xmlns:p14="http://schemas.microsoft.com/office/powerpoint/2010/main">
+            <mc:Choice Requires="p14">
               <p:contentPart p14:bwMode="auto" r:id="rId8">
                 <p14:nvContentPartPr>
                   <p14:cNvPr id="13" name="Ink 12">
@@ -4891,7 +5420,7 @@
                 </p14:xfrm>
               </p:contentPart>
             </mc:Choice>
-            <mc:Fallback>
+            <mc:Fallback xmlns="">
               <p:pic>
                 <p:nvPicPr>
                   <p:cNvPr id="13" name="Ink 12">
@@ -4922,8 +5451,8 @@
               </p:pic>
             </mc:Fallback>
           </mc:AlternateContent>
-          <mc:AlternateContent xmlns:mc="http://schemas.openxmlformats.org/markup-compatibility/2006">
-            <mc:Choice xmlns:p14="http://schemas.microsoft.com/office/powerpoint/2010/main" Requires="p14">
+          <mc:AlternateContent xmlns:mc="http://schemas.openxmlformats.org/markup-compatibility/2006" xmlns:p14="http://schemas.microsoft.com/office/powerpoint/2010/main">
+            <mc:Choice Requires="p14">
               <p:contentPart p14:bwMode="auto" r:id="rId10">
                 <p14:nvContentPartPr>
                   <p14:cNvPr id="14" name="Ink 13">
@@ -4942,7 +5471,7 @@
                 </p14:xfrm>
               </p:contentPart>
             </mc:Choice>
-            <mc:Fallback>
+            <mc:Fallback xmlns="">
               <p:pic>
                 <p:nvPicPr>
                   <p:cNvPr id="14" name="Ink 13">
@@ -4973,8 +5502,8 @@
               </p:pic>
             </mc:Fallback>
           </mc:AlternateContent>
-          <mc:AlternateContent xmlns:mc="http://schemas.openxmlformats.org/markup-compatibility/2006">
-            <mc:Choice xmlns:p14="http://schemas.microsoft.com/office/powerpoint/2010/main" Requires="p14">
+          <mc:AlternateContent xmlns:mc="http://schemas.openxmlformats.org/markup-compatibility/2006" xmlns:p14="http://schemas.microsoft.com/office/powerpoint/2010/main">
+            <mc:Choice Requires="p14">
               <p:contentPart p14:bwMode="auto" r:id="rId12">
                 <p14:nvContentPartPr>
                   <p14:cNvPr id="15" name="Ink 14">
@@ -4993,7 +5522,7 @@
                 </p14:xfrm>
               </p:contentPart>
             </mc:Choice>
-            <mc:Fallback>
+            <mc:Fallback xmlns="">
               <p:pic>
                 <p:nvPicPr>
                   <p:cNvPr id="15" name="Ink 14">
@@ -5024,8 +5553,8 @@
               </p:pic>
             </mc:Fallback>
           </mc:AlternateContent>
-          <mc:AlternateContent xmlns:mc="http://schemas.openxmlformats.org/markup-compatibility/2006">
-            <mc:Choice xmlns:p14="http://schemas.microsoft.com/office/powerpoint/2010/main" Requires="p14">
+          <mc:AlternateContent xmlns:mc="http://schemas.openxmlformats.org/markup-compatibility/2006" xmlns:p14="http://schemas.microsoft.com/office/powerpoint/2010/main">
+            <mc:Choice Requires="p14">
               <p:contentPart p14:bwMode="auto" r:id="rId14">
                 <p14:nvContentPartPr>
                   <p14:cNvPr id="16" name="Ink 15">
@@ -5044,7 +5573,7 @@
                 </p14:xfrm>
               </p:contentPart>
             </mc:Choice>
-            <mc:Fallback>
+            <mc:Fallback xmlns="">
               <p:pic>
                 <p:nvPicPr>
                   <p:cNvPr id="16" name="Ink 15">
@@ -5075,8 +5604,8 @@
               </p:pic>
             </mc:Fallback>
           </mc:AlternateContent>
-          <mc:AlternateContent xmlns:mc="http://schemas.openxmlformats.org/markup-compatibility/2006">
-            <mc:Choice xmlns:p14="http://schemas.microsoft.com/office/powerpoint/2010/main" Requires="p14">
+          <mc:AlternateContent xmlns:mc="http://schemas.openxmlformats.org/markup-compatibility/2006" xmlns:p14="http://schemas.microsoft.com/office/powerpoint/2010/main">
+            <mc:Choice Requires="p14">
               <p:contentPart p14:bwMode="auto" r:id="rId16">
                 <p14:nvContentPartPr>
                   <p14:cNvPr id="18" name="Ink 17">
@@ -5095,7 +5624,7 @@
                 </p14:xfrm>
               </p:contentPart>
             </mc:Choice>
-            <mc:Fallback>
+            <mc:Fallback xmlns="">
               <p:pic>
                 <p:nvPicPr>
                   <p:cNvPr id="18" name="Ink 17">
@@ -5126,8 +5655,8 @@
               </p:pic>
             </mc:Fallback>
           </mc:AlternateContent>
-          <mc:AlternateContent xmlns:mc="http://schemas.openxmlformats.org/markup-compatibility/2006">
-            <mc:Choice xmlns:p14="http://schemas.microsoft.com/office/powerpoint/2010/main" Requires="p14">
+          <mc:AlternateContent xmlns:mc="http://schemas.openxmlformats.org/markup-compatibility/2006" xmlns:p14="http://schemas.microsoft.com/office/powerpoint/2010/main">
+            <mc:Choice Requires="p14">
               <p:contentPart p14:bwMode="auto" r:id="rId18">
                 <p14:nvContentPartPr>
                   <p14:cNvPr id="20" name="Ink 19">
@@ -5146,7 +5675,7 @@
                 </p14:xfrm>
               </p:contentPart>
             </mc:Choice>
-            <mc:Fallback>
+            <mc:Fallback xmlns="">
               <p:pic>
                 <p:nvPicPr>
                   <p:cNvPr id="20" name="Ink 19">
@@ -5177,8 +5706,8 @@
               </p:pic>
             </mc:Fallback>
           </mc:AlternateContent>
-          <mc:AlternateContent xmlns:mc="http://schemas.openxmlformats.org/markup-compatibility/2006">
-            <mc:Choice xmlns:p14="http://schemas.microsoft.com/office/powerpoint/2010/main" Requires="p14">
+          <mc:AlternateContent xmlns:mc="http://schemas.openxmlformats.org/markup-compatibility/2006" xmlns:p14="http://schemas.microsoft.com/office/powerpoint/2010/main">
+            <mc:Choice Requires="p14">
               <p:contentPart p14:bwMode="auto" r:id="rId20">
                 <p14:nvContentPartPr>
                   <p14:cNvPr id="22" name="Ink 21">
@@ -5197,7 +5726,7 @@
                 </p14:xfrm>
               </p:contentPart>
             </mc:Choice>
-            <mc:Fallback>
+            <mc:Fallback xmlns="">
               <p:pic>
                 <p:nvPicPr>
                   <p:cNvPr id="22" name="Ink 21">
@@ -5249,8 +5778,8 @@
               <a:chExt cx="1969200" cy="703080"/>
             </a:xfrm>
           </p:grpSpPr>
-          <mc:AlternateContent xmlns:mc="http://schemas.openxmlformats.org/markup-compatibility/2006">
-            <mc:Choice xmlns:p14="http://schemas.microsoft.com/office/powerpoint/2010/main" Requires="p14">
+          <mc:AlternateContent xmlns:mc="http://schemas.openxmlformats.org/markup-compatibility/2006" xmlns:p14="http://schemas.microsoft.com/office/powerpoint/2010/main">
+            <mc:Choice Requires="p14">
               <p:contentPart p14:bwMode="auto" r:id="rId22">
                 <p14:nvContentPartPr>
                   <p14:cNvPr id="24" name="Ink 23">
@@ -5269,7 +5798,7 @@
                 </p14:xfrm>
               </p:contentPart>
             </mc:Choice>
-            <mc:Fallback>
+            <mc:Fallback xmlns="">
               <p:pic>
                 <p:nvPicPr>
                   <p:cNvPr id="24" name="Ink 23">
@@ -5300,8 +5829,8 @@
               </p:pic>
             </mc:Fallback>
           </mc:AlternateContent>
-          <mc:AlternateContent xmlns:mc="http://schemas.openxmlformats.org/markup-compatibility/2006">
-            <mc:Choice xmlns:p14="http://schemas.microsoft.com/office/powerpoint/2010/main" Requires="p14">
+          <mc:AlternateContent xmlns:mc="http://schemas.openxmlformats.org/markup-compatibility/2006" xmlns:p14="http://schemas.microsoft.com/office/powerpoint/2010/main">
+            <mc:Choice Requires="p14">
               <p:contentPart p14:bwMode="auto" r:id="rId24">
                 <p14:nvContentPartPr>
                   <p14:cNvPr id="25" name="Ink 24">
@@ -5320,7 +5849,7 @@
                 </p14:xfrm>
               </p:contentPart>
             </mc:Choice>
-            <mc:Fallback>
+            <mc:Fallback xmlns="">
               <p:pic>
                 <p:nvPicPr>
                   <p:cNvPr id="25" name="Ink 24">
@@ -5351,8 +5880,8 @@
               </p:pic>
             </mc:Fallback>
           </mc:AlternateContent>
-          <mc:AlternateContent xmlns:mc="http://schemas.openxmlformats.org/markup-compatibility/2006">
-            <mc:Choice xmlns:p14="http://schemas.microsoft.com/office/powerpoint/2010/main" Requires="p14">
+          <mc:AlternateContent xmlns:mc="http://schemas.openxmlformats.org/markup-compatibility/2006" xmlns:p14="http://schemas.microsoft.com/office/powerpoint/2010/main">
+            <mc:Choice Requires="p14">
               <p:contentPart p14:bwMode="auto" r:id="rId26">
                 <p14:nvContentPartPr>
                   <p14:cNvPr id="27" name="Ink 26">
@@ -5371,7 +5900,7 @@
                 </p14:xfrm>
               </p:contentPart>
             </mc:Choice>
-            <mc:Fallback>
+            <mc:Fallback xmlns="">
               <p:pic>
                 <p:nvPicPr>
                   <p:cNvPr id="27" name="Ink 26">
@@ -5402,8 +5931,8 @@
               </p:pic>
             </mc:Fallback>
           </mc:AlternateContent>
-          <mc:AlternateContent xmlns:mc="http://schemas.openxmlformats.org/markup-compatibility/2006">
-            <mc:Choice xmlns:p14="http://schemas.microsoft.com/office/powerpoint/2010/main" Requires="p14">
+          <mc:AlternateContent xmlns:mc="http://schemas.openxmlformats.org/markup-compatibility/2006" xmlns:p14="http://schemas.microsoft.com/office/powerpoint/2010/main">
+            <mc:Choice Requires="p14">
               <p:contentPart p14:bwMode="auto" r:id="rId28">
                 <p14:nvContentPartPr>
                   <p14:cNvPr id="29" name="Ink 28">
@@ -5422,7 +5951,7 @@
                 </p14:xfrm>
               </p:contentPart>
             </mc:Choice>
-            <mc:Fallback>
+            <mc:Fallback xmlns="">
               <p:pic>
                 <p:nvPicPr>
                   <p:cNvPr id="29" name="Ink 28">
@@ -5453,8 +5982,8 @@
               </p:pic>
             </mc:Fallback>
           </mc:AlternateContent>
-          <mc:AlternateContent xmlns:mc="http://schemas.openxmlformats.org/markup-compatibility/2006">
-            <mc:Choice xmlns:p14="http://schemas.microsoft.com/office/powerpoint/2010/main" Requires="p14">
+          <mc:AlternateContent xmlns:mc="http://schemas.openxmlformats.org/markup-compatibility/2006" xmlns:p14="http://schemas.microsoft.com/office/powerpoint/2010/main">
+            <mc:Choice Requires="p14">
               <p:contentPart p14:bwMode="auto" r:id="rId30">
                 <p14:nvContentPartPr>
                   <p14:cNvPr id="31" name="Ink 30">
@@ -5473,7 +6002,7 @@
                 </p14:xfrm>
               </p:contentPart>
             </mc:Choice>
-            <mc:Fallback>
+            <mc:Fallback xmlns="">
               <p:pic>
                 <p:nvPicPr>
                   <p:cNvPr id="31" name="Ink 30">
@@ -5504,8 +6033,8 @@
               </p:pic>
             </mc:Fallback>
           </mc:AlternateContent>
-          <mc:AlternateContent xmlns:mc="http://schemas.openxmlformats.org/markup-compatibility/2006">
-            <mc:Choice xmlns:p14="http://schemas.microsoft.com/office/powerpoint/2010/main" Requires="p14">
+          <mc:AlternateContent xmlns:mc="http://schemas.openxmlformats.org/markup-compatibility/2006" xmlns:p14="http://schemas.microsoft.com/office/powerpoint/2010/main">
+            <mc:Choice Requires="p14">
               <p:contentPart p14:bwMode="auto" r:id="rId32">
                 <p14:nvContentPartPr>
                   <p14:cNvPr id="33" name="Ink 32">
@@ -5524,7 +6053,7 @@
                 </p14:xfrm>
               </p:contentPart>
             </mc:Choice>
-            <mc:Fallback>
+            <mc:Fallback xmlns="">
               <p:pic>
                 <p:nvPicPr>
                   <p:cNvPr id="33" name="Ink 32">
@@ -5555,8 +6084,8 @@
               </p:pic>
             </mc:Fallback>
           </mc:AlternateContent>
-          <mc:AlternateContent xmlns:mc="http://schemas.openxmlformats.org/markup-compatibility/2006">
-            <mc:Choice xmlns:p14="http://schemas.microsoft.com/office/powerpoint/2010/main" Requires="p14">
+          <mc:AlternateContent xmlns:mc="http://schemas.openxmlformats.org/markup-compatibility/2006" xmlns:p14="http://schemas.microsoft.com/office/powerpoint/2010/main">
+            <mc:Choice Requires="p14">
               <p:contentPart p14:bwMode="auto" r:id="rId34">
                 <p14:nvContentPartPr>
                   <p14:cNvPr id="34" name="Ink 33">
@@ -5575,7 +6104,7 @@
                 </p14:xfrm>
               </p:contentPart>
             </mc:Choice>
-            <mc:Fallback>
+            <mc:Fallback xmlns="">
               <p:pic>
                 <p:nvPicPr>
                   <p:cNvPr id="34" name="Ink 33">
@@ -5606,8 +6135,8 @@
               </p:pic>
             </mc:Fallback>
           </mc:AlternateContent>
-          <mc:AlternateContent xmlns:mc="http://schemas.openxmlformats.org/markup-compatibility/2006">
-            <mc:Choice xmlns:p14="http://schemas.microsoft.com/office/powerpoint/2010/main" Requires="p14">
+          <mc:AlternateContent xmlns:mc="http://schemas.openxmlformats.org/markup-compatibility/2006" xmlns:p14="http://schemas.microsoft.com/office/powerpoint/2010/main">
+            <mc:Choice Requires="p14">
               <p:contentPart p14:bwMode="auto" r:id="rId36">
                 <p14:nvContentPartPr>
                   <p14:cNvPr id="36" name="Ink 35">
@@ -5626,7 +6155,7 @@
                 </p14:xfrm>
               </p:contentPart>
             </mc:Choice>
-            <mc:Fallback>
+            <mc:Fallback xmlns="">
               <p:pic>
                 <p:nvPicPr>
                   <p:cNvPr id="36" name="Ink 35">
@@ -5657,8 +6186,8 @@
               </p:pic>
             </mc:Fallback>
           </mc:AlternateContent>
-          <mc:AlternateContent xmlns:mc="http://schemas.openxmlformats.org/markup-compatibility/2006">
-            <mc:Choice xmlns:p14="http://schemas.microsoft.com/office/powerpoint/2010/main" Requires="p14">
+          <mc:AlternateContent xmlns:mc="http://schemas.openxmlformats.org/markup-compatibility/2006" xmlns:p14="http://schemas.microsoft.com/office/powerpoint/2010/main">
+            <mc:Choice Requires="p14">
               <p:contentPart p14:bwMode="auto" r:id="rId38">
                 <p14:nvContentPartPr>
                   <p14:cNvPr id="38" name="Ink 37">
@@ -5677,7 +6206,7 @@
                 </p14:xfrm>
               </p:contentPart>
             </mc:Choice>
-            <mc:Fallback>
+            <mc:Fallback xmlns="">
               <p:pic>
                 <p:nvPicPr>
                   <p:cNvPr id="38" name="Ink 37">
@@ -5708,8 +6237,8 @@
               </p:pic>
             </mc:Fallback>
           </mc:AlternateContent>
-          <mc:AlternateContent xmlns:mc="http://schemas.openxmlformats.org/markup-compatibility/2006">
-            <mc:Choice xmlns:p14="http://schemas.microsoft.com/office/powerpoint/2010/main" Requires="p14">
+          <mc:AlternateContent xmlns:mc="http://schemas.openxmlformats.org/markup-compatibility/2006" xmlns:p14="http://schemas.microsoft.com/office/powerpoint/2010/main">
+            <mc:Choice Requires="p14">
               <p:contentPart p14:bwMode="auto" r:id="rId40">
                 <p14:nvContentPartPr>
                   <p14:cNvPr id="40" name="Ink 39">
@@ -5728,7 +6257,7 @@
                 </p14:xfrm>
               </p:contentPart>
             </mc:Choice>
-            <mc:Fallback>
+            <mc:Fallback xmlns="">
               <p:pic>
                 <p:nvPicPr>
                   <p:cNvPr id="40" name="Ink 39">
@@ -6000,6 +6529,434 @@
 </p:sld>
 </file>
 
+<file path=ppt/slides/slide10.xml><?xml version="1.0" encoding="utf-8"?>
+<p:sld xmlns:a="http://schemas.openxmlformats.org/drawingml/2006/main" xmlns:r="http://schemas.openxmlformats.org/officeDocument/2006/relationships" xmlns:p="http://schemas.openxmlformats.org/presentationml/2006/main">
+  <p:cSld>
+    <p:spTree>
+      <p:nvGrpSpPr>
+        <p:cNvPr id="1" name=""/>
+        <p:cNvGrpSpPr/>
+        <p:nvPr/>
+      </p:nvGrpSpPr>
+      <p:grpSpPr>
+        <a:xfrm>
+          <a:off x="0" y="0"/>
+          <a:ext cx="0" cy="0"/>
+          <a:chOff x="0" y="0"/>
+          <a:chExt cx="0" cy="0"/>
+        </a:xfrm>
+      </p:grpSpPr>
+      <p:sp>
+        <p:nvSpPr>
+          <p:cNvPr id="2" name="Slide Number Placeholder 1">
+            <a:extLst>
+              <a:ext uri="{FF2B5EF4-FFF2-40B4-BE49-F238E27FC236}">
+                <a16:creationId xmlns:a16="http://schemas.microsoft.com/office/drawing/2014/main" id="{9B12371F-989E-EE43-B20F-90E48B433F0A}"/>
+              </a:ext>
+            </a:extLst>
+          </p:cNvPr>
+          <p:cNvSpPr>
+            <a:spLocks noGrp="1"/>
+          </p:cNvSpPr>
+          <p:nvPr>
+            <p:ph type="sldNum" sz="quarter" idx="12"/>
+          </p:nvPr>
+        </p:nvSpPr>
+        <p:spPr/>
+        <p:txBody>
+          <a:bodyPr/>
+          <a:lstStyle/>
+          <a:p>
+            <a:fld id="{2D00CA07-45C7-8142-9F4D-3A07AD48DFA1}" type="slidenum">
+              <a:rPr lang="en-US" smtClean="0"/>
+              <a:t>10</a:t>
+            </a:fld>
+            <a:endParaRPr lang="en-US"/>
+          </a:p>
+        </p:txBody>
+      </p:sp>
+      <p:sp>
+        <p:nvSpPr>
+          <p:cNvPr id="3" name="TextBox 2">
+            <a:extLst>
+              <a:ext uri="{FF2B5EF4-FFF2-40B4-BE49-F238E27FC236}">
+                <a16:creationId xmlns:a16="http://schemas.microsoft.com/office/drawing/2014/main" id="{2B4E9B55-4425-2740-A108-76FF69BA3D12}"/>
+              </a:ext>
+            </a:extLst>
+          </p:cNvPr>
+          <p:cNvSpPr txBox="1"/>
+          <p:nvPr/>
+        </p:nvSpPr>
+        <p:spPr>
+          <a:xfrm>
+            <a:off x="460713" y="332656"/>
+            <a:ext cx="2487861" cy="553998"/>
+          </a:xfrm>
+          <a:prstGeom prst="rect">
+            <a:avLst/>
+          </a:prstGeom>
+          <a:noFill/>
+        </p:spPr>
+        <p:txBody>
+          <a:bodyPr wrap="none" lIns="0" tIns="0" rIns="0" bIns="0" rtlCol="0">
+            <a:spAutoFit/>
+          </a:bodyPr>
+          <a:lstStyle/>
+          <a:p>
+            <a:r>
+              <a:rPr lang="en-US" sz="3600" b="1" dirty="0">
+                <a:latin typeface="Arial" panose="020B0604020202020204" pitchFamily="34" charset="0"/>
+                <a:cs typeface="Arial" panose="020B0604020202020204" pitchFamily="34" charset="0"/>
+              </a:rPr>
+              <a:t>References</a:t>
+            </a:r>
+          </a:p>
+        </p:txBody>
+      </p:sp>
+      <p:cxnSp>
+        <p:nvCxnSpPr>
+          <p:cNvPr id="4" name="Straight Connector 3">
+            <a:extLst>
+              <a:ext uri="{FF2B5EF4-FFF2-40B4-BE49-F238E27FC236}">
+                <a16:creationId xmlns:a16="http://schemas.microsoft.com/office/drawing/2014/main" id="{CFDF23E1-C7BD-4C48-9E8A-53704A4D662C}"/>
+              </a:ext>
+            </a:extLst>
+          </p:cNvPr>
+          <p:cNvCxnSpPr>
+            <a:cxnSpLocks/>
+          </p:cNvCxnSpPr>
+          <p:nvPr/>
+        </p:nvCxnSpPr>
+        <p:spPr>
+          <a:xfrm>
+            <a:off x="460714" y="886654"/>
+            <a:ext cx="11270573" cy="0"/>
+          </a:xfrm>
+          <a:prstGeom prst="line">
+            <a:avLst/>
+          </a:prstGeom>
+          <a:ln w="38100">
+            <a:solidFill>
+              <a:schemeClr val="tx1"/>
+            </a:solidFill>
+          </a:ln>
+        </p:spPr>
+        <p:style>
+          <a:lnRef idx="1">
+            <a:schemeClr val="accent1"/>
+          </a:lnRef>
+          <a:fillRef idx="0">
+            <a:schemeClr val="accent1"/>
+          </a:fillRef>
+          <a:effectRef idx="0">
+            <a:schemeClr val="accent1"/>
+          </a:effectRef>
+          <a:fontRef idx="minor">
+            <a:schemeClr val="tx1"/>
+          </a:fontRef>
+        </p:style>
+      </p:cxnSp>
+      <p:sp>
+        <p:nvSpPr>
+          <p:cNvPr id="5" name="TextBox 4">
+            <a:extLst>
+              <a:ext uri="{FF2B5EF4-FFF2-40B4-BE49-F238E27FC236}">
+                <a16:creationId xmlns:a16="http://schemas.microsoft.com/office/drawing/2014/main" id="{A282371E-38BA-5141-AE1B-F1AE656FF39C}"/>
+              </a:ext>
+            </a:extLst>
+          </p:cNvPr>
+          <p:cNvSpPr txBox="1"/>
+          <p:nvPr/>
+        </p:nvSpPr>
+        <p:spPr>
+          <a:xfrm>
+            <a:off x="455385" y="1268760"/>
+            <a:ext cx="11270572" cy="369332"/>
+          </a:xfrm>
+          <a:prstGeom prst="rect">
+            <a:avLst/>
+          </a:prstGeom>
+          <a:noFill/>
+        </p:spPr>
+        <p:txBody>
+          <a:bodyPr wrap="square" lIns="0" tIns="0" rIns="0" bIns="0" rtlCol="0">
+            <a:spAutoFit/>
+          </a:bodyPr>
+          <a:lstStyle/>
+          <a:p>
+            <a:pPr marL="457200" indent="-457200" algn="just">
+              <a:buFont typeface="+mj-lt"/>
+              <a:buAutoNum type="arabicPeriod"/>
+            </a:pPr>
+            <a:r>
+              <a:rPr lang="en-US" sz="2400" dirty="0">
+                <a:latin typeface="Arial" panose="020B0604020202020204" pitchFamily="34" charset="0"/>
+                <a:cs typeface="Arial" panose="020B0604020202020204" pitchFamily="34" charset="0"/>
+              </a:rPr>
+              <a:t>TBD</a:t>
+            </a:r>
+          </a:p>
+        </p:txBody>
+      </p:sp>
+    </p:spTree>
+    <p:extLst>
+      <p:ext uri="{BB962C8B-B14F-4D97-AF65-F5344CB8AC3E}">
+        <p14:creationId xmlns:p14="http://schemas.microsoft.com/office/powerpoint/2010/main" val="2249029831"/>
+      </p:ext>
+    </p:extLst>
+  </p:cSld>
+  <p:clrMapOvr>
+    <a:masterClrMapping/>
+  </p:clrMapOvr>
+</p:sld>
+</file>
+
+<file path=ppt/slides/slide11.xml><?xml version="1.0" encoding="utf-8"?>
+<p:sld xmlns:a="http://schemas.openxmlformats.org/drawingml/2006/main" xmlns:r="http://schemas.openxmlformats.org/officeDocument/2006/relationships" xmlns:p="http://schemas.openxmlformats.org/presentationml/2006/main" show="0">
+  <p:cSld>
+    <p:spTree>
+      <p:nvGrpSpPr>
+        <p:cNvPr id="1" name=""/>
+        <p:cNvGrpSpPr/>
+        <p:nvPr/>
+      </p:nvGrpSpPr>
+      <p:grpSpPr>
+        <a:xfrm>
+          <a:off x="0" y="0"/>
+          <a:ext cx="0" cy="0"/>
+          <a:chOff x="0" y="0"/>
+          <a:chExt cx="0" cy="0"/>
+        </a:xfrm>
+      </p:grpSpPr>
+      <p:sp>
+        <p:nvSpPr>
+          <p:cNvPr id="2" name="Slide Number Placeholder 1">
+            <a:extLst>
+              <a:ext uri="{FF2B5EF4-FFF2-40B4-BE49-F238E27FC236}">
+                <a16:creationId xmlns:a16="http://schemas.microsoft.com/office/drawing/2014/main" id="{9B12371F-989E-EE43-B20F-90E48B433F0A}"/>
+              </a:ext>
+            </a:extLst>
+          </p:cNvPr>
+          <p:cNvSpPr>
+            <a:spLocks noGrp="1"/>
+          </p:cNvSpPr>
+          <p:nvPr>
+            <p:ph type="sldNum" sz="quarter" idx="12"/>
+          </p:nvPr>
+        </p:nvSpPr>
+        <p:spPr/>
+        <p:txBody>
+          <a:bodyPr/>
+          <a:lstStyle/>
+          <a:p>
+            <a:fld id="{2D00CA07-45C7-8142-9F4D-3A07AD48DFA1}" type="slidenum">
+              <a:rPr lang="en-US" smtClean="0"/>
+              <a:t>11</a:t>
+            </a:fld>
+            <a:endParaRPr lang="en-US"/>
+          </a:p>
+        </p:txBody>
+      </p:sp>
+      <p:sp>
+        <p:nvSpPr>
+          <p:cNvPr id="3" name="TextBox 2">
+            <a:extLst>
+              <a:ext uri="{FF2B5EF4-FFF2-40B4-BE49-F238E27FC236}">
+                <a16:creationId xmlns:a16="http://schemas.microsoft.com/office/drawing/2014/main" id="{2B4E9B55-4425-2740-A108-76FF69BA3D12}"/>
+              </a:ext>
+            </a:extLst>
+          </p:cNvPr>
+          <p:cNvSpPr txBox="1"/>
+          <p:nvPr/>
+        </p:nvSpPr>
+        <p:spPr>
+          <a:xfrm>
+            <a:off x="460713" y="332656"/>
+            <a:ext cx="940642" cy="553998"/>
+          </a:xfrm>
+          <a:prstGeom prst="rect">
+            <a:avLst/>
+          </a:prstGeom>
+          <a:noFill/>
+        </p:spPr>
+        <p:txBody>
+          <a:bodyPr wrap="none" lIns="0" tIns="0" rIns="0" bIns="0" rtlCol="0">
+            <a:spAutoFit/>
+          </a:bodyPr>
+          <a:lstStyle/>
+          <a:p>
+            <a:r>
+              <a:rPr lang="en-US" sz="3600" b="1" dirty="0">
+                <a:latin typeface="Arial" panose="020B0604020202020204" pitchFamily="34" charset="0"/>
+                <a:cs typeface="Arial" panose="020B0604020202020204" pitchFamily="34" charset="0"/>
+              </a:rPr>
+              <a:t>Title</a:t>
+            </a:r>
+          </a:p>
+        </p:txBody>
+      </p:sp>
+      <p:cxnSp>
+        <p:nvCxnSpPr>
+          <p:cNvPr id="4" name="Straight Connector 3">
+            <a:extLst>
+              <a:ext uri="{FF2B5EF4-FFF2-40B4-BE49-F238E27FC236}">
+                <a16:creationId xmlns:a16="http://schemas.microsoft.com/office/drawing/2014/main" id="{CFDF23E1-C7BD-4C48-9E8A-53704A4D662C}"/>
+              </a:ext>
+            </a:extLst>
+          </p:cNvPr>
+          <p:cNvCxnSpPr>
+            <a:cxnSpLocks/>
+          </p:cNvCxnSpPr>
+          <p:nvPr/>
+        </p:nvCxnSpPr>
+        <p:spPr>
+          <a:xfrm>
+            <a:off x="460714" y="886654"/>
+            <a:ext cx="11270573" cy="0"/>
+          </a:xfrm>
+          <a:prstGeom prst="line">
+            <a:avLst/>
+          </a:prstGeom>
+          <a:ln w="38100">
+            <a:solidFill>
+              <a:schemeClr val="tx1"/>
+            </a:solidFill>
+          </a:ln>
+        </p:spPr>
+        <p:style>
+          <a:lnRef idx="1">
+            <a:schemeClr val="accent1"/>
+          </a:lnRef>
+          <a:fillRef idx="0">
+            <a:schemeClr val="accent1"/>
+          </a:fillRef>
+          <a:effectRef idx="0">
+            <a:schemeClr val="accent1"/>
+          </a:effectRef>
+          <a:fontRef idx="minor">
+            <a:schemeClr val="tx1"/>
+          </a:fontRef>
+        </p:style>
+      </p:cxnSp>
+      <p:grpSp>
+        <p:nvGrpSpPr>
+          <p:cNvPr id="13" name="Group 12">
+            <a:extLst>
+              <a:ext uri="{FF2B5EF4-FFF2-40B4-BE49-F238E27FC236}">
+                <a16:creationId xmlns:a16="http://schemas.microsoft.com/office/drawing/2014/main" id="{8E985FFC-9E59-6F4F-9F75-C95E2250FD53}"/>
+              </a:ext>
+            </a:extLst>
+          </p:cNvPr>
+          <p:cNvGrpSpPr/>
+          <p:nvPr/>
+        </p:nvGrpSpPr>
+        <p:grpSpPr>
+          <a:xfrm>
+            <a:off x="460713" y="1147906"/>
+            <a:ext cx="5209425" cy="373028"/>
+            <a:chOff x="460713" y="1147906"/>
+            <a:chExt cx="5209425" cy="373028"/>
+          </a:xfrm>
+        </p:grpSpPr>
+        <p:sp>
+          <p:nvSpPr>
+            <p:cNvPr id="9" name="TextBox 8">
+              <a:extLst>
+                <a:ext uri="{FF2B5EF4-FFF2-40B4-BE49-F238E27FC236}">
+                  <a16:creationId xmlns:a16="http://schemas.microsoft.com/office/drawing/2014/main" id="{5864DE45-F31F-F34E-BAC6-E015E30D4D60}"/>
+                </a:ext>
+              </a:extLst>
+            </p:cNvPr>
+            <p:cNvSpPr txBox="1"/>
+            <p:nvPr/>
+          </p:nvSpPr>
+          <p:spPr>
+            <a:xfrm>
+              <a:off x="460713" y="1147906"/>
+              <a:ext cx="1126912" cy="369332"/>
+            </a:xfrm>
+            <a:prstGeom prst="rect">
+              <a:avLst/>
+            </a:prstGeom>
+            <a:noFill/>
+          </p:spPr>
+          <p:txBody>
+            <a:bodyPr wrap="none" lIns="0" tIns="0" rIns="0" bIns="0" rtlCol="0">
+              <a:spAutoFit/>
+            </a:bodyPr>
+            <a:lstStyle/>
+            <a:p>
+              <a:pPr algn="l"/>
+              <a:r>
+                <a:rPr lang="en-US" sz="2400" b="1" dirty="0">
+                  <a:solidFill>
+                    <a:srgbClr val="03529B"/>
+                  </a:solidFill>
+                  <a:latin typeface="Arial" panose="020B0604020202020204" pitchFamily="34" charset="0"/>
+                  <a:cs typeface="Arial" panose="020B0604020202020204" pitchFamily="34" charset="0"/>
+                </a:rPr>
+                <a:t>Subtitle</a:t>
+              </a:r>
+            </a:p>
+          </p:txBody>
+        </p:sp>
+        <p:cxnSp>
+          <p:nvCxnSpPr>
+            <p:cNvPr id="11" name="Straight Connector 10">
+              <a:extLst>
+                <a:ext uri="{FF2B5EF4-FFF2-40B4-BE49-F238E27FC236}">
+                  <a16:creationId xmlns:a16="http://schemas.microsoft.com/office/drawing/2014/main" id="{F45F55A1-178F-204B-8122-0D25726930AE}"/>
+                </a:ext>
+              </a:extLst>
+            </p:cNvPr>
+            <p:cNvCxnSpPr>
+              <a:cxnSpLocks/>
+            </p:cNvCxnSpPr>
+            <p:nvPr/>
+          </p:nvCxnSpPr>
+          <p:spPr>
+            <a:xfrm>
+              <a:off x="460713" y="1520934"/>
+              <a:ext cx="5209425" cy="0"/>
+            </a:xfrm>
+            <a:prstGeom prst="line">
+              <a:avLst/>
+            </a:prstGeom>
+            <a:ln w="28575">
+              <a:solidFill>
+                <a:srgbClr val="03529B"/>
+              </a:solidFill>
+            </a:ln>
+          </p:spPr>
+          <p:style>
+            <a:lnRef idx="1">
+              <a:schemeClr val="accent1"/>
+            </a:lnRef>
+            <a:fillRef idx="0">
+              <a:schemeClr val="accent1"/>
+            </a:fillRef>
+            <a:effectRef idx="0">
+              <a:schemeClr val="accent1"/>
+            </a:effectRef>
+            <a:fontRef idx="minor">
+              <a:schemeClr val="tx1"/>
+            </a:fontRef>
+          </p:style>
+        </p:cxnSp>
+      </p:grpSp>
+    </p:spTree>
+    <p:extLst>
+      <p:ext uri="{BB962C8B-B14F-4D97-AF65-F5344CB8AC3E}">
+        <p14:creationId xmlns:p14="http://schemas.microsoft.com/office/powerpoint/2010/main" val="690091866"/>
+      </p:ext>
+    </p:extLst>
+  </p:cSld>
+  <p:clrMapOvr>
+    <a:masterClrMapping/>
+  </p:clrMapOvr>
+</p:sld>
+</file>
+
 <file path=ppt/slides/slide2.xml><?xml version="1.0" encoding="utf-8"?>
 <p:sld xmlns:a="http://schemas.openxmlformats.org/drawingml/2006/main" xmlns:r="http://schemas.openxmlformats.org/officeDocument/2006/relationships" xmlns:p="http://schemas.openxmlformats.org/presentationml/2006/main">
   <p:cSld>
@@ -6033,7 +6990,12 @@
             <p:ph type="ctrTitle"/>
           </p:nvPr>
         </p:nvSpPr>
-        <p:spPr/>
+        <p:spPr>
+          <a:xfrm>
+            <a:off x="1397732" y="1145391"/>
+            <a:ext cx="9396536" cy="2387600"/>
+          </a:xfrm>
+        </p:spPr>
         <p:txBody>
           <a:bodyPr>
             <a:normAutofit/>
@@ -6045,7 +7007,7 @@
                 <a:latin typeface="Arial" panose="020B0604020202020204" pitchFamily="34" charset="0"/>
                 <a:cs typeface="Arial" panose="020B0604020202020204" pitchFamily="34" charset="0"/>
               </a:rPr>
-              <a:t>Title</a:t>
+              <a:t>Black Market Methadone Prices Across the United States</a:t>
             </a:r>
           </a:p>
         </p:txBody>
@@ -6399,7 +7361,7 @@
           <p:cNvPr id="2" name="Slide Number Placeholder 1">
             <a:extLst>
               <a:ext uri="{FF2B5EF4-FFF2-40B4-BE49-F238E27FC236}">
-                <a16:creationId xmlns:a16="http://schemas.microsoft.com/office/drawing/2014/main" id="{9B12371F-989E-EE43-B20F-90E48B433F0A}"/>
+                <a16:creationId xmlns:a16="http://schemas.microsoft.com/office/drawing/2014/main" id="{9E8A7CBC-B3C6-8641-9F12-AB28A2E755B7}"/>
               </a:ext>
             </a:extLst>
           </p:cNvPr>
@@ -6428,7 +7390,7 @@
           <p:cNvPr id="3" name="TextBox 2">
             <a:extLst>
               <a:ext uri="{FF2B5EF4-FFF2-40B4-BE49-F238E27FC236}">
-                <a16:creationId xmlns:a16="http://schemas.microsoft.com/office/drawing/2014/main" id="{2B4E9B55-4425-2740-A108-76FF69BA3D12}"/>
+                <a16:creationId xmlns:a16="http://schemas.microsoft.com/office/drawing/2014/main" id="{6FB39AF1-AF7F-7A40-B118-48507C9A36B4}"/>
               </a:ext>
             </a:extLst>
           </p:cNvPr>
@@ -6438,7 +7400,7 @@
         <p:spPr>
           <a:xfrm>
             <a:off x="460713" y="332656"/>
-            <a:ext cx="2487861" cy="553998"/>
+            <a:ext cx="1590179" cy="553998"/>
           </a:xfrm>
           <a:prstGeom prst="rect">
             <a:avLst/>
@@ -6456,7 +7418,7 @@
                 <a:latin typeface="Arial" panose="020B0604020202020204" pitchFamily="34" charset="0"/>
                 <a:cs typeface="Arial" panose="020B0604020202020204" pitchFamily="34" charset="0"/>
               </a:rPr>
-              <a:t>References</a:t>
+              <a:t>Outline</a:t>
             </a:r>
           </a:p>
         </p:txBody>
@@ -6466,7 +7428,7 @@
           <p:cNvPr id="4" name="Straight Connector 3">
             <a:extLst>
               <a:ext uri="{FF2B5EF4-FFF2-40B4-BE49-F238E27FC236}">
-                <a16:creationId xmlns:a16="http://schemas.microsoft.com/office/drawing/2014/main" id="{CFDF23E1-C7BD-4C48-9E8A-53704A4D662C}"/>
+                <a16:creationId xmlns:a16="http://schemas.microsoft.com/office/drawing/2014/main" id="{30C43C0B-860B-434B-A757-335A7778D365}"/>
               </a:ext>
             </a:extLst>
           </p:cNvPr>
@@ -6509,7 +7471,7 @@
           <p:cNvPr id="5" name="TextBox 4">
             <a:extLst>
               <a:ext uri="{FF2B5EF4-FFF2-40B4-BE49-F238E27FC236}">
-                <a16:creationId xmlns:a16="http://schemas.microsoft.com/office/drawing/2014/main" id="{A282371E-38BA-5141-AE1B-F1AE656FF39C}"/>
+                <a16:creationId xmlns:a16="http://schemas.microsoft.com/office/drawing/2014/main" id="{FC5B8EF5-4143-8B4C-A7D1-7C1E29B26E64}"/>
               </a:ext>
             </a:extLst>
           </p:cNvPr>
@@ -6518,8 +7480,8 @@
         </p:nvSpPr>
         <p:spPr>
           <a:xfrm>
-            <a:off x="455385" y="1268760"/>
-            <a:ext cx="11270572" cy="369332"/>
+            <a:off x="460713" y="1440652"/>
+            <a:ext cx="4032448" cy="2954655"/>
           </a:xfrm>
           <a:prstGeom prst="rect">
             <a:avLst/>
@@ -6532,16 +7494,107 @@
           </a:bodyPr>
           <a:lstStyle/>
           <a:p>
-            <a:pPr marL="457200" indent="-457200" algn="just">
-              <a:buFont typeface="+mj-lt"/>
-              <a:buAutoNum type="arabicPeriod"/>
+            <a:pPr marL="342900" indent="-342900" algn="l">
+              <a:buFontTx/>
+              <a:buChar char="-"/>
             </a:pPr>
             <a:r>
               <a:rPr lang="en-US" sz="2400" dirty="0">
                 <a:latin typeface="Arial" panose="020B0604020202020204" pitchFamily="34" charset="0"/>
                 <a:cs typeface="Arial" panose="020B0604020202020204" pitchFamily="34" charset="0"/>
               </a:rPr>
-              <a:t>TBD</a:t>
+              <a:t>Data Background</a:t>
+            </a:r>
+          </a:p>
+          <a:p>
+            <a:pPr marL="342900" indent="-342900" algn="l">
+              <a:buFontTx/>
+              <a:buChar char="-"/>
+            </a:pPr>
+            <a:r>
+              <a:rPr lang="en-US" sz="2400" dirty="0">
+                <a:latin typeface="Arial" panose="020B0604020202020204" pitchFamily="34" charset="0"/>
+                <a:cs typeface="Arial" panose="020B0604020202020204" pitchFamily="34" charset="0"/>
+              </a:rPr>
+              <a:t>Process</a:t>
+            </a:r>
+          </a:p>
+          <a:p>
+            <a:pPr marL="800100" lvl="1" indent="-342900">
+              <a:buFontTx/>
+              <a:buChar char="-"/>
+            </a:pPr>
+            <a:r>
+              <a:rPr lang="en-US" sz="2400" dirty="0">
+                <a:latin typeface="Arial" panose="020B0604020202020204" pitchFamily="34" charset="0"/>
+                <a:cs typeface="Arial" panose="020B0604020202020204" pitchFamily="34" charset="0"/>
+              </a:rPr>
+              <a:t>Data Cleaning </a:t>
+            </a:r>
+          </a:p>
+          <a:p>
+            <a:pPr marL="800100" lvl="1" indent="-342900">
+              <a:buFontTx/>
+              <a:buChar char="-"/>
+            </a:pPr>
+            <a:r>
+              <a:rPr lang="en-US" sz="2400" dirty="0">
+                <a:latin typeface="Arial" panose="020B0604020202020204" pitchFamily="34" charset="0"/>
+                <a:cs typeface="Arial" panose="020B0604020202020204" pitchFamily="34" charset="0"/>
+              </a:rPr>
+              <a:t>EDA</a:t>
+            </a:r>
+          </a:p>
+          <a:p>
+            <a:pPr marL="800100" lvl="1" indent="-342900">
+              <a:buFontTx/>
+              <a:buChar char="-"/>
+            </a:pPr>
+            <a:r>
+              <a:rPr lang="en-US" sz="2400" dirty="0">
+                <a:latin typeface="Arial" panose="020B0604020202020204" pitchFamily="34" charset="0"/>
+                <a:cs typeface="Arial" panose="020B0604020202020204" pitchFamily="34" charset="0"/>
+              </a:rPr>
+              <a:t>Linear Model Fitting</a:t>
+            </a:r>
+          </a:p>
+          <a:p>
+            <a:pPr marL="800100" lvl="1" indent="-342900">
+              <a:buFontTx/>
+              <a:buChar char="-"/>
+            </a:pPr>
+            <a:r>
+              <a:rPr lang="en-US" sz="2400" dirty="0">
+                <a:latin typeface="Arial" panose="020B0604020202020204" pitchFamily="34" charset="0"/>
+                <a:cs typeface="Arial" panose="020B0604020202020204" pitchFamily="34" charset="0"/>
+              </a:rPr>
+              <a:t>Hierarchal Model Fitting</a:t>
+            </a:r>
+          </a:p>
+          <a:p>
+            <a:pPr marL="800100" lvl="1" indent="-342900">
+              <a:buFontTx/>
+              <a:buChar char="-"/>
+            </a:pPr>
+            <a:r>
+              <a:rPr lang="en-US" sz="2400" dirty="0">
+                <a:latin typeface="Arial" panose="020B0604020202020204" pitchFamily="34" charset="0"/>
+                <a:cs typeface="Arial" panose="020B0604020202020204" pitchFamily="34" charset="0"/>
+              </a:rPr>
+              <a:t>Interpretations</a:t>
+            </a:r>
+          </a:p>
+          <a:p>
+            <a:pPr marL="342900" indent="-342900">
+              <a:buFontTx/>
+              <a:buChar char="-"/>
+            </a:pPr>
+            <a:r>
+              <a:rPr lang="en-US" sz="2400" dirty="0">
+                <a:latin typeface="Arial" panose="020B0604020202020204" pitchFamily="34" charset="0"/>
+                <a:cs typeface="Arial" panose="020B0604020202020204" pitchFamily="34" charset="0"/>
+              </a:rPr>
+              <a:t>Conclusion</a:t>
             </a:r>
           </a:p>
         </p:txBody>
@@ -6549,7 +7602,7 @@
     </p:spTree>
     <p:extLst>
       <p:ext uri="{BB962C8B-B14F-4D97-AF65-F5344CB8AC3E}">
-        <p14:creationId xmlns:p14="http://schemas.microsoft.com/office/powerpoint/2010/main" val="2249029831"/>
+        <p14:creationId xmlns:p14="http://schemas.microsoft.com/office/powerpoint/2010/main" val="1991274860"/>
       </p:ext>
     </p:extLst>
   </p:cSld>
@@ -6560,7 +7613,7 @@
 </file>
 
 <file path=ppt/slides/slide4.xml><?xml version="1.0" encoding="utf-8"?>
-<p:sld xmlns:a="http://schemas.openxmlformats.org/drawingml/2006/main" xmlns:r="http://schemas.openxmlformats.org/officeDocument/2006/relationships" xmlns:p="http://schemas.openxmlformats.org/presentationml/2006/main" show="0">
+<p:sld xmlns:a="http://schemas.openxmlformats.org/drawingml/2006/main" xmlns:r="http://schemas.openxmlformats.org/officeDocument/2006/relationships" xmlns:p="http://schemas.openxmlformats.org/presentationml/2006/main">
   <p:cSld>
     <p:spTree>
       <p:nvGrpSpPr>
@@ -6578,6 +7631,60 @@
       </p:grpSpPr>
       <p:sp>
         <p:nvSpPr>
+          <p:cNvPr id="50" name="Rectangle 49">
+            <a:extLst>
+              <a:ext uri="{FF2B5EF4-FFF2-40B4-BE49-F238E27FC236}">
+                <a16:creationId xmlns:a16="http://schemas.microsoft.com/office/drawing/2014/main" id="{5638415C-7E49-1042-A297-277C0399FC47}"/>
+              </a:ext>
+            </a:extLst>
+          </p:cNvPr>
+          <p:cNvSpPr/>
+          <p:nvPr/>
+        </p:nvSpPr>
+        <p:spPr>
+          <a:xfrm>
+            <a:off x="263352" y="5898557"/>
+            <a:ext cx="1584176" cy="770912"/>
+          </a:xfrm>
+          <a:prstGeom prst="rect">
+            <a:avLst/>
+          </a:prstGeom>
+          <a:solidFill>
+            <a:schemeClr val="bg1"/>
+          </a:solidFill>
+          <a:ln>
+            <a:solidFill>
+              <a:schemeClr val="bg1"/>
+            </a:solidFill>
+          </a:ln>
+        </p:spPr>
+        <p:style>
+          <a:lnRef idx="2">
+            <a:schemeClr val="accent1">
+              <a:shade val="50000"/>
+            </a:schemeClr>
+          </a:lnRef>
+          <a:fillRef idx="1">
+            <a:schemeClr val="accent1"/>
+          </a:fillRef>
+          <a:effectRef idx="0">
+            <a:schemeClr val="accent1"/>
+          </a:effectRef>
+          <a:fontRef idx="minor">
+            <a:schemeClr val="lt1"/>
+          </a:fontRef>
+        </p:style>
+        <p:txBody>
+          <a:bodyPr rtlCol="0" anchor="ctr"/>
+          <a:lstStyle/>
+          <a:p>
+            <a:pPr algn="ctr"/>
+            <a:endParaRPr lang="en-US"/>
+          </a:p>
+        </p:txBody>
+      </p:sp>
+      <p:sp>
+        <p:nvSpPr>
           <p:cNvPr id="2" name="Slide Number Placeholder 1">
             <a:extLst>
               <a:ext uri="{FF2B5EF4-FFF2-40B4-BE49-F238E27FC236}">
@@ -6601,7 +7708,7 @@
               <a:rPr lang="en-US" smtClean="0"/>
               <a:t>4</a:t>
             </a:fld>
-            <a:endParaRPr lang="en-US"/>
+            <a:endParaRPr lang="en-US" dirty="0"/>
           </a:p>
         </p:txBody>
       </p:sp>
@@ -6620,7 +7727,7 @@
         <p:spPr>
           <a:xfrm>
             <a:off x="460713" y="332656"/>
-            <a:ext cx="940642" cy="553998"/>
+            <a:ext cx="5539978" cy="553998"/>
           </a:xfrm>
           <a:prstGeom prst="rect">
             <a:avLst/>
@@ -6638,7 +7745,2615 @@
                 <a:latin typeface="Arial" panose="020B0604020202020204" pitchFamily="34" charset="0"/>
                 <a:cs typeface="Arial" panose="020B0604020202020204" pitchFamily="34" charset="0"/>
               </a:rPr>
-              <a:t>Title</a:t>
+              <a:t>Data &amp; Modeling Process</a:t>
+            </a:r>
+          </a:p>
+        </p:txBody>
+      </p:sp>
+      <p:cxnSp>
+        <p:nvCxnSpPr>
+          <p:cNvPr id="4" name="Straight Connector 3">
+            <a:extLst>
+              <a:ext uri="{FF2B5EF4-FFF2-40B4-BE49-F238E27FC236}">
+                <a16:creationId xmlns:a16="http://schemas.microsoft.com/office/drawing/2014/main" id="{CFDF23E1-C7BD-4C48-9E8A-53704A4D662C}"/>
+              </a:ext>
+            </a:extLst>
+          </p:cNvPr>
+          <p:cNvCxnSpPr>
+            <a:cxnSpLocks/>
+          </p:cNvCxnSpPr>
+          <p:nvPr/>
+        </p:nvCxnSpPr>
+        <p:spPr>
+          <a:xfrm>
+            <a:off x="460714" y="886654"/>
+            <a:ext cx="11270573" cy="0"/>
+          </a:xfrm>
+          <a:prstGeom prst="line">
+            <a:avLst/>
+          </a:prstGeom>
+          <a:ln w="38100">
+            <a:solidFill>
+              <a:schemeClr val="tx1"/>
+            </a:solidFill>
+          </a:ln>
+        </p:spPr>
+        <p:style>
+          <a:lnRef idx="1">
+            <a:schemeClr val="accent1"/>
+          </a:lnRef>
+          <a:fillRef idx="0">
+            <a:schemeClr val="accent1"/>
+          </a:fillRef>
+          <a:effectRef idx="0">
+            <a:schemeClr val="accent1"/>
+          </a:effectRef>
+          <a:fontRef idx="minor">
+            <a:schemeClr val="tx1"/>
+          </a:fontRef>
+        </p:style>
+      </p:cxnSp>
+      <p:sp>
+        <p:nvSpPr>
+          <p:cNvPr id="21" name="Rectangle 20">
+            <a:extLst>
+              <a:ext uri="{FF2B5EF4-FFF2-40B4-BE49-F238E27FC236}">
+                <a16:creationId xmlns:a16="http://schemas.microsoft.com/office/drawing/2014/main" id="{5FDA4255-E9E4-B34C-AF29-E7263B083EF0}"/>
+              </a:ext>
+            </a:extLst>
+          </p:cNvPr>
+          <p:cNvSpPr/>
+          <p:nvPr/>
+        </p:nvSpPr>
+        <p:spPr>
+          <a:xfrm>
+            <a:off x="460712" y="1225504"/>
+            <a:ext cx="4555166" cy="1051363"/>
+          </a:xfrm>
+          <a:prstGeom prst="rect">
+            <a:avLst/>
+          </a:prstGeom>
+          <a:solidFill>
+            <a:schemeClr val="bg1">
+              <a:lumMod val="95000"/>
+            </a:schemeClr>
+          </a:solidFill>
+          <a:ln w="28575">
+            <a:solidFill>
+              <a:schemeClr val="tx1"/>
+            </a:solidFill>
+          </a:ln>
+        </p:spPr>
+        <p:style>
+          <a:lnRef idx="2">
+            <a:schemeClr val="accent1">
+              <a:shade val="50000"/>
+            </a:schemeClr>
+          </a:lnRef>
+          <a:fillRef idx="1">
+            <a:schemeClr val="accent1"/>
+          </a:fillRef>
+          <a:effectRef idx="0">
+            <a:schemeClr val="accent1"/>
+          </a:effectRef>
+          <a:fontRef idx="minor">
+            <a:schemeClr val="lt1"/>
+          </a:fontRef>
+        </p:style>
+        <p:txBody>
+          <a:bodyPr rtlCol="0" anchor="ctr"/>
+          <a:lstStyle/>
+          <a:p>
+            <a:pPr algn="ctr"/>
+            <a:r>
+              <a:rPr lang="en-US" sz="2400" dirty="0">
+                <a:solidFill>
+                  <a:schemeClr val="tx1"/>
+                </a:solidFill>
+                <a:latin typeface="Arial" panose="020B0604020202020204" pitchFamily="34" charset="0"/>
+                <a:cs typeface="Arial" panose="020B0604020202020204" pitchFamily="34" charset="0"/>
+              </a:rPr>
+              <a:t>Data Cleaning</a:t>
+            </a:r>
+          </a:p>
+        </p:txBody>
+      </p:sp>
+      <p:sp>
+        <p:nvSpPr>
+          <p:cNvPr id="22" name="Rectangle 21">
+            <a:extLst>
+              <a:ext uri="{FF2B5EF4-FFF2-40B4-BE49-F238E27FC236}">
+                <a16:creationId xmlns:a16="http://schemas.microsoft.com/office/drawing/2014/main" id="{7D73AC44-CF93-1D43-803D-49EA7DE2F922}"/>
+              </a:ext>
+            </a:extLst>
+          </p:cNvPr>
+          <p:cNvSpPr/>
+          <p:nvPr/>
+        </p:nvSpPr>
+        <p:spPr>
+          <a:xfrm>
+            <a:off x="460937" y="2549817"/>
+            <a:ext cx="4555165" cy="569152"/>
+          </a:xfrm>
+          <a:prstGeom prst="rect">
+            <a:avLst/>
+          </a:prstGeom>
+          <a:solidFill>
+            <a:schemeClr val="bg1">
+              <a:lumMod val="95000"/>
+            </a:schemeClr>
+          </a:solidFill>
+          <a:ln w="28575">
+            <a:solidFill>
+              <a:schemeClr val="tx1"/>
+            </a:solidFill>
+          </a:ln>
+        </p:spPr>
+        <p:style>
+          <a:lnRef idx="2">
+            <a:schemeClr val="accent1">
+              <a:shade val="50000"/>
+            </a:schemeClr>
+          </a:lnRef>
+          <a:fillRef idx="1">
+            <a:schemeClr val="accent1"/>
+          </a:fillRef>
+          <a:effectRef idx="0">
+            <a:schemeClr val="accent1"/>
+          </a:effectRef>
+          <a:fontRef idx="minor">
+            <a:schemeClr val="lt1"/>
+          </a:fontRef>
+        </p:style>
+        <p:txBody>
+          <a:bodyPr rtlCol="0" anchor="ctr"/>
+          <a:lstStyle/>
+          <a:p>
+            <a:pPr algn="ctr"/>
+            <a:r>
+              <a:rPr lang="en-US" sz="2400" dirty="0">
+                <a:solidFill>
+                  <a:schemeClr val="tx1"/>
+                </a:solidFill>
+                <a:latin typeface="Arial" panose="020B0604020202020204" pitchFamily="34" charset="0"/>
+                <a:cs typeface="Arial" panose="020B0604020202020204" pitchFamily="34" charset="0"/>
+              </a:rPr>
+              <a:t>EDA</a:t>
+            </a:r>
+          </a:p>
+        </p:txBody>
+      </p:sp>
+      <p:cxnSp>
+        <p:nvCxnSpPr>
+          <p:cNvPr id="23" name="Straight Arrow Connector 22">
+            <a:extLst>
+              <a:ext uri="{FF2B5EF4-FFF2-40B4-BE49-F238E27FC236}">
+                <a16:creationId xmlns:a16="http://schemas.microsoft.com/office/drawing/2014/main" id="{EC2E08B4-E72E-A64C-803B-2370C0645108}"/>
+              </a:ext>
+            </a:extLst>
+          </p:cNvPr>
+          <p:cNvCxnSpPr>
+            <a:cxnSpLocks/>
+            <a:stCxn id="21" idx="2"/>
+            <a:endCxn id="22" idx="0"/>
+          </p:cNvCxnSpPr>
+          <p:nvPr/>
+        </p:nvCxnSpPr>
+        <p:spPr>
+          <a:xfrm>
+            <a:off x="2738295" y="2276867"/>
+            <a:ext cx="225" cy="272950"/>
+          </a:xfrm>
+          <a:prstGeom prst="straightConnector1">
+            <a:avLst/>
+          </a:prstGeom>
+          <a:ln w="57150">
+            <a:solidFill>
+              <a:schemeClr val="tx1"/>
+            </a:solidFill>
+            <a:tailEnd type="triangle"/>
+          </a:ln>
+        </p:spPr>
+        <p:style>
+          <a:lnRef idx="1">
+            <a:schemeClr val="accent1"/>
+          </a:lnRef>
+          <a:fillRef idx="0">
+            <a:schemeClr val="accent1"/>
+          </a:fillRef>
+          <a:effectRef idx="0">
+            <a:schemeClr val="accent1"/>
+          </a:effectRef>
+          <a:fontRef idx="minor">
+            <a:schemeClr val="tx1"/>
+          </a:fontRef>
+        </p:style>
+      </p:cxnSp>
+      <p:sp>
+        <p:nvSpPr>
+          <p:cNvPr id="27" name="TextBox 26">
+            <a:extLst>
+              <a:ext uri="{FF2B5EF4-FFF2-40B4-BE49-F238E27FC236}">
+                <a16:creationId xmlns:a16="http://schemas.microsoft.com/office/drawing/2014/main" id="{C509D5D4-49FF-244A-9DA4-586568366BEB}"/>
+              </a:ext>
+            </a:extLst>
+          </p:cNvPr>
+          <p:cNvSpPr txBox="1"/>
+          <p:nvPr/>
+        </p:nvSpPr>
+        <p:spPr>
+          <a:xfrm>
+            <a:off x="5519935" y="1197187"/>
+            <a:ext cx="6206755" cy="1107996"/>
+          </a:xfrm>
+          <a:prstGeom prst="rect">
+            <a:avLst/>
+          </a:prstGeom>
+          <a:noFill/>
+        </p:spPr>
+        <p:txBody>
+          <a:bodyPr wrap="square" lIns="0" tIns="0" rIns="0" bIns="0" rtlCol="0">
+            <a:spAutoFit/>
+          </a:bodyPr>
+          <a:lstStyle/>
+          <a:p>
+            <a:pPr marL="342900" indent="-342900">
+              <a:buFont typeface="Arial" panose="020B0604020202020204" pitchFamily="34" charset="0"/>
+              <a:buChar char="•"/>
+            </a:pPr>
+            <a:r>
+              <a:rPr lang="en-US" sz="2400" dirty="0" err="1">
+                <a:latin typeface="Arial" panose="020B0604020202020204" pitchFamily="34" charset="0"/>
+                <a:cs typeface="Arial" panose="020B0604020202020204" pitchFamily="34" charset="0"/>
+              </a:rPr>
+              <a:t>StreetRx</a:t>
+            </a:r>
+            <a:r>
+              <a:rPr lang="en-US" sz="2400" dirty="0">
+                <a:latin typeface="Arial" panose="020B0604020202020204" pitchFamily="34" charset="0"/>
+                <a:cs typeface="Arial" panose="020B0604020202020204" pitchFamily="34" charset="0"/>
+              </a:rPr>
+              <a:t>: Crowdsourced data on diverted prescription drugs</a:t>
+            </a:r>
+          </a:p>
+          <a:p>
+            <a:pPr marL="342900" indent="-342900">
+              <a:buFont typeface="Arial" panose="020B0604020202020204" pitchFamily="34" charset="0"/>
+              <a:buChar char="•"/>
+            </a:pPr>
+            <a:r>
+              <a:rPr lang="en-US" sz="2400" dirty="0">
+                <a:latin typeface="Arial" panose="020B0604020202020204" pitchFamily="34" charset="0"/>
+                <a:cs typeface="Arial" panose="020B0604020202020204" pitchFamily="34" charset="0"/>
+              </a:rPr>
+              <a:t>Unreliable data inputs</a:t>
+            </a:r>
+          </a:p>
+        </p:txBody>
+      </p:sp>
+      <p:sp>
+        <p:nvSpPr>
+          <p:cNvPr id="28" name="TextBox 27">
+            <a:extLst>
+              <a:ext uri="{FF2B5EF4-FFF2-40B4-BE49-F238E27FC236}">
+                <a16:creationId xmlns:a16="http://schemas.microsoft.com/office/drawing/2014/main" id="{447E4086-8215-644C-A284-00C519050F48}"/>
+              </a:ext>
+            </a:extLst>
+          </p:cNvPr>
+          <p:cNvSpPr txBox="1"/>
+          <p:nvPr/>
+        </p:nvSpPr>
+        <p:spPr>
+          <a:xfrm>
+            <a:off x="5519936" y="2649727"/>
+            <a:ext cx="6206756" cy="369332"/>
+          </a:xfrm>
+          <a:prstGeom prst="rect">
+            <a:avLst/>
+          </a:prstGeom>
+          <a:noFill/>
+        </p:spPr>
+        <p:txBody>
+          <a:bodyPr wrap="square" lIns="0" tIns="0" rIns="0" bIns="0" rtlCol="0">
+            <a:spAutoFit/>
+          </a:bodyPr>
+          <a:lstStyle/>
+          <a:p>
+            <a:pPr marL="342900" indent="-342900" algn="l">
+              <a:buFont typeface="Arial" panose="020B0604020202020204" pitchFamily="34" charset="0"/>
+              <a:buChar char="•"/>
+            </a:pPr>
+            <a:r>
+              <a:rPr lang="en-US" sz="2400" dirty="0">
+                <a:latin typeface="Arial" panose="020B0604020202020204" pitchFamily="34" charset="0"/>
+                <a:cs typeface="Arial" panose="020B0604020202020204" pitchFamily="34" charset="0"/>
+              </a:rPr>
+              <a:t>Predictors and Interactions</a:t>
+            </a:r>
+          </a:p>
+        </p:txBody>
+      </p:sp>
+      <p:sp>
+        <p:nvSpPr>
+          <p:cNvPr id="29" name="TextBox 28">
+            <a:extLst>
+              <a:ext uri="{FF2B5EF4-FFF2-40B4-BE49-F238E27FC236}">
+                <a16:creationId xmlns:a16="http://schemas.microsoft.com/office/drawing/2014/main" id="{A538D425-E3AE-0140-8F58-3E69C85E4653}"/>
+              </a:ext>
+            </a:extLst>
+          </p:cNvPr>
+          <p:cNvSpPr txBox="1"/>
+          <p:nvPr/>
+        </p:nvSpPr>
+        <p:spPr>
+          <a:xfrm>
+            <a:off x="5523628" y="3454628"/>
+            <a:ext cx="6207660" cy="738664"/>
+          </a:xfrm>
+          <a:prstGeom prst="rect">
+            <a:avLst/>
+          </a:prstGeom>
+          <a:noFill/>
+        </p:spPr>
+        <p:txBody>
+          <a:bodyPr wrap="square" lIns="0" tIns="0" rIns="0" bIns="0" rtlCol="0">
+            <a:spAutoFit/>
+          </a:bodyPr>
+          <a:lstStyle/>
+          <a:p>
+            <a:pPr marL="342900" indent="-342900" algn="l">
+              <a:buFont typeface="Arial" panose="020B0604020202020204" pitchFamily="34" charset="0"/>
+              <a:buChar char="•"/>
+            </a:pPr>
+            <a:r>
+              <a:rPr lang="en-US" sz="2400" dirty="0">
+                <a:latin typeface="Arial" panose="020B0604020202020204" pitchFamily="34" charset="0"/>
+                <a:cs typeface="Arial" panose="020B0604020202020204" pitchFamily="34" charset="0"/>
+              </a:rPr>
+              <a:t>Fit base-level linear model</a:t>
+            </a:r>
+          </a:p>
+          <a:p>
+            <a:pPr marL="342900" indent="-342900" algn="l">
+              <a:buFont typeface="Arial" panose="020B0604020202020204" pitchFamily="34" charset="0"/>
+              <a:buChar char="•"/>
+            </a:pPr>
+            <a:r>
+              <a:rPr lang="en-US" sz="2400" dirty="0">
+                <a:latin typeface="Arial" panose="020B0604020202020204" pitchFamily="34" charset="0"/>
+                <a:cs typeface="Arial" panose="020B0604020202020204" pitchFamily="34" charset="0"/>
+              </a:rPr>
+              <a:t>Assessment</a:t>
+            </a:r>
+          </a:p>
+        </p:txBody>
+      </p:sp>
+      <p:sp>
+        <p:nvSpPr>
+          <p:cNvPr id="30" name="TextBox 29">
+            <a:extLst>
+              <a:ext uri="{FF2B5EF4-FFF2-40B4-BE49-F238E27FC236}">
+                <a16:creationId xmlns:a16="http://schemas.microsoft.com/office/drawing/2014/main" id="{187FE232-59C3-D44F-8DD7-C90209E85BD9}"/>
+              </a:ext>
+            </a:extLst>
+          </p:cNvPr>
+          <p:cNvSpPr txBox="1"/>
+          <p:nvPr/>
+        </p:nvSpPr>
+        <p:spPr>
+          <a:xfrm>
+            <a:off x="5523628" y="4591750"/>
+            <a:ext cx="6207660" cy="738664"/>
+          </a:xfrm>
+          <a:prstGeom prst="rect">
+            <a:avLst/>
+          </a:prstGeom>
+          <a:noFill/>
+        </p:spPr>
+        <p:txBody>
+          <a:bodyPr wrap="square" lIns="0" tIns="0" rIns="0" bIns="0" rtlCol="0">
+            <a:spAutoFit/>
+          </a:bodyPr>
+          <a:lstStyle/>
+          <a:p>
+            <a:pPr marL="342900" indent="-342900" algn="l">
+              <a:buFont typeface="Arial" panose="020B0604020202020204" pitchFamily="34" charset="0"/>
+              <a:buChar char="•"/>
+            </a:pPr>
+            <a:r>
+              <a:rPr lang="en-US" sz="2400" dirty="0">
+                <a:latin typeface="Arial" panose="020B0604020202020204" pitchFamily="34" charset="0"/>
+                <a:cs typeface="Arial" panose="020B0604020202020204" pitchFamily="34" charset="0"/>
+              </a:rPr>
+              <a:t>Fit hierarchal model</a:t>
+            </a:r>
+          </a:p>
+          <a:p>
+            <a:pPr marL="342900" indent="-342900" algn="l">
+              <a:buFont typeface="Arial" panose="020B0604020202020204" pitchFamily="34" charset="0"/>
+              <a:buChar char="•"/>
+            </a:pPr>
+            <a:r>
+              <a:rPr lang="en-US" sz="2400" dirty="0">
+                <a:latin typeface="Arial" panose="020B0604020202020204" pitchFamily="34" charset="0"/>
+                <a:cs typeface="Arial" panose="020B0604020202020204" pitchFamily="34" charset="0"/>
+              </a:rPr>
+              <a:t>Assessment</a:t>
+            </a:r>
+          </a:p>
+        </p:txBody>
+      </p:sp>
+      <p:sp>
+        <p:nvSpPr>
+          <p:cNvPr id="43" name="Rectangle 42">
+            <a:extLst>
+              <a:ext uri="{FF2B5EF4-FFF2-40B4-BE49-F238E27FC236}">
+                <a16:creationId xmlns:a16="http://schemas.microsoft.com/office/drawing/2014/main" id="{47794C2E-61F0-CA43-9A11-217EDB64A8E0}"/>
+              </a:ext>
+            </a:extLst>
+          </p:cNvPr>
+          <p:cNvSpPr/>
+          <p:nvPr/>
+        </p:nvSpPr>
+        <p:spPr>
+          <a:xfrm>
+            <a:off x="455778" y="3391919"/>
+            <a:ext cx="4555166" cy="864083"/>
+          </a:xfrm>
+          <a:prstGeom prst="rect">
+            <a:avLst/>
+          </a:prstGeom>
+          <a:solidFill>
+            <a:schemeClr val="bg1">
+              <a:lumMod val="95000"/>
+            </a:schemeClr>
+          </a:solidFill>
+          <a:ln w="28575">
+            <a:solidFill>
+              <a:schemeClr val="tx1"/>
+            </a:solidFill>
+          </a:ln>
+        </p:spPr>
+        <p:style>
+          <a:lnRef idx="2">
+            <a:schemeClr val="accent1">
+              <a:shade val="50000"/>
+            </a:schemeClr>
+          </a:lnRef>
+          <a:fillRef idx="1">
+            <a:schemeClr val="accent1"/>
+          </a:fillRef>
+          <a:effectRef idx="0">
+            <a:schemeClr val="accent1"/>
+          </a:effectRef>
+          <a:fontRef idx="minor">
+            <a:schemeClr val="lt1"/>
+          </a:fontRef>
+        </p:style>
+        <p:txBody>
+          <a:bodyPr rtlCol="0" anchor="ctr"/>
+          <a:lstStyle/>
+          <a:p>
+            <a:pPr algn="ctr"/>
+            <a:r>
+              <a:rPr lang="en-US" sz="2400" dirty="0">
+                <a:solidFill>
+                  <a:schemeClr val="tx1"/>
+                </a:solidFill>
+                <a:latin typeface="Arial" panose="020B0604020202020204" pitchFamily="34" charset="0"/>
+                <a:cs typeface="Arial" panose="020B0604020202020204" pitchFamily="34" charset="0"/>
+              </a:rPr>
+              <a:t>Linear Model Fitting</a:t>
+            </a:r>
+          </a:p>
+        </p:txBody>
+      </p:sp>
+      <p:sp>
+        <p:nvSpPr>
+          <p:cNvPr id="44" name="Rectangle 43">
+            <a:extLst>
+              <a:ext uri="{FF2B5EF4-FFF2-40B4-BE49-F238E27FC236}">
+                <a16:creationId xmlns:a16="http://schemas.microsoft.com/office/drawing/2014/main" id="{682ACF36-1967-B941-90EA-BA4F3B92E812}"/>
+              </a:ext>
+            </a:extLst>
+          </p:cNvPr>
+          <p:cNvSpPr/>
+          <p:nvPr/>
+        </p:nvSpPr>
+        <p:spPr>
+          <a:xfrm>
+            <a:off x="455778" y="4528952"/>
+            <a:ext cx="4555166" cy="864083"/>
+          </a:xfrm>
+          <a:prstGeom prst="rect">
+            <a:avLst/>
+          </a:prstGeom>
+          <a:solidFill>
+            <a:schemeClr val="bg1">
+              <a:lumMod val="95000"/>
+            </a:schemeClr>
+          </a:solidFill>
+          <a:ln w="28575">
+            <a:solidFill>
+              <a:schemeClr val="tx1"/>
+            </a:solidFill>
+          </a:ln>
+        </p:spPr>
+        <p:style>
+          <a:lnRef idx="2">
+            <a:schemeClr val="accent1">
+              <a:shade val="50000"/>
+            </a:schemeClr>
+          </a:lnRef>
+          <a:fillRef idx="1">
+            <a:schemeClr val="accent1"/>
+          </a:fillRef>
+          <a:effectRef idx="0">
+            <a:schemeClr val="accent1"/>
+          </a:effectRef>
+          <a:fontRef idx="minor">
+            <a:schemeClr val="lt1"/>
+          </a:fontRef>
+        </p:style>
+        <p:txBody>
+          <a:bodyPr rtlCol="0" anchor="ctr"/>
+          <a:lstStyle/>
+          <a:p>
+            <a:pPr algn="ctr"/>
+            <a:r>
+              <a:rPr lang="en-US" sz="2400" dirty="0">
+                <a:solidFill>
+                  <a:schemeClr val="tx1"/>
+                </a:solidFill>
+                <a:latin typeface="Arial" panose="020B0604020202020204" pitchFamily="34" charset="0"/>
+                <a:cs typeface="Arial" panose="020B0604020202020204" pitchFamily="34" charset="0"/>
+              </a:rPr>
+              <a:t>Hierarchal Model Fitting</a:t>
+            </a:r>
+          </a:p>
+        </p:txBody>
+      </p:sp>
+      <p:sp>
+        <p:nvSpPr>
+          <p:cNvPr id="45" name="Rectangle 44">
+            <a:extLst>
+              <a:ext uri="{FF2B5EF4-FFF2-40B4-BE49-F238E27FC236}">
+                <a16:creationId xmlns:a16="http://schemas.microsoft.com/office/drawing/2014/main" id="{47BB60D6-4DD0-274B-A6F3-1714C10E4A06}"/>
+              </a:ext>
+            </a:extLst>
+          </p:cNvPr>
+          <p:cNvSpPr/>
+          <p:nvPr/>
+        </p:nvSpPr>
+        <p:spPr>
+          <a:xfrm>
+            <a:off x="455778" y="5665987"/>
+            <a:ext cx="4555165" cy="569152"/>
+          </a:xfrm>
+          <a:prstGeom prst="rect">
+            <a:avLst/>
+          </a:prstGeom>
+          <a:solidFill>
+            <a:schemeClr val="bg1">
+              <a:lumMod val="95000"/>
+            </a:schemeClr>
+          </a:solidFill>
+          <a:ln w="28575">
+            <a:solidFill>
+              <a:schemeClr val="tx1"/>
+            </a:solidFill>
+          </a:ln>
+        </p:spPr>
+        <p:style>
+          <a:lnRef idx="2">
+            <a:schemeClr val="accent1">
+              <a:shade val="50000"/>
+            </a:schemeClr>
+          </a:lnRef>
+          <a:fillRef idx="1">
+            <a:schemeClr val="accent1"/>
+          </a:fillRef>
+          <a:effectRef idx="0">
+            <a:schemeClr val="accent1"/>
+          </a:effectRef>
+          <a:fontRef idx="minor">
+            <a:schemeClr val="lt1"/>
+          </a:fontRef>
+        </p:style>
+        <p:txBody>
+          <a:bodyPr rtlCol="0" anchor="ctr"/>
+          <a:lstStyle/>
+          <a:p>
+            <a:pPr algn="ctr"/>
+            <a:r>
+              <a:rPr lang="en-US" sz="2400" dirty="0">
+                <a:solidFill>
+                  <a:schemeClr val="tx1"/>
+                </a:solidFill>
+                <a:latin typeface="Arial" panose="020B0604020202020204" pitchFamily="34" charset="0"/>
+                <a:cs typeface="Arial" panose="020B0604020202020204" pitchFamily="34" charset="0"/>
+              </a:rPr>
+              <a:t>Interpretations</a:t>
+            </a:r>
+          </a:p>
+        </p:txBody>
+      </p:sp>
+      <p:sp>
+        <p:nvSpPr>
+          <p:cNvPr id="46" name="TextBox 45">
+            <a:extLst>
+              <a:ext uri="{FF2B5EF4-FFF2-40B4-BE49-F238E27FC236}">
+                <a16:creationId xmlns:a16="http://schemas.microsoft.com/office/drawing/2014/main" id="{9D84A36B-75C4-9047-8AB3-99ABEA22D773}"/>
+              </a:ext>
+            </a:extLst>
+          </p:cNvPr>
+          <p:cNvSpPr txBox="1"/>
+          <p:nvPr/>
+        </p:nvSpPr>
+        <p:spPr>
+          <a:xfrm>
+            <a:off x="5523628" y="5713891"/>
+            <a:ext cx="6207660" cy="369332"/>
+          </a:xfrm>
+          <a:prstGeom prst="rect">
+            <a:avLst/>
+          </a:prstGeom>
+          <a:noFill/>
+        </p:spPr>
+        <p:txBody>
+          <a:bodyPr wrap="square" lIns="0" tIns="0" rIns="0" bIns="0" rtlCol="0">
+            <a:spAutoFit/>
+          </a:bodyPr>
+          <a:lstStyle/>
+          <a:p>
+            <a:pPr marL="342900" indent="-342900" algn="l">
+              <a:buFont typeface="Arial" panose="020B0604020202020204" pitchFamily="34" charset="0"/>
+              <a:buChar char="•"/>
+            </a:pPr>
+            <a:r>
+              <a:rPr lang="en-US" sz="2400" dirty="0">
+                <a:latin typeface="Arial" panose="020B0604020202020204" pitchFamily="34" charset="0"/>
+                <a:cs typeface="Arial" panose="020B0604020202020204" pitchFamily="34" charset="0"/>
+              </a:rPr>
+              <a:t>Interpretations and drawing conclusions</a:t>
+            </a:r>
+          </a:p>
+        </p:txBody>
+      </p:sp>
+      <p:cxnSp>
+        <p:nvCxnSpPr>
+          <p:cNvPr id="47" name="Straight Arrow Connector 46">
+            <a:extLst>
+              <a:ext uri="{FF2B5EF4-FFF2-40B4-BE49-F238E27FC236}">
+                <a16:creationId xmlns:a16="http://schemas.microsoft.com/office/drawing/2014/main" id="{21F05A43-8B28-C44A-A1C2-5656420FD8EF}"/>
+              </a:ext>
+            </a:extLst>
+          </p:cNvPr>
+          <p:cNvCxnSpPr>
+            <a:cxnSpLocks/>
+          </p:cNvCxnSpPr>
+          <p:nvPr/>
+        </p:nvCxnSpPr>
+        <p:spPr>
+          <a:xfrm>
+            <a:off x="2733135" y="3139845"/>
+            <a:ext cx="225" cy="272950"/>
+          </a:xfrm>
+          <a:prstGeom prst="straightConnector1">
+            <a:avLst/>
+          </a:prstGeom>
+          <a:ln w="57150">
+            <a:solidFill>
+              <a:schemeClr val="tx1"/>
+            </a:solidFill>
+            <a:tailEnd type="triangle"/>
+          </a:ln>
+        </p:spPr>
+        <p:style>
+          <a:lnRef idx="1">
+            <a:schemeClr val="accent1"/>
+          </a:lnRef>
+          <a:fillRef idx="0">
+            <a:schemeClr val="accent1"/>
+          </a:fillRef>
+          <a:effectRef idx="0">
+            <a:schemeClr val="accent1"/>
+          </a:effectRef>
+          <a:fontRef idx="minor">
+            <a:schemeClr val="tx1"/>
+          </a:fontRef>
+        </p:style>
+      </p:cxnSp>
+      <p:cxnSp>
+        <p:nvCxnSpPr>
+          <p:cNvPr id="48" name="Straight Arrow Connector 47">
+            <a:extLst>
+              <a:ext uri="{FF2B5EF4-FFF2-40B4-BE49-F238E27FC236}">
+                <a16:creationId xmlns:a16="http://schemas.microsoft.com/office/drawing/2014/main" id="{BAC57584-7EDB-6649-BE3D-B4C47E7AB8DA}"/>
+              </a:ext>
+            </a:extLst>
+          </p:cNvPr>
+          <p:cNvCxnSpPr>
+            <a:cxnSpLocks/>
+          </p:cNvCxnSpPr>
+          <p:nvPr/>
+        </p:nvCxnSpPr>
+        <p:spPr>
+          <a:xfrm>
+            <a:off x="2732910" y="4266724"/>
+            <a:ext cx="225" cy="272950"/>
+          </a:xfrm>
+          <a:prstGeom prst="straightConnector1">
+            <a:avLst/>
+          </a:prstGeom>
+          <a:ln w="57150">
+            <a:solidFill>
+              <a:schemeClr val="tx1"/>
+            </a:solidFill>
+            <a:tailEnd type="triangle"/>
+          </a:ln>
+        </p:spPr>
+        <p:style>
+          <a:lnRef idx="1">
+            <a:schemeClr val="accent1"/>
+          </a:lnRef>
+          <a:fillRef idx="0">
+            <a:schemeClr val="accent1"/>
+          </a:fillRef>
+          <a:effectRef idx="0">
+            <a:schemeClr val="accent1"/>
+          </a:effectRef>
+          <a:fontRef idx="minor">
+            <a:schemeClr val="tx1"/>
+          </a:fontRef>
+        </p:style>
+      </p:cxnSp>
+      <p:cxnSp>
+        <p:nvCxnSpPr>
+          <p:cNvPr id="49" name="Straight Arrow Connector 48">
+            <a:extLst>
+              <a:ext uri="{FF2B5EF4-FFF2-40B4-BE49-F238E27FC236}">
+                <a16:creationId xmlns:a16="http://schemas.microsoft.com/office/drawing/2014/main" id="{B87F6764-FB2D-9945-B333-EE06886E2028}"/>
+              </a:ext>
+            </a:extLst>
+          </p:cNvPr>
+          <p:cNvCxnSpPr>
+            <a:cxnSpLocks/>
+          </p:cNvCxnSpPr>
+          <p:nvPr/>
+        </p:nvCxnSpPr>
+        <p:spPr>
+          <a:xfrm>
+            <a:off x="2732685" y="5412074"/>
+            <a:ext cx="225" cy="272950"/>
+          </a:xfrm>
+          <a:prstGeom prst="straightConnector1">
+            <a:avLst/>
+          </a:prstGeom>
+          <a:ln w="57150">
+            <a:solidFill>
+              <a:schemeClr val="tx1"/>
+            </a:solidFill>
+            <a:tailEnd type="triangle"/>
+          </a:ln>
+        </p:spPr>
+        <p:style>
+          <a:lnRef idx="1">
+            <a:schemeClr val="accent1"/>
+          </a:lnRef>
+          <a:fillRef idx="0">
+            <a:schemeClr val="accent1"/>
+          </a:fillRef>
+          <a:effectRef idx="0">
+            <a:schemeClr val="accent1"/>
+          </a:effectRef>
+          <a:fontRef idx="minor">
+            <a:schemeClr val="tx1"/>
+          </a:fontRef>
+        </p:style>
+      </p:cxnSp>
+    </p:spTree>
+    <p:extLst>
+      <p:ext uri="{BB962C8B-B14F-4D97-AF65-F5344CB8AC3E}">
+        <p14:creationId xmlns:p14="http://schemas.microsoft.com/office/powerpoint/2010/main" val="3986177753"/>
+      </p:ext>
+    </p:extLst>
+  </p:cSld>
+  <p:clrMapOvr>
+    <a:masterClrMapping/>
+  </p:clrMapOvr>
+</p:sld>
+</file>
+
+<file path=ppt/slides/slide5.xml><?xml version="1.0" encoding="utf-8"?>
+<p:sld xmlns:a="http://schemas.openxmlformats.org/drawingml/2006/main" xmlns:r="http://schemas.openxmlformats.org/officeDocument/2006/relationships" xmlns:p="http://schemas.openxmlformats.org/presentationml/2006/main">
+  <p:cSld>
+    <p:spTree>
+      <p:nvGrpSpPr>
+        <p:cNvPr id="1" name=""/>
+        <p:cNvGrpSpPr/>
+        <p:nvPr/>
+      </p:nvGrpSpPr>
+      <p:grpSpPr>
+        <a:xfrm>
+          <a:off x="0" y="0"/>
+          <a:ext cx="0" cy="0"/>
+          <a:chOff x="0" y="0"/>
+          <a:chExt cx="0" cy="0"/>
+        </a:xfrm>
+      </p:grpSpPr>
+      <p:sp>
+        <p:nvSpPr>
+          <p:cNvPr id="2" name="Slide Number Placeholder 1">
+            <a:extLst>
+              <a:ext uri="{FF2B5EF4-FFF2-40B4-BE49-F238E27FC236}">
+                <a16:creationId xmlns:a16="http://schemas.microsoft.com/office/drawing/2014/main" id="{9B12371F-989E-EE43-B20F-90E48B433F0A}"/>
+              </a:ext>
+            </a:extLst>
+          </p:cNvPr>
+          <p:cNvSpPr>
+            <a:spLocks noGrp="1"/>
+          </p:cNvSpPr>
+          <p:nvPr>
+            <p:ph type="sldNum" sz="quarter" idx="12"/>
+          </p:nvPr>
+        </p:nvSpPr>
+        <p:spPr/>
+        <p:txBody>
+          <a:bodyPr/>
+          <a:lstStyle/>
+          <a:p>
+            <a:fld id="{2D00CA07-45C7-8142-9F4D-3A07AD48DFA1}" type="slidenum">
+              <a:rPr lang="en-US" smtClean="0"/>
+              <a:t>5</a:t>
+            </a:fld>
+            <a:endParaRPr lang="en-US"/>
+          </a:p>
+        </p:txBody>
+      </p:sp>
+      <p:sp>
+        <p:nvSpPr>
+          <p:cNvPr id="3" name="TextBox 2">
+            <a:extLst>
+              <a:ext uri="{FF2B5EF4-FFF2-40B4-BE49-F238E27FC236}">
+                <a16:creationId xmlns:a16="http://schemas.microsoft.com/office/drawing/2014/main" id="{2B4E9B55-4425-2740-A108-76FF69BA3D12}"/>
+              </a:ext>
+            </a:extLst>
+          </p:cNvPr>
+          <p:cNvSpPr txBox="1"/>
+          <p:nvPr/>
+        </p:nvSpPr>
+        <p:spPr>
+          <a:xfrm>
+            <a:off x="460713" y="332656"/>
+            <a:ext cx="6437660" cy="553998"/>
+          </a:xfrm>
+          <a:prstGeom prst="rect">
+            <a:avLst/>
+          </a:prstGeom>
+          <a:noFill/>
+        </p:spPr>
+        <p:txBody>
+          <a:bodyPr wrap="none" lIns="0" tIns="0" rIns="0" bIns="0" rtlCol="0">
+            <a:spAutoFit/>
+          </a:bodyPr>
+          <a:lstStyle/>
+          <a:p>
+            <a:r>
+              <a:rPr lang="en-US" sz="3600" b="1" dirty="0">
+                <a:latin typeface="Arial" panose="020B0604020202020204" pitchFamily="34" charset="0"/>
+                <a:cs typeface="Arial" panose="020B0604020202020204" pitchFamily="34" charset="0"/>
+              </a:rPr>
+              <a:t>Data Cleaning (Assumptions)</a:t>
+            </a:r>
+          </a:p>
+        </p:txBody>
+      </p:sp>
+      <p:cxnSp>
+        <p:nvCxnSpPr>
+          <p:cNvPr id="4" name="Straight Connector 3">
+            <a:extLst>
+              <a:ext uri="{FF2B5EF4-FFF2-40B4-BE49-F238E27FC236}">
+                <a16:creationId xmlns:a16="http://schemas.microsoft.com/office/drawing/2014/main" id="{CFDF23E1-C7BD-4C48-9E8A-53704A4D662C}"/>
+              </a:ext>
+            </a:extLst>
+          </p:cNvPr>
+          <p:cNvCxnSpPr>
+            <a:cxnSpLocks/>
+          </p:cNvCxnSpPr>
+          <p:nvPr/>
+        </p:nvCxnSpPr>
+        <p:spPr>
+          <a:xfrm>
+            <a:off x="460714" y="886654"/>
+            <a:ext cx="11270573" cy="0"/>
+          </a:xfrm>
+          <a:prstGeom prst="line">
+            <a:avLst/>
+          </a:prstGeom>
+          <a:ln w="38100">
+            <a:solidFill>
+              <a:schemeClr val="tx1"/>
+            </a:solidFill>
+          </a:ln>
+        </p:spPr>
+        <p:style>
+          <a:lnRef idx="1">
+            <a:schemeClr val="accent1"/>
+          </a:lnRef>
+          <a:fillRef idx="0">
+            <a:schemeClr val="accent1"/>
+          </a:fillRef>
+          <a:effectRef idx="0">
+            <a:schemeClr val="accent1"/>
+          </a:effectRef>
+          <a:fontRef idx="minor">
+            <a:schemeClr val="tx1"/>
+          </a:fontRef>
+        </p:style>
+      </p:cxnSp>
+      <p:sp>
+        <p:nvSpPr>
+          <p:cNvPr id="39" name="TextBox 38">
+            <a:extLst>
+              <a:ext uri="{FF2B5EF4-FFF2-40B4-BE49-F238E27FC236}">
+                <a16:creationId xmlns:a16="http://schemas.microsoft.com/office/drawing/2014/main" id="{D179F7B6-0FB1-E243-8C19-8077A5C6C57A}"/>
+              </a:ext>
+            </a:extLst>
+          </p:cNvPr>
+          <p:cNvSpPr txBox="1"/>
+          <p:nvPr/>
+        </p:nvSpPr>
+        <p:spPr>
+          <a:xfrm>
+            <a:off x="443052" y="1217076"/>
+            <a:ext cx="4525278" cy="369332"/>
+          </a:xfrm>
+          <a:prstGeom prst="rect">
+            <a:avLst/>
+          </a:prstGeom>
+          <a:noFill/>
+        </p:spPr>
+        <p:txBody>
+          <a:bodyPr wrap="none" lIns="0" tIns="0" rIns="0" bIns="0" rtlCol="0">
+            <a:spAutoFit/>
+          </a:bodyPr>
+          <a:lstStyle/>
+          <a:p>
+            <a:pPr algn="l"/>
+            <a:r>
+              <a:rPr lang="en-US" sz="2400" b="1" dirty="0">
+                <a:solidFill>
+                  <a:srgbClr val="03529B"/>
+                </a:solidFill>
+                <a:latin typeface="Arial" panose="020B0604020202020204" pitchFamily="34" charset="0"/>
+                <a:cs typeface="Arial" panose="020B0604020202020204" pitchFamily="34" charset="0"/>
+              </a:rPr>
+              <a:t>Consolidation of source inputs</a:t>
+            </a:r>
+          </a:p>
+        </p:txBody>
+      </p:sp>
+      <p:cxnSp>
+        <p:nvCxnSpPr>
+          <p:cNvPr id="40" name="Straight Connector 39">
+            <a:extLst>
+              <a:ext uri="{FF2B5EF4-FFF2-40B4-BE49-F238E27FC236}">
+                <a16:creationId xmlns:a16="http://schemas.microsoft.com/office/drawing/2014/main" id="{A62A8E32-811D-C44A-AB89-C424B4BE7399}"/>
+              </a:ext>
+            </a:extLst>
+          </p:cNvPr>
+          <p:cNvCxnSpPr>
+            <a:cxnSpLocks/>
+          </p:cNvCxnSpPr>
+          <p:nvPr/>
+        </p:nvCxnSpPr>
+        <p:spPr>
+          <a:xfrm>
+            <a:off x="443052" y="1590104"/>
+            <a:ext cx="5209425" cy="0"/>
+          </a:xfrm>
+          <a:prstGeom prst="line">
+            <a:avLst/>
+          </a:prstGeom>
+          <a:ln w="28575">
+            <a:solidFill>
+              <a:srgbClr val="03529B"/>
+            </a:solidFill>
+          </a:ln>
+        </p:spPr>
+        <p:style>
+          <a:lnRef idx="1">
+            <a:schemeClr val="accent1"/>
+          </a:lnRef>
+          <a:fillRef idx="0">
+            <a:schemeClr val="accent1"/>
+          </a:fillRef>
+          <a:effectRef idx="0">
+            <a:schemeClr val="accent1"/>
+          </a:effectRef>
+          <a:fontRef idx="minor">
+            <a:schemeClr val="tx1"/>
+          </a:fontRef>
+        </p:style>
+      </p:cxnSp>
+      <p:sp>
+        <p:nvSpPr>
+          <p:cNvPr id="41" name="TextBox 40">
+            <a:extLst>
+              <a:ext uri="{FF2B5EF4-FFF2-40B4-BE49-F238E27FC236}">
+                <a16:creationId xmlns:a16="http://schemas.microsoft.com/office/drawing/2014/main" id="{D45C908C-3F65-8542-AA35-D303D7E3BC8C}"/>
+              </a:ext>
+            </a:extLst>
+          </p:cNvPr>
+          <p:cNvSpPr txBox="1"/>
+          <p:nvPr/>
+        </p:nvSpPr>
+        <p:spPr>
+          <a:xfrm>
+            <a:off x="6073709" y="1213380"/>
+            <a:ext cx="2442976" cy="369332"/>
+          </a:xfrm>
+          <a:prstGeom prst="rect">
+            <a:avLst/>
+          </a:prstGeom>
+          <a:noFill/>
+        </p:spPr>
+        <p:txBody>
+          <a:bodyPr wrap="none" lIns="0" tIns="0" rIns="0" bIns="0" rtlCol="0">
+            <a:spAutoFit/>
+          </a:bodyPr>
+          <a:lstStyle/>
+          <a:p>
+            <a:pPr algn="l"/>
+            <a:r>
+              <a:rPr lang="en-US" sz="2400" b="1" dirty="0" err="1">
+                <a:solidFill>
+                  <a:srgbClr val="03529B"/>
+                </a:solidFill>
+                <a:latin typeface="Arial" panose="020B0604020202020204" pitchFamily="34" charset="0"/>
+                <a:cs typeface="Arial" panose="020B0604020202020204" pitchFamily="34" charset="0"/>
+              </a:rPr>
+              <a:t>mgstr</a:t>
+            </a:r>
+            <a:r>
+              <a:rPr lang="en-US" sz="2400" b="1" dirty="0">
+                <a:solidFill>
+                  <a:srgbClr val="03529B"/>
+                </a:solidFill>
+                <a:latin typeface="Arial" panose="020B0604020202020204" pitchFamily="34" charset="0"/>
+                <a:cs typeface="Arial" panose="020B0604020202020204" pitchFamily="34" charset="0"/>
+              </a:rPr>
+              <a:t> groupings</a:t>
+            </a:r>
+          </a:p>
+        </p:txBody>
+      </p:sp>
+      <p:cxnSp>
+        <p:nvCxnSpPr>
+          <p:cNvPr id="42" name="Straight Connector 41">
+            <a:extLst>
+              <a:ext uri="{FF2B5EF4-FFF2-40B4-BE49-F238E27FC236}">
+                <a16:creationId xmlns:a16="http://schemas.microsoft.com/office/drawing/2014/main" id="{FD1C6B17-E76D-E540-8BBF-5146F72AC740}"/>
+              </a:ext>
+            </a:extLst>
+          </p:cNvPr>
+          <p:cNvCxnSpPr>
+            <a:cxnSpLocks/>
+          </p:cNvCxnSpPr>
+          <p:nvPr/>
+        </p:nvCxnSpPr>
+        <p:spPr>
+          <a:xfrm>
+            <a:off x="6073709" y="1586408"/>
+            <a:ext cx="5646762" cy="0"/>
+          </a:xfrm>
+          <a:prstGeom prst="line">
+            <a:avLst/>
+          </a:prstGeom>
+          <a:ln w="28575">
+            <a:solidFill>
+              <a:srgbClr val="03529B"/>
+            </a:solidFill>
+          </a:ln>
+        </p:spPr>
+        <p:style>
+          <a:lnRef idx="1">
+            <a:schemeClr val="accent1"/>
+          </a:lnRef>
+          <a:fillRef idx="0">
+            <a:schemeClr val="accent1"/>
+          </a:fillRef>
+          <a:effectRef idx="0">
+            <a:schemeClr val="accent1"/>
+          </a:effectRef>
+          <a:fontRef idx="minor">
+            <a:schemeClr val="tx1"/>
+          </a:fontRef>
+        </p:style>
+      </p:cxnSp>
+      <p:sp>
+        <p:nvSpPr>
+          <p:cNvPr id="43" name="TextBox 42">
+            <a:extLst>
+              <a:ext uri="{FF2B5EF4-FFF2-40B4-BE49-F238E27FC236}">
+                <a16:creationId xmlns:a16="http://schemas.microsoft.com/office/drawing/2014/main" id="{69634F13-4C42-8C4A-90B0-538BD177AD4E}"/>
+              </a:ext>
+            </a:extLst>
+          </p:cNvPr>
+          <p:cNvSpPr txBox="1"/>
+          <p:nvPr/>
+        </p:nvSpPr>
+        <p:spPr>
+          <a:xfrm>
+            <a:off x="6073709" y="3945077"/>
+            <a:ext cx="2188100" cy="369332"/>
+          </a:xfrm>
+          <a:prstGeom prst="rect">
+            <a:avLst/>
+          </a:prstGeom>
+          <a:noFill/>
+        </p:spPr>
+        <p:txBody>
+          <a:bodyPr wrap="none" lIns="0" tIns="0" rIns="0" bIns="0" rtlCol="0">
+            <a:spAutoFit/>
+          </a:bodyPr>
+          <a:lstStyle/>
+          <a:p>
+            <a:pPr algn="l"/>
+            <a:r>
+              <a:rPr lang="en-US" sz="2400" b="1" dirty="0">
+                <a:solidFill>
+                  <a:srgbClr val="03529B"/>
+                </a:solidFill>
+                <a:latin typeface="Arial" panose="020B0604020202020204" pitchFamily="34" charset="0"/>
+                <a:cs typeface="Arial" panose="020B0604020202020204" pitchFamily="34" charset="0"/>
+              </a:rPr>
+              <a:t>Missing values</a:t>
+            </a:r>
+          </a:p>
+        </p:txBody>
+      </p:sp>
+      <p:cxnSp>
+        <p:nvCxnSpPr>
+          <p:cNvPr id="44" name="Straight Connector 43">
+            <a:extLst>
+              <a:ext uri="{FF2B5EF4-FFF2-40B4-BE49-F238E27FC236}">
+                <a16:creationId xmlns:a16="http://schemas.microsoft.com/office/drawing/2014/main" id="{2B1A87EB-4C0A-BC4F-A0EA-1E6EB27412B1}"/>
+              </a:ext>
+            </a:extLst>
+          </p:cNvPr>
+          <p:cNvCxnSpPr>
+            <a:cxnSpLocks/>
+          </p:cNvCxnSpPr>
+          <p:nvPr/>
+        </p:nvCxnSpPr>
+        <p:spPr>
+          <a:xfrm>
+            <a:off x="6073709" y="4318105"/>
+            <a:ext cx="5646762" cy="0"/>
+          </a:xfrm>
+          <a:prstGeom prst="line">
+            <a:avLst/>
+          </a:prstGeom>
+          <a:ln w="28575">
+            <a:solidFill>
+              <a:srgbClr val="03529B"/>
+            </a:solidFill>
+          </a:ln>
+        </p:spPr>
+        <p:style>
+          <a:lnRef idx="1">
+            <a:schemeClr val="accent1"/>
+          </a:lnRef>
+          <a:fillRef idx="0">
+            <a:schemeClr val="accent1"/>
+          </a:fillRef>
+          <a:effectRef idx="0">
+            <a:schemeClr val="accent1"/>
+          </a:effectRef>
+          <a:fontRef idx="minor">
+            <a:schemeClr val="tx1"/>
+          </a:fontRef>
+        </p:style>
+      </p:cxnSp>
+      <p:sp>
+        <p:nvSpPr>
+          <p:cNvPr id="48" name="Rectangle 47">
+            <a:extLst>
+              <a:ext uri="{FF2B5EF4-FFF2-40B4-BE49-F238E27FC236}">
+                <a16:creationId xmlns:a16="http://schemas.microsoft.com/office/drawing/2014/main" id="{6F16D7AF-8A66-0F4C-9E54-379460A918E9}"/>
+              </a:ext>
+            </a:extLst>
+          </p:cNvPr>
+          <p:cNvSpPr/>
+          <p:nvPr/>
+        </p:nvSpPr>
+        <p:spPr>
+          <a:xfrm>
+            <a:off x="2323938" y="2683064"/>
+            <a:ext cx="1530831" cy="745936"/>
+          </a:xfrm>
+          <a:prstGeom prst="rect">
+            <a:avLst/>
+          </a:prstGeom>
+          <a:solidFill>
+            <a:schemeClr val="bg1">
+              <a:lumMod val="95000"/>
+            </a:schemeClr>
+          </a:solidFill>
+          <a:ln w="28575">
+            <a:noFill/>
+          </a:ln>
+        </p:spPr>
+        <p:style>
+          <a:lnRef idx="2">
+            <a:schemeClr val="accent1">
+              <a:shade val="50000"/>
+            </a:schemeClr>
+          </a:lnRef>
+          <a:fillRef idx="1">
+            <a:schemeClr val="accent1"/>
+          </a:fillRef>
+          <a:effectRef idx="0">
+            <a:schemeClr val="accent1"/>
+          </a:effectRef>
+          <a:fontRef idx="minor">
+            <a:schemeClr val="lt1"/>
+          </a:fontRef>
+        </p:style>
+        <p:txBody>
+          <a:bodyPr rtlCol="0" anchor="ctr"/>
+          <a:lstStyle/>
+          <a:p>
+            <a:pPr algn="ctr"/>
+            <a:r>
+              <a:rPr lang="en-US" sz="2400" dirty="0">
+                <a:solidFill>
+                  <a:schemeClr val="tx1"/>
+                </a:solidFill>
+                <a:latin typeface="Arial" panose="020B0604020202020204" pitchFamily="34" charset="0"/>
+                <a:cs typeface="Arial" panose="020B0604020202020204" pitchFamily="34" charset="0"/>
+              </a:rPr>
+              <a:t>Internet</a:t>
+            </a:r>
+          </a:p>
+        </p:txBody>
+      </p:sp>
+      <p:sp>
+        <p:nvSpPr>
+          <p:cNvPr id="53" name="Rectangle 52">
+            <a:extLst>
+              <a:ext uri="{FF2B5EF4-FFF2-40B4-BE49-F238E27FC236}">
+                <a16:creationId xmlns:a16="http://schemas.microsoft.com/office/drawing/2014/main" id="{4420731F-810F-F946-8DFB-DDDF2825A4A9}"/>
+              </a:ext>
+            </a:extLst>
+          </p:cNvPr>
+          <p:cNvSpPr/>
+          <p:nvPr/>
+        </p:nvSpPr>
+        <p:spPr>
+          <a:xfrm>
+            <a:off x="2325311" y="4497439"/>
+            <a:ext cx="1530831" cy="745936"/>
+          </a:xfrm>
+          <a:prstGeom prst="rect">
+            <a:avLst/>
+          </a:prstGeom>
+          <a:solidFill>
+            <a:schemeClr val="bg1">
+              <a:lumMod val="95000"/>
+            </a:schemeClr>
+          </a:solidFill>
+          <a:ln w="28575">
+            <a:noFill/>
+          </a:ln>
+        </p:spPr>
+        <p:style>
+          <a:lnRef idx="2">
+            <a:schemeClr val="accent1">
+              <a:shade val="50000"/>
+            </a:schemeClr>
+          </a:lnRef>
+          <a:fillRef idx="1">
+            <a:schemeClr val="accent1"/>
+          </a:fillRef>
+          <a:effectRef idx="0">
+            <a:schemeClr val="accent1"/>
+          </a:effectRef>
+          <a:fontRef idx="minor">
+            <a:schemeClr val="lt1"/>
+          </a:fontRef>
+        </p:style>
+        <p:txBody>
+          <a:bodyPr rtlCol="0" anchor="ctr"/>
+          <a:lstStyle/>
+          <a:p>
+            <a:pPr algn="ctr"/>
+            <a:r>
+              <a:rPr lang="en-US" sz="2400" dirty="0">
+                <a:solidFill>
+                  <a:schemeClr val="tx1"/>
+                </a:solidFill>
+                <a:latin typeface="Arial" panose="020B0604020202020204" pitchFamily="34" charset="0"/>
+                <a:cs typeface="Arial" panose="020B0604020202020204" pitchFamily="34" charset="0"/>
+              </a:rPr>
+              <a:t>No Input</a:t>
+            </a:r>
+          </a:p>
+        </p:txBody>
+      </p:sp>
+      <p:sp>
+        <p:nvSpPr>
+          <p:cNvPr id="19" name="Right Brace 18">
+            <a:extLst>
+              <a:ext uri="{FF2B5EF4-FFF2-40B4-BE49-F238E27FC236}">
+                <a16:creationId xmlns:a16="http://schemas.microsoft.com/office/drawing/2014/main" id="{448CF6CD-4CA1-9C4F-8C7F-EBA0072C789E}"/>
+              </a:ext>
+            </a:extLst>
+          </p:cNvPr>
+          <p:cNvSpPr/>
+          <p:nvPr/>
+        </p:nvSpPr>
+        <p:spPr>
+          <a:xfrm>
+            <a:off x="2036664" y="2109479"/>
+            <a:ext cx="286976" cy="1893106"/>
+          </a:xfrm>
+          <a:prstGeom prst="rightBrace">
+            <a:avLst/>
+          </a:prstGeom>
+          <a:ln w="19050"/>
+        </p:spPr>
+        <p:style>
+          <a:lnRef idx="1">
+            <a:schemeClr val="dk1"/>
+          </a:lnRef>
+          <a:fillRef idx="0">
+            <a:schemeClr val="dk1"/>
+          </a:fillRef>
+          <a:effectRef idx="0">
+            <a:schemeClr val="dk1"/>
+          </a:effectRef>
+          <a:fontRef idx="minor">
+            <a:schemeClr val="tx1"/>
+          </a:fontRef>
+        </p:style>
+        <p:txBody>
+          <a:bodyPr rtlCol="0" anchor="ctr"/>
+          <a:lstStyle/>
+          <a:p>
+            <a:pPr algn="ctr"/>
+            <a:endParaRPr lang="en-US"/>
+          </a:p>
+        </p:txBody>
+      </p:sp>
+      <p:sp>
+        <p:nvSpPr>
+          <p:cNvPr id="55" name="TextBox 54">
+            <a:extLst>
+              <a:ext uri="{FF2B5EF4-FFF2-40B4-BE49-F238E27FC236}">
+                <a16:creationId xmlns:a16="http://schemas.microsoft.com/office/drawing/2014/main" id="{B0A15940-DB2B-8241-A619-56D3F1E77E0B}"/>
+              </a:ext>
+            </a:extLst>
+          </p:cNvPr>
+          <p:cNvSpPr txBox="1"/>
+          <p:nvPr/>
+        </p:nvSpPr>
+        <p:spPr>
+          <a:xfrm>
+            <a:off x="433825" y="2109479"/>
+            <a:ext cx="1408461" cy="1846659"/>
+          </a:xfrm>
+          <a:prstGeom prst="rect">
+            <a:avLst/>
+          </a:prstGeom>
+          <a:noFill/>
+        </p:spPr>
+        <p:txBody>
+          <a:bodyPr wrap="square" lIns="0" tIns="0" rIns="0" bIns="0" rtlCol="0">
+            <a:spAutoFit/>
+          </a:bodyPr>
+          <a:lstStyle/>
+          <a:p>
+            <a:pPr algn="r"/>
+            <a:r>
+              <a:rPr lang="en-US" sz="2400" dirty="0">
+                <a:latin typeface="Arial" panose="020B0604020202020204" pitchFamily="34" charset="0"/>
+                <a:cs typeface="Arial" panose="020B0604020202020204" pitchFamily="34" charset="0"/>
+              </a:rPr>
+              <a:t>Internet</a:t>
+            </a:r>
+          </a:p>
+          <a:p>
+            <a:pPr algn="r"/>
+            <a:r>
+              <a:rPr lang="en-US" sz="2400" dirty="0">
+                <a:latin typeface="Arial" panose="020B0604020202020204" pitchFamily="34" charset="0"/>
+                <a:cs typeface="Arial" panose="020B0604020202020204" pitchFamily="34" charset="0"/>
+              </a:rPr>
+              <a:t>http://...</a:t>
+            </a:r>
+          </a:p>
+          <a:p>
+            <a:pPr algn="r"/>
+            <a:r>
+              <a:rPr lang="en-US" sz="2400" dirty="0">
+                <a:latin typeface="Arial" panose="020B0604020202020204" pitchFamily="34" charset="0"/>
+                <a:cs typeface="Arial" panose="020B0604020202020204" pitchFamily="34" charset="0"/>
+              </a:rPr>
+              <a:t>Google</a:t>
+            </a:r>
+          </a:p>
+          <a:p>
+            <a:pPr algn="r"/>
+            <a:r>
+              <a:rPr lang="en-US" sz="2400" dirty="0">
+                <a:latin typeface="Arial" panose="020B0604020202020204" pitchFamily="34" charset="0"/>
+                <a:cs typeface="Arial" panose="020B0604020202020204" pitchFamily="34" charset="0"/>
+              </a:rPr>
+              <a:t>Pharmacy</a:t>
+            </a:r>
+          </a:p>
+          <a:p>
+            <a:pPr algn="r"/>
+            <a:r>
+              <a:rPr lang="en-US" sz="2400" dirty="0" err="1">
+                <a:latin typeface="Arial" panose="020B0604020202020204" pitchFamily="34" charset="0"/>
+                <a:cs typeface="Arial" panose="020B0604020202020204" pitchFamily="34" charset="0"/>
+              </a:rPr>
+              <a:t>Streetrx</a:t>
+            </a:r>
+            <a:endParaRPr lang="en-US" sz="2400" dirty="0">
+              <a:latin typeface="Arial" panose="020B0604020202020204" pitchFamily="34" charset="0"/>
+              <a:cs typeface="Arial" panose="020B0604020202020204" pitchFamily="34" charset="0"/>
+            </a:endParaRPr>
+          </a:p>
+        </p:txBody>
+      </p:sp>
+      <p:sp>
+        <p:nvSpPr>
+          <p:cNvPr id="56" name="TextBox 55">
+            <a:extLst>
+              <a:ext uri="{FF2B5EF4-FFF2-40B4-BE49-F238E27FC236}">
+                <a16:creationId xmlns:a16="http://schemas.microsoft.com/office/drawing/2014/main" id="{F7C67EB5-1466-5A44-B062-6965264486EE}"/>
+              </a:ext>
+            </a:extLst>
+          </p:cNvPr>
+          <p:cNvSpPr txBox="1"/>
+          <p:nvPr/>
+        </p:nvSpPr>
+        <p:spPr>
+          <a:xfrm>
+            <a:off x="4312457" y="4336187"/>
+            <a:ext cx="924933" cy="1107996"/>
+          </a:xfrm>
+          <a:prstGeom prst="rect">
+            <a:avLst/>
+          </a:prstGeom>
+          <a:noFill/>
+        </p:spPr>
+        <p:txBody>
+          <a:bodyPr wrap="none" lIns="0" tIns="0" rIns="0" bIns="0" rtlCol="0">
+            <a:spAutoFit/>
+          </a:bodyPr>
+          <a:lstStyle/>
+          <a:p>
+            <a:r>
+              <a:rPr lang="en-US" sz="2400" dirty="0">
+                <a:latin typeface="Arial" panose="020B0604020202020204" pitchFamily="34" charset="0"/>
+                <a:cs typeface="Arial" panose="020B0604020202020204" pitchFamily="34" charset="0"/>
+              </a:rPr>
+              <a:t>Blanks</a:t>
+            </a:r>
+          </a:p>
+          <a:p>
+            <a:r>
+              <a:rPr lang="en-US" sz="2400" dirty="0">
+                <a:latin typeface="Arial" panose="020B0604020202020204" pitchFamily="34" charset="0"/>
+                <a:cs typeface="Arial" panose="020B0604020202020204" pitchFamily="34" charset="0"/>
+              </a:rPr>
+              <a:t>N/A</a:t>
+            </a:r>
+          </a:p>
+          <a:p>
+            <a:r>
+              <a:rPr lang="en-US" sz="2400" dirty="0">
+                <a:latin typeface="Arial" panose="020B0604020202020204" pitchFamily="34" charset="0"/>
+                <a:cs typeface="Arial" panose="020B0604020202020204" pitchFamily="34" charset="0"/>
+              </a:rPr>
+              <a:t>None</a:t>
+            </a:r>
+          </a:p>
+        </p:txBody>
+      </p:sp>
+      <p:sp>
+        <p:nvSpPr>
+          <p:cNvPr id="57" name="Left Brace 56">
+            <a:extLst>
+              <a:ext uri="{FF2B5EF4-FFF2-40B4-BE49-F238E27FC236}">
+                <a16:creationId xmlns:a16="http://schemas.microsoft.com/office/drawing/2014/main" id="{A87BD7AB-0CF1-B247-82CC-FDCE5FCACA69}"/>
+              </a:ext>
+            </a:extLst>
+          </p:cNvPr>
+          <p:cNvSpPr/>
+          <p:nvPr/>
+        </p:nvSpPr>
+        <p:spPr>
+          <a:xfrm>
+            <a:off x="3854471" y="4340173"/>
+            <a:ext cx="291592" cy="1060467"/>
+          </a:xfrm>
+          <a:prstGeom prst="leftBrace">
+            <a:avLst/>
+          </a:prstGeom>
+          <a:ln w="19050"/>
+        </p:spPr>
+        <p:style>
+          <a:lnRef idx="1">
+            <a:schemeClr val="dk1"/>
+          </a:lnRef>
+          <a:fillRef idx="0">
+            <a:schemeClr val="dk1"/>
+          </a:fillRef>
+          <a:effectRef idx="0">
+            <a:schemeClr val="dk1"/>
+          </a:effectRef>
+          <a:fontRef idx="minor">
+            <a:schemeClr val="tx1"/>
+          </a:fontRef>
+        </p:style>
+        <p:txBody>
+          <a:bodyPr rtlCol="0" anchor="ctr"/>
+          <a:lstStyle/>
+          <a:p>
+            <a:pPr algn="ctr"/>
+            <a:endParaRPr lang="en-US"/>
+          </a:p>
+        </p:txBody>
+      </p:sp>
+      <p:sp>
+        <p:nvSpPr>
+          <p:cNvPr id="58" name="Rectangle 57">
+            <a:extLst>
+              <a:ext uri="{FF2B5EF4-FFF2-40B4-BE49-F238E27FC236}">
+                <a16:creationId xmlns:a16="http://schemas.microsoft.com/office/drawing/2014/main" id="{D2E5AA3D-28A9-E14F-B0B3-C0F672C82ADE}"/>
+              </a:ext>
+            </a:extLst>
+          </p:cNvPr>
+          <p:cNvSpPr/>
+          <p:nvPr/>
+        </p:nvSpPr>
+        <p:spPr>
+          <a:xfrm>
+            <a:off x="2323938" y="3590251"/>
+            <a:ext cx="1530831" cy="745936"/>
+          </a:xfrm>
+          <a:prstGeom prst="rect">
+            <a:avLst/>
+          </a:prstGeom>
+          <a:solidFill>
+            <a:schemeClr val="bg1">
+              <a:lumMod val="95000"/>
+            </a:schemeClr>
+          </a:solidFill>
+          <a:ln w="28575">
+            <a:noFill/>
+          </a:ln>
+        </p:spPr>
+        <p:style>
+          <a:lnRef idx="2">
+            <a:schemeClr val="accent1">
+              <a:shade val="50000"/>
+            </a:schemeClr>
+          </a:lnRef>
+          <a:fillRef idx="1">
+            <a:schemeClr val="accent1"/>
+          </a:fillRef>
+          <a:effectRef idx="0">
+            <a:schemeClr val="accent1"/>
+          </a:effectRef>
+          <a:fontRef idx="minor">
+            <a:schemeClr val="lt1"/>
+          </a:fontRef>
+        </p:style>
+        <p:txBody>
+          <a:bodyPr rtlCol="0" anchor="ctr"/>
+          <a:lstStyle/>
+          <a:p>
+            <a:pPr algn="ctr"/>
+            <a:r>
+              <a:rPr lang="en-US" sz="2400" dirty="0">
+                <a:solidFill>
+                  <a:schemeClr val="tx1"/>
+                </a:solidFill>
+                <a:latin typeface="Arial" panose="020B0604020202020204" pitchFamily="34" charset="0"/>
+                <a:cs typeface="Arial" panose="020B0604020202020204" pitchFamily="34" charset="0"/>
+              </a:rPr>
+              <a:t>Heard it</a:t>
+            </a:r>
+          </a:p>
+        </p:txBody>
+      </p:sp>
+      <p:sp>
+        <p:nvSpPr>
+          <p:cNvPr id="59" name="Rectangle 58">
+            <a:extLst>
+              <a:ext uri="{FF2B5EF4-FFF2-40B4-BE49-F238E27FC236}">
+                <a16:creationId xmlns:a16="http://schemas.microsoft.com/office/drawing/2014/main" id="{3543DFA2-009D-E747-A828-897F73B71199}"/>
+              </a:ext>
+            </a:extLst>
+          </p:cNvPr>
+          <p:cNvSpPr/>
+          <p:nvPr/>
+        </p:nvSpPr>
+        <p:spPr>
+          <a:xfrm>
+            <a:off x="2323640" y="5400372"/>
+            <a:ext cx="1530831" cy="745936"/>
+          </a:xfrm>
+          <a:prstGeom prst="rect">
+            <a:avLst/>
+          </a:prstGeom>
+          <a:solidFill>
+            <a:schemeClr val="bg1">
+              <a:lumMod val="95000"/>
+            </a:schemeClr>
+          </a:solidFill>
+          <a:ln w="28575">
+            <a:noFill/>
+          </a:ln>
+        </p:spPr>
+        <p:style>
+          <a:lnRef idx="2">
+            <a:schemeClr val="accent1">
+              <a:shade val="50000"/>
+            </a:schemeClr>
+          </a:lnRef>
+          <a:fillRef idx="1">
+            <a:schemeClr val="accent1"/>
+          </a:fillRef>
+          <a:effectRef idx="0">
+            <a:schemeClr val="accent1"/>
+          </a:effectRef>
+          <a:fontRef idx="minor">
+            <a:schemeClr val="lt1"/>
+          </a:fontRef>
+        </p:style>
+        <p:txBody>
+          <a:bodyPr rtlCol="0" anchor="ctr"/>
+          <a:lstStyle/>
+          <a:p>
+            <a:pPr algn="ctr"/>
+            <a:r>
+              <a:rPr lang="en-US" sz="2400" dirty="0">
+                <a:solidFill>
+                  <a:schemeClr val="tx1"/>
+                </a:solidFill>
+                <a:latin typeface="Arial" panose="020B0604020202020204" pitchFamily="34" charset="0"/>
+                <a:cs typeface="Arial" panose="020B0604020202020204" pitchFamily="34" charset="0"/>
+              </a:rPr>
+              <a:t>Personal</a:t>
+            </a:r>
+          </a:p>
+        </p:txBody>
+      </p:sp>
+      <p:sp>
+        <p:nvSpPr>
+          <p:cNvPr id="60" name="TextBox 59">
+            <a:extLst>
+              <a:ext uri="{FF2B5EF4-FFF2-40B4-BE49-F238E27FC236}">
+                <a16:creationId xmlns:a16="http://schemas.microsoft.com/office/drawing/2014/main" id="{A378F9AF-A43A-F34B-B6D2-9F030B6B1064}"/>
+              </a:ext>
+            </a:extLst>
+          </p:cNvPr>
+          <p:cNvSpPr txBox="1"/>
+          <p:nvPr/>
+        </p:nvSpPr>
+        <p:spPr>
+          <a:xfrm>
+            <a:off x="7182800" y="2531363"/>
+            <a:ext cx="3458832" cy="369332"/>
+          </a:xfrm>
+          <a:prstGeom prst="rect">
+            <a:avLst/>
+          </a:prstGeom>
+          <a:noFill/>
+        </p:spPr>
+        <p:txBody>
+          <a:bodyPr wrap="none" lIns="0" tIns="0" rIns="0" bIns="0" rtlCol="0">
+            <a:spAutoFit/>
+          </a:bodyPr>
+          <a:lstStyle/>
+          <a:p>
+            <a:pPr algn="l"/>
+            <a:r>
+              <a:rPr lang="en-US" sz="2400" dirty="0">
+                <a:latin typeface="Arial" panose="020B0604020202020204" pitchFamily="34" charset="0"/>
+                <a:cs typeface="Arial" panose="020B0604020202020204" pitchFamily="34" charset="0"/>
+              </a:rPr>
+              <a:t>Table (latex) of groupings</a:t>
+            </a:r>
+          </a:p>
+        </p:txBody>
+      </p:sp>
+    </p:spTree>
+    <p:extLst>
+      <p:ext uri="{BB962C8B-B14F-4D97-AF65-F5344CB8AC3E}">
+        <p14:creationId xmlns:p14="http://schemas.microsoft.com/office/powerpoint/2010/main" val="1578822344"/>
+      </p:ext>
+    </p:extLst>
+  </p:cSld>
+  <p:clrMapOvr>
+    <a:masterClrMapping/>
+  </p:clrMapOvr>
+</p:sld>
+</file>
+
+<file path=ppt/slides/slide6.xml><?xml version="1.0" encoding="utf-8"?>
+<p:sld xmlns:a="http://schemas.openxmlformats.org/drawingml/2006/main" xmlns:r="http://schemas.openxmlformats.org/officeDocument/2006/relationships" xmlns:p="http://schemas.openxmlformats.org/presentationml/2006/main">
+  <p:cSld>
+    <p:spTree>
+      <p:nvGrpSpPr>
+        <p:cNvPr id="1" name=""/>
+        <p:cNvGrpSpPr/>
+        <p:nvPr/>
+      </p:nvGrpSpPr>
+      <p:grpSpPr>
+        <a:xfrm>
+          <a:off x="0" y="0"/>
+          <a:ext cx="0" cy="0"/>
+          <a:chOff x="0" y="0"/>
+          <a:chExt cx="0" cy="0"/>
+        </a:xfrm>
+      </p:grpSpPr>
+      <p:sp>
+        <p:nvSpPr>
+          <p:cNvPr id="2" name="Slide Number Placeholder 1">
+            <a:extLst>
+              <a:ext uri="{FF2B5EF4-FFF2-40B4-BE49-F238E27FC236}">
+                <a16:creationId xmlns:a16="http://schemas.microsoft.com/office/drawing/2014/main" id="{9B12371F-989E-EE43-B20F-90E48B433F0A}"/>
+              </a:ext>
+            </a:extLst>
+          </p:cNvPr>
+          <p:cNvSpPr>
+            <a:spLocks noGrp="1"/>
+          </p:cNvSpPr>
+          <p:nvPr>
+            <p:ph type="sldNum" sz="quarter" idx="12"/>
+          </p:nvPr>
+        </p:nvSpPr>
+        <p:spPr/>
+        <p:txBody>
+          <a:bodyPr/>
+          <a:lstStyle/>
+          <a:p>
+            <a:fld id="{2D00CA07-45C7-8142-9F4D-3A07AD48DFA1}" type="slidenum">
+              <a:rPr lang="en-US" smtClean="0"/>
+              <a:t>6</a:t>
+            </a:fld>
+            <a:endParaRPr lang="en-US"/>
+          </a:p>
+        </p:txBody>
+      </p:sp>
+      <p:sp>
+        <p:nvSpPr>
+          <p:cNvPr id="3" name="TextBox 2">
+            <a:extLst>
+              <a:ext uri="{FF2B5EF4-FFF2-40B4-BE49-F238E27FC236}">
+                <a16:creationId xmlns:a16="http://schemas.microsoft.com/office/drawing/2014/main" id="{2B4E9B55-4425-2740-A108-76FF69BA3D12}"/>
+              </a:ext>
+            </a:extLst>
+          </p:cNvPr>
+          <p:cNvSpPr txBox="1"/>
+          <p:nvPr/>
+        </p:nvSpPr>
+        <p:spPr>
+          <a:xfrm>
+            <a:off x="460713" y="332656"/>
+            <a:ext cx="974626" cy="553998"/>
+          </a:xfrm>
+          <a:prstGeom prst="rect">
+            <a:avLst/>
+          </a:prstGeom>
+          <a:noFill/>
+        </p:spPr>
+        <p:txBody>
+          <a:bodyPr wrap="none" lIns="0" tIns="0" rIns="0" bIns="0" rtlCol="0">
+            <a:spAutoFit/>
+          </a:bodyPr>
+          <a:lstStyle/>
+          <a:p>
+            <a:r>
+              <a:rPr lang="en-US" sz="3600" b="1" dirty="0">
+                <a:latin typeface="Arial" panose="020B0604020202020204" pitchFamily="34" charset="0"/>
+                <a:cs typeface="Arial" panose="020B0604020202020204" pitchFamily="34" charset="0"/>
+              </a:rPr>
+              <a:t>EDA</a:t>
+            </a:r>
+          </a:p>
+        </p:txBody>
+      </p:sp>
+      <p:cxnSp>
+        <p:nvCxnSpPr>
+          <p:cNvPr id="4" name="Straight Connector 3">
+            <a:extLst>
+              <a:ext uri="{FF2B5EF4-FFF2-40B4-BE49-F238E27FC236}">
+                <a16:creationId xmlns:a16="http://schemas.microsoft.com/office/drawing/2014/main" id="{CFDF23E1-C7BD-4C48-9E8A-53704A4D662C}"/>
+              </a:ext>
+            </a:extLst>
+          </p:cNvPr>
+          <p:cNvCxnSpPr>
+            <a:cxnSpLocks/>
+          </p:cNvCxnSpPr>
+          <p:nvPr/>
+        </p:nvCxnSpPr>
+        <p:spPr>
+          <a:xfrm>
+            <a:off x="460714" y="886654"/>
+            <a:ext cx="11270573" cy="0"/>
+          </a:xfrm>
+          <a:prstGeom prst="line">
+            <a:avLst/>
+          </a:prstGeom>
+          <a:ln w="38100">
+            <a:solidFill>
+              <a:schemeClr val="tx1"/>
+            </a:solidFill>
+          </a:ln>
+        </p:spPr>
+        <p:style>
+          <a:lnRef idx="1">
+            <a:schemeClr val="accent1"/>
+          </a:lnRef>
+          <a:fillRef idx="0">
+            <a:schemeClr val="accent1"/>
+          </a:fillRef>
+          <a:effectRef idx="0">
+            <a:schemeClr val="accent1"/>
+          </a:effectRef>
+          <a:fontRef idx="minor">
+            <a:schemeClr val="tx1"/>
+          </a:fontRef>
+        </p:style>
+      </p:cxnSp>
+      <p:grpSp>
+        <p:nvGrpSpPr>
+          <p:cNvPr id="13" name="Group 12">
+            <a:extLst>
+              <a:ext uri="{FF2B5EF4-FFF2-40B4-BE49-F238E27FC236}">
+                <a16:creationId xmlns:a16="http://schemas.microsoft.com/office/drawing/2014/main" id="{8E985FFC-9E59-6F4F-9F75-C95E2250FD53}"/>
+              </a:ext>
+            </a:extLst>
+          </p:cNvPr>
+          <p:cNvGrpSpPr/>
+          <p:nvPr/>
+        </p:nvGrpSpPr>
+        <p:grpSpPr>
+          <a:xfrm>
+            <a:off x="460713" y="1147906"/>
+            <a:ext cx="5209425" cy="373028"/>
+            <a:chOff x="460713" y="1147906"/>
+            <a:chExt cx="5209425" cy="373028"/>
+          </a:xfrm>
+        </p:grpSpPr>
+        <p:sp>
+          <p:nvSpPr>
+            <p:cNvPr id="9" name="TextBox 8">
+              <a:extLst>
+                <a:ext uri="{FF2B5EF4-FFF2-40B4-BE49-F238E27FC236}">
+                  <a16:creationId xmlns:a16="http://schemas.microsoft.com/office/drawing/2014/main" id="{5864DE45-F31F-F34E-BAC6-E015E30D4D60}"/>
+                </a:ext>
+              </a:extLst>
+            </p:cNvPr>
+            <p:cNvSpPr txBox="1"/>
+            <p:nvPr/>
+          </p:nvSpPr>
+          <p:spPr>
+            <a:xfrm>
+              <a:off x="460713" y="1147906"/>
+              <a:ext cx="2851743" cy="369332"/>
+            </a:xfrm>
+            <a:prstGeom prst="rect">
+              <a:avLst/>
+            </a:prstGeom>
+            <a:noFill/>
+          </p:spPr>
+          <p:txBody>
+            <a:bodyPr wrap="none" lIns="0" tIns="0" rIns="0" bIns="0" rtlCol="0">
+              <a:spAutoFit/>
+            </a:bodyPr>
+            <a:lstStyle/>
+            <a:p>
+              <a:pPr algn="l"/>
+              <a:r>
+                <a:rPr lang="en-US" sz="2400" b="1" dirty="0">
+                  <a:solidFill>
+                    <a:srgbClr val="03529B"/>
+                  </a:solidFill>
+                  <a:latin typeface="Arial" panose="020B0604020202020204" pitchFamily="34" charset="0"/>
+                  <a:cs typeface="Arial" panose="020B0604020202020204" pitchFamily="34" charset="0"/>
+                </a:rPr>
+                <a:t>Distribution of PPM</a:t>
+              </a:r>
+            </a:p>
+          </p:txBody>
+        </p:sp>
+        <p:cxnSp>
+          <p:nvCxnSpPr>
+            <p:cNvPr id="11" name="Straight Connector 10">
+              <a:extLst>
+                <a:ext uri="{FF2B5EF4-FFF2-40B4-BE49-F238E27FC236}">
+                  <a16:creationId xmlns:a16="http://schemas.microsoft.com/office/drawing/2014/main" id="{F45F55A1-178F-204B-8122-0D25726930AE}"/>
+                </a:ext>
+              </a:extLst>
+            </p:cNvPr>
+            <p:cNvCxnSpPr>
+              <a:cxnSpLocks/>
+            </p:cNvCxnSpPr>
+            <p:nvPr/>
+          </p:nvCxnSpPr>
+          <p:spPr>
+            <a:xfrm>
+              <a:off x="460713" y="1520934"/>
+              <a:ext cx="5209425" cy="0"/>
+            </a:xfrm>
+            <a:prstGeom prst="line">
+              <a:avLst/>
+            </a:prstGeom>
+            <a:ln w="28575">
+              <a:solidFill>
+                <a:srgbClr val="03529B"/>
+              </a:solidFill>
+            </a:ln>
+          </p:spPr>
+          <p:style>
+            <a:lnRef idx="1">
+              <a:schemeClr val="accent1"/>
+            </a:lnRef>
+            <a:fillRef idx="0">
+              <a:schemeClr val="accent1"/>
+            </a:fillRef>
+            <a:effectRef idx="0">
+              <a:schemeClr val="accent1"/>
+            </a:effectRef>
+            <a:fontRef idx="minor">
+              <a:schemeClr val="tx1"/>
+            </a:fontRef>
+          </p:style>
+        </p:cxnSp>
+      </p:grpSp>
+      <p:sp>
+        <p:nvSpPr>
+          <p:cNvPr id="6" name="TextBox 5">
+            <a:extLst>
+              <a:ext uri="{FF2B5EF4-FFF2-40B4-BE49-F238E27FC236}">
+                <a16:creationId xmlns:a16="http://schemas.microsoft.com/office/drawing/2014/main" id="{1A5A5DDF-9EC3-5449-81CA-61595EE0CB47}"/>
+              </a:ext>
+            </a:extLst>
+          </p:cNvPr>
+          <p:cNvSpPr txBox="1"/>
+          <p:nvPr/>
+        </p:nvSpPr>
+        <p:spPr>
+          <a:xfrm>
+            <a:off x="866202" y="2060848"/>
+            <a:ext cx="10459595" cy="369332"/>
+          </a:xfrm>
+          <a:prstGeom prst="rect">
+            <a:avLst/>
+          </a:prstGeom>
+          <a:noFill/>
+        </p:spPr>
+        <p:txBody>
+          <a:bodyPr wrap="none" lIns="0" tIns="0" rIns="0" bIns="0" rtlCol="0">
+            <a:spAutoFit/>
+          </a:bodyPr>
+          <a:lstStyle/>
+          <a:p>
+            <a:pPr algn="l"/>
+            <a:r>
+              <a:rPr lang="en-US" sz="2400" dirty="0">
+                <a:latin typeface="Arial" panose="020B0604020202020204" pitchFamily="34" charset="0"/>
+                <a:cs typeface="Arial" panose="020B0604020202020204" pitchFamily="34" charset="0"/>
+              </a:rPr>
+              <a:t>plot of distribution &gt; 95% percentile/research shows &gt; plot of new distribution</a:t>
+            </a:r>
+          </a:p>
+        </p:txBody>
+      </p:sp>
+    </p:spTree>
+    <p:extLst>
+      <p:ext uri="{BB962C8B-B14F-4D97-AF65-F5344CB8AC3E}">
+        <p14:creationId xmlns:p14="http://schemas.microsoft.com/office/powerpoint/2010/main" val="1368182242"/>
+      </p:ext>
+    </p:extLst>
+  </p:cSld>
+  <p:clrMapOvr>
+    <a:masterClrMapping/>
+  </p:clrMapOvr>
+</p:sld>
+</file>
+
+<file path=ppt/slides/slide7.xml><?xml version="1.0" encoding="utf-8"?>
+<p:sld xmlns:a="http://schemas.openxmlformats.org/drawingml/2006/main" xmlns:r="http://schemas.openxmlformats.org/officeDocument/2006/relationships" xmlns:p="http://schemas.openxmlformats.org/presentationml/2006/main">
+  <p:cSld>
+    <p:spTree>
+      <p:nvGrpSpPr>
+        <p:cNvPr id="1" name=""/>
+        <p:cNvGrpSpPr/>
+        <p:nvPr/>
+      </p:nvGrpSpPr>
+      <p:grpSpPr>
+        <a:xfrm>
+          <a:off x="0" y="0"/>
+          <a:ext cx="0" cy="0"/>
+          <a:chOff x="0" y="0"/>
+          <a:chExt cx="0" cy="0"/>
+        </a:xfrm>
+      </p:grpSpPr>
+      <p:sp>
+        <p:nvSpPr>
+          <p:cNvPr id="2" name="Slide Number Placeholder 1">
+            <a:extLst>
+              <a:ext uri="{FF2B5EF4-FFF2-40B4-BE49-F238E27FC236}">
+                <a16:creationId xmlns:a16="http://schemas.microsoft.com/office/drawing/2014/main" id="{9B12371F-989E-EE43-B20F-90E48B433F0A}"/>
+              </a:ext>
+            </a:extLst>
+          </p:cNvPr>
+          <p:cNvSpPr>
+            <a:spLocks noGrp="1"/>
+          </p:cNvSpPr>
+          <p:nvPr>
+            <p:ph type="sldNum" sz="quarter" idx="12"/>
+          </p:nvPr>
+        </p:nvSpPr>
+        <p:spPr/>
+        <p:txBody>
+          <a:bodyPr/>
+          <a:lstStyle/>
+          <a:p>
+            <a:fld id="{2D00CA07-45C7-8142-9F4D-3A07AD48DFA1}" type="slidenum">
+              <a:rPr lang="en-US" smtClean="0"/>
+              <a:t>7</a:t>
+            </a:fld>
+            <a:endParaRPr lang="en-US"/>
+          </a:p>
+        </p:txBody>
+      </p:sp>
+      <p:sp>
+        <p:nvSpPr>
+          <p:cNvPr id="3" name="TextBox 2">
+            <a:extLst>
+              <a:ext uri="{FF2B5EF4-FFF2-40B4-BE49-F238E27FC236}">
+                <a16:creationId xmlns:a16="http://schemas.microsoft.com/office/drawing/2014/main" id="{2B4E9B55-4425-2740-A108-76FF69BA3D12}"/>
+              </a:ext>
+            </a:extLst>
+          </p:cNvPr>
+          <p:cNvSpPr txBox="1"/>
+          <p:nvPr/>
+        </p:nvSpPr>
+        <p:spPr>
+          <a:xfrm>
+            <a:off x="460713" y="332656"/>
+            <a:ext cx="4385816" cy="553998"/>
+          </a:xfrm>
+          <a:prstGeom prst="rect">
+            <a:avLst/>
+          </a:prstGeom>
+          <a:noFill/>
+        </p:spPr>
+        <p:txBody>
+          <a:bodyPr wrap="none" lIns="0" tIns="0" rIns="0" bIns="0" rtlCol="0">
+            <a:spAutoFit/>
+          </a:bodyPr>
+          <a:lstStyle/>
+          <a:p>
+            <a:r>
+              <a:rPr lang="en-US" sz="3600" b="1" dirty="0">
+                <a:latin typeface="Arial" panose="020B0604020202020204" pitchFamily="34" charset="0"/>
+                <a:cs typeface="Arial" panose="020B0604020202020204" pitchFamily="34" charset="0"/>
+              </a:rPr>
+              <a:t>Linear Model Fitting</a:t>
+            </a:r>
+          </a:p>
+        </p:txBody>
+      </p:sp>
+      <p:cxnSp>
+        <p:nvCxnSpPr>
+          <p:cNvPr id="4" name="Straight Connector 3">
+            <a:extLst>
+              <a:ext uri="{FF2B5EF4-FFF2-40B4-BE49-F238E27FC236}">
+                <a16:creationId xmlns:a16="http://schemas.microsoft.com/office/drawing/2014/main" id="{CFDF23E1-C7BD-4C48-9E8A-53704A4D662C}"/>
+              </a:ext>
+            </a:extLst>
+          </p:cNvPr>
+          <p:cNvCxnSpPr>
+            <a:cxnSpLocks/>
+          </p:cNvCxnSpPr>
+          <p:nvPr/>
+        </p:nvCxnSpPr>
+        <p:spPr>
+          <a:xfrm>
+            <a:off x="460714" y="886654"/>
+            <a:ext cx="11270573" cy="0"/>
+          </a:xfrm>
+          <a:prstGeom prst="line">
+            <a:avLst/>
+          </a:prstGeom>
+          <a:ln w="38100">
+            <a:solidFill>
+              <a:schemeClr val="tx1"/>
+            </a:solidFill>
+          </a:ln>
+        </p:spPr>
+        <p:style>
+          <a:lnRef idx="1">
+            <a:schemeClr val="accent1"/>
+          </a:lnRef>
+          <a:fillRef idx="0">
+            <a:schemeClr val="accent1"/>
+          </a:fillRef>
+          <a:effectRef idx="0">
+            <a:schemeClr val="accent1"/>
+          </a:effectRef>
+          <a:fontRef idx="minor">
+            <a:schemeClr val="tx1"/>
+          </a:fontRef>
+        </p:style>
+      </p:cxnSp>
+      <p:sp>
+        <p:nvSpPr>
+          <p:cNvPr id="8" name="Rectangle 7">
+            <a:extLst>
+              <a:ext uri="{FF2B5EF4-FFF2-40B4-BE49-F238E27FC236}">
+                <a16:creationId xmlns:a16="http://schemas.microsoft.com/office/drawing/2014/main" id="{B5AF9049-5C91-7E4B-B5A5-24549316F6FB}"/>
+              </a:ext>
+            </a:extLst>
+          </p:cNvPr>
+          <p:cNvSpPr/>
+          <p:nvPr/>
+        </p:nvSpPr>
+        <p:spPr>
+          <a:xfrm>
+            <a:off x="466076" y="1407244"/>
+            <a:ext cx="2371181" cy="1052235"/>
+          </a:xfrm>
+          <a:prstGeom prst="rect">
+            <a:avLst/>
+          </a:prstGeom>
+          <a:solidFill>
+            <a:schemeClr val="bg1">
+              <a:lumMod val="95000"/>
+            </a:schemeClr>
+          </a:solidFill>
+          <a:ln w="28575">
+            <a:solidFill>
+              <a:schemeClr val="tx1"/>
+            </a:solidFill>
+          </a:ln>
+        </p:spPr>
+        <p:style>
+          <a:lnRef idx="2">
+            <a:schemeClr val="accent1">
+              <a:shade val="50000"/>
+            </a:schemeClr>
+          </a:lnRef>
+          <a:fillRef idx="1">
+            <a:schemeClr val="accent1"/>
+          </a:fillRef>
+          <a:effectRef idx="0">
+            <a:schemeClr val="accent1"/>
+          </a:effectRef>
+          <a:fontRef idx="minor">
+            <a:schemeClr val="lt1"/>
+          </a:fontRef>
+        </p:style>
+        <p:txBody>
+          <a:bodyPr rtlCol="0" anchor="ctr"/>
+          <a:lstStyle/>
+          <a:p>
+            <a:pPr algn="ctr"/>
+            <a:r>
+              <a:rPr lang="de-DE" sz="2000" b="1" dirty="0">
+                <a:solidFill>
+                  <a:schemeClr val="tx1"/>
+                </a:solidFill>
+                <a:latin typeface="Arial" panose="020B0604020202020204" pitchFamily="34" charset="0"/>
+                <a:cs typeface="Arial" panose="020B0604020202020204" pitchFamily="34" charset="0"/>
+              </a:rPr>
+              <a:t>Null Model</a:t>
+            </a:r>
+          </a:p>
+          <a:p>
+            <a:pPr algn="ctr"/>
+            <a:r>
+              <a:rPr lang="en-US" sz="2000" dirty="0">
+                <a:solidFill>
+                  <a:schemeClr val="tx1"/>
+                </a:solidFill>
+                <a:latin typeface="Arial" panose="020B0604020202020204" pitchFamily="34" charset="0"/>
+                <a:cs typeface="Arial" panose="020B0604020202020204" pitchFamily="34" charset="0"/>
+              </a:rPr>
+              <a:t>No predictors</a:t>
+            </a:r>
+          </a:p>
+        </p:txBody>
+      </p:sp>
+      <p:sp>
+        <p:nvSpPr>
+          <p:cNvPr id="10" name="Rectangle 9">
+            <a:extLst>
+              <a:ext uri="{FF2B5EF4-FFF2-40B4-BE49-F238E27FC236}">
+                <a16:creationId xmlns:a16="http://schemas.microsoft.com/office/drawing/2014/main" id="{9BBE968B-548C-D345-832B-CB5084EA4618}"/>
+              </a:ext>
+            </a:extLst>
+          </p:cNvPr>
+          <p:cNvSpPr/>
+          <p:nvPr/>
+        </p:nvSpPr>
+        <p:spPr>
+          <a:xfrm>
+            <a:off x="9345198" y="1407243"/>
+            <a:ext cx="2371181" cy="1052235"/>
+          </a:xfrm>
+          <a:prstGeom prst="rect">
+            <a:avLst/>
+          </a:prstGeom>
+          <a:solidFill>
+            <a:schemeClr val="bg1">
+              <a:lumMod val="95000"/>
+            </a:schemeClr>
+          </a:solidFill>
+          <a:ln w="28575">
+            <a:solidFill>
+              <a:schemeClr val="tx1"/>
+            </a:solidFill>
+          </a:ln>
+        </p:spPr>
+        <p:style>
+          <a:lnRef idx="2">
+            <a:schemeClr val="accent1">
+              <a:shade val="50000"/>
+            </a:schemeClr>
+          </a:lnRef>
+          <a:fillRef idx="1">
+            <a:schemeClr val="accent1"/>
+          </a:fillRef>
+          <a:effectRef idx="0">
+            <a:schemeClr val="accent1"/>
+          </a:effectRef>
+          <a:fontRef idx="minor">
+            <a:schemeClr val="lt1"/>
+          </a:fontRef>
+        </p:style>
+        <p:txBody>
+          <a:bodyPr rtlCol="0" anchor="ctr"/>
+          <a:lstStyle/>
+          <a:p>
+            <a:pPr algn="ctr"/>
+            <a:r>
+              <a:rPr lang="en-US" sz="2000" b="1" dirty="0">
+                <a:solidFill>
+                  <a:schemeClr val="tx1"/>
+                </a:solidFill>
+                <a:latin typeface="Arial" panose="020B0604020202020204" pitchFamily="34" charset="0"/>
+                <a:cs typeface="Arial" panose="020B0604020202020204" pitchFamily="34" charset="0"/>
+              </a:rPr>
+              <a:t>Full Model</a:t>
+            </a:r>
+          </a:p>
+          <a:p>
+            <a:pPr algn="ctr"/>
+            <a:r>
+              <a:rPr lang="en-US" sz="2000" dirty="0">
+                <a:solidFill>
+                  <a:schemeClr val="tx1"/>
+                </a:solidFill>
+                <a:latin typeface="Arial" panose="020B0604020202020204" pitchFamily="34" charset="0"/>
+                <a:cs typeface="Arial" panose="020B0604020202020204" pitchFamily="34" charset="0"/>
+              </a:rPr>
+              <a:t>All predictors</a:t>
+            </a:r>
+          </a:p>
+        </p:txBody>
+      </p:sp>
+      <p:cxnSp>
+        <p:nvCxnSpPr>
+          <p:cNvPr id="12" name="Straight Arrow Connector 11">
+            <a:extLst>
+              <a:ext uri="{FF2B5EF4-FFF2-40B4-BE49-F238E27FC236}">
+                <a16:creationId xmlns:a16="http://schemas.microsoft.com/office/drawing/2014/main" id="{CB511F72-CB44-9E4A-9B7D-4403BA879E88}"/>
+              </a:ext>
+            </a:extLst>
+          </p:cNvPr>
+          <p:cNvCxnSpPr>
+            <a:stCxn id="8" idx="3"/>
+            <a:endCxn id="10" idx="1"/>
+          </p:cNvCxnSpPr>
+          <p:nvPr/>
+        </p:nvCxnSpPr>
+        <p:spPr>
+          <a:xfrm flipV="1">
+            <a:off x="2837257" y="1933361"/>
+            <a:ext cx="6507941" cy="1"/>
+          </a:xfrm>
+          <a:prstGeom prst="straightConnector1">
+            <a:avLst/>
+          </a:prstGeom>
+          <a:ln w="28575">
+            <a:solidFill>
+              <a:schemeClr val="tx1"/>
+            </a:solidFill>
+            <a:tailEnd type="triangle"/>
+          </a:ln>
+        </p:spPr>
+        <p:style>
+          <a:lnRef idx="1">
+            <a:schemeClr val="accent1"/>
+          </a:lnRef>
+          <a:fillRef idx="0">
+            <a:schemeClr val="accent1"/>
+          </a:fillRef>
+          <a:effectRef idx="0">
+            <a:schemeClr val="accent1"/>
+          </a:effectRef>
+          <a:fontRef idx="minor">
+            <a:schemeClr val="tx1"/>
+          </a:fontRef>
+        </p:style>
+      </p:cxnSp>
+      <p:grpSp>
+        <p:nvGrpSpPr>
+          <p:cNvPr id="14" name="Group 13">
+            <a:extLst>
+              <a:ext uri="{FF2B5EF4-FFF2-40B4-BE49-F238E27FC236}">
+                <a16:creationId xmlns:a16="http://schemas.microsoft.com/office/drawing/2014/main" id="{C707155D-CBF5-5F4A-9327-FCEDF6B9B1BF}"/>
+              </a:ext>
+            </a:extLst>
+          </p:cNvPr>
+          <p:cNvGrpSpPr/>
+          <p:nvPr/>
+        </p:nvGrpSpPr>
+        <p:grpSpPr>
+          <a:xfrm>
+            <a:off x="5030380" y="1933359"/>
+            <a:ext cx="2121695" cy="1490953"/>
+            <a:chOff x="4655840" y="1660460"/>
+            <a:chExt cx="2121695" cy="1781556"/>
+          </a:xfrm>
+        </p:grpSpPr>
+        <p:sp>
+          <p:nvSpPr>
+            <p:cNvPr id="15" name="Rectangle 14">
+              <a:extLst>
+                <a:ext uri="{FF2B5EF4-FFF2-40B4-BE49-F238E27FC236}">
+                  <a16:creationId xmlns:a16="http://schemas.microsoft.com/office/drawing/2014/main" id="{DC7185CD-77FE-C745-953D-C39C0D13678A}"/>
+                </a:ext>
+              </a:extLst>
+            </p:cNvPr>
+            <p:cNvSpPr/>
+            <p:nvPr/>
+          </p:nvSpPr>
+          <p:spPr>
+            <a:xfrm>
+              <a:off x="4655840" y="2315941"/>
+              <a:ext cx="2121695" cy="1126075"/>
+            </a:xfrm>
+            <a:prstGeom prst="rect">
+              <a:avLst/>
+            </a:prstGeom>
+            <a:solidFill>
+              <a:schemeClr val="bg1">
+                <a:lumMod val="95000"/>
+              </a:schemeClr>
+            </a:solidFill>
+            <a:ln w="28575">
+              <a:solidFill>
+                <a:schemeClr val="tx1"/>
+              </a:solidFill>
+              <a:prstDash val="dash"/>
+            </a:ln>
+          </p:spPr>
+          <p:style>
+            <a:lnRef idx="2">
+              <a:schemeClr val="accent1">
+                <a:shade val="50000"/>
+              </a:schemeClr>
+            </a:lnRef>
+            <a:fillRef idx="1">
+              <a:schemeClr val="accent1"/>
+            </a:fillRef>
+            <a:effectRef idx="0">
+              <a:schemeClr val="accent1"/>
+            </a:effectRef>
+            <a:fontRef idx="minor">
+              <a:schemeClr val="lt1"/>
+            </a:fontRef>
+          </p:style>
+          <p:txBody>
+            <a:bodyPr rtlCol="0" anchor="ctr"/>
+            <a:lstStyle/>
+            <a:p>
+              <a:pPr algn="ctr"/>
+              <a:r>
+                <a:rPr lang="de-DE" sz="2000" b="1" dirty="0">
+                  <a:solidFill>
+                    <a:schemeClr val="tx1"/>
+                  </a:solidFill>
+                  <a:latin typeface="Arial" panose="020B0604020202020204" pitchFamily="34" charset="0"/>
+                  <a:cs typeface="Arial" panose="020B0604020202020204" pitchFamily="34" charset="0"/>
+                </a:rPr>
+                <a:t>Parameters</a:t>
+              </a:r>
+            </a:p>
+            <a:p>
+              <a:pPr algn="ctr"/>
+              <a:r>
+                <a:rPr lang="en-US" sz="2000" dirty="0">
+                  <a:solidFill>
+                    <a:schemeClr val="tx1"/>
+                  </a:solidFill>
+                  <a:latin typeface="Arial" panose="020B0604020202020204" pitchFamily="34" charset="0"/>
+                  <a:cs typeface="Arial" panose="020B0604020202020204" pitchFamily="34" charset="0"/>
+                </a:rPr>
+                <a:t>AIC</a:t>
+              </a:r>
+            </a:p>
+            <a:p>
+              <a:pPr algn="ctr"/>
+              <a:r>
+                <a:rPr lang="en-US" sz="2000" dirty="0">
+                  <a:solidFill>
+                    <a:schemeClr val="tx1"/>
+                  </a:solidFill>
+                  <a:latin typeface="Arial" panose="020B0604020202020204" pitchFamily="34" charset="0"/>
+                  <a:cs typeface="Arial" panose="020B0604020202020204" pitchFamily="34" charset="0"/>
+                </a:rPr>
+                <a:t>Direction = both</a:t>
+              </a:r>
+            </a:p>
+          </p:txBody>
+        </p:sp>
+        <p:cxnSp>
+          <p:nvCxnSpPr>
+            <p:cNvPr id="16" name="Straight Connector 15">
+              <a:extLst>
+                <a:ext uri="{FF2B5EF4-FFF2-40B4-BE49-F238E27FC236}">
+                  <a16:creationId xmlns:a16="http://schemas.microsoft.com/office/drawing/2014/main" id="{8B90425E-BF39-6A46-B73A-85C7C468FE91}"/>
+                </a:ext>
+              </a:extLst>
+            </p:cNvPr>
+            <p:cNvCxnSpPr>
+              <a:cxnSpLocks/>
+              <a:endCxn id="15" idx="0"/>
+            </p:cNvCxnSpPr>
+            <p:nvPr/>
+          </p:nvCxnSpPr>
+          <p:spPr>
+            <a:xfrm>
+              <a:off x="5716688" y="1660460"/>
+              <a:ext cx="0" cy="655481"/>
+            </a:xfrm>
+            <a:prstGeom prst="line">
+              <a:avLst/>
+            </a:prstGeom>
+            <a:ln w="38100">
+              <a:solidFill>
+                <a:schemeClr val="tx1"/>
+              </a:solidFill>
+              <a:prstDash val="dash"/>
+            </a:ln>
+          </p:spPr>
+          <p:style>
+            <a:lnRef idx="1">
+              <a:schemeClr val="accent1"/>
+            </a:lnRef>
+            <a:fillRef idx="0">
+              <a:schemeClr val="accent1"/>
+            </a:fillRef>
+            <a:effectRef idx="0">
+              <a:schemeClr val="accent1"/>
+            </a:effectRef>
+            <a:fontRef idx="minor">
+              <a:schemeClr val="tx1"/>
+            </a:fontRef>
+          </p:style>
+        </p:cxnSp>
+      </p:grpSp>
+    </p:spTree>
+    <p:extLst>
+      <p:ext uri="{BB962C8B-B14F-4D97-AF65-F5344CB8AC3E}">
+        <p14:creationId xmlns:p14="http://schemas.microsoft.com/office/powerpoint/2010/main" val="68272479"/>
+      </p:ext>
+    </p:extLst>
+  </p:cSld>
+  <p:clrMapOvr>
+    <a:masterClrMapping/>
+  </p:clrMapOvr>
+</p:sld>
+</file>
+
+<file path=ppt/slides/slide8.xml><?xml version="1.0" encoding="utf-8"?>
+<p:sld xmlns:a="http://schemas.openxmlformats.org/drawingml/2006/main" xmlns:r="http://schemas.openxmlformats.org/officeDocument/2006/relationships" xmlns:p="http://schemas.openxmlformats.org/presentationml/2006/main">
+  <p:cSld>
+    <p:spTree>
+      <p:nvGrpSpPr>
+        <p:cNvPr id="1" name=""/>
+        <p:cNvGrpSpPr/>
+        <p:nvPr/>
+      </p:nvGrpSpPr>
+      <p:grpSpPr>
+        <a:xfrm>
+          <a:off x="0" y="0"/>
+          <a:ext cx="0" cy="0"/>
+          <a:chOff x="0" y="0"/>
+          <a:chExt cx="0" cy="0"/>
+        </a:xfrm>
+      </p:grpSpPr>
+      <p:sp>
+        <p:nvSpPr>
+          <p:cNvPr id="2" name="Slide Number Placeholder 1">
+            <a:extLst>
+              <a:ext uri="{FF2B5EF4-FFF2-40B4-BE49-F238E27FC236}">
+                <a16:creationId xmlns:a16="http://schemas.microsoft.com/office/drawing/2014/main" id="{9B12371F-989E-EE43-B20F-90E48B433F0A}"/>
+              </a:ext>
+            </a:extLst>
+          </p:cNvPr>
+          <p:cNvSpPr>
+            <a:spLocks noGrp="1"/>
+          </p:cNvSpPr>
+          <p:nvPr>
+            <p:ph type="sldNum" sz="quarter" idx="12"/>
+          </p:nvPr>
+        </p:nvSpPr>
+        <p:spPr/>
+        <p:txBody>
+          <a:bodyPr/>
+          <a:lstStyle/>
+          <a:p>
+            <a:fld id="{2D00CA07-45C7-8142-9F4D-3A07AD48DFA1}" type="slidenum">
+              <a:rPr lang="en-US" smtClean="0"/>
+              <a:t>8</a:t>
+            </a:fld>
+            <a:endParaRPr lang="en-US"/>
+          </a:p>
+        </p:txBody>
+      </p:sp>
+      <p:sp>
+        <p:nvSpPr>
+          <p:cNvPr id="3" name="TextBox 2">
+            <a:extLst>
+              <a:ext uri="{FF2B5EF4-FFF2-40B4-BE49-F238E27FC236}">
+                <a16:creationId xmlns:a16="http://schemas.microsoft.com/office/drawing/2014/main" id="{2B4E9B55-4425-2740-A108-76FF69BA3D12}"/>
+              </a:ext>
+            </a:extLst>
+          </p:cNvPr>
+          <p:cNvSpPr txBox="1"/>
+          <p:nvPr/>
+        </p:nvSpPr>
+        <p:spPr>
+          <a:xfrm>
+            <a:off x="460713" y="332656"/>
+            <a:ext cx="5257850" cy="553998"/>
+          </a:xfrm>
+          <a:prstGeom prst="rect">
+            <a:avLst/>
+          </a:prstGeom>
+          <a:noFill/>
+        </p:spPr>
+        <p:txBody>
+          <a:bodyPr wrap="none" lIns="0" tIns="0" rIns="0" bIns="0" rtlCol="0">
+            <a:spAutoFit/>
+          </a:bodyPr>
+          <a:lstStyle/>
+          <a:p>
+            <a:r>
+              <a:rPr lang="en-US" sz="3600" b="1" dirty="0">
+                <a:latin typeface="Arial" panose="020B0604020202020204" pitchFamily="34" charset="0"/>
+                <a:cs typeface="Arial" panose="020B0604020202020204" pitchFamily="34" charset="0"/>
+              </a:rPr>
+              <a:t>Hierarchal Model Fitting</a:t>
             </a:r>
           </a:p>
         </p:txBody>
@@ -6795,7 +10510,253 @@
     </p:spTree>
     <p:extLst>
       <p:ext uri="{BB962C8B-B14F-4D97-AF65-F5344CB8AC3E}">
-        <p14:creationId xmlns:p14="http://schemas.microsoft.com/office/powerpoint/2010/main" val="690091866"/>
+        <p14:creationId xmlns:p14="http://schemas.microsoft.com/office/powerpoint/2010/main" val="3503870745"/>
+      </p:ext>
+    </p:extLst>
+  </p:cSld>
+  <p:clrMapOvr>
+    <a:masterClrMapping/>
+  </p:clrMapOvr>
+</p:sld>
+</file>
+
+<file path=ppt/slides/slide9.xml><?xml version="1.0" encoding="utf-8"?>
+<p:sld xmlns:a="http://schemas.openxmlformats.org/drawingml/2006/main" xmlns:r="http://schemas.openxmlformats.org/officeDocument/2006/relationships" xmlns:p="http://schemas.openxmlformats.org/presentationml/2006/main">
+  <p:cSld>
+    <p:spTree>
+      <p:nvGrpSpPr>
+        <p:cNvPr id="1" name=""/>
+        <p:cNvGrpSpPr/>
+        <p:nvPr/>
+      </p:nvGrpSpPr>
+      <p:grpSpPr>
+        <a:xfrm>
+          <a:off x="0" y="0"/>
+          <a:ext cx="0" cy="0"/>
+          <a:chOff x="0" y="0"/>
+          <a:chExt cx="0" cy="0"/>
+        </a:xfrm>
+      </p:grpSpPr>
+      <p:sp>
+        <p:nvSpPr>
+          <p:cNvPr id="2" name="Slide Number Placeholder 1">
+            <a:extLst>
+              <a:ext uri="{FF2B5EF4-FFF2-40B4-BE49-F238E27FC236}">
+                <a16:creationId xmlns:a16="http://schemas.microsoft.com/office/drawing/2014/main" id="{9B12371F-989E-EE43-B20F-90E48B433F0A}"/>
+              </a:ext>
+            </a:extLst>
+          </p:cNvPr>
+          <p:cNvSpPr>
+            <a:spLocks noGrp="1"/>
+          </p:cNvSpPr>
+          <p:nvPr>
+            <p:ph type="sldNum" sz="quarter" idx="12"/>
+          </p:nvPr>
+        </p:nvSpPr>
+        <p:spPr/>
+        <p:txBody>
+          <a:bodyPr/>
+          <a:lstStyle/>
+          <a:p>
+            <a:fld id="{2D00CA07-45C7-8142-9F4D-3A07AD48DFA1}" type="slidenum">
+              <a:rPr lang="en-US" smtClean="0"/>
+              <a:t>9</a:t>
+            </a:fld>
+            <a:endParaRPr lang="en-US"/>
+          </a:p>
+        </p:txBody>
+      </p:sp>
+      <p:sp>
+        <p:nvSpPr>
+          <p:cNvPr id="3" name="TextBox 2">
+            <a:extLst>
+              <a:ext uri="{FF2B5EF4-FFF2-40B4-BE49-F238E27FC236}">
+                <a16:creationId xmlns:a16="http://schemas.microsoft.com/office/drawing/2014/main" id="{2B4E9B55-4425-2740-A108-76FF69BA3D12}"/>
+              </a:ext>
+            </a:extLst>
+          </p:cNvPr>
+          <p:cNvSpPr txBox="1"/>
+          <p:nvPr/>
+        </p:nvSpPr>
+        <p:spPr>
+          <a:xfrm>
+            <a:off x="460713" y="332656"/>
+            <a:ext cx="6078587" cy="553998"/>
+          </a:xfrm>
+          <a:prstGeom prst="rect">
+            <a:avLst/>
+          </a:prstGeom>
+          <a:noFill/>
+        </p:spPr>
+        <p:txBody>
+          <a:bodyPr wrap="none" lIns="0" tIns="0" rIns="0" bIns="0" rtlCol="0">
+            <a:spAutoFit/>
+          </a:bodyPr>
+          <a:lstStyle/>
+          <a:p>
+            <a:r>
+              <a:rPr lang="en-US" sz="3600" b="1" dirty="0">
+                <a:latin typeface="Arial" panose="020B0604020202020204" pitchFamily="34" charset="0"/>
+                <a:cs typeface="Arial" panose="020B0604020202020204" pitchFamily="34" charset="0"/>
+              </a:rPr>
+              <a:t>Interpretation &amp; Conclusion</a:t>
+            </a:r>
+          </a:p>
+        </p:txBody>
+      </p:sp>
+      <p:cxnSp>
+        <p:nvCxnSpPr>
+          <p:cNvPr id="4" name="Straight Connector 3">
+            <a:extLst>
+              <a:ext uri="{FF2B5EF4-FFF2-40B4-BE49-F238E27FC236}">
+                <a16:creationId xmlns:a16="http://schemas.microsoft.com/office/drawing/2014/main" id="{CFDF23E1-C7BD-4C48-9E8A-53704A4D662C}"/>
+              </a:ext>
+            </a:extLst>
+          </p:cNvPr>
+          <p:cNvCxnSpPr>
+            <a:cxnSpLocks/>
+          </p:cNvCxnSpPr>
+          <p:nvPr/>
+        </p:nvCxnSpPr>
+        <p:spPr>
+          <a:xfrm>
+            <a:off x="460714" y="886654"/>
+            <a:ext cx="11270573" cy="0"/>
+          </a:xfrm>
+          <a:prstGeom prst="line">
+            <a:avLst/>
+          </a:prstGeom>
+          <a:ln w="38100">
+            <a:solidFill>
+              <a:schemeClr val="tx1"/>
+            </a:solidFill>
+          </a:ln>
+        </p:spPr>
+        <p:style>
+          <a:lnRef idx="1">
+            <a:schemeClr val="accent1"/>
+          </a:lnRef>
+          <a:fillRef idx="0">
+            <a:schemeClr val="accent1"/>
+          </a:fillRef>
+          <a:effectRef idx="0">
+            <a:schemeClr val="accent1"/>
+          </a:effectRef>
+          <a:fontRef idx="minor">
+            <a:schemeClr val="tx1"/>
+          </a:fontRef>
+        </p:style>
+      </p:cxnSp>
+      <p:grpSp>
+        <p:nvGrpSpPr>
+          <p:cNvPr id="13" name="Group 12">
+            <a:extLst>
+              <a:ext uri="{FF2B5EF4-FFF2-40B4-BE49-F238E27FC236}">
+                <a16:creationId xmlns:a16="http://schemas.microsoft.com/office/drawing/2014/main" id="{8E985FFC-9E59-6F4F-9F75-C95E2250FD53}"/>
+              </a:ext>
+            </a:extLst>
+          </p:cNvPr>
+          <p:cNvGrpSpPr/>
+          <p:nvPr/>
+        </p:nvGrpSpPr>
+        <p:grpSpPr>
+          <a:xfrm>
+            <a:off x="460713" y="1147906"/>
+            <a:ext cx="5209425" cy="373028"/>
+            <a:chOff x="460713" y="1147906"/>
+            <a:chExt cx="5209425" cy="373028"/>
+          </a:xfrm>
+        </p:grpSpPr>
+        <p:sp>
+          <p:nvSpPr>
+            <p:cNvPr id="9" name="TextBox 8">
+              <a:extLst>
+                <a:ext uri="{FF2B5EF4-FFF2-40B4-BE49-F238E27FC236}">
+                  <a16:creationId xmlns:a16="http://schemas.microsoft.com/office/drawing/2014/main" id="{5864DE45-F31F-F34E-BAC6-E015E30D4D60}"/>
+                </a:ext>
+              </a:extLst>
+            </p:cNvPr>
+            <p:cNvSpPr txBox="1"/>
+            <p:nvPr/>
+          </p:nvSpPr>
+          <p:spPr>
+            <a:xfrm>
+              <a:off x="460713" y="1147906"/>
+              <a:ext cx="1126912" cy="369332"/>
+            </a:xfrm>
+            <a:prstGeom prst="rect">
+              <a:avLst/>
+            </a:prstGeom>
+            <a:noFill/>
+          </p:spPr>
+          <p:txBody>
+            <a:bodyPr wrap="none" lIns="0" tIns="0" rIns="0" bIns="0" rtlCol="0">
+              <a:spAutoFit/>
+            </a:bodyPr>
+            <a:lstStyle/>
+            <a:p>
+              <a:pPr algn="l"/>
+              <a:r>
+                <a:rPr lang="en-US" sz="2400" b="1" dirty="0">
+                  <a:solidFill>
+                    <a:srgbClr val="03529B"/>
+                  </a:solidFill>
+                  <a:latin typeface="Arial" panose="020B0604020202020204" pitchFamily="34" charset="0"/>
+                  <a:cs typeface="Arial" panose="020B0604020202020204" pitchFamily="34" charset="0"/>
+                </a:rPr>
+                <a:t>Subtitle</a:t>
+              </a:r>
+            </a:p>
+          </p:txBody>
+        </p:sp>
+        <p:cxnSp>
+          <p:nvCxnSpPr>
+            <p:cNvPr id="11" name="Straight Connector 10">
+              <a:extLst>
+                <a:ext uri="{FF2B5EF4-FFF2-40B4-BE49-F238E27FC236}">
+                  <a16:creationId xmlns:a16="http://schemas.microsoft.com/office/drawing/2014/main" id="{F45F55A1-178F-204B-8122-0D25726930AE}"/>
+                </a:ext>
+              </a:extLst>
+            </p:cNvPr>
+            <p:cNvCxnSpPr>
+              <a:cxnSpLocks/>
+            </p:cNvCxnSpPr>
+            <p:nvPr/>
+          </p:nvCxnSpPr>
+          <p:spPr>
+            <a:xfrm>
+              <a:off x="460713" y="1520934"/>
+              <a:ext cx="5209425" cy="0"/>
+            </a:xfrm>
+            <a:prstGeom prst="line">
+              <a:avLst/>
+            </a:prstGeom>
+            <a:ln w="28575">
+              <a:solidFill>
+                <a:srgbClr val="03529B"/>
+              </a:solidFill>
+            </a:ln>
+          </p:spPr>
+          <p:style>
+            <a:lnRef idx="1">
+              <a:schemeClr val="accent1"/>
+            </a:lnRef>
+            <a:fillRef idx="0">
+              <a:schemeClr val="accent1"/>
+            </a:fillRef>
+            <a:effectRef idx="0">
+              <a:schemeClr val="accent1"/>
+            </a:effectRef>
+            <a:fontRef idx="minor">
+              <a:schemeClr val="tx1"/>
+            </a:fontRef>
+          </p:style>
+        </p:cxnSp>
+      </p:grpSp>
+    </p:spTree>
+    <p:extLst>
+      <p:ext uri="{BB962C8B-B14F-4D97-AF65-F5344CB8AC3E}">
+        <p14:creationId xmlns:p14="http://schemas.microsoft.com/office/powerpoint/2010/main" val="3604129743"/>
       </p:ext>
     </p:extLst>
   </p:cSld>

--- a/Presentation/slide_deck.pptx
+++ b/Presentation/slide_deck.pptx
@@ -5,7 +5,7 @@
     <p:sldMasterId id="2147483648" r:id="rId1"/>
   </p:sldMasterIdLst>
   <p:notesMasterIdLst>
-    <p:notesMasterId r:id="rId13"/>
+    <p:notesMasterId r:id="rId14"/>
   </p:notesMasterIdLst>
   <p:sldIdLst>
     <p:sldId id="275" r:id="rId2"/>
@@ -13,12 +13,13 @@
     <p:sldId id="276" r:id="rId4"/>
     <p:sldId id="277" r:id="rId5"/>
     <p:sldId id="283" r:id="rId6"/>
-    <p:sldId id="279" r:id="rId7"/>
+    <p:sldId id="284" r:id="rId7"/>
     <p:sldId id="280" r:id="rId8"/>
     <p:sldId id="281" r:id="rId9"/>
     <p:sldId id="282" r:id="rId10"/>
-    <p:sldId id="267" r:id="rId11"/>
-    <p:sldId id="274" r:id="rId12"/>
+    <p:sldId id="286" r:id="rId11"/>
+    <p:sldId id="267" r:id="rId12"/>
+    <p:sldId id="274" r:id="rId13"/>
   </p:sldIdLst>
   <p:sldSz cx="12192000" cy="6858000"/>
   <p:notesSz cx="6858000" cy="9144000"/>
@@ -1230,7 +1231,7 @@
     </p:spTree>
     <p:extLst>
       <p:ext uri="{BB962C8B-B14F-4D97-AF65-F5344CB8AC3E}">
-        <p14:creationId xmlns:p14="http://schemas.microsoft.com/office/powerpoint/2010/main" val="3995754909"/>
+        <p14:creationId xmlns:p14="http://schemas.microsoft.com/office/powerpoint/2010/main" val="2931306402"/>
       </p:ext>
     </p:extLst>
   </p:cSld>
@@ -1569,7 +1570,94 @@
           <a:p>
             <a:fld id="{F5134806-D19D-A540-9B0B-614DC5FE67CD}" type="slidenum">
               <a:rPr lang="en-US" smtClean="0"/>
-              <a:t>11</a:t>
+              <a:t>10</a:t>
+            </a:fld>
+            <a:endParaRPr lang="en-US"/>
+          </a:p>
+        </p:txBody>
+      </p:sp>
+    </p:spTree>
+    <p:extLst>
+      <p:ext uri="{BB962C8B-B14F-4D97-AF65-F5344CB8AC3E}">
+        <p14:creationId xmlns:p14="http://schemas.microsoft.com/office/powerpoint/2010/main" val="1139896885"/>
+      </p:ext>
+    </p:extLst>
+  </p:cSld>
+  <p:clrMapOvr>
+    <a:masterClrMapping/>
+  </p:clrMapOvr>
+</p:notes>
+</file>
+
+<file path=ppt/notesSlides/notesSlide8.xml><?xml version="1.0" encoding="utf-8"?>
+<p:notes xmlns:a="http://schemas.openxmlformats.org/drawingml/2006/main" xmlns:r="http://schemas.openxmlformats.org/officeDocument/2006/relationships" xmlns:p="http://schemas.openxmlformats.org/presentationml/2006/main">
+  <p:cSld>
+    <p:spTree>
+      <p:nvGrpSpPr>
+        <p:cNvPr id="1" name=""/>
+        <p:cNvGrpSpPr/>
+        <p:nvPr/>
+      </p:nvGrpSpPr>
+      <p:grpSpPr>
+        <a:xfrm>
+          <a:off x="0" y="0"/>
+          <a:ext cx="0" cy="0"/>
+          <a:chOff x="0" y="0"/>
+          <a:chExt cx="0" cy="0"/>
+        </a:xfrm>
+      </p:grpSpPr>
+      <p:sp>
+        <p:nvSpPr>
+          <p:cNvPr id="2" name="Slide Image Placeholder 1"/>
+          <p:cNvSpPr>
+            <a:spLocks noGrp="1" noRot="1" noChangeAspect="1"/>
+          </p:cNvSpPr>
+          <p:nvPr>
+            <p:ph type="sldImg"/>
+          </p:nvPr>
+        </p:nvSpPr>
+        <p:spPr/>
+      </p:sp>
+      <p:sp>
+        <p:nvSpPr>
+          <p:cNvPr id="3" name="Notes Placeholder 2"/>
+          <p:cNvSpPr>
+            <a:spLocks noGrp="1"/>
+          </p:cNvSpPr>
+          <p:nvPr>
+            <p:ph type="body" idx="1"/>
+          </p:nvPr>
+        </p:nvSpPr>
+        <p:spPr/>
+        <p:txBody>
+          <a:bodyPr/>
+          <a:lstStyle/>
+          <a:p>
+            <a:r>
+              <a:rPr lang="en-US" dirty="0"/>
+              <a:t>Moritz</a:t>
+            </a:r>
+          </a:p>
+        </p:txBody>
+      </p:sp>
+      <p:sp>
+        <p:nvSpPr>
+          <p:cNvPr id="4" name="Slide Number Placeholder 3"/>
+          <p:cNvSpPr>
+            <a:spLocks noGrp="1"/>
+          </p:cNvSpPr>
+          <p:nvPr>
+            <p:ph type="sldNum" sz="quarter" idx="5"/>
+          </p:nvPr>
+        </p:nvSpPr>
+        <p:spPr/>
+        <p:txBody>
+          <a:bodyPr/>
+          <a:lstStyle/>
+          <a:p>
+            <a:fld id="{F5134806-D19D-A540-9B0B-614DC5FE67CD}" type="slidenum">
+              <a:rPr lang="en-US" smtClean="0"/>
+              <a:t>12</a:t>
             </a:fld>
             <a:endParaRPr lang="en-US"/>
           </a:p>
@@ -6590,7 +6678,7 @@
         <p:spPr>
           <a:xfrm>
             <a:off x="460713" y="332656"/>
-            <a:ext cx="2487861" cy="553998"/>
+            <a:ext cx="5890715" cy="553998"/>
           </a:xfrm>
           <a:prstGeom prst="rect">
             <a:avLst/>
@@ -6608,7 +6696,7 @@
                 <a:latin typeface="Arial" panose="020B0604020202020204" pitchFamily="34" charset="0"/>
                 <a:cs typeface="Arial" panose="020B0604020202020204" pitchFamily="34" charset="0"/>
               </a:rPr>
-              <a:t>References</a:t>
+              <a:t>Geographical Visualization</a:t>
             </a:r>
           </a:p>
         </p:txBody>
@@ -6661,6 +6749,185 @@
           <p:cNvPr id="5" name="TextBox 4">
             <a:extLst>
               <a:ext uri="{FF2B5EF4-FFF2-40B4-BE49-F238E27FC236}">
+                <a16:creationId xmlns:a16="http://schemas.microsoft.com/office/drawing/2014/main" id="{83D3E52A-C0FD-7248-A1EC-048B33747734}"/>
+              </a:ext>
+            </a:extLst>
+          </p:cNvPr>
+          <p:cNvSpPr txBox="1"/>
+          <p:nvPr/>
+        </p:nvSpPr>
+        <p:spPr>
+          <a:xfrm>
+            <a:off x="3386138" y="3457575"/>
+            <a:ext cx="599523" cy="369332"/>
+          </a:xfrm>
+          <a:prstGeom prst="rect">
+            <a:avLst/>
+          </a:prstGeom>
+          <a:noFill/>
+        </p:spPr>
+        <p:txBody>
+          <a:bodyPr wrap="none" lIns="0" tIns="0" rIns="0" bIns="0" rtlCol="0">
+            <a:spAutoFit/>
+          </a:bodyPr>
+          <a:lstStyle/>
+          <a:p>
+            <a:pPr algn="l"/>
+            <a:r>
+              <a:rPr lang="en-US" sz="2400" dirty="0">
+                <a:latin typeface="Arial" panose="020B0604020202020204" pitchFamily="34" charset="0"/>
+                <a:cs typeface="Arial" panose="020B0604020202020204" pitchFamily="34" charset="0"/>
+              </a:rPr>
+              <a:t>map</a:t>
+            </a:r>
+          </a:p>
+        </p:txBody>
+      </p:sp>
+    </p:spTree>
+    <p:extLst>
+      <p:ext uri="{BB962C8B-B14F-4D97-AF65-F5344CB8AC3E}">
+        <p14:creationId xmlns:p14="http://schemas.microsoft.com/office/powerpoint/2010/main" val="71190346"/>
+      </p:ext>
+    </p:extLst>
+  </p:cSld>
+  <p:clrMapOvr>
+    <a:masterClrMapping/>
+  </p:clrMapOvr>
+</p:sld>
+</file>
+
+<file path=ppt/slides/slide11.xml><?xml version="1.0" encoding="utf-8"?>
+<p:sld xmlns:a="http://schemas.openxmlformats.org/drawingml/2006/main" xmlns:r="http://schemas.openxmlformats.org/officeDocument/2006/relationships" xmlns:p="http://schemas.openxmlformats.org/presentationml/2006/main">
+  <p:cSld>
+    <p:spTree>
+      <p:nvGrpSpPr>
+        <p:cNvPr id="1" name=""/>
+        <p:cNvGrpSpPr/>
+        <p:nvPr/>
+      </p:nvGrpSpPr>
+      <p:grpSpPr>
+        <a:xfrm>
+          <a:off x="0" y="0"/>
+          <a:ext cx="0" cy="0"/>
+          <a:chOff x="0" y="0"/>
+          <a:chExt cx="0" cy="0"/>
+        </a:xfrm>
+      </p:grpSpPr>
+      <p:sp>
+        <p:nvSpPr>
+          <p:cNvPr id="2" name="Slide Number Placeholder 1">
+            <a:extLst>
+              <a:ext uri="{FF2B5EF4-FFF2-40B4-BE49-F238E27FC236}">
+                <a16:creationId xmlns:a16="http://schemas.microsoft.com/office/drawing/2014/main" id="{9B12371F-989E-EE43-B20F-90E48B433F0A}"/>
+              </a:ext>
+            </a:extLst>
+          </p:cNvPr>
+          <p:cNvSpPr>
+            <a:spLocks noGrp="1"/>
+          </p:cNvSpPr>
+          <p:nvPr>
+            <p:ph type="sldNum" sz="quarter" idx="12"/>
+          </p:nvPr>
+        </p:nvSpPr>
+        <p:spPr/>
+        <p:txBody>
+          <a:bodyPr/>
+          <a:lstStyle/>
+          <a:p>
+            <a:fld id="{2D00CA07-45C7-8142-9F4D-3A07AD48DFA1}" type="slidenum">
+              <a:rPr lang="en-US" smtClean="0"/>
+              <a:t>11</a:t>
+            </a:fld>
+            <a:endParaRPr lang="en-US"/>
+          </a:p>
+        </p:txBody>
+      </p:sp>
+      <p:sp>
+        <p:nvSpPr>
+          <p:cNvPr id="3" name="TextBox 2">
+            <a:extLst>
+              <a:ext uri="{FF2B5EF4-FFF2-40B4-BE49-F238E27FC236}">
+                <a16:creationId xmlns:a16="http://schemas.microsoft.com/office/drawing/2014/main" id="{2B4E9B55-4425-2740-A108-76FF69BA3D12}"/>
+              </a:ext>
+            </a:extLst>
+          </p:cNvPr>
+          <p:cNvSpPr txBox="1"/>
+          <p:nvPr/>
+        </p:nvSpPr>
+        <p:spPr>
+          <a:xfrm>
+            <a:off x="460713" y="332656"/>
+            <a:ext cx="2487861" cy="553998"/>
+          </a:xfrm>
+          <a:prstGeom prst="rect">
+            <a:avLst/>
+          </a:prstGeom>
+          <a:noFill/>
+        </p:spPr>
+        <p:txBody>
+          <a:bodyPr wrap="none" lIns="0" tIns="0" rIns="0" bIns="0" rtlCol="0">
+            <a:spAutoFit/>
+          </a:bodyPr>
+          <a:lstStyle/>
+          <a:p>
+            <a:r>
+              <a:rPr lang="en-US" sz="3600" b="1" dirty="0">
+                <a:latin typeface="Arial" panose="020B0604020202020204" pitchFamily="34" charset="0"/>
+                <a:cs typeface="Arial" panose="020B0604020202020204" pitchFamily="34" charset="0"/>
+              </a:rPr>
+              <a:t>References</a:t>
+            </a:r>
+          </a:p>
+        </p:txBody>
+      </p:sp>
+      <p:cxnSp>
+        <p:nvCxnSpPr>
+          <p:cNvPr id="4" name="Straight Connector 3">
+            <a:extLst>
+              <a:ext uri="{FF2B5EF4-FFF2-40B4-BE49-F238E27FC236}">
+                <a16:creationId xmlns:a16="http://schemas.microsoft.com/office/drawing/2014/main" id="{CFDF23E1-C7BD-4C48-9E8A-53704A4D662C}"/>
+              </a:ext>
+            </a:extLst>
+          </p:cNvPr>
+          <p:cNvCxnSpPr>
+            <a:cxnSpLocks/>
+          </p:cNvCxnSpPr>
+          <p:nvPr/>
+        </p:nvCxnSpPr>
+        <p:spPr>
+          <a:xfrm>
+            <a:off x="460714" y="886654"/>
+            <a:ext cx="11270573" cy="0"/>
+          </a:xfrm>
+          <a:prstGeom prst="line">
+            <a:avLst/>
+          </a:prstGeom>
+          <a:ln w="38100">
+            <a:solidFill>
+              <a:schemeClr val="tx1"/>
+            </a:solidFill>
+          </a:ln>
+        </p:spPr>
+        <p:style>
+          <a:lnRef idx="1">
+            <a:schemeClr val="accent1"/>
+          </a:lnRef>
+          <a:fillRef idx="0">
+            <a:schemeClr val="accent1"/>
+          </a:fillRef>
+          <a:effectRef idx="0">
+            <a:schemeClr val="accent1"/>
+          </a:effectRef>
+          <a:fontRef idx="minor">
+            <a:schemeClr val="tx1"/>
+          </a:fontRef>
+        </p:style>
+      </p:cxnSp>
+      <p:sp>
+        <p:nvSpPr>
+          <p:cNvPr id="5" name="TextBox 4">
+            <a:extLst>
+              <a:ext uri="{FF2B5EF4-FFF2-40B4-BE49-F238E27FC236}">
                 <a16:creationId xmlns:a16="http://schemas.microsoft.com/office/drawing/2014/main" id="{A282371E-38BA-5141-AE1B-F1AE656FF39C}"/>
               </a:ext>
             </a:extLst>
@@ -6711,7 +6978,7 @@
 </p:sld>
 </file>
 
-<file path=ppt/slides/slide11.xml><?xml version="1.0" encoding="utf-8"?>
+<file path=ppt/slides/slide12.xml><?xml version="1.0" encoding="utf-8"?>
 <p:sld xmlns:a="http://schemas.openxmlformats.org/drawingml/2006/main" xmlns:r="http://schemas.openxmlformats.org/officeDocument/2006/relationships" xmlns:p="http://schemas.openxmlformats.org/presentationml/2006/main" show="0">
   <p:cSld>
     <p:spTree>
@@ -6751,7 +7018,7 @@
           <a:p>
             <a:fld id="{2D00CA07-45C7-8142-9F4D-3A07AD48DFA1}" type="slidenum">
               <a:rPr lang="en-US" smtClean="0"/>
-              <a:t>11</a:t>
+              <a:t>12</a:t>
             </a:fld>
             <a:endParaRPr lang="en-US"/>
           </a:p>
@@ -7340,7 +7607,7 @@
 </file>
 
 <file path=ppt/slides/slide3.xml><?xml version="1.0" encoding="utf-8"?>
-<p:sld xmlns:a="http://schemas.openxmlformats.org/drawingml/2006/main" xmlns:r="http://schemas.openxmlformats.org/officeDocument/2006/relationships" xmlns:p="http://schemas.openxmlformats.org/presentationml/2006/main">
+<p:sld xmlns:a="http://schemas.openxmlformats.org/drawingml/2006/main" xmlns:r="http://schemas.openxmlformats.org/officeDocument/2006/relationships" xmlns:p="http://schemas.openxmlformats.org/presentationml/2006/main" show="0">
   <p:cSld>
     <p:spTree>
       <p:nvGrpSpPr>
@@ -7983,8 +8250,8 @@
         </p:nvSpPr>
         <p:spPr>
           <a:xfrm>
-            <a:off x="5519935" y="1197187"/>
-            <a:ext cx="6206755" cy="1107996"/>
+            <a:off x="5519936" y="1219809"/>
+            <a:ext cx="6206755" cy="923330"/>
           </a:xfrm>
           <a:prstGeom prst="rect">
             <a:avLst/>
@@ -8002,19 +8269,16 @@
               <a:buChar char="•"/>
             </a:pPr>
             <a:r>
-              <a:rPr lang="en-US" sz="2400" dirty="0" err="1">
+              <a:rPr lang="en-US" sz="2000" dirty="0" err="1">
                 <a:latin typeface="Arial" panose="020B0604020202020204" pitchFamily="34" charset="0"/>
                 <a:cs typeface="Arial" panose="020B0604020202020204" pitchFamily="34" charset="0"/>
               </a:rPr>
               <a:t>StreetRx</a:t>
             </a:r>
-            <a:r>
-              <a:rPr lang="en-US" sz="2400" dirty="0">
-                <a:latin typeface="Arial" panose="020B0604020202020204" pitchFamily="34" charset="0"/>
-                <a:cs typeface="Arial" panose="020B0604020202020204" pitchFamily="34" charset="0"/>
-              </a:rPr>
-              <a:t>: Crowdsourced data on diverted prescription drugs</a:t>
-            </a:r>
+            <a:endParaRPr lang="en-US" sz="2000" dirty="0">
+              <a:latin typeface="Arial" panose="020B0604020202020204" pitchFamily="34" charset="0"/>
+              <a:cs typeface="Arial" panose="020B0604020202020204" pitchFamily="34" charset="0"/>
+            </a:endParaRPr>
           </a:p>
           <a:p>
             <a:pPr marL="342900" indent="-342900">
@@ -8022,7 +8286,20 @@
               <a:buChar char="•"/>
             </a:pPr>
             <a:r>
-              <a:rPr lang="en-US" sz="2400" dirty="0">
+              <a:rPr lang="en-US" sz="2000" dirty="0">
+                <a:latin typeface="Arial" panose="020B0604020202020204" pitchFamily="34" charset="0"/>
+                <a:cs typeface="Arial" panose="020B0604020202020204" pitchFamily="34" charset="0"/>
+              </a:rPr>
+              <a:t>Crowdsourced data on diverted prescription drugs</a:t>
+            </a:r>
+          </a:p>
+          <a:p>
+            <a:pPr marL="342900" indent="-342900">
+              <a:buFont typeface="Arial" panose="020B0604020202020204" pitchFamily="34" charset="0"/>
+              <a:buChar char="•"/>
+            </a:pPr>
+            <a:r>
+              <a:rPr lang="en-US" sz="2000" dirty="0">
                 <a:latin typeface="Arial" panose="020B0604020202020204" pitchFamily="34" charset="0"/>
                 <a:cs typeface="Arial" panose="020B0604020202020204" pitchFamily="34" charset="0"/>
               </a:rPr>
@@ -8045,8 +8322,8 @@
         </p:nvSpPr>
         <p:spPr>
           <a:xfrm>
-            <a:off x="5519936" y="2649727"/>
-            <a:ext cx="6206756" cy="369332"/>
+            <a:off x="5519935" y="2549610"/>
+            <a:ext cx="6206756" cy="307777"/>
           </a:xfrm>
           <a:prstGeom prst="rect">
             <a:avLst/>
@@ -8064,11 +8341,11 @@
               <a:buChar char="•"/>
             </a:pPr>
             <a:r>
-              <a:rPr lang="en-US" sz="2400" dirty="0">
+              <a:rPr lang="en-US" sz="2000" dirty="0">
                 <a:latin typeface="Arial" panose="020B0604020202020204" pitchFamily="34" charset="0"/>
                 <a:cs typeface="Arial" panose="020B0604020202020204" pitchFamily="34" charset="0"/>
               </a:rPr>
-              <a:t>Predictors and Interactions</a:t>
+              <a:t>Predictors, levels and interactions</a:t>
             </a:r>
           </a:p>
         </p:txBody>
@@ -8087,8 +8364,8 @@
         </p:nvSpPr>
         <p:spPr>
           <a:xfrm>
-            <a:off x="5523628" y="3454628"/>
-            <a:ext cx="6207660" cy="738664"/>
+            <a:off x="5519935" y="3391919"/>
+            <a:ext cx="6207660" cy="615553"/>
           </a:xfrm>
           <a:prstGeom prst="rect">
             <a:avLst/>
@@ -8106,7 +8383,7 @@
               <a:buChar char="•"/>
             </a:pPr>
             <a:r>
-              <a:rPr lang="en-US" sz="2400" dirty="0">
+              <a:rPr lang="en-US" sz="2000" dirty="0">
                 <a:latin typeface="Arial" panose="020B0604020202020204" pitchFamily="34" charset="0"/>
                 <a:cs typeface="Arial" panose="020B0604020202020204" pitchFamily="34" charset="0"/>
               </a:rPr>
@@ -8119,11 +8396,11 @@
               <a:buChar char="•"/>
             </a:pPr>
             <a:r>
-              <a:rPr lang="en-US" sz="2400" dirty="0">
+              <a:rPr lang="en-US" sz="2000" dirty="0">
                 <a:latin typeface="Arial" panose="020B0604020202020204" pitchFamily="34" charset="0"/>
                 <a:cs typeface="Arial" panose="020B0604020202020204" pitchFamily="34" charset="0"/>
               </a:rPr>
-              <a:t>Assessment</a:t>
+              <a:t>Model assessment</a:t>
             </a:r>
           </a:p>
         </p:txBody>
@@ -8142,8 +8419,8 @@
         </p:nvSpPr>
         <p:spPr>
           <a:xfrm>
-            <a:off x="5523628" y="4591750"/>
-            <a:ext cx="6207660" cy="738664"/>
+            <a:off x="5519935" y="4539674"/>
+            <a:ext cx="6207660" cy="615553"/>
           </a:xfrm>
           <a:prstGeom prst="rect">
             <a:avLst/>
@@ -8161,7 +8438,7 @@
               <a:buChar char="•"/>
             </a:pPr>
             <a:r>
-              <a:rPr lang="en-US" sz="2400" dirty="0">
+              <a:rPr lang="en-US" sz="2000" dirty="0">
                 <a:latin typeface="Arial" panose="020B0604020202020204" pitchFamily="34" charset="0"/>
                 <a:cs typeface="Arial" panose="020B0604020202020204" pitchFamily="34" charset="0"/>
               </a:rPr>
@@ -8174,11 +8451,11 @@
               <a:buChar char="•"/>
             </a:pPr>
             <a:r>
-              <a:rPr lang="en-US" sz="2400" dirty="0">
+              <a:rPr lang="en-US" sz="2000" dirty="0">
                 <a:latin typeface="Arial" panose="020B0604020202020204" pitchFamily="34" charset="0"/>
                 <a:cs typeface="Arial" panose="020B0604020202020204" pitchFamily="34" charset="0"/>
               </a:rPr>
-              <a:t>Assessment</a:t>
+              <a:t>Model assessment</a:t>
             </a:r>
           </a:p>
         </p:txBody>
@@ -8392,8 +8669,8 @@
         </p:nvSpPr>
         <p:spPr>
           <a:xfrm>
-            <a:off x="5523628" y="5713891"/>
-            <a:ext cx="6207660" cy="369332"/>
+            <a:off x="5519935" y="5663569"/>
+            <a:ext cx="6207660" cy="307777"/>
           </a:xfrm>
           <a:prstGeom prst="rect">
             <a:avLst/>
@@ -8411,7 +8688,7 @@
               <a:buChar char="•"/>
             </a:pPr>
             <a:r>
-              <a:rPr lang="en-US" sz="2400" dirty="0">
+              <a:rPr lang="en-US" sz="2000" dirty="0">
                 <a:latin typeface="Arial" panose="020B0604020202020204" pitchFamily="34" charset="0"/>
                 <a:cs typeface="Arial" panose="020B0604020202020204" pitchFamily="34" charset="0"/>
               </a:rPr>
@@ -8607,7 +8884,7 @@
               <a:rPr lang="en-US" smtClean="0"/>
               <a:t>5</a:t>
             </a:fld>
-            <a:endParaRPr lang="en-US"/>
+            <a:endParaRPr lang="en-US" dirty="0"/>
           </a:p>
         </p:txBody>
       </p:sp>
@@ -8777,706 +9054,1074 @@
           </a:fontRef>
         </p:style>
       </p:cxnSp>
-      <p:sp>
-        <p:nvSpPr>
-          <p:cNvPr id="41" name="TextBox 40">
-            <a:extLst>
-              <a:ext uri="{FF2B5EF4-FFF2-40B4-BE49-F238E27FC236}">
-                <a16:creationId xmlns:a16="http://schemas.microsoft.com/office/drawing/2014/main" id="{D45C908C-3F65-8542-AA35-D303D7E3BC8C}"/>
-              </a:ext>
-            </a:extLst>
-          </p:cNvPr>
-          <p:cNvSpPr txBox="1"/>
+      <p:grpSp>
+        <p:nvGrpSpPr>
+          <p:cNvPr id="74" name="Group 73">
+            <a:extLst>
+              <a:ext uri="{FF2B5EF4-FFF2-40B4-BE49-F238E27FC236}">
+                <a16:creationId xmlns:a16="http://schemas.microsoft.com/office/drawing/2014/main" id="{1C1B1E49-38CB-1E46-A956-2C38BDC00F30}"/>
+              </a:ext>
+            </a:extLst>
+          </p:cNvPr>
+          <p:cNvGrpSpPr/>
           <p:nvPr/>
-        </p:nvSpPr>
-        <p:spPr>
+        </p:nvGrpSpPr>
+        <p:grpSpPr>
           <a:xfrm>
-            <a:off x="6073709" y="1213380"/>
-            <a:ext cx="2442976" cy="369332"/>
+            <a:off x="6052594" y="1219235"/>
+            <a:ext cx="5662156" cy="2168285"/>
+            <a:chOff x="6069131" y="3945077"/>
+            <a:chExt cx="5662156" cy="2168285"/>
           </a:xfrm>
-          <a:prstGeom prst="rect">
-            <a:avLst/>
-          </a:prstGeom>
-          <a:noFill/>
-        </p:spPr>
-        <p:txBody>
-          <a:bodyPr wrap="none" lIns="0" tIns="0" rIns="0" bIns="0" rtlCol="0">
-            <a:spAutoFit/>
-          </a:bodyPr>
-          <a:lstStyle/>
-          <a:p>
-            <a:pPr algn="l"/>
-            <a:r>
-              <a:rPr lang="en-US" sz="2400" b="1" dirty="0" err="1">
-                <a:solidFill>
-                  <a:srgbClr val="03529B"/>
-                </a:solidFill>
+        </p:grpSpPr>
+        <p:sp>
+          <p:nvSpPr>
+            <p:cNvPr id="43" name="TextBox 42">
+              <a:extLst>
+                <a:ext uri="{FF2B5EF4-FFF2-40B4-BE49-F238E27FC236}">
+                  <a16:creationId xmlns:a16="http://schemas.microsoft.com/office/drawing/2014/main" id="{69634F13-4C42-8C4A-90B0-538BD177AD4E}"/>
+                </a:ext>
+              </a:extLst>
+            </p:cNvPr>
+            <p:cNvSpPr txBox="1"/>
+            <p:nvPr/>
+          </p:nvSpPr>
+          <p:spPr>
+            <a:xfrm>
+              <a:off x="6073709" y="3945077"/>
+              <a:ext cx="2188100" cy="369332"/>
+            </a:xfrm>
+            <a:prstGeom prst="rect">
+              <a:avLst/>
+            </a:prstGeom>
+            <a:noFill/>
+          </p:spPr>
+          <p:txBody>
+            <a:bodyPr wrap="none" lIns="0" tIns="0" rIns="0" bIns="0" rtlCol="0">
+              <a:spAutoFit/>
+            </a:bodyPr>
+            <a:lstStyle/>
+            <a:p>
+              <a:pPr algn="l"/>
+              <a:r>
+                <a:rPr lang="en-US" sz="2400" b="1" dirty="0">
+                  <a:solidFill>
+                    <a:srgbClr val="03529B"/>
+                  </a:solidFill>
+                  <a:latin typeface="Arial" panose="020B0604020202020204" pitchFamily="34" charset="0"/>
+                  <a:cs typeface="Arial" panose="020B0604020202020204" pitchFamily="34" charset="0"/>
+                </a:rPr>
+                <a:t>Missing values</a:t>
+              </a:r>
+            </a:p>
+          </p:txBody>
+        </p:sp>
+        <p:cxnSp>
+          <p:nvCxnSpPr>
+            <p:cNvPr id="44" name="Straight Connector 43">
+              <a:extLst>
+                <a:ext uri="{FF2B5EF4-FFF2-40B4-BE49-F238E27FC236}">
+                  <a16:creationId xmlns:a16="http://schemas.microsoft.com/office/drawing/2014/main" id="{2B1A87EB-4C0A-BC4F-A0EA-1E6EB27412B1}"/>
+                </a:ext>
+              </a:extLst>
+            </p:cNvPr>
+            <p:cNvCxnSpPr>
+              <a:cxnSpLocks/>
+            </p:cNvCxnSpPr>
+            <p:nvPr/>
+          </p:nvCxnSpPr>
+          <p:spPr>
+            <a:xfrm>
+              <a:off x="6073709" y="4318105"/>
+              <a:ext cx="5646762" cy="0"/>
+            </a:xfrm>
+            <a:prstGeom prst="line">
+              <a:avLst/>
+            </a:prstGeom>
+            <a:ln w="28575">
+              <a:solidFill>
+                <a:srgbClr val="03529B"/>
+              </a:solidFill>
+            </a:ln>
+          </p:spPr>
+          <p:style>
+            <a:lnRef idx="1">
+              <a:schemeClr val="accent1"/>
+            </a:lnRef>
+            <a:fillRef idx="0">
+              <a:schemeClr val="accent1"/>
+            </a:fillRef>
+            <a:effectRef idx="0">
+              <a:schemeClr val="accent1"/>
+            </a:effectRef>
+            <a:fontRef idx="minor">
+              <a:schemeClr val="tx1"/>
+            </a:fontRef>
+          </p:style>
+        </p:cxnSp>
+        <p:sp>
+          <p:nvSpPr>
+            <p:cNvPr id="65" name="TextBox 64">
+              <a:extLst>
+                <a:ext uri="{FF2B5EF4-FFF2-40B4-BE49-F238E27FC236}">
+                  <a16:creationId xmlns:a16="http://schemas.microsoft.com/office/drawing/2014/main" id="{2B168608-9E10-9C4B-94E7-792E2113733B}"/>
+                </a:ext>
+              </a:extLst>
+            </p:cNvPr>
+            <p:cNvSpPr txBox="1"/>
+            <p:nvPr/>
+          </p:nvSpPr>
+          <p:spPr>
+            <a:xfrm>
+              <a:off x="6069131" y="4471310"/>
+              <a:ext cx="5657579" cy="738664"/>
+            </a:xfrm>
+            <a:prstGeom prst="rect">
+              <a:avLst/>
+            </a:prstGeom>
+            <a:noFill/>
+          </p:spPr>
+          <p:txBody>
+            <a:bodyPr wrap="square" lIns="0" tIns="0" rIns="0" bIns="0" rtlCol="0">
+              <a:spAutoFit/>
+            </a:bodyPr>
+            <a:lstStyle/>
+            <a:p>
+              <a:pPr marL="342900" indent="-342900">
+                <a:buFont typeface="Arial" panose="020B0604020202020204" pitchFamily="34" charset="0"/>
+                <a:buChar char="•"/>
+              </a:pPr>
+              <a:r>
+                <a:rPr lang="en-US" sz="2400" dirty="0">
+                  <a:latin typeface="Arial" panose="020B0604020202020204" pitchFamily="34" charset="0"/>
+                  <a:cs typeface="Arial" panose="020B0604020202020204" pitchFamily="34" charset="0"/>
+                </a:rPr>
+                <a:t>Removed blank values in ppm</a:t>
+              </a:r>
+            </a:p>
+            <a:p>
+              <a:pPr marL="342900" indent="-342900">
+                <a:buFont typeface="Arial" panose="020B0604020202020204" pitchFamily="34" charset="0"/>
+                <a:buChar char="•"/>
+              </a:pPr>
+              <a:r>
+                <a:rPr lang="en-US" sz="2400" dirty="0">
+                  <a:latin typeface="Arial" panose="020B0604020202020204" pitchFamily="34" charset="0"/>
+                  <a:cs typeface="Arial" panose="020B0604020202020204" pitchFamily="34" charset="0"/>
+                </a:rPr>
+                <a:t>Which also eliminated values in </a:t>
+              </a:r>
+              <a:r>
+                <a:rPr lang="en-US" sz="2400" dirty="0" err="1">
+                  <a:latin typeface="Arial" panose="020B0604020202020204" pitchFamily="34" charset="0"/>
+                  <a:cs typeface="Arial" panose="020B0604020202020204" pitchFamily="34" charset="0"/>
+                </a:rPr>
+                <a:t>mgstr</a:t>
+              </a:r>
+              <a:endParaRPr lang="en-US" sz="2400" dirty="0">
                 <a:latin typeface="Arial" panose="020B0604020202020204" pitchFamily="34" charset="0"/>
                 <a:cs typeface="Arial" panose="020B0604020202020204" pitchFamily="34" charset="0"/>
-              </a:rPr>
-              <a:t>mgstr</a:t>
-            </a:r>
-            <a:r>
-              <a:rPr lang="en-US" sz="2400" b="1" dirty="0">
-                <a:solidFill>
-                  <a:srgbClr val="03529B"/>
-                </a:solidFill>
+              </a:endParaRPr>
+            </a:p>
+          </p:txBody>
+        </p:sp>
+        <p:sp>
+          <p:nvSpPr>
+            <p:cNvPr id="66" name="Rectangle 65">
+              <a:extLst>
+                <a:ext uri="{FF2B5EF4-FFF2-40B4-BE49-F238E27FC236}">
+                  <a16:creationId xmlns:a16="http://schemas.microsoft.com/office/drawing/2014/main" id="{0ED3ABD4-EA25-7E4B-9214-B8E9DD54184B}"/>
+                </a:ext>
+              </a:extLst>
+            </p:cNvPr>
+            <p:cNvSpPr/>
+            <p:nvPr/>
+          </p:nvSpPr>
+          <p:spPr>
+            <a:xfrm>
+              <a:off x="6106816" y="5367426"/>
+              <a:ext cx="5624471" cy="745936"/>
+            </a:xfrm>
+            <a:prstGeom prst="rect">
+              <a:avLst/>
+            </a:prstGeom>
+            <a:solidFill>
+              <a:schemeClr val="bg1">
+                <a:lumMod val="95000"/>
+              </a:schemeClr>
+            </a:solidFill>
+            <a:ln w="28575">
+              <a:noFill/>
+            </a:ln>
+          </p:spPr>
+          <p:style>
+            <a:lnRef idx="2">
+              <a:schemeClr val="accent1">
+                <a:shade val="50000"/>
+              </a:schemeClr>
+            </a:lnRef>
+            <a:fillRef idx="1">
+              <a:schemeClr val="accent1"/>
+            </a:fillRef>
+            <a:effectRef idx="0">
+              <a:schemeClr val="accent1"/>
+            </a:effectRef>
+            <a:fontRef idx="minor">
+              <a:schemeClr val="lt1"/>
+            </a:fontRef>
+          </p:style>
+          <p:txBody>
+            <a:bodyPr rtlCol="0" anchor="ctr"/>
+            <a:lstStyle/>
+            <a:p>
+              <a:pPr algn="ctr"/>
+              <a:r>
+                <a:rPr lang="en-US" sz="2000" dirty="0">
+                  <a:solidFill>
+                    <a:schemeClr val="tx1"/>
+                  </a:solidFill>
+                  <a:latin typeface="Arial" panose="020B0604020202020204" pitchFamily="34" charset="0"/>
+                  <a:cs typeface="Arial" panose="020B0604020202020204" pitchFamily="34" charset="0"/>
+                </a:rPr>
+                <a:t>Implications here</a:t>
+              </a:r>
+            </a:p>
+          </p:txBody>
+        </p:sp>
+      </p:grpSp>
+      <p:grpSp>
+        <p:nvGrpSpPr>
+          <p:cNvPr id="72" name="Group 71">
+            <a:extLst>
+              <a:ext uri="{FF2B5EF4-FFF2-40B4-BE49-F238E27FC236}">
+                <a16:creationId xmlns:a16="http://schemas.microsoft.com/office/drawing/2014/main" id="{4BF3F2EB-92F6-0E48-9061-CCAB3C7E2752}"/>
+              </a:ext>
+            </a:extLst>
+          </p:cNvPr>
+          <p:cNvGrpSpPr/>
+          <p:nvPr/>
+        </p:nvGrpSpPr>
+        <p:grpSpPr>
+          <a:xfrm>
+            <a:off x="477250" y="2098418"/>
+            <a:ext cx="5171296" cy="4014944"/>
+            <a:chOff x="477250" y="2098418"/>
+            <a:chExt cx="5171296" cy="4014944"/>
+          </a:xfrm>
+        </p:grpSpPr>
+        <p:sp>
+          <p:nvSpPr>
+            <p:cNvPr id="48" name="Rectangle 47">
+              <a:extLst>
+                <a:ext uri="{FF2B5EF4-FFF2-40B4-BE49-F238E27FC236}">
+                  <a16:creationId xmlns:a16="http://schemas.microsoft.com/office/drawing/2014/main" id="{6F16D7AF-8A66-0F4C-9E54-379460A918E9}"/>
+                </a:ext>
+              </a:extLst>
+            </p:cNvPr>
+            <p:cNvSpPr/>
+            <p:nvPr/>
+          </p:nvSpPr>
+          <p:spPr>
+            <a:xfrm>
+              <a:off x="2534277" y="2650118"/>
+              <a:ext cx="1612509" cy="745936"/>
+            </a:xfrm>
+            <a:prstGeom prst="rect">
+              <a:avLst/>
+            </a:prstGeom>
+            <a:solidFill>
+              <a:schemeClr val="bg1">
+                <a:lumMod val="95000"/>
+              </a:schemeClr>
+            </a:solidFill>
+            <a:ln w="28575">
+              <a:noFill/>
+            </a:ln>
+          </p:spPr>
+          <p:style>
+            <a:lnRef idx="2">
+              <a:schemeClr val="accent1">
+                <a:shade val="50000"/>
+              </a:schemeClr>
+            </a:lnRef>
+            <a:fillRef idx="1">
+              <a:schemeClr val="accent1"/>
+            </a:fillRef>
+            <a:effectRef idx="0">
+              <a:schemeClr val="accent1"/>
+            </a:effectRef>
+            <a:fontRef idx="minor">
+              <a:schemeClr val="lt1"/>
+            </a:fontRef>
+          </p:style>
+          <p:txBody>
+            <a:bodyPr rtlCol="0" anchor="ctr"/>
+            <a:lstStyle/>
+            <a:p>
+              <a:pPr algn="ctr"/>
+              <a:r>
+                <a:rPr lang="en-US" sz="2400" dirty="0">
+                  <a:solidFill>
+                    <a:schemeClr val="tx1"/>
+                  </a:solidFill>
+                  <a:latin typeface="Arial" panose="020B0604020202020204" pitchFamily="34" charset="0"/>
+                  <a:cs typeface="Arial" panose="020B0604020202020204" pitchFamily="34" charset="0"/>
+                </a:rPr>
+                <a:t>Internet</a:t>
+              </a:r>
+            </a:p>
+          </p:txBody>
+        </p:sp>
+        <p:sp>
+          <p:nvSpPr>
+            <p:cNvPr id="53" name="Rectangle 52">
+              <a:extLst>
+                <a:ext uri="{FF2B5EF4-FFF2-40B4-BE49-F238E27FC236}">
+                  <a16:creationId xmlns:a16="http://schemas.microsoft.com/office/drawing/2014/main" id="{4420731F-810F-F946-8DFB-DDDF2825A4A9}"/>
+                </a:ext>
+              </a:extLst>
+            </p:cNvPr>
+            <p:cNvSpPr/>
+            <p:nvPr/>
+          </p:nvSpPr>
+          <p:spPr>
+            <a:xfrm>
+              <a:off x="2535650" y="4464493"/>
+              <a:ext cx="1612509" cy="745936"/>
+            </a:xfrm>
+            <a:prstGeom prst="rect">
+              <a:avLst/>
+            </a:prstGeom>
+            <a:solidFill>
+              <a:schemeClr val="bg1">
+                <a:lumMod val="95000"/>
+              </a:schemeClr>
+            </a:solidFill>
+            <a:ln w="28575">
+              <a:noFill/>
+            </a:ln>
+          </p:spPr>
+          <p:style>
+            <a:lnRef idx="2">
+              <a:schemeClr val="accent1">
+                <a:shade val="50000"/>
+              </a:schemeClr>
+            </a:lnRef>
+            <a:fillRef idx="1">
+              <a:schemeClr val="accent1"/>
+            </a:fillRef>
+            <a:effectRef idx="0">
+              <a:schemeClr val="accent1"/>
+            </a:effectRef>
+            <a:fontRef idx="minor">
+              <a:schemeClr val="lt1"/>
+            </a:fontRef>
+          </p:style>
+          <p:txBody>
+            <a:bodyPr rtlCol="0" anchor="ctr"/>
+            <a:lstStyle/>
+            <a:p>
+              <a:pPr algn="ctr"/>
+              <a:r>
+                <a:rPr lang="en-US" sz="2400" dirty="0">
+                  <a:solidFill>
+                    <a:schemeClr val="tx1"/>
+                  </a:solidFill>
+                  <a:latin typeface="Arial" panose="020B0604020202020204" pitchFamily="34" charset="0"/>
+                  <a:cs typeface="Arial" panose="020B0604020202020204" pitchFamily="34" charset="0"/>
+                </a:rPr>
+                <a:t>No Input</a:t>
+              </a:r>
+            </a:p>
+          </p:txBody>
+        </p:sp>
+        <p:sp>
+          <p:nvSpPr>
+            <p:cNvPr id="19" name="Right Brace 18">
+              <a:extLst>
+                <a:ext uri="{FF2B5EF4-FFF2-40B4-BE49-F238E27FC236}">
+                  <a16:creationId xmlns:a16="http://schemas.microsoft.com/office/drawing/2014/main" id="{448CF6CD-4CA1-9C4F-8C7F-EBA0072C789E}"/>
+                </a:ext>
+              </a:extLst>
+            </p:cNvPr>
+            <p:cNvSpPr/>
+            <p:nvPr/>
+          </p:nvSpPr>
+          <p:spPr>
+            <a:xfrm>
+              <a:off x="2247003" y="2122979"/>
+              <a:ext cx="286976" cy="1846660"/>
+            </a:xfrm>
+            <a:prstGeom prst="rightBrace">
+              <a:avLst/>
+            </a:prstGeom>
+            <a:ln w="19050">
+              <a:solidFill>
+                <a:schemeClr val="tx1"/>
+              </a:solidFill>
+            </a:ln>
+          </p:spPr>
+          <p:style>
+            <a:lnRef idx="1">
+              <a:schemeClr val="accent1"/>
+            </a:lnRef>
+            <a:fillRef idx="0">
+              <a:schemeClr val="accent1"/>
+            </a:fillRef>
+            <a:effectRef idx="0">
+              <a:schemeClr val="accent1"/>
+            </a:effectRef>
+            <a:fontRef idx="minor">
+              <a:schemeClr val="tx1"/>
+            </a:fontRef>
+          </p:style>
+          <p:txBody>
+            <a:bodyPr rtlCol="0" anchor="ctr"/>
+            <a:lstStyle/>
+            <a:p>
+              <a:pPr algn="ctr"/>
+              <a:endParaRPr lang="en-US"/>
+            </a:p>
+          </p:txBody>
+        </p:sp>
+        <p:sp>
+          <p:nvSpPr>
+            <p:cNvPr id="55" name="TextBox 54">
+              <a:extLst>
+                <a:ext uri="{FF2B5EF4-FFF2-40B4-BE49-F238E27FC236}">
+                  <a16:creationId xmlns:a16="http://schemas.microsoft.com/office/drawing/2014/main" id="{B0A15940-DB2B-8241-A619-56D3F1E77E0B}"/>
+                </a:ext>
+              </a:extLst>
+            </p:cNvPr>
+            <p:cNvSpPr txBox="1"/>
+            <p:nvPr/>
+          </p:nvSpPr>
+          <p:spPr>
+            <a:xfrm>
+              <a:off x="655091" y="2098418"/>
+              <a:ext cx="1408461" cy="1846659"/>
+            </a:xfrm>
+            <a:prstGeom prst="rect">
+              <a:avLst/>
+            </a:prstGeom>
+            <a:noFill/>
+          </p:spPr>
+          <p:txBody>
+            <a:bodyPr wrap="square" lIns="0" tIns="0" rIns="0" bIns="0" rtlCol="0">
+              <a:spAutoFit/>
+            </a:bodyPr>
+            <a:lstStyle/>
+            <a:p>
+              <a:pPr algn="r"/>
+              <a:r>
+                <a:rPr lang="en-US" sz="2400" dirty="0">
+                  <a:latin typeface="Arial" panose="020B0604020202020204" pitchFamily="34" charset="0"/>
+                  <a:cs typeface="Arial" panose="020B0604020202020204" pitchFamily="34" charset="0"/>
+                </a:rPr>
+                <a:t>Internet</a:t>
+              </a:r>
+            </a:p>
+            <a:p>
+              <a:pPr algn="r"/>
+              <a:r>
+                <a:rPr lang="en-US" sz="2400" dirty="0">
+                  <a:latin typeface="Arial" panose="020B0604020202020204" pitchFamily="34" charset="0"/>
+                  <a:cs typeface="Arial" panose="020B0604020202020204" pitchFamily="34" charset="0"/>
+                </a:rPr>
+                <a:t>http://...</a:t>
+              </a:r>
+            </a:p>
+            <a:p>
+              <a:pPr algn="r"/>
+              <a:r>
+                <a:rPr lang="en-US" sz="2400" dirty="0">
+                  <a:latin typeface="Arial" panose="020B0604020202020204" pitchFamily="34" charset="0"/>
+                  <a:cs typeface="Arial" panose="020B0604020202020204" pitchFamily="34" charset="0"/>
+                </a:rPr>
+                <a:t>Google</a:t>
+              </a:r>
+            </a:p>
+            <a:p>
+              <a:pPr algn="r"/>
+              <a:r>
+                <a:rPr lang="en-US" sz="2400" dirty="0">
+                  <a:latin typeface="Arial" panose="020B0604020202020204" pitchFamily="34" charset="0"/>
+                  <a:cs typeface="Arial" panose="020B0604020202020204" pitchFamily="34" charset="0"/>
+                </a:rPr>
+                <a:t>Pharmacy</a:t>
+              </a:r>
+            </a:p>
+            <a:p>
+              <a:pPr algn="r"/>
+              <a:r>
+                <a:rPr lang="en-US" sz="2400" dirty="0" err="1">
+                  <a:latin typeface="Arial" panose="020B0604020202020204" pitchFamily="34" charset="0"/>
+                  <a:cs typeface="Arial" panose="020B0604020202020204" pitchFamily="34" charset="0"/>
+                </a:rPr>
+                <a:t>StreetRx</a:t>
+              </a:r>
+              <a:endParaRPr lang="en-US" sz="2400" dirty="0">
                 <a:latin typeface="Arial" panose="020B0604020202020204" pitchFamily="34" charset="0"/>
                 <a:cs typeface="Arial" panose="020B0604020202020204" pitchFamily="34" charset="0"/>
-              </a:rPr>
-              <a:t> groupings</a:t>
-            </a:r>
-          </a:p>
-        </p:txBody>
-      </p:sp>
-      <p:cxnSp>
-        <p:nvCxnSpPr>
-          <p:cNvPr id="42" name="Straight Connector 41">
-            <a:extLst>
-              <a:ext uri="{FF2B5EF4-FFF2-40B4-BE49-F238E27FC236}">
-                <a16:creationId xmlns:a16="http://schemas.microsoft.com/office/drawing/2014/main" id="{FD1C6B17-E76D-E540-8BBF-5146F72AC740}"/>
-              </a:ext>
-            </a:extLst>
-          </p:cNvPr>
-          <p:cNvCxnSpPr>
-            <a:cxnSpLocks/>
-          </p:cNvCxnSpPr>
+              </a:endParaRPr>
+            </a:p>
+          </p:txBody>
+        </p:sp>
+        <p:sp>
+          <p:nvSpPr>
+            <p:cNvPr id="56" name="TextBox 55">
+              <a:extLst>
+                <a:ext uri="{FF2B5EF4-FFF2-40B4-BE49-F238E27FC236}">
+                  <a16:creationId xmlns:a16="http://schemas.microsoft.com/office/drawing/2014/main" id="{F7C67EB5-1466-5A44-B062-6965264486EE}"/>
+                </a:ext>
+              </a:extLst>
+            </p:cNvPr>
+            <p:cNvSpPr txBox="1"/>
+            <p:nvPr/>
+          </p:nvSpPr>
+          <p:spPr>
+            <a:xfrm>
+              <a:off x="4529428" y="4281334"/>
+              <a:ext cx="924933" cy="1107996"/>
+            </a:xfrm>
+            <a:prstGeom prst="rect">
+              <a:avLst/>
+            </a:prstGeom>
+            <a:noFill/>
+          </p:spPr>
+          <p:txBody>
+            <a:bodyPr wrap="none" lIns="0" tIns="0" rIns="0" bIns="0" rtlCol="0">
+              <a:spAutoFit/>
+            </a:bodyPr>
+            <a:lstStyle/>
+            <a:p>
+              <a:r>
+                <a:rPr lang="en-US" sz="2400" dirty="0">
+                  <a:latin typeface="Arial" panose="020B0604020202020204" pitchFamily="34" charset="0"/>
+                  <a:cs typeface="Arial" panose="020B0604020202020204" pitchFamily="34" charset="0"/>
+                </a:rPr>
+                <a:t>Blanks</a:t>
+              </a:r>
+            </a:p>
+            <a:p>
+              <a:r>
+                <a:rPr lang="en-US" sz="2400" dirty="0">
+                  <a:latin typeface="Arial" panose="020B0604020202020204" pitchFamily="34" charset="0"/>
+                  <a:cs typeface="Arial" panose="020B0604020202020204" pitchFamily="34" charset="0"/>
+                </a:rPr>
+                <a:t>N/A</a:t>
+              </a:r>
+            </a:p>
+            <a:p>
+              <a:r>
+                <a:rPr lang="en-US" sz="2400" dirty="0">
+                  <a:latin typeface="Arial" panose="020B0604020202020204" pitchFamily="34" charset="0"/>
+                  <a:cs typeface="Arial" panose="020B0604020202020204" pitchFamily="34" charset="0"/>
+                </a:rPr>
+                <a:t>None</a:t>
+              </a:r>
+            </a:p>
+          </p:txBody>
+        </p:sp>
+        <p:sp>
+          <p:nvSpPr>
+            <p:cNvPr id="57" name="Left Brace 56">
+              <a:extLst>
+                <a:ext uri="{FF2B5EF4-FFF2-40B4-BE49-F238E27FC236}">
+                  <a16:creationId xmlns:a16="http://schemas.microsoft.com/office/drawing/2014/main" id="{A87BD7AB-0CF1-B247-82CC-FDCE5FCACA69}"/>
+                </a:ext>
+              </a:extLst>
+            </p:cNvPr>
+            <p:cNvSpPr/>
+            <p:nvPr/>
+          </p:nvSpPr>
+          <p:spPr>
+            <a:xfrm>
+              <a:off x="4148224" y="4307227"/>
+              <a:ext cx="291592" cy="1060467"/>
+            </a:xfrm>
+            <a:prstGeom prst="leftBrace">
+              <a:avLst/>
+            </a:prstGeom>
+            <a:ln w="19050">
+              <a:solidFill>
+                <a:schemeClr val="tx1"/>
+              </a:solidFill>
+            </a:ln>
+          </p:spPr>
+          <p:style>
+            <a:lnRef idx="1">
+              <a:schemeClr val="accent1"/>
+            </a:lnRef>
+            <a:fillRef idx="0">
+              <a:schemeClr val="accent1"/>
+            </a:fillRef>
+            <a:effectRef idx="0">
+              <a:schemeClr val="accent1"/>
+            </a:effectRef>
+            <a:fontRef idx="minor">
+              <a:schemeClr val="tx1"/>
+            </a:fontRef>
+          </p:style>
+          <p:txBody>
+            <a:bodyPr rtlCol="0" anchor="ctr"/>
+            <a:lstStyle/>
+            <a:p>
+              <a:pPr algn="ctr"/>
+              <a:endParaRPr lang="en-US"/>
+            </a:p>
+          </p:txBody>
+        </p:sp>
+        <p:sp>
+          <p:nvSpPr>
+            <p:cNvPr id="58" name="Rectangle 57">
+              <a:extLst>
+                <a:ext uri="{FF2B5EF4-FFF2-40B4-BE49-F238E27FC236}">
+                  <a16:creationId xmlns:a16="http://schemas.microsoft.com/office/drawing/2014/main" id="{D2E5AA3D-28A9-E14F-B0B3-C0F672C82ADE}"/>
+                </a:ext>
+              </a:extLst>
+            </p:cNvPr>
+            <p:cNvSpPr/>
+            <p:nvPr/>
+          </p:nvSpPr>
+          <p:spPr>
+            <a:xfrm>
+              <a:off x="2534277" y="3557305"/>
+              <a:ext cx="1612509" cy="745936"/>
+            </a:xfrm>
+            <a:prstGeom prst="rect">
+              <a:avLst/>
+            </a:prstGeom>
+            <a:solidFill>
+              <a:schemeClr val="bg1">
+                <a:lumMod val="95000"/>
+              </a:schemeClr>
+            </a:solidFill>
+            <a:ln w="28575">
+              <a:noFill/>
+            </a:ln>
+          </p:spPr>
+          <p:style>
+            <a:lnRef idx="2">
+              <a:schemeClr val="accent1">
+                <a:shade val="50000"/>
+              </a:schemeClr>
+            </a:lnRef>
+            <a:fillRef idx="1">
+              <a:schemeClr val="accent1"/>
+            </a:fillRef>
+            <a:effectRef idx="0">
+              <a:schemeClr val="accent1"/>
+            </a:effectRef>
+            <a:fontRef idx="minor">
+              <a:schemeClr val="lt1"/>
+            </a:fontRef>
+          </p:style>
+          <p:txBody>
+            <a:bodyPr rtlCol="0" anchor="ctr"/>
+            <a:lstStyle/>
+            <a:p>
+              <a:pPr algn="ctr"/>
+              <a:r>
+                <a:rPr lang="en-US" sz="2400" dirty="0">
+                  <a:solidFill>
+                    <a:schemeClr val="tx1"/>
+                  </a:solidFill>
+                  <a:latin typeface="Arial" panose="020B0604020202020204" pitchFamily="34" charset="0"/>
+                  <a:cs typeface="Arial" panose="020B0604020202020204" pitchFamily="34" charset="0"/>
+                </a:rPr>
+                <a:t>Heard it</a:t>
+              </a:r>
+            </a:p>
+          </p:txBody>
+        </p:sp>
+        <p:sp>
+          <p:nvSpPr>
+            <p:cNvPr id="59" name="Rectangle 58">
+              <a:extLst>
+                <a:ext uri="{FF2B5EF4-FFF2-40B4-BE49-F238E27FC236}">
+                  <a16:creationId xmlns:a16="http://schemas.microsoft.com/office/drawing/2014/main" id="{3543DFA2-009D-E747-A828-897F73B71199}"/>
+                </a:ext>
+              </a:extLst>
+            </p:cNvPr>
+            <p:cNvSpPr/>
+            <p:nvPr/>
+          </p:nvSpPr>
+          <p:spPr>
+            <a:xfrm>
+              <a:off x="2533979" y="5367426"/>
+              <a:ext cx="1612509" cy="745936"/>
+            </a:xfrm>
+            <a:prstGeom prst="rect">
+              <a:avLst/>
+            </a:prstGeom>
+            <a:solidFill>
+              <a:schemeClr val="bg1">
+                <a:lumMod val="95000"/>
+              </a:schemeClr>
+            </a:solidFill>
+            <a:ln w="28575">
+              <a:noFill/>
+            </a:ln>
+          </p:spPr>
+          <p:style>
+            <a:lnRef idx="2">
+              <a:schemeClr val="accent1">
+                <a:shade val="50000"/>
+              </a:schemeClr>
+            </a:lnRef>
+            <a:fillRef idx="1">
+              <a:schemeClr val="accent1"/>
+            </a:fillRef>
+            <a:effectRef idx="0">
+              <a:schemeClr val="accent1"/>
+            </a:effectRef>
+            <a:fontRef idx="minor">
+              <a:schemeClr val="lt1"/>
+            </a:fontRef>
+          </p:style>
+          <p:txBody>
+            <a:bodyPr rtlCol="0" anchor="ctr"/>
+            <a:lstStyle/>
+            <a:p>
+              <a:pPr algn="ctr"/>
+              <a:r>
+                <a:rPr lang="en-US" sz="2400" dirty="0">
+                  <a:solidFill>
+                    <a:schemeClr val="tx1"/>
+                  </a:solidFill>
+                  <a:latin typeface="Arial" panose="020B0604020202020204" pitchFamily="34" charset="0"/>
+                  <a:cs typeface="Arial" panose="020B0604020202020204" pitchFamily="34" charset="0"/>
+                </a:rPr>
+                <a:t>Personal</a:t>
+              </a:r>
+            </a:p>
+          </p:txBody>
+        </p:sp>
+        <p:sp>
+          <p:nvSpPr>
+            <p:cNvPr id="68" name="Left Bracket 67">
+              <a:extLst>
+                <a:ext uri="{FF2B5EF4-FFF2-40B4-BE49-F238E27FC236}">
+                  <a16:creationId xmlns:a16="http://schemas.microsoft.com/office/drawing/2014/main" id="{EAC79E73-326C-2B46-AF2E-2056C6EF831E}"/>
+                </a:ext>
+              </a:extLst>
+            </p:cNvPr>
+            <p:cNvSpPr/>
+            <p:nvPr/>
+          </p:nvSpPr>
+          <p:spPr>
+            <a:xfrm>
+              <a:off x="477250" y="2098419"/>
+              <a:ext cx="125354" cy="1871220"/>
+            </a:xfrm>
+            <a:prstGeom prst="leftBracket">
+              <a:avLst/>
+            </a:prstGeom>
+            <a:ln w="19050">
+              <a:solidFill>
+                <a:schemeClr val="tx1"/>
+              </a:solidFill>
+            </a:ln>
+          </p:spPr>
+          <p:style>
+            <a:lnRef idx="1">
+              <a:schemeClr val="accent1"/>
+            </a:lnRef>
+            <a:fillRef idx="0">
+              <a:schemeClr val="accent1"/>
+            </a:fillRef>
+            <a:effectRef idx="0">
+              <a:schemeClr val="accent1"/>
+            </a:effectRef>
+            <a:fontRef idx="minor">
+              <a:schemeClr val="tx1"/>
+            </a:fontRef>
+          </p:style>
+          <p:txBody>
+            <a:bodyPr rtlCol="0" anchor="ctr"/>
+            <a:lstStyle/>
+            <a:p>
+              <a:pPr algn="ctr"/>
+              <a:endParaRPr lang="en-US"/>
+            </a:p>
+          </p:txBody>
+        </p:sp>
+        <p:sp>
+          <p:nvSpPr>
+            <p:cNvPr id="69" name="Right Bracket 68">
+              <a:extLst>
+                <a:ext uri="{FF2B5EF4-FFF2-40B4-BE49-F238E27FC236}">
+                  <a16:creationId xmlns:a16="http://schemas.microsoft.com/office/drawing/2014/main" id="{56A7174B-E48A-4B4C-8BB3-0737F53B3F57}"/>
+                </a:ext>
+              </a:extLst>
+            </p:cNvPr>
+            <p:cNvSpPr/>
+            <p:nvPr/>
+          </p:nvSpPr>
+          <p:spPr>
+            <a:xfrm>
+              <a:off x="5535348" y="4314409"/>
+              <a:ext cx="113198" cy="1064182"/>
+            </a:xfrm>
+            <a:prstGeom prst="rightBracket">
+              <a:avLst/>
+            </a:prstGeom>
+            <a:ln w="19050">
+              <a:solidFill>
+                <a:schemeClr val="tx1"/>
+              </a:solidFill>
+            </a:ln>
+          </p:spPr>
+          <p:style>
+            <a:lnRef idx="1">
+              <a:schemeClr val="accent1"/>
+            </a:lnRef>
+            <a:fillRef idx="0">
+              <a:schemeClr val="accent1"/>
+            </a:fillRef>
+            <a:effectRef idx="0">
+              <a:schemeClr val="accent1"/>
+            </a:effectRef>
+            <a:fontRef idx="minor">
+              <a:schemeClr val="tx1"/>
+            </a:fontRef>
+          </p:style>
+          <p:txBody>
+            <a:bodyPr rtlCol="0" anchor="ctr"/>
+            <a:lstStyle/>
+            <a:p>
+              <a:pPr algn="ctr"/>
+              <a:endParaRPr lang="en-US"/>
+            </a:p>
+          </p:txBody>
+        </p:sp>
+      </p:grpSp>
+      <p:grpSp>
+        <p:nvGrpSpPr>
+          <p:cNvPr id="73" name="Group 72">
+            <a:extLst>
+              <a:ext uri="{FF2B5EF4-FFF2-40B4-BE49-F238E27FC236}">
+                <a16:creationId xmlns:a16="http://schemas.microsoft.com/office/drawing/2014/main" id="{48FF3FFC-7B05-B44F-AC7F-860575EEBD3F}"/>
+              </a:ext>
+            </a:extLst>
+          </p:cNvPr>
+          <p:cNvGrpSpPr/>
           <p:nvPr/>
-        </p:nvCxnSpPr>
-        <p:spPr>
+        </p:nvGrpSpPr>
+        <p:grpSpPr>
           <a:xfrm>
-            <a:off x="6073709" y="1586408"/>
-            <a:ext cx="5646762" cy="0"/>
+            <a:off x="6052594" y="3541038"/>
+            <a:ext cx="5674115" cy="2588588"/>
+            <a:chOff x="6057172" y="1213380"/>
+            <a:chExt cx="5674115" cy="2588588"/>
           </a:xfrm>
-          <a:prstGeom prst="line">
-            <a:avLst/>
-          </a:prstGeom>
-          <a:ln w="28575">
+        </p:grpSpPr>
+        <p:sp>
+          <p:nvSpPr>
+            <p:cNvPr id="41" name="TextBox 40">
+              <a:extLst>
+                <a:ext uri="{FF2B5EF4-FFF2-40B4-BE49-F238E27FC236}">
+                  <a16:creationId xmlns:a16="http://schemas.microsoft.com/office/drawing/2014/main" id="{D45C908C-3F65-8542-AA35-D303D7E3BC8C}"/>
+                </a:ext>
+              </a:extLst>
+            </p:cNvPr>
+            <p:cNvSpPr txBox="1"/>
+            <p:nvPr/>
+          </p:nvSpPr>
+          <p:spPr>
+            <a:xfrm>
+              <a:off x="6073709" y="1213380"/>
+              <a:ext cx="2442976" cy="369332"/>
+            </a:xfrm>
+            <a:prstGeom prst="rect">
+              <a:avLst/>
+            </a:prstGeom>
+            <a:noFill/>
+          </p:spPr>
+          <p:txBody>
+            <a:bodyPr wrap="none" lIns="0" tIns="0" rIns="0" bIns="0" rtlCol="0">
+              <a:spAutoFit/>
+            </a:bodyPr>
+            <a:lstStyle/>
+            <a:p>
+              <a:pPr algn="l"/>
+              <a:r>
+                <a:rPr lang="en-US" sz="2400" b="1" dirty="0" err="1">
+                  <a:solidFill>
+                    <a:srgbClr val="03529B"/>
+                  </a:solidFill>
+                  <a:latin typeface="Arial" panose="020B0604020202020204" pitchFamily="34" charset="0"/>
+                  <a:cs typeface="Arial" panose="020B0604020202020204" pitchFamily="34" charset="0"/>
+                </a:rPr>
+                <a:t>mgstr</a:t>
+              </a:r>
+              <a:r>
+                <a:rPr lang="en-US" sz="2400" b="1" dirty="0">
+                  <a:solidFill>
+                    <a:srgbClr val="03529B"/>
+                  </a:solidFill>
+                  <a:latin typeface="Arial" panose="020B0604020202020204" pitchFamily="34" charset="0"/>
+                  <a:cs typeface="Arial" panose="020B0604020202020204" pitchFamily="34" charset="0"/>
+                </a:rPr>
+                <a:t> groupings</a:t>
+              </a:r>
+            </a:p>
+          </p:txBody>
+        </p:sp>
+        <p:cxnSp>
+          <p:nvCxnSpPr>
+            <p:cNvPr id="42" name="Straight Connector 41">
+              <a:extLst>
+                <a:ext uri="{FF2B5EF4-FFF2-40B4-BE49-F238E27FC236}">
+                  <a16:creationId xmlns:a16="http://schemas.microsoft.com/office/drawing/2014/main" id="{FD1C6B17-E76D-E540-8BBF-5146F72AC740}"/>
+                </a:ext>
+              </a:extLst>
+            </p:cNvPr>
+            <p:cNvCxnSpPr>
+              <a:cxnSpLocks/>
+            </p:cNvCxnSpPr>
+            <p:nvPr/>
+          </p:nvCxnSpPr>
+          <p:spPr>
+            <a:xfrm>
+              <a:off x="6073709" y="1586408"/>
+              <a:ext cx="5646762" cy="0"/>
+            </a:xfrm>
+            <a:prstGeom prst="line">
+              <a:avLst/>
+            </a:prstGeom>
+            <a:ln w="28575">
+              <a:solidFill>
+                <a:srgbClr val="03529B"/>
+              </a:solidFill>
+            </a:ln>
+          </p:spPr>
+          <p:style>
+            <a:lnRef idx="1">
+              <a:schemeClr val="accent1"/>
+            </a:lnRef>
+            <a:fillRef idx="0">
+              <a:schemeClr val="accent1"/>
+            </a:fillRef>
+            <a:effectRef idx="0">
+              <a:schemeClr val="accent1"/>
+            </a:effectRef>
+            <a:fontRef idx="minor">
+              <a:schemeClr val="tx1"/>
+            </a:fontRef>
+          </p:style>
+        </p:cxnSp>
+        <p:pic>
+          <p:nvPicPr>
+            <p:cNvPr id="63" name="Picture 62">
+              <a:extLst>
+                <a:ext uri="{FF2B5EF4-FFF2-40B4-BE49-F238E27FC236}">
+                  <a16:creationId xmlns:a16="http://schemas.microsoft.com/office/drawing/2014/main" id="{1C8C2321-9137-694D-A778-38522E5AFE15}"/>
+                </a:ext>
+              </a:extLst>
+            </p:cNvPr>
+            <p:cNvPicPr>
+              <a:picLocks noChangeAspect="1"/>
+            </p:cNvPicPr>
+            <p:nvPr/>
+          </p:nvPicPr>
+          <p:blipFill rotWithShape="1">
+            <a:blip r:embed="rId3"/>
+            <a:srcRect l="5485"/>
+            <a:stretch/>
+          </p:blipFill>
+          <p:spPr>
+            <a:xfrm>
+              <a:off x="6057172" y="1933792"/>
+              <a:ext cx="5657578" cy="964788"/>
+            </a:xfrm>
+            <a:prstGeom prst="rect">
+              <a:avLst/>
+            </a:prstGeom>
+          </p:spPr>
+        </p:pic>
+        <p:sp>
+          <p:nvSpPr>
+            <p:cNvPr id="71" name="Rectangle 70">
+              <a:extLst>
+                <a:ext uri="{FF2B5EF4-FFF2-40B4-BE49-F238E27FC236}">
+                  <a16:creationId xmlns:a16="http://schemas.microsoft.com/office/drawing/2014/main" id="{B8AB6456-0E57-7344-A5AD-3429BE7B53AA}"/>
+                </a:ext>
+              </a:extLst>
+            </p:cNvPr>
+            <p:cNvSpPr/>
+            <p:nvPr/>
+          </p:nvSpPr>
+          <p:spPr>
+            <a:xfrm>
+              <a:off x="6106816" y="3056032"/>
+              <a:ext cx="5624471" cy="745936"/>
+            </a:xfrm>
+            <a:prstGeom prst="rect">
+              <a:avLst/>
+            </a:prstGeom>
             <a:solidFill>
-              <a:srgbClr val="03529B"/>
+              <a:schemeClr val="bg1">
+                <a:lumMod val="95000"/>
+              </a:schemeClr>
             </a:solidFill>
-          </a:ln>
-        </p:spPr>
-        <p:style>
-          <a:lnRef idx="1">
-            <a:schemeClr val="accent1"/>
-          </a:lnRef>
-          <a:fillRef idx="0">
-            <a:schemeClr val="accent1"/>
-          </a:fillRef>
-          <a:effectRef idx="0">
-            <a:schemeClr val="accent1"/>
-          </a:effectRef>
-          <a:fontRef idx="minor">
-            <a:schemeClr val="tx1"/>
-          </a:fontRef>
-        </p:style>
-      </p:cxnSp>
-      <p:sp>
-        <p:nvSpPr>
-          <p:cNvPr id="43" name="TextBox 42">
-            <a:extLst>
-              <a:ext uri="{FF2B5EF4-FFF2-40B4-BE49-F238E27FC236}">
-                <a16:creationId xmlns:a16="http://schemas.microsoft.com/office/drawing/2014/main" id="{69634F13-4C42-8C4A-90B0-538BD177AD4E}"/>
-              </a:ext>
-            </a:extLst>
-          </p:cNvPr>
-          <p:cNvSpPr txBox="1"/>
-          <p:nvPr/>
-        </p:nvSpPr>
-        <p:spPr>
-          <a:xfrm>
-            <a:off x="6073709" y="3945077"/>
-            <a:ext cx="2188100" cy="369332"/>
-          </a:xfrm>
-          <a:prstGeom prst="rect">
-            <a:avLst/>
-          </a:prstGeom>
-          <a:noFill/>
-        </p:spPr>
-        <p:txBody>
-          <a:bodyPr wrap="none" lIns="0" tIns="0" rIns="0" bIns="0" rtlCol="0">
-            <a:spAutoFit/>
-          </a:bodyPr>
-          <a:lstStyle/>
-          <a:p>
-            <a:pPr algn="l"/>
-            <a:r>
-              <a:rPr lang="en-US" sz="2400" b="1" dirty="0">
-                <a:solidFill>
-                  <a:srgbClr val="03529B"/>
-                </a:solidFill>
-                <a:latin typeface="Arial" panose="020B0604020202020204" pitchFamily="34" charset="0"/>
-                <a:cs typeface="Arial" panose="020B0604020202020204" pitchFamily="34" charset="0"/>
-              </a:rPr>
-              <a:t>Missing values</a:t>
-            </a:r>
-          </a:p>
-        </p:txBody>
-      </p:sp>
-      <p:cxnSp>
-        <p:nvCxnSpPr>
-          <p:cNvPr id="44" name="Straight Connector 43">
-            <a:extLst>
-              <a:ext uri="{FF2B5EF4-FFF2-40B4-BE49-F238E27FC236}">
-                <a16:creationId xmlns:a16="http://schemas.microsoft.com/office/drawing/2014/main" id="{2B1A87EB-4C0A-BC4F-A0EA-1E6EB27412B1}"/>
-              </a:ext>
-            </a:extLst>
-          </p:cNvPr>
-          <p:cNvCxnSpPr>
-            <a:cxnSpLocks/>
-          </p:cNvCxnSpPr>
-          <p:nvPr/>
-        </p:nvCxnSpPr>
-        <p:spPr>
-          <a:xfrm>
-            <a:off x="6073709" y="4318105"/>
-            <a:ext cx="5646762" cy="0"/>
-          </a:xfrm>
-          <a:prstGeom prst="line">
-            <a:avLst/>
-          </a:prstGeom>
-          <a:ln w="28575">
-            <a:solidFill>
-              <a:srgbClr val="03529B"/>
-            </a:solidFill>
-          </a:ln>
-        </p:spPr>
-        <p:style>
-          <a:lnRef idx="1">
-            <a:schemeClr val="accent1"/>
-          </a:lnRef>
-          <a:fillRef idx="0">
-            <a:schemeClr val="accent1"/>
-          </a:fillRef>
-          <a:effectRef idx="0">
-            <a:schemeClr val="accent1"/>
-          </a:effectRef>
-          <a:fontRef idx="minor">
-            <a:schemeClr val="tx1"/>
-          </a:fontRef>
-        </p:style>
-      </p:cxnSp>
-      <p:sp>
-        <p:nvSpPr>
-          <p:cNvPr id="48" name="Rectangle 47">
-            <a:extLst>
-              <a:ext uri="{FF2B5EF4-FFF2-40B4-BE49-F238E27FC236}">
-                <a16:creationId xmlns:a16="http://schemas.microsoft.com/office/drawing/2014/main" id="{6F16D7AF-8A66-0F4C-9E54-379460A918E9}"/>
-              </a:ext>
-            </a:extLst>
-          </p:cNvPr>
-          <p:cNvSpPr/>
-          <p:nvPr/>
-        </p:nvSpPr>
-        <p:spPr>
-          <a:xfrm>
-            <a:off x="2323938" y="2683064"/>
-            <a:ext cx="1530831" cy="745936"/>
-          </a:xfrm>
-          <a:prstGeom prst="rect">
-            <a:avLst/>
-          </a:prstGeom>
-          <a:solidFill>
-            <a:schemeClr val="bg1">
-              <a:lumMod val="95000"/>
-            </a:schemeClr>
-          </a:solidFill>
-          <a:ln w="28575">
-            <a:noFill/>
-          </a:ln>
-        </p:spPr>
-        <p:style>
-          <a:lnRef idx="2">
-            <a:schemeClr val="accent1">
-              <a:shade val="50000"/>
-            </a:schemeClr>
-          </a:lnRef>
-          <a:fillRef idx="1">
-            <a:schemeClr val="accent1"/>
-          </a:fillRef>
-          <a:effectRef idx="0">
-            <a:schemeClr val="accent1"/>
-          </a:effectRef>
-          <a:fontRef idx="minor">
-            <a:schemeClr val="lt1"/>
-          </a:fontRef>
-        </p:style>
-        <p:txBody>
-          <a:bodyPr rtlCol="0" anchor="ctr"/>
-          <a:lstStyle/>
-          <a:p>
-            <a:pPr algn="ctr"/>
-            <a:r>
-              <a:rPr lang="en-US" sz="2400" dirty="0">
+            <a:ln w="28575">
+              <a:noFill/>
+            </a:ln>
+          </p:spPr>
+          <p:style>
+            <a:lnRef idx="2">
+              <a:schemeClr val="accent1">
+                <a:shade val="50000"/>
+              </a:schemeClr>
+            </a:lnRef>
+            <a:fillRef idx="1">
+              <a:schemeClr val="accent1"/>
+            </a:fillRef>
+            <a:effectRef idx="0">
+              <a:schemeClr val="accent1"/>
+            </a:effectRef>
+            <a:fontRef idx="minor">
+              <a:schemeClr val="lt1"/>
+            </a:fontRef>
+          </p:style>
+          <p:txBody>
+            <a:bodyPr rtlCol="0" anchor="ctr"/>
+            <a:lstStyle/>
+            <a:p>
+              <a:pPr algn="ctr"/>
+              <a:r>
+                <a:rPr lang="en-US" sz="2000" dirty="0">
+                  <a:solidFill>
+                    <a:schemeClr val="tx1"/>
+                  </a:solidFill>
+                  <a:latin typeface="Arial" panose="020B0604020202020204" pitchFamily="34" charset="0"/>
+                  <a:cs typeface="Arial" panose="020B0604020202020204" pitchFamily="34" charset="0"/>
+                </a:rPr>
+                <a:t>Factorized </a:t>
+              </a:r>
+              <a:r>
+                <a:rPr lang="en-US" sz="2000" dirty="0" err="1">
+                  <a:solidFill>
+                    <a:schemeClr val="tx1"/>
+                  </a:solidFill>
+                  <a:latin typeface="Arial" panose="020B0604020202020204" pitchFamily="34" charset="0"/>
+                  <a:cs typeface="Arial" panose="020B0604020202020204" pitchFamily="34" charset="0"/>
+                </a:rPr>
+                <a:t>mgstr</a:t>
+              </a:r>
+              <a:endParaRPr lang="en-US" sz="2000" dirty="0">
                 <a:solidFill>
                   <a:schemeClr val="tx1"/>
                 </a:solidFill>
                 <a:latin typeface="Arial" panose="020B0604020202020204" pitchFamily="34" charset="0"/>
                 <a:cs typeface="Arial" panose="020B0604020202020204" pitchFamily="34" charset="0"/>
-              </a:rPr>
-              <a:t>Internet</a:t>
-            </a:r>
-          </a:p>
-        </p:txBody>
-      </p:sp>
-      <p:sp>
-        <p:nvSpPr>
-          <p:cNvPr id="53" name="Rectangle 52">
-            <a:extLst>
-              <a:ext uri="{FF2B5EF4-FFF2-40B4-BE49-F238E27FC236}">
-                <a16:creationId xmlns:a16="http://schemas.microsoft.com/office/drawing/2014/main" id="{4420731F-810F-F946-8DFB-DDDF2825A4A9}"/>
-              </a:ext>
-            </a:extLst>
-          </p:cNvPr>
-          <p:cNvSpPr/>
-          <p:nvPr/>
-        </p:nvSpPr>
-        <p:spPr>
-          <a:xfrm>
-            <a:off x="2325311" y="4497439"/>
-            <a:ext cx="1530831" cy="745936"/>
-          </a:xfrm>
-          <a:prstGeom prst="rect">
-            <a:avLst/>
-          </a:prstGeom>
-          <a:solidFill>
-            <a:schemeClr val="bg1">
-              <a:lumMod val="95000"/>
-            </a:schemeClr>
-          </a:solidFill>
-          <a:ln w="28575">
-            <a:noFill/>
-          </a:ln>
-        </p:spPr>
-        <p:style>
-          <a:lnRef idx="2">
-            <a:schemeClr val="accent1">
-              <a:shade val="50000"/>
-            </a:schemeClr>
-          </a:lnRef>
-          <a:fillRef idx="1">
-            <a:schemeClr val="accent1"/>
-          </a:fillRef>
-          <a:effectRef idx="0">
-            <a:schemeClr val="accent1"/>
-          </a:effectRef>
-          <a:fontRef idx="minor">
-            <a:schemeClr val="lt1"/>
-          </a:fontRef>
-        </p:style>
-        <p:txBody>
-          <a:bodyPr rtlCol="0" anchor="ctr"/>
-          <a:lstStyle/>
-          <a:p>
-            <a:pPr algn="ctr"/>
-            <a:r>
-              <a:rPr lang="en-US" sz="2400" dirty="0">
-                <a:solidFill>
-                  <a:schemeClr val="tx1"/>
-                </a:solidFill>
-                <a:latin typeface="Arial" panose="020B0604020202020204" pitchFamily="34" charset="0"/>
-                <a:cs typeface="Arial" panose="020B0604020202020204" pitchFamily="34" charset="0"/>
-              </a:rPr>
-              <a:t>No Input</a:t>
-            </a:r>
-          </a:p>
-        </p:txBody>
-      </p:sp>
-      <p:sp>
-        <p:nvSpPr>
-          <p:cNvPr id="19" name="Right Brace 18">
-            <a:extLst>
-              <a:ext uri="{FF2B5EF4-FFF2-40B4-BE49-F238E27FC236}">
-                <a16:creationId xmlns:a16="http://schemas.microsoft.com/office/drawing/2014/main" id="{448CF6CD-4CA1-9C4F-8C7F-EBA0072C789E}"/>
-              </a:ext>
-            </a:extLst>
-          </p:cNvPr>
-          <p:cNvSpPr/>
-          <p:nvPr/>
-        </p:nvSpPr>
-        <p:spPr>
-          <a:xfrm>
-            <a:off x="2036664" y="2109479"/>
-            <a:ext cx="286976" cy="1893106"/>
-          </a:xfrm>
-          <a:prstGeom prst="rightBrace">
-            <a:avLst/>
-          </a:prstGeom>
-          <a:ln w="19050"/>
-        </p:spPr>
-        <p:style>
-          <a:lnRef idx="1">
-            <a:schemeClr val="dk1"/>
-          </a:lnRef>
-          <a:fillRef idx="0">
-            <a:schemeClr val="dk1"/>
-          </a:fillRef>
-          <a:effectRef idx="0">
-            <a:schemeClr val="dk1"/>
-          </a:effectRef>
-          <a:fontRef idx="minor">
-            <a:schemeClr val="tx1"/>
-          </a:fontRef>
-        </p:style>
-        <p:txBody>
-          <a:bodyPr rtlCol="0" anchor="ctr"/>
-          <a:lstStyle/>
-          <a:p>
-            <a:pPr algn="ctr"/>
-            <a:endParaRPr lang="en-US"/>
-          </a:p>
-        </p:txBody>
-      </p:sp>
-      <p:sp>
-        <p:nvSpPr>
-          <p:cNvPr id="55" name="TextBox 54">
-            <a:extLst>
-              <a:ext uri="{FF2B5EF4-FFF2-40B4-BE49-F238E27FC236}">
-                <a16:creationId xmlns:a16="http://schemas.microsoft.com/office/drawing/2014/main" id="{B0A15940-DB2B-8241-A619-56D3F1E77E0B}"/>
-              </a:ext>
-            </a:extLst>
-          </p:cNvPr>
-          <p:cNvSpPr txBox="1"/>
-          <p:nvPr/>
-        </p:nvSpPr>
-        <p:spPr>
-          <a:xfrm>
-            <a:off x="433825" y="2109479"/>
-            <a:ext cx="1408461" cy="1846659"/>
-          </a:xfrm>
-          <a:prstGeom prst="rect">
-            <a:avLst/>
-          </a:prstGeom>
-          <a:noFill/>
-        </p:spPr>
-        <p:txBody>
-          <a:bodyPr wrap="square" lIns="0" tIns="0" rIns="0" bIns="0" rtlCol="0">
-            <a:spAutoFit/>
-          </a:bodyPr>
-          <a:lstStyle/>
-          <a:p>
-            <a:pPr algn="r"/>
-            <a:r>
-              <a:rPr lang="en-US" sz="2400" dirty="0">
-                <a:latin typeface="Arial" panose="020B0604020202020204" pitchFamily="34" charset="0"/>
-                <a:cs typeface="Arial" panose="020B0604020202020204" pitchFamily="34" charset="0"/>
-              </a:rPr>
-              <a:t>Internet</a:t>
-            </a:r>
-          </a:p>
-          <a:p>
-            <a:pPr algn="r"/>
-            <a:r>
-              <a:rPr lang="en-US" sz="2400" dirty="0">
-                <a:latin typeface="Arial" panose="020B0604020202020204" pitchFamily="34" charset="0"/>
-                <a:cs typeface="Arial" panose="020B0604020202020204" pitchFamily="34" charset="0"/>
-              </a:rPr>
-              <a:t>http://...</a:t>
-            </a:r>
-          </a:p>
-          <a:p>
-            <a:pPr algn="r"/>
-            <a:r>
-              <a:rPr lang="en-US" sz="2400" dirty="0">
-                <a:latin typeface="Arial" panose="020B0604020202020204" pitchFamily="34" charset="0"/>
-                <a:cs typeface="Arial" panose="020B0604020202020204" pitchFamily="34" charset="0"/>
-              </a:rPr>
-              <a:t>Google</a:t>
-            </a:r>
-          </a:p>
-          <a:p>
-            <a:pPr algn="r"/>
-            <a:r>
-              <a:rPr lang="en-US" sz="2400" dirty="0">
-                <a:latin typeface="Arial" panose="020B0604020202020204" pitchFamily="34" charset="0"/>
-                <a:cs typeface="Arial" panose="020B0604020202020204" pitchFamily="34" charset="0"/>
-              </a:rPr>
-              <a:t>Pharmacy</a:t>
-            </a:r>
-          </a:p>
-          <a:p>
-            <a:pPr algn="r"/>
-            <a:r>
-              <a:rPr lang="en-US" sz="2400" dirty="0" err="1">
-                <a:latin typeface="Arial" panose="020B0604020202020204" pitchFamily="34" charset="0"/>
-                <a:cs typeface="Arial" panose="020B0604020202020204" pitchFamily="34" charset="0"/>
-              </a:rPr>
-              <a:t>Streetrx</a:t>
-            </a:r>
-            <a:endParaRPr lang="en-US" sz="2400" dirty="0">
-              <a:latin typeface="Arial" panose="020B0604020202020204" pitchFamily="34" charset="0"/>
-              <a:cs typeface="Arial" panose="020B0604020202020204" pitchFamily="34" charset="0"/>
-            </a:endParaRPr>
-          </a:p>
-        </p:txBody>
-      </p:sp>
-      <p:sp>
-        <p:nvSpPr>
-          <p:cNvPr id="56" name="TextBox 55">
-            <a:extLst>
-              <a:ext uri="{FF2B5EF4-FFF2-40B4-BE49-F238E27FC236}">
-                <a16:creationId xmlns:a16="http://schemas.microsoft.com/office/drawing/2014/main" id="{F7C67EB5-1466-5A44-B062-6965264486EE}"/>
-              </a:ext>
-            </a:extLst>
-          </p:cNvPr>
-          <p:cNvSpPr txBox="1"/>
-          <p:nvPr/>
-        </p:nvSpPr>
-        <p:spPr>
-          <a:xfrm>
-            <a:off x="4312457" y="4336187"/>
-            <a:ext cx="924933" cy="1107996"/>
-          </a:xfrm>
-          <a:prstGeom prst="rect">
-            <a:avLst/>
-          </a:prstGeom>
-          <a:noFill/>
-        </p:spPr>
-        <p:txBody>
-          <a:bodyPr wrap="none" lIns="0" tIns="0" rIns="0" bIns="0" rtlCol="0">
-            <a:spAutoFit/>
-          </a:bodyPr>
-          <a:lstStyle/>
-          <a:p>
-            <a:r>
-              <a:rPr lang="en-US" sz="2400" dirty="0">
-                <a:latin typeface="Arial" panose="020B0604020202020204" pitchFamily="34" charset="0"/>
-                <a:cs typeface="Arial" panose="020B0604020202020204" pitchFamily="34" charset="0"/>
-              </a:rPr>
-              <a:t>Blanks</a:t>
-            </a:r>
-          </a:p>
-          <a:p>
-            <a:r>
-              <a:rPr lang="en-US" sz="2400" dirty="0">
-                <a:latin typeface="Arial" panose="020B0604020202020204" pitchFamily="34" charset="0"/>
-                <a:cs typeface="Arial" panose="020B0604020202020204" pitchFamily="34" charset="0"/>
-              </a:rPr>
-              <a:t>N/A</a:t>
-            </a:r>
-          </a:p>
-          <a:p>
-            <a:r>
-              <a:rPr lang="en-US" sz="2400" dirty="0">
-                <a:latin typeface="Arial" panose="020B0604020202020204" pitchFamily="34" charset="0"/>
-                <a:cs typeface="Arial" panose="020B0604020202020204" pitchFamily="34" charset="0"/>
-              </a:rPr>
-              <a:t>None</a:t>
-            </a:r>
-          </a:p>
-        </p:txBody>
-      </p:sp>
-      <p:sp>
-        <p:nvSpPr>
-          <p:cNvPr id="57" name="Left Brace 56">
-            <a:extLst>
-              <a:ext uri="{FF2B5EF4-FFF2-40B4-BE49-F238E27FC236}">
-                <a16:creationId xmlns:a16="http://schemas.microsoft.com/office/drawing/2014/main" id="{A87BD7AB-0CF1-B247-82CC-FDCE5FCACA69}"/>
-              </a:ext>
-            </a:extLst>
-          </p:cNvPr>
-          <p:cNvSpPr/>
-          <p:nvPr/>
-        </p:nvSpPr>
-        <p:spPr>
-          <a:xfrm>
-            <a:off x="3854471" y="4340173"/>
-            <a:ext cx="291592" cy="1060467"/>
-          </a:xfrm>
-          <a:prstGeom prst="leftBrace">
-            <a:avLst/>
-          </a:prstGeom>
-          <a:ln w="19050"/>
-        </p:spPr>
-        <p:style>
-          <a:lnRef idx="1">
-            <a:schemeClr val="dk1"/>
-          </a:lnRef>
-          <a:fillRef idx="0">
-            <a:schemeClr val="dk1"/>
-          </a:fillRef>
-          <a:effectRef idx="0">
-            <a:schemeClr val="dk1"/>
-          </a:effectRef>
-          <a:fontRef idx="minor">
-            <a:schemeClr val="tx1"/>
-          </a:fontRef>
-        </p:style>
-        <p:txBody>
-          <a:bodyPr rtlCol="0" anchor="ctr"/>
-          <a:lstStyle/>
-          <a:p>
-            <a:pPr algn="ctr"/>
-            <a:endParaRPr lang="en-US"/>
-          </a:p>
-        </p:txBody>
-      </p:sp>
-      <p:sp>
-        <p:nvSpPr>
-          <p:cNvPr id="58" name="Rectangle 57">
-            <a:extLst>
-              <a:ext uri="{FF2B5EF4-FFF2-40B4-BE49-F238E27FC236}">
-                <a16:creationId xmlns:a16="http://schemas.microsoft.com/office/drawing/2014/main" id="{D2E5AA3D-28A9-E14F-B0B3-C0F672C82ADE}"/>
-              </a:ext>
-            </a:extLst>
-          </p:cNvPr>
-          <p:cNvSpPr/>
-          <p:nvPr/>
-        </p:nvSpPr>
-        <p:spPr>
-          <a:xfrm>
-            <a:off x="2323938" y="3590251"/>
-            <a:ext cx="1530831" cy="745936"/>
-          </a:xfrm>
-          <a:prstGeom prst="rect">
-            <a:avLst/>
-          </a:prstGeom>
-          <a:solidFill>
-            <a:schemeClr val="bg1">
-              <a:lumMod val="95000"/>
-            </a:schemeClr>
-          </a:solidFill>
-          <a:ln w="28575">
-            <a:noFill/>
-          </a:ln>
-        </p:spPr>
-        <p:style>
-          <a:lnRef idx="2">
-            <a:schemeClr val="accent1">
-              <a:shade val="50000"/>
-            </a:schemeClr>
-          </a:lnRef>
-          <a:fillRef idx="1">
-            <a:schemeClr val="accent1"/>
-          </a:fillRef>
-          <a:effectRef idx="0">
-            <a:schemeClr val="accent1"/>
-          </a:effectRef>
-          <a:fontRef idx="minor">
-            <a:schemeClr val="lt1"/>
-          </a:fontRef>
-        </p:style>
-        <p:txBody>
-          <a:bodyPr rtlCol="0" anchor="ctr"/>
-          <a:lstStyle/>
-          <a:p>
-            <a:pPr algn="ctr"/>
-            <a:r>
-              <a:rPr lang="en-US" sz="2400" dirty="0">
-                <a:solidFill>
-                  <a:schemeClr val="tx1"/>
-                </a:solidFill>
-                <a:latin typeface="Arial" panose="020B0604020202020204" pitchFamily="34" charset="0"/>
-                <a:cs typeface="Arial" panose="020B0604020202020204" pitchFamily="34" charset="0"/>
-              </a:rPr>
-              <a:t>Heard it</a:t>
-            </a:r>
-          </a:p>
-        </p:txBody>
-      </p:sp>
-      <p:sp>
-        <p:nvSpPr>
-          <p:cNvPr id="59" name="Rectangle 58">
-            <a:extLst>
-              <a:ext uri="{FF2B5EF4-FFF2-40B4-BE49-F238E27FC236}">
-                <a16:creationId xmlns:a16="http://schemas.microsoft.com/office/drawing/2014/main" id="{3543DFA2-009D-E747-A828-897F73B71199}"/>
-              </a:ext>
-            </a:extLst>
-          </p:cNvPr>
-          <p:cNvSpPr/>
-          <p:nvPr/>
-        </p:nvSpPr>
-        <p:spPr>
-          <a:xfrm>
-            <a:off x="2323640" y="5400372"/>
-            <a:ext cx="1530831" cy="745936"/>
-          </a:xfrm>
-          <a:prstGeom prst="rect">
-            <a:avLst/>
-          </a:prstGeom>
-          <a:solidFill>
-            <a:schemeClr val="bg1">
-              <a:lumMod val="95000"/>
-            </a:schemeClr>
-          </a:solidFill>
-          <a:ln w="28575">
-            <a:noFill/>
-          </a:ln>
-        </p:spPr>
-        <p:style>
-          <a:lnRef idx="2">
-            <a:schemeClr val="accent1">
-              <a:shade val="50000"/>
-            </a:schemeClr>
-          </a:lnRef>
-          <a:fillRef idx="1">
-            <a:schemeClr val="accent1"/>
-          </a:fillRef>
-          <a:effectRef idx="0">
-            <a:schemeClr val="accent1"/>
-          </a:effectRef>
-          <a:fontRef idx="minor">
-            <a:schemeClr val="lt1"/>
-          </a:fontRef>
-        </p:style>
-        <p:txBody>
-          <a:bodyPr rtlCol="0" anchor="ctr"/>
-          <a:lstStyle/>
-          <a:p>
-            <a:pPr algn="ctr"/>
-            <a:r>
-              <a:rPr lang="en-US" sz="2400" dirty="0">
-                <a:solidFill>
-                  <a:schemeClr val="tx1"/>
-                </a:solidFill>
-                <a:latin typeface="Arial" panose="020B0604020202020204" pitchFamily="34" charset="0"/>
-                <a:cs typeface="Arial" panose="020B0604020202020204" pitchFamily="34" charset="0"/>
-              </a:rPr>
-              <a:t>Personal</a:t>
-            </a:r>
-          </a:p>
-        </p:txBody>
-      </p:sp>
-      <p:sp>
-        <p:nvSpPr>
-          <p:cNvPr id="60" name="TextBox 59">
-            <a:extLst>
-              <a:ext uri="{FF2B5EF4-FFF2-40B4-BE49-F238E27FC236}">
-                <a16:creationId xmlns:a16="http://schemas.microsoft.com/office/drawing/2014/main" id="{A378F9AF-A43A-F34B-B6D2-9F030B6B1064}"/>
-              </a:ext>
-            </a:extLst>
-          </p:cNvPr>
-          <p:cNvSpPr txBox="1"/>
-          <p:nvPr/>
-        </p:nvSpPr>
-        <p:spPr>
-          <a:xfrm>
-            <a:off x="7182800" y="2531363"/>
-            <a:ext cx="3458832" cy="369332"/>
-          </a:xfrm>
-          <a:prstGeom prst="rect">
-            <a:avLst/>
-          </a:prstGeom>
-          <a:noFill/>
-        </p:spPr>
-        <p:txBody>
-          <a:bodyPr wrap="none" lIns="0" tIns="0" rIns="0" bIns="0" rtlCol="0">
-            <a:spAutoFit/>
-          </a:bodyPr>
-          <a:lstStyle/>
-          <a:p>
-            <a:pPr algn="l"/>
-            <a:r>
-              <a:rPr lang="en-US" sz="2400" dirty="0">
-                <a:latin typeface="Arial" panose="020B0604020202020204" pitchFamily="34" charset="0"/>
-                <a:cs typeface="Arial" panose="020B0604020202020204" pitchFamily="34" charset="0"/>
-              </a:rPr>
-              <a:t>Table (latex) of groupings</a:t>
-            </a:r>
-          </a:p>
-        </p:txBody>
-      </p:sp>
+              </a:endParaRPr>
+            </a:p>
+          </p:txBody>
+        </p:sp>
+      </p:grpSp>
     </p:spTree>
     <p:extLst>
       <p:ext uri="{BB962C8B-B14F-4D97-AF65-F5344CB8AC3E}">
@@ -9738,7 +10383,7 @@
         <p:spPr>
           <a:xfrm>
             <a:off x="866202" y="2060848"/>
-            <a:ext cx="10459595" cy="369332"/>
+            <a:ext cx="10459595" cy="1107996"/>
           </a:xfrm>
           <a:prstGeom prst="rect">
             <a:avLst/>
@@ -9760,12 +10405,134 @@
               <a:t>plot of distribution &gt; 95% percentile/research shows &gt; plot of new distribution</a:t>
             </a:r>
           </a:p>
-        </p:txBody>
-      </p:sp>
+          <a:p>
+            <a:r>
+              <a:rPr lang="en-US" sz="2400" dirty="0">
+                <a:latin typeface="Arial" panose="020B0604020202020204" pitchFamily="34" charset="0"/>
+                <a:cs typeface="Arial" panose="020B0604020202020204" pitchFamily="34" charset="0"/>
+              </a:rPr>
+              <a:t>Price by state &gt;&gt; take it out of our linear model as level</a:t>
+            </a:r>
+          </a:p>
+          <a:p>
+            <a:pPr algn="l"/>
+            <a:endParaRPr lang="en-US" sz="2400" dirty="0">
+              <a:latin typeface="Arial" panose="020B0604020202020204" pitchFamily="34" charset="0"/>
+              <a:cs typeface="Arial" panose="020B0604020202020204" pitchFamily="34" charset="0"/>
+            </a:endParaRPr>
+          </a:p>
+        </p:txBody>
+      </p:sp>
+      <p:grpSp>
+        <p:nvGrpSpPr>
+          <p:cNvPr id="10" name="Group 9">
+            <a:extLst>
+              <a:ext uri="{FF2B5EF4-FFF2-40B4-BE49-F238E27FC236}">
+                <a16:creationId xmlns:a16="http://schemas.microsoft.com/office/drawing/2014/main" id="{BC9204CB-BCDF-8A4D-9BD7-88BF6679AF8E}"/>
+              </a:ext>
+            </a:extLst>
+          </p:cNvPr>
+          <p:cNvGrpSpPr/>
+          <p:nvPr/>
+        </p:nvGrpSpPr>
+        <p:grpSpPr>
+          <a:xfrm>
+            <a:off x="6521862" y="1147906"/>
+            <a:ext cx="5209425" cy="373028"/>
+            <a:chOff x="460713" y="1147906"/>
+            <a:chExt cx="5209425" cy="373028"/>
+          </a:xfrm>
+        </p:grpSpPr>
+        <p:sp>
+          <p:nvSpPr>
+            <p:cNvPr id="12" name="TextBox 11">
+              <a:extLst>
+                <a:ext uri="{FF2B5EF4-FFF2-40B4-BE49-F238E27FC236}">
+                  <a16:creationId xmlns:a16="http://schemas.microsoft.com/office/drawing/2014/main" id="{AAF98EEF-625C-4345-ABB9-94AE66C05037}"/>
+                </a:ext>
+              </a:extLst>
+            </p:cNvPr>
+            <p:cNvSpPr txBox="1"/>
+            <p:nvPr/>
+          </p:nvSpPr>
+          <p:spPr>
+            <a:xfrm>
+              <a:off x="460713" y="1147906"/>
+              <a:ext cx="3432030" cy="369332"/>
+            </a:xfrm>
+            <a:prstGeom prst="rect">
+              <a:avLst/>
+            </a:prstGeom>
+            <a:noFill/>
+          </p:spPr>
+          <p:txBody>
+            <a:bodyPr wrap="none" lIns="0" tIns="0" rIns="0" bIns="0" rtlCol="0">
+              <a:spAutoFit/>
+            </a:bodyPr>
+            <a:lstStyle/>
+            <a:p>
+              <a:pPr algn="l"/>
+              <a:r>
+                <a:rPr lang="en-US" sz="2400" b="1" dirty="0">
+                  <a:solidFill>
+                    <a:srgbClr val="03529B"/>
+                  </a:solidFill>
+                  <a:latin typeface="Arial" panose="020B0604020202020204" pitchFamily="34" charset="0"/>
+                  <a:cs typeface="Arial" panose="020B0604020202020204" pitchFamily="34" charset="0"/>
+                </a:rPr>
+                <a:t>Distribution by location</a:t>
+              </a:r>
+            </a:p>
+          </p:txBody>
+        </p:sp>
+        <p:cxnSp>
+          <p:nvCxnSpPr>
+            <p:cNvPr id="14" name="Straight Connector 13">
+              <a:extLst>
+                <a:ext uri="{FF2B5EF4-FFF2-40B4-BE49-F238E27FC236}">
+                  <a16:creationId xmlns:a16="http://schemas.microsoft.com/office/drawing/2014/main" id="{A73765AD-5DA5-AC43-8423-223E2B371823}"/>
+                </a:ext>
+              </a:extLst>
+            </p:cNvPr>
+            <p:cNvCxnSpPr>
+              <a:cxnSpLocks/>
+            </p:cNvCxnSpPr>
+            <p:nvPr/>
+          </p:nvCxnSpPr>
+          <p:spPr>
+            <a:xfrm>
+              <a:off x="460713" y="1520934"/>
+              <a:ext cx="5209425" cy="0"/>
+            </a:xfrm>
+            <a:prstGeom prst="line">
+              <a:avLst/>
+            </a:prstGeom>
+            <a:ln w="28575">
+              <a:solidFill>
+                <a:srgbClr val="03529B"/>
+              </a:solidFill>
+            </a:ln>
+          </p:spPr>
+          <p:style>
+            <a:lnRef idx="1">
+              <a:schemeClr val="accent1"/>
+            </a:lnRef>
+            <a:fillRef idx="0">
+              <a:schemeClr val="accent1"/>
+            </a:fillRef>
+            <a:effectRef idx="0">
+              <a:schemeClr val="accent1"/>
+            </a:effectRef>
+            <a:fontRef idx="minor">
+              <a:schemeClr val="tx1"/>
+            </a:fontRef>
+          </p:style>
+        </p:cxnSp>
+      </p:grpSp>
     </p:spTree>
     <p:extLst>
       <p:ext uri="{BB962C8B-B14F-4D97-AF65-F5344CB8AC3E}">
-        <p14:creationId xmlns:p14="http://schemas.microsoft.com/office/powerpoint/2010/main" val="1368182242"/>
+        <p14:creationId xmlns:p14="http://schemas.microsoft.com/office/powerpoint/2010/main" val="1851279141"/>
       </p:ext>
     </p:extLst>
   </p:cSld>
@@ -9792,6 +10559,60 @@
           <a:chExt cx="0" cy="0"/>
         </a:xfrm>
       </p:grpSpPr>
+      <p:sp>
+        <p:nvSpPr>
+          <p:cNvPr id="28" name="Rectangle 27">
+            <a:extLst>
+              <a:ext uri="{FF2B5EF4-FFF2-40B4-BE49-F238E27FC236}">
+                <a16:creationId xmlns:a16="http://schemas.microsoft.com/office/drawing/2014/main" id="{9658C7B8-6C25-EE4A-8035-5DBC3F295AE9}"/>
+              </a:ext>
+            </a:extLst>
+          </p:cNvPr>
+          <p:cNvSpPr/>
+          <p:nvPr/>
+        </p:nvSpPr>
+        <p:spPr>
+          <a:xfrm>
+            <a:off x="263352" y="5898557"/>
+            <a:ext cx="1584176" cy="770912"/>
+          </a:xfrm>
+          <a:prstGeom prst="rect">
+            <a:avLst/>
+          </a:prstGeom>
+          <a:solidFill>
+            <a:schemeClr val="bg1"/>
+          </a:solidFill>
+          <a:ln>
+            <a:solidFill>
+              <a:schemeClr val="bg1"/>
+            </a:solidFill>
+          </a:ln>
+        </p:spPr>
+        <p:style>
+          <a:lnRef idx="2">
+            <a:schemeClr val="accent1">
+              <a:shade val="50000"/>
+            </a:schemeClr>
+          </a:lnRef>
+          <a:fillRef idx="1">
+            <a:schemeClr val="accent1"/>
+          </a:fillRef>
+          <a:effectRef idx="0">
+            <a:schemeClr val="accent1"/>
+          </a:effectRef>
+          <a:fontRef idx="minor">
+            <a:schemeClr val="lt1"/>
+          </a:fontRef>
+        </p:style>
+        <p:txBody>
+          <a:bodyPr rtlCol="0" anchor="ctr"/>
+          <a:lstStyle/>
+          <a:p>
+            <a:pPr algn="ctr"/>
+            <a:endParaRPr lang="en-US"/>
+          </a:p>
+        </p:txBody>
+      </p:sp>
       <p:sp>
         <p:nvSpPr>
           <p:cNvPr id="2" name="Slide Number Placeholder 1">
@@ -9916,8 +10737,8 @@
         </p:nvSpPr>
         <p:spPr>
           <a:xfrm>
-            <a:off x="466076" y="1407244"/>
-            <a:ext cx="2371181" cy="1052235"/>
+            <a:off x="466075" y="1407245"/>
+            <a:ext cx="3325667" cy="797622"/>
           </a:xfrm>
           <a:prstGeom prst="rect">
             <a:avLst/>
@@ -9975,7 +10796,7 @@
                 <a:latin typeface="Arial" panose="020B0604020202020204" pitchFamily="34" charset="0"/>
                 <a:cs typeface="Arial" panose="020B0604020202020204" pitchFamily="34" charset="0"/>
               </a:rPr>
-              <a:t>No predictors</a:t>
+              <a:t>Empty model</a:t>
             </a:r>
           </a:p>
         </p:txBody>
@@ -9994,8 +10815,8 @@
         </p:nvSpPr>
         <p:spPr>
           <a:xfrm>
-            <a:off x="9345198" y="1407243"/>
-            <a:ext cx="2371181" cy="1052235"/>
+            <a:off x="8400260" y="1407242"/>
+            <a:ext cx="3325667" cy="797622"/>
           </a:xfrm>
           <a:prstGeom prst="rect">
             <a:avLst/>
@@ -10053,7 +10874,7 @@
                 <a:latin typeface="Arial" panose="020B0604020202020204" pitchFamily="34" charset="0"/>
                 <a:cs typeface="Arial" panose="020B0604020202020204" pitchFamily="34" charset="0"/>
               </a:rPr>
-              <a:t>All predictors</a:t>
+              <a:t>All non-location predictors</a:t>
             </a:r>
           </a:p>
         </p:txBody>
@@ -10068,6 +10889,7 @@
             </a:extLst>
           </p:cNvPr>
           <p:cNvCxnSpPr>
+            <a:cxnSpLocks/>
             <a:stCxn id="8" idx="3"/>
             <a:endCxn id="10" idx="1"/>
           </p:cNvCxnSpPr>
@@ -10075,8 +10897,8 @@
         </p:nvCxnSpPr>
         <p:spPr>
           <a:xfrm flipV="1">
-            <a:off x="2837257" y="1933361"/>
-            <a:ext cx="6507941" cy="1"/>
+            <a:off x="3791742" y="1806053"/>
+            <a:ext cx="4608518" cy="3"/>
           </a:xfrm>
           <a:prstGeom prst="straightConnector1">
             <a:avLst/>
@@ -10117,10 +10939,10 @@
         </p:nvGrpSpPr>
         <p:grpSpPr>
           <a:xfrm>
-            <a:off x="5030380" y="1933359"/>
-            <a:ext cx="2121695" cy="1490953"/>
-            <a:chOff x="4655840" y="1660460"/>
-            <a:chExt cx="2121695" cy="1781556"/>
+            <a:off x="4807107" y="1806053"/>
+            <a:ext cx="2577788" cy="1261052"/>
+            <a:chOff x="4655840" y="1952635"/>
+            <a:chExt cx="2121695" cy="1314087"/>
           </a:xfrm>
         </p:grpSpPr>
         <p:sp>
@@ -10137,8 +10959,8 @@
           </p:nvSpPr>
           <p:spPr>
             <a:xfrm>
-              <a:off x="4655840" y="2315941"/>
-              <a:ext cx="2121695" cy="1126075"/>
+              <a:off x="4655840" y="2140648"/>
+              <a:ext cx="2121695" cy="1126074"/>
             </a:xfrm>
             <a:prstGeom prst="rect">
               <a:avLst/>
@@ -10232,17 +11054,17 @@
           </p:nvCxnSpPr>
           <p:spPr>
             <a:xfrm>
-              <a:off x="5716688" y="1660460"/>
-              <a:ext cx="0" cy="655481"/>
+              <a:off x="5716687" y="1952635"/>
+              <a:ext cx="1" cy="188013"/>
             </a:xfrm>
             <a:prstGeom prst="line">
               <a:avLst/>
             </a:prstGeom>
-            <a:ln w="38100">
+            <a:ln w="25400">
               <a:solidFill>
                 <a:schemeClr val="tx1"/>
               </a:solidFill>
-              <a:prstDash val="dash"/>
+              <a:prstDash val="sysDash"/>
             </a:ln>
           </p:spPr>
           <p:style>
@@ -10261,6 +11083,617 @@
           </p:style>
         </p:cxnSp>
       </p:grpSp>
+      <p:grpSp>
+        <p:nvGrpSpPr>
+          <p:cNvPr id="20" name="Group 19">
+            <a:extLst>
+              <a:ext uri="{FF2B5EF4-FFF2-40B4-BE49-F238E27FC236}">
+                <a16:creationId xmlns:a16="http://schemas.microsoft.com/office/drawing/2014/main" id="{10270852-97DB-B540-A601-1059B6887B9D}"/>
+              </a:ext>
+            </a:extLst>
+          </p:cNvPr>
+          <p:cNvGrpSpPr/>
+          <p:nvPr/>
+        </p:nvGrpSpPr>
+        <p:grpSpPr>
+          <a:xfrm>
+            <a:off x="460712" y="3724615"/>
+            <a:ext cx="5209425" cy="373028"/>
+            <a:chOff x="460713" y="1147906"/>
+            <a:chExt cx="5209425" cy="373028"/>
+          </a:xfrm>
+        </p:grpSpPr>
+        <p:sp>
+          <p:nvSpPr>
+            <p:cNvPr id="21" name="TextBox 20">
+              <a:extLst>
+                <a:ext uri="{FF2B5EF4-FFF2-40B4-BE49-F238E27FC236}">
+                  <a16:creationId xmlns:a16="http://schemas.microsoft.com/office/drawing/2014/main" id="{389E6C8D-5D13-3644-861D-BE4B64B1D657}"/>
+                </a:ext>
+              </a:extLst>
+            </p:cNvPr>
+            <p:cNvSpPr txBox="1"/>
+            <p:nvPr/>
+          </p:nvSpPr>
+          <p:spPr>
+            <a:xfrm>
+              <a:off x="460713" y="1147906"/>
+              <a:ext cx="2899448" cy="369332"/>
+            </a:xfrm>
+            <a:prstGeom prst="rect">
+              <a:avLst/>
+            </a:prstGeom>
+            <a:noFill/>
+          </p:spPr>
+          <p:txBody>
+            <a:bodyPr wrap="none" lIns="0" tIns="0" rIns="0" bIns="0" rtlCol="0">
+              <a:spAutoFit/>
+            </a:bodyPr>
+            <a:lstStyle/>
+            <a:p>
+              <a:pPr algn="l"/>
+              <a:r>
+                <a:rPr lang="en-US" sz="2400" b="1" dirty="0">
+                  <a:solidFill>
+                    <a:srgbClr val="03529B"/>
+                  </a:solidFill>
+                  <a:latin typeface="Arial" panose="020B0604020202020204" pitchFamily="34" charset="0"/>
+                  <a:cs typeface="Arial" panose="020B0604020202020204" pitchFamily="34" charset="0"/>
+                </a:rPr>
+                <a:t>Testing interactions</a:t>
+              </a:r>
+            </a:p>
+          </p:txBody>
+        </p:sp>
+        <p:cxnSp>
+          <p:nvCxnSpPr>
+            <p:cNvPr id="22" name="Straight Connector 21">
+              <a:extLst>
+                <a:ext uri="{FF2B5EF4-FFF2-40B4-BE49-F238E27FC236}">
+                  <a16:creationId xmlns:a16="http://schemas.microsoft.com/office/drawing/2014/main" id="{AB5600B3-1F7C-1C49-A89C-193996CDCB13}"/>
+                </a:ext>
+              </a:extLst>
+            </p:cNvPr>
+            <p:cNvCxnSpPr>
+              <a:cxnSpLocks/>
+            </p:cNvCxnSpPr>
+            <p:nvPr/>
+          </p:nvCxnSpPr>
+          <p:spPr>
+            <a:xfrm>
+              <a:off x="460713" y="1520934"/>
+              <a:ext cx="5209425" cy="0"/>
+            </a:xfrm>
+            <a:prstGeom prst="line">
+              <a:avLst/>
+            </a:prstGeom>
+            <a:ln w="28575">
+              <a:solidFill>
+                <a:srgbClr val="03529B"/>
+              </a:solidFill>
+            </a:ln>
+          </p:spPr>
+          <p:style>
+            <a:lnRef idx="1">
+              <a:schemeClr val="accent1"/>
+            </a:lnRef>
+            <a:fillRef idx="0">
+              <a:schemeClr val="accent1"/>
+            </a:fillRef>
+            <a:effectRef idx="0">
+              <a:schemeClr val="accent1"/>
+            </a:effectRef>
+            <a:fontRef idx="minor">
+              <a:schemeClr val="tx1"/>
+            </a:fontRef>
+          </p:style>
+        </p:cxnSp>
+      </p:grpSp>
+      <p:grpSp>
+        <p:nvGrpSpPr>
+          <p:cNvPr id="23" name="Group 22">
+            <a:extLst>
+              <a:ext uri="{FF2B5EF4-FFF2-40B4-BE49-F238E27FC236}">
+                <a16:creationId xmlns:a16="http://schemas.microsoft.com/office/drawing/2014/main" id="{00FDA667-9245-BB48-B15D-22CE9202AA7D}"/>
+              </a:ext>
+            </a:extLst>
+          </p:cNvPr>
+          <p:cNvGrpSpPr/>
+          <p:nvPr/>
+        </p:nvGrpSpPr>
+        <p:grpSpPr>
+          <a:xfrm>
+            <a:off x="460712" y="5157192"/>
+            <a:ext cx="5209425" cy="373028"/>
+            <a:chOff x="460713" y="1147906"/>
+            <a:chExt cx="5209425" cy="373028"/>
+          </a:xfrm>
+        </p:grpSpPr>
+        <p:sp>
+          <p:nvSpPr>
+            <p:cNvPr id="24" name="TextBox 23">
+              <a:extLst>
+                <a:ext uri="{FF2B5EF4-FFF2-40B4-BE49-F238E27FC236}">
+                  <a16:creationId xmlns:a16="http://schemas.microsoft.com/office/drawing/2014/main" id="{51549FEE-D0BE-F94F-92F4-0EAB74E2CE5B}"/>
+                </a:ext>
+              </a:extLst>
+            </p:cNvPr>
+            <p:cNvSpPr txBox="1"/>
+            <p:nvPr/>
+          </p:nvSpPr>
+          <p:spPr>
+            <a:xfrm>
+              <a:off x="460713" y="1147906"/>
+              <a:ext cx="1707199" cy="369332"/>
+            </a:xfrm>
+            <a:prstGeom prst="rect">
+              <a:avLst/>
+            </a:prstGeom>
+            <a:noFill/>
+          </p:spPr>
+          <p:txBody>
+            <a:bodyPr wrap="none" lIns="0" tIns="0" rIns="0" bIns="0" rtlCol="0">
+              <a:spAutoFit/>
+            </a:bodyPr>
+            <a:lstStyle/>
+            <a:p>
+              <a:pPr algn="l"/>
+              <a:r>
+                <a:rPr lang="en-US" sz="2400" b="1" dirty="0">
+                  <a:solidFill>
+                    <a:srgbClr val="03529B"/>
+                  </a:solidFill>
+                  <a:latin typeface="Arial" panose="020B0604020202020204" pitchFamily="34" charset="0"/>
+                  <a:cs typeface="Arial" panose="020B0604020202020204" pitchFamily="34" charset="0"/>
+                </a:rPr>
+                <a:t>Final model</a:t>
+              </a:r>
+            </a:p>
+          </p:txBody>
+        </p:sp>
+        <p:cxnSp>
+          <p:nvCxnSpPr>
+            <p:cNvPr id="25" name="Straight Connector 24">
+              <a:extLst>
+                <a:ext uri="{FF2B5EF4-FFF2-40B4-BE49-F238E27FC236}">
+                  <a16:creationId xmlns:a16="http://schemas.microsoft.com/office/drawing/2014/main" id="{6B2BF988-7CE6-704A-BA2E-335CB680282A}"/>
+                </a:ext>
+              </a:extLst>
+            </p:cNvPr>
+            <p:cNvCxnSpPr>
+              <a:cxnSpLocks/>
+            </p:cNvCxnSpPr>
+            <p:nvPr/>
+          </p:nvCxnSpPr>
+          <p:spPr>
+            <a:xfrm>
+              <a:off x="460713" y="1520934"/>
+              <a:ext cx="5209425" cy="0"/>
+            </a:xfrm>
+            <a:prstGeom prst="line">
+              <a:avLst/>
+            </a:prstGeom>
+            <a:ln w="28575">
+              <a:solidFill>
+                <a:srgbClr val="03529B"/>
+              </a:solidFill>
+            </a:ln>
+          </p:spPr>
+          <p:style>
+            <a:lnRef idx="1">
+              <a:schemeClr val="accent1"/>
+            </a:lnRef>
+            <a:fillRef idx="0">
+              <a:schemeClr val="accent1"/>
+            </a:fillRef>
+            <a:effectRef idx="0">
+              <a:schemeClr val="accent1"/>
+            </a:effectRef>
+            <a:fontRef idx="minor">
+              <a:schemeClr val="tx1"/>
+            </a:fontRef>
+          </p:style>
+        </p:cxnSp>
+      </p:grpSp>
+      <p:sp>
+        <p:nvSpPr>
+          <p:cNvPr id="26" name="TextBox 25">
+            <a:extLst>
+              <a:ext uri="{FF2B5EF4-FFF2-40B4-BE49-F238E27FC236}">
+                <a16:creationId xmlns:a16="http://schemas.microsoft.com/office/drawing/2014/main" id="{7189C89D-D6A3-6647-B2F3-B918A6566A3A}"/>
+              </a:ext>
+            </a:extLst>
+          </p:cNvPr>
+          <p:cNvSpPr txBox="1"/>
+          <p:nvPr/>
+        </p:nvSpPr>
+        <p:spPr>
+          <a:xfrm>
+            <a:off x="460711" y="4178985"/>
+            <a:ext cx="1112484" cy="369332"/>
+          </a:xfrm>
+          <a:prstGeom prst="rect">
+            <a:avLst/>
+          </a:prstGeom>
+          <a:noFill/>
+        </p:spPr>
+        <p:txBody>
+          <a:bodyPr wrap="none" lIns="0" tIns="0" rIns="0" bIns="0" rtlCol="0">
+            <a:spAutoFit/>
+          </a:bodyPr>
+          <a:lstStyle/>
+          <a:p>
+            <a:pPr algn="l"/>
+            <a:r>
+              <a:rPr lang="en-US" sz="2400" dirty="0">
+                <a:latin typeface="Arial" panose="020B0604020202020204" pitchFamily="34" charset="0"/>
+                <a:cs typeface="Arial" panose="020B0604020202020204" pitchFamily="34" charset="0"/>
+              </a:rPr>
+              <a:t>All trash</a:t>
+            </a:r>
+          </a:p>
+        </p:txBody>
+      </p:sp>
+      <mc:AlternateContent xmlns:mc="http://schemas.openxmlformats.org/markup-compatibility/2006">
+        <mc:Choice xmlns:a14="http://schemas.microsoft.com/office/drawing/2010/main" Requires="a14">
+          <p:sp>
+            <p:nvSpPr>
+              <p:cNvPr id="31" name="TextBox 30">
+                <a:extLst>
+                  <a:ext uri="{FF2B5EF4-FFF2-40B4-BE49-F238E27FC236}">
+                    <a16:creationId xmlns:a16="http://schemas.microsoft.com/office/drawing/2014/main" id="{18F5FEE7-D8E0-8E41-BA09-4D6EEC61DBEE}"/>
+                  </a:ext>
+                </a:extLst>
+              </p:cNvPr>
+              <p:cNvSpPr txBox="1"/>
+              <p:nvPr/>
+            </p:nvSpPr>
+            <p:spPr>
+              <a:xfrm>
+                <a:off x="1573196" y="5645366"/>
+                <a:ext cx="2290755" cy="388889"/>
+              </a:xfrm>
+              <a:prstGeom prst="rect">
+                <a:avLst/>
+              </a:prstGeom>
+              <a:noFill/>
+            </p:spPr>
+            <p:txBody>
+              <a:bodyPr wrap="none" lIns="0" tIns="0" rIns="0" bIns="0" rtlCol="0">
+                <a:spAutoFit/>
+              </a:bodyPr>
+              <a:lstStyle/>
+              <a:p>
+                <a14:m>
+                  <m:oMathPara xmlns:m="http://schemas.openxmlformats.org/officeDocument/2006/math">
+                    <m:oMathParaPr>
+                      <m:jc m:val="centerGroup"/>
+                    </m:oMathParaPr>
+                    <m:oMath xmlns:m="http://schemas.openxmlformats.org/officeDocument/2006/math">
+                      <m:acc>
+                        <m:accPr>
+                          <m:chr m:val="̂"/>
+                          <m:ctrlPr>
+                            <a:rPr lang="en-CA" sz="2400" b="0" i="1" smtClean="0">
+                              <a:latin typeface="Cambria Math" panose="02040503050406030204" pitchFamily="18" charset="0"/>
+                              <a:cs typeface="Arial" panose="020B0604020202020204" pitchFamily="34" charset="0"/>
+                            </a:rPr>
+                          </m:ctrlPr>
+                        </m:accPr>
+                        <m:e>
+                          <m:r>
+                            <a:rPr lang="en-CA" sz="2400" b="0" i="1" smtClean="0">
+                              <a:latin typeface="Cambria Math" panose="02040503050406030204" pitchFamily="18" charset="0"/>
+                              <a:cs typeface="Arial" panose="020B0604020202020204" pitchFamily="34" charset="0"/>
+                            </a:rPr>
+                            <m:t>𝑝𝑝𝑚</m:t>
+                          </m:r>
+                        </m:e>
+                      </m:acc>
+                      <m:r>
+                        <a:rPr lang="en-CA" sz="2400" b="0" i="1" smtClean="0">
+                          <a:latin typeface="Cambria Math" panose="02040503050406030204" pitchFamily="18" charset="0"/>
+                          <a:cs typeface="Arial" panose="020B0604020202020204" pitchFamily="34" charset="0"/>
+                        </a:rPr>
+                        <m:t>= </m:t>
+                      </m:r>
+                      <m:acc>
+                        <m:accPr>
+                          <m:chr m:val="̂"/>
+                          <m:ctrlPr>
+                            <a:rPr lang="de-DE" sz="2400" i="1">
+                              <a:latin typeface="Cambria Math" panose="02040503050406030204" pitchFamily="18" charset="0"/>
+                              <a:cs typeface="Arial" panose="020B0604020202020204" pitchFamily="34" charset="0"/>
+                            </a:rPr>
+                          </m:ctrlPr>
+                        </m:accPr>
+                        <m:e>
+                          <m:sSub>
+                            <m:sSubPr>
+                              <m:ctrlPr>
+                                <a:rPr lang="de-DE" sz="2400" i="1">
+                                  <a:latin typeface="Cambria Math" panose="02040503050406030204" pitchFamily="18" charset="0"/>
+                                  <a:cs typeface="Arial" panose="020B0604020202020204" pitchFamily="34" charset="0"/>
+                                </a:rPr>
+                              </m:ctrlPr>
+                            </m:sSubPr>
+                            <m:e>
+                              <m:r>
+                                <a:rPr lang="de-DE" sz="2400" i="1">
+                                  <a:latin typeface="Cambria Math" panose="02040503050406030204" pitchFamily="18" charset="0"/>
+                                  <a:cs typeface="Arial" panose="020B0604020202020204" pitchFamily="34" charset="0"/>
+                                </a:rPr>
+                                <m:t>𝛽</m:t>
+                              </m:r>
+                            </m:e>
+                            <m:sub>
+                              <m:r>
+                                <a:rPr lang="de-DE" sz="2400" i="1">
+                                  <a:latin typeface="Cambria Math" panose="02040503050406030204" pitchFamily="18" charset="0"/>
+                                  <a:cs typeface="Arial" panose="020B0604020202020204" pitchFamily="34" charset="0"/>
+                                </a:rPr>
+                                <m:t>0</m:t>
+                              </m:r>
+                            </m:sub>
+                          </m:sSub>
+                        </m:e>
+                      </m:acc>
+                      <m:r>
+                        <a:rPr lang="de-DE" sz="2400" i="1">
+                          <a:latin typeface="Cambria Math" panose="02040503050406030204" pitchFamily="18" charset="0"/>
+                          <a:cs typeface="Arial" panose="020B0604020202020204" pitchFamily="34" charset="0"/>
+                        </a:rPr>
+                        <m:t>+</m:t>
+                      </m:r>
+                      <m:acc>
+                        <m:accPr>
+                          <m:chr m:val="̂"/>
+                          <m:ctrlPr>
+                            <a:rPr lang="de-DE" sz="2400" i="1">
+                              <a:latin typeface="Cambria Math" panose="02040503050406030204" pitchFamily="18" charset="0"/>
+                              <a:cs typeface="Arial" panose="020B0604020202020204" pitchFamily="34" charset="0"/>
+                            </a:rPr>
+                          </m:ctrlPr>
+                        </m:accPr>
+                        <m:e>
+                          <m:sSub>
+                            <m:sSubPr>
+                              <m:ctrlPr>
+                                <a:rPr lang="de-DE" sz="2400" i="1">
+                                  <a:latin typeface="Cambria Math" panose="02040503050406030204" pitchFamily="18" charset="0"/>
+                                  <a:cs typeface="Arial" panose="020B0604020202020204" pitchFamily="34" charset="0"/>
+                                </a:rPr>
+                              </m:ctrlPr>
+                            </m:sSubPr>
+                            <m:e>
+                              <m:r>
+                                <a:rPr lang="de-DE" sz="2400" i="1">
+                                  <a:latin typeface="Cambria Math" panose="02040503050406030204" pitchFamily="18" charset="0"/>
+                                  <a:cs typeface="Arial" panose="020B0604020202020204" pitchFamily="34" charset="0"/>
+                                </a:rPr>
+                                <m:t>𝛽</m:t>
+                              </m:r>
+                            </m:e>
+                            <m:sub>
+                              <m:r>
+                                <a:rPr lang="de-DE" sz="2400" i="1">
+                                  <a:latin typeface="Cambria Math" panose="02040503050406030204" pitchFamily="18" charset="0"/>
+                                  <a:cs typeface="Arial" panose="020B0604020202020204" pitchFamily="34" charset="0"/>
+                                </a:rPr>
+                                <m:t>1</m:t>
+                              </m:r>
+                            </m:sub>
+                          </m:sSub>
+                        </m:e>
+                      </m:acc>
+                      <m:r>
+                        <a:rPr lang="de-DE" sz="2400" i="1">
+                          <a:latin typeface="Cambria Math" panose="02040503050406030204" pitchFamily="18" charset="0"/>
+                          <a:cs typeface="Arial" panose="020B0604020202020204" pitchFamily="34" charset="0"/>
+                        </a:rPr>
+                        <m:t>⋅</m:t>
+                      </m:r>
+                    </m:oMath>
+                  </m:oMathPara>
+                </a14:m>
+                <a:endParaRPr lang="en-US" sz="2400" dirty="0">
+                  <a:latin typeface="Arial" panose="020B0604020202020204" pitchFamily="34" charset="0"/>
+                  <a:cs typeface="Arial" panose="020B0604020202020204" pitchFamily="34" charset="0"/>
+                </a:endParaRPr>
+              </a:p>
+            </p:txBody>
+          </p:sp>
+        </mc:Choice>
+        <mc:Fallback>
+          <p:sp>
+            <p:nvSpPr>
+              <p:cNvPr id="31" name="TextBox 30">
+                <a:extLst>
+                  <a:ext uri="{FF2B5EF4-FFF2-40B4-BE49-F238E27FC236}">
+                    <a16:creationId xmlns:a16="http://schemas.microsoft.com/office/drawing/2014/main" id="{18F5FEE7-D8E0-8E41-BA09-4D6EEC61DBEE}"/>
+                  </a:ext>
+                </a:extLst>
+              </p:cNvPr>
+              <p:cNvSpPr txBox="1">
+                <a:spLocks noRot="1" noChangeAspect="1" noMove="1" noResize="1" noEditPoints="1" noAdjustHandles="1" noChangeArrowheads="1" noChangeShapeType="1" noTextEdit="1"/>
+              </p:cNvSpPr>
+              <p:nvPr/>
+            </p:nvSpPr>
+            <p:spPr>
+              <a:xfrm>
+                <a:off x="1573196" y="5645366"/>
+                <a:ext cx="2290755" cy="388889"/>
+              </a:xfrm>
+              <a:prstGeom prst="rect">
+                <a:avLst/>
+              </a:prstGeom>
+              <a:blipFill>
+                <a:blip r:embed="rId3"/>
+                <a:stretch>
+                  <a:fillRect l="-2198" t="-21875" b="-37500"/>
+                </a:stretch>
+              </a:blipFill>
+            </p:spPr>
+            <p:txBody>
+              <a:bodyPr/>
+              <a:lstStyle/>
+              <a:p>
+                <a:r>
+                  <a:rPr lang="en-US">
+                    <a:noFill/>
+                  </a:rPr>
+                  <a:t> </a:t>
+                </a:r>
+              </a:p>
+            </p:txBody>
+          </p:sp>
+        </mc:Fallback>
+      </mc:AlternateContent>
+      <p:grpSp>
+        <p:nvGrpSpPr>
+          <p:cNvPr id="36" name="Group 35">
+            <a:extLst>
+              <a:ext uri="{FF2B5EF4-FFF2-40B4-BE49-F238E27FC236}">
+                <a16:creationId xmlns:a16="http://schemas.microsoft.com/office/drawing/2014/main" id="{A60885A5-0AEC-B246-97B1-DB4F6ECC4E1C}"/>
+              </a:ext>
+            </a:extLst>
+          </p:cNvPr>
+          <p:cNvGrpSpPr/>
+          <p:nvPr/>
+        </p:nvGrpSpPr>
+        <p:grpSpPr>
+          <a:xfrm>
+            <a:off x="6516502" y="3720919"/>
+            <a:ext cx="5209425" cy="373028"/>
+            <a:chOff x="460713" y="1147906"/>
+            <a:chExt cx="5209425" cy="373028"/>
+          </a:xfrm>
+        </p:grpSpPr>
+        <p:sp>
+          <p:nvSpPr>
+            <p:cNvPr id="37" name="TextBox 36">
+              <a:extLst>
+                <a:ext uri="{FF2B5EF4-FFF2-40B4-BE49-F238E27FC236}">
+                  <a16:creationId xmlns:a16="http://schemas.microsoft.com/office/drawing/2014/main" id="{E5A5B9E9-170F-1A4B-9EC8-86A671367F54}"/>
+                </a:ext>
+              </a:extLst>
+            </p:cNvPr>
+            <p:cNvSpPr txBox="1"/>
+            <p:nvPr/>
+          </p:nvSpPr>
+          <p:spPr>
+            <a:xfrm>
+              <a:off x="460713" y="1147906"/>
+              <a:ext cx="2777812" cy="369332"/>
+            </a:xfrm>
+            <a:prstGeom prst="rect">
+              <a:avLst/>
+            </a:prstGeom>
+            <a:noFill/>
+          </p:spPr>
+          <p:txBody>
+            <a:bodyPr wrap="none" lIns="0" tIns="0" rIns="0" bIns="0" rtlCol="0">
+              <a:spAutoFit/>
+            </a:bodyPr>
+            <a:lstStyle/>
+            <a:p>
+              <a:pPr algn="l"/>
+              <a:r>
+                <a:rPr lang="en-US" sz="2400" b="1" dirty="0">
+                  <a:solidFill>
+                    <a:srgbClr val="03529B"/>
+                  </a:solidFill>
+                  <a:latin typeface="Arial" panose="020B0604020202020204" pitchFamily="34" charset="0"/>
+                  <a:cs typeface="Arial" panose="020B0604020202020204" pitchFamily="34" charset="0"/>
+                </a:rPr>
+                <a:t>Model Assessment</a:t>
+              </a:r>
+            </a:p>
+          </p:txBody>
+        </p:sp>
+        <p:cxnSp>
+          <p:nvCxnSpPr>
+            <p:cNvPr id="38" name="Straight Connector 37">
+              <a:extLst>
+                <a:ext uri="{FF2B5EF4-FFF2-40B4-BE49-F238E27FC236}">
+                  <a16:creationId xmlns:a16="http://schemas.microsoft.com/office/drawing/2014/main" id="{E8DB7165-E5FE-E947-A2A5-7D0AD22A7E47}"/>
+                </a:ext>
+              </a:extLst>
+            </p:cNvPr>
+            <p:cNvCxnSpPr>
+              <a:cxnSpLocks/>
+            </p:cNvCxnSpPr>
+            <p:nvPr/>
+          </p:nvCxnSpPr>
+          <p:spPr>
+            <a:xfrm>
+              <a:off x="460713" y="1520934"/>
+              <a:ext cx="5209425" cy="0"/>
+            </a:xfrm>
+            <a:prstGeom prst="line">
+              <a:avLst/>
+            </a:prstGeom>
+            <a:ln w="28575">
+              <a:solidFill>
+                <a:srgbClr val="03529B"/>
+              </a:solidFill>
+            </a:ln>
+          </p:spPr>
+          <p:style>
+            <a:lnRef idx="1">
+              <a:schemeClr val="accent1"/>
+            </a:lnRef>
+            <a:fillRef idx="0">
+              <a:schemeClr val="accent1"/>
+            </a:fillRef>
+            <a:effectRef idx="0">
+              <a:schemeClr val="accent1"/>
+            </a:effectRef>
+            <a:fontRef idx="minor">
+              <a:schemeClr val="tx1"/>
+            </a:fontRef>
+          </p:style>
+        </p:cxnSp>
+      </p:grpSp>
+      <p:sp>
+        <p:nvSpPr>
+          <p:cNvPr id="39" name="TextBox 38">
+            <a:extLst>
+              <a:ext uri="{FF2B5EF4-FFF2-40B4-BE49-F238E27FC236}">
+                <a16:creationId xmlns:a16="http://schemas.microsoft.com/office/drawing/2014/main" id="{700CCFE9-EE16-0849-B628-39394941128E}"/>
+              </a:ext>
+            </a:extLst>
+          </p:cNvPr>
+          <p:cNvSpPr txBox="1"/>
+          <p:nvPr/>
+        </p:nvSpPr>
+        <p:spPr>
+          <a:xfrm>
+            <a:off x="6516501" y="4175289"/>
+            <a:ext cx="700513" cy="369332"/>
+          </a:xfrm>
+          <a:prstGeom prst="rect">
+            <a:avLst/>
+          </a:prstGeom>
+          <a:noFill/>
+        </p:spPr>
+        <p:txBody>
+          <a:bodyPr wrap="none" lIns="0" tIns="0" rIns="0" bIns="0" rtlCol="0">
+            <a:spAutoFit/>
+          </a:bodyPr>
+          <a:lstStyle/>
+          <a:p>
+            <a:pPr algn="l"/>
+            <a:r>
+              <a:rPr lang="en-US" sz="2400" dirty="0">
+                <a:latin typeface="Arial" panose="020B0604020202020204" pitchFamily="34" charset="0"/>
+                <a:cs typeface="Arial" panose="020B0604020202020204" pitchFamily="34" charset="0"/>
+              </a:rPr>
+              <a:t>Ok…</a:t>
+            </a:r>
+          </a:p>
+        </p:txBody>
+      </p:sp>
     </p:spTree>
     <p:extLst>
       <p:ext uri="{BB962C8B-B14F-4D97-AF65-F5344CB8AC3E}">
@@ -10335,7 +11768,7 @@
         <p:spPr>
           <a:xfrm>
             <a:off x="460713" y="332656"/>
-            <a:ext cx="5257850" cy="553998"/>
+            <a:ext cx="5642570" cy="553998"/>
           </a:xfrm>
           <a:prstGeom prst="rect">
             <a:avLst/>
@@ -10353,7 +11786,7 @@
                 <a:latin typeface="Arial" panose="020B0604020202020204" pitchFamily="34" charset="0"/>
                 <a:cs typeface="Arial" panose="020B0604020202020204" pitchFamily="34" charset="0"/>
               </a:rPr>
-              <a:t>Hierarchal Model Fitting</a:t>
+              <a:t>Hierarchical Model Fitting</a:t>
             </a:r>
           </a:p>
         </p:txBody>
@@ -10416,9 +11849,9 @@
         <p:grpSpPr>
           <a:xfrm>
             <a:off x="460713" y="1147906"/>
-            <a:ext cx="5209425" cy="373028"/>
+            <a:ext cx="7017562" cy="373028"/>
             <a:chOff x="460713" y="1147906"/>
-            <a:chExt cx="5209425" cy="373028"/>
+            <a:chExt cx="7017562" cy="373028"/>
           </a:xfrm>
         </p:grpSpPr>
         <p:sp>
@@ -10436,7 +11869,7 @@
           <p:spPr>
             <a:xfrm>
               <a:off x="460713" y="1147906"/>
-              <a:ext cx="1126912" cy="369332"/>
+              <a:ext cx="7017562" cy="369332"/>
             </a:xfrm>
             <a:prstGeom prst="rect">
               <a:avLst/>
@@ -10458,7 +11891,313 @@
                   <a:latin typeface="Arial" panose="020B0604020202020204" pitchFamily="34" charset="0"/>
                   <a:cs typeface="Arial" panose="020B0604020202020204" pitchFamily="34" charset="0"/>
                 </a:rPr>
-                <a:t>Subtitle</a:t>
+                <a:t>Testing by state and region against just by state</a:t>
+              </a:r>
+            </a:p>
+          </p:txBody>
+        </p:sp>
+        <p:cxnSp>
+          <p:nvCxnSpPr>
+            <p:cNvPr id="11" name="Straight Connector 10">
+              <a:extLst>
+                <a:ext uri="{FF2B5EF4-FFF2-40B4-BE49-F238E27FC236}">
+                  <a16:creationId xmlns:a16="http://schemas.microsoft.com/office/drawing/2014/main" id="{F45F55A1-178F-204B-8122-0D25726930AE}"/>
+                </a:ext>
+              </a:extLst>
+            </p:cNvPr>
+            <p:cNvCxnSpPr>
+              <a:cxnSpLocks/>
+            </p:cNvCxnSpPr>
+            <p:nvPr/>
+          </p:nvCxnSpPr>
+          <p:spPr>
+            <a:xfrm>
+              <a:off x="460713" y="1520934"/>
+              <a:ext cx="7017562" cy="0"/>
+            </a:xfrm>
+            <a:prstGeom prst="line">
+              <a:avLst/>
+            </a:prstGeom>
+            <a:ln w="28575">
+              <a:solidFill>
+                <a:srgbClr val="03529B"/>
+              </a:solidFill>
+            </a:ln>
+          </p:spPr>
+          <p:style>
+            <a:lnRef idx="1">
+              <a:schemeClr val="accent1"/>
+            </a:lnRef>
+            <a:fillRef idx="0">
+              <a:schemeClr val="accent1"/>
+            </a:fillRef>
+            <a:effectRef idx="0">
+              <a:schemeClr val="accent1"/>
+            </a:effectRef>
+            <a:fontRef idx="minor">
+              <a:schemeClr val="tx1"/>
+            </a:fontRef>
+          </p:style>
+        </p:cxnSp>
+      </p:grpSp>
+      <p:sp>
+        <p:nvSpPr>
+          <p:cNvPr id="8" name="TextBox 7">
+            <a:extLst>
+              <a:ext uri="{FF2B5EF4-FFF2-40B4-BE49-F238E27FC236}">
+                <a16:creationId xmlns:a16="http://schemas.microsoft.com/office/drawing/2014/main" id="{4D517B70-FCA7-8743-86FB-A191F35AAE58}"/>
+              </a:ext>
+            </a:extLst>
+          </p:cNvPr>
+          <p:cNvSpPr txBox="1"/>
+          <p:nvPr/>
+        </p:nvSpPr>
+        <p:spPr>
+          <a:xfrm>
+            <a:off x="1685925" y="2400300"/>
+            <a:ext cx="5143588" cy="738664"/>
+          </a:xfrm>
+          <a:prstGeom prst="rect">
+            <a:avLst/>
+          </a:prstGeom>
+          <a:noFill/>
+        </p:spPr>
+        <p:txBody>
+          <a:bodyPr wrap="none" lIns="0" tIns="0" rIns="0" bIns="0" rtlCol="0">
+            <a:spAutoFit/>
+          </a:bodyPr>
+          <a:lstStyle/>
+          <a:p>
+            <a:pPr algn="l"/>
+            <a:r>
+              <a:rPr lang="en-US" sz="2400" dirty="0">
+                <a:latin typeface="Arial" panose="020B0604020202020204" pitchFamily="34" charset="0"/>
+                <a:cs typeface="Arial" panose="020B0604020202020204" pitchFamily="34" charset="0"/>
+              </a:rPr>
+              <a:t>Testing state, region and </a:t>
+            </a:r>
+            <a:r>
+              <a:rPr lang="en-US" sz="2400" dirty="0" err="1">
+                <a:latin typeface="Arial" panose="020B0604020202020204" pitchFamily="34" charset="0"/>
+                <a:cs typeface="Arial" panose="020B0604020202020204" pitchFamily="34" charset="0"/>
+              </a:rPr>
+              <a:t>state+region</a:t>
+            </a:r>
+            <a:endParaRPr lang="en-US" sz="2400" dirty="0">
+              <a:latin typeface="Arial" panose="020B0604020202020204" pitchFamily="34" charset="0"/>
+              <a:cs typeface="Arial" panose="020B0604020202020204" pitchFamily="34" charset="0"/>
+            </a:endParaRPr>
+          </a:p>
+          <a:p>
+            <a:pPr algn="l"/>
+            <a:r>
+              <a:rPr lang="en-US" sz="2400" dirty="0">
+                <a:latin typeface="Arial" panose="020B0604020202020204" pitchFamily="34" charset="0"/>
+                <a:cs typeface="Arial" panose="020B0604020202020204" pitchFamily="34" charset="0"/>
+              </a:rPr>
+              <a:t>Final model</a:t>
+            </a:r>
+          </a:p>
+        </p:txBody>
+      </p:sp>
+    </p:spTree>
+    <p:extLst>
+      <p:ext uri="{BB962C8B-B14F-4D97-AF65-F5344CB8AC3E}">
+        <p14:creationId xmlns:p14="http://schemas.microsoft.com/office/powerpoint/2010/main" val="3503870745"/>
+      </p:ext>
+    </p:extLst>
+  </p:cSld>
+  <p:clrMapOvr>
+    <a:masterClrMapping/>
+  </p:clrMapOvr>
+</p:sld>
+</file>
+
+<file path=ppt/slides/slide9.xml><?xml version="1.0" encoding="utf-8"?>
+<p:sld xmlns:a="http://schemas.openxmlformats.org/drawingml/2006/main" xmlns:r="http://schemas.openxmlformats.org/officeDocument/2006/relationships" xmlns:p="http://schemas.openxmlformats.org/presentationml/2006/main">
+  <p:cSld>
+    <p:spTree>
+      <p:nvGrpSpPr>
+        <p:cNvPr id="1" name=""/>
+        <p:cNvGrpSpPr/>
+        <p:nvPr/>
+      </p:nvGrpSpPr>
+      <p:grpSpPr>
+        <a:xfrm>
+          <a:off x="0" y="0"/>
+          <a:ext cx="0" cy="0"/>
+          <a:chOff x="0" y="0"/>
+          <a:chExt cx="0" cy="0"/>
+        </a:xfrm>
+      </p:grpSpPr>
+      <p:sp>
+        <p:nvSpPr>
+          <p:cNvPr id="2" name="Slide Number Placeholder 1">
+            <a:extLst>
+              <a:ext uri="{FF2B5EF4-FFF2-40B4-BE49-F238E27FC236}">
+                <a16:creationId xmlns:a16="http://schemas.microsoft.com/office/drawing/2014/main" id="{9B12371F-989E-EE43-B20F-90E48B433F0A}"/>
+              </a:ext>
+            </a:extLst>
+          </p:cNvPr>
+          <p:cNvSpPr>
+            <a:spLocks noGrp="1"/>
+          </p:cNvSpPr>
+          <p:nvPr>
+            <p:ph type="sldNum" sz="quarter" idx="12"/>
+          </p:nvPr>
+        </p:nvSpPr>
+        <p:spPr/>
+        <p:txBody>
+          <a:bodyPr/>
+          <a:lstStyle/>
+          <a:p>
+            <a:fld id="{2D00CA07-45C7-8142-9F4D-3A07AD48DFA1}" type="slidenum">
+              <a:rPr lang="en-US" smtClean="0"/>
+              <a:t>9</a:t>
+            </a:fld>
+            <a:endParaRPr lang="en-US"/>
+          </a:p>
+        </p:txBody>
+      </p:sp>
+      <p:sp>
+        <p:nvSpPr>
+          <p:cNvPr id="3" name="TextBox 2">
+            <a:extLst>
+              <a:ext uri="{FF2B5EF4-FFF2-40B4-BE49-F238E27FC236}">
+                <a16:creationId xmlns:a16="http://schemas.microsoft.com/office/drawing/2014/main" id="{2B4E9B55-4425-2740-A108-76FF69BA3D12}"/>
+              </a:ext>
+            </a:extLst>
+          </p:cNvPr>
+          <p:cNvSpPr txBox="1"/>
+          <p:nvPr/>
+        </p:nvSpPr>
+        <p:spPr>
+          <a:xfrm>
+            <a:off x="460713" y="332656"/>
+            <a:ext cx="6078587" cy="553998"/>
+          </a:xfrm>
+          <a:prstGeom prst="rect">
+            <a:avLst/>
+          </a:prstGeom>
+          <a:noFill/>
+        </p:spPr>
+        <p:txBody>
+          <a:bodyPr wrap="none" lIns="0" tIns="0" rIns="0" bIns="0" rtlCol="0">
+            <a:spAutoFit/>
+          </a:bodyPr>
+          <a:lstStyle/>
+          <a:p>
+            <a:r>
+              <a:rPr lang="en-US" sz="3600" b="1" dirty="0">
+                <a:latin typeface="Arial" panose="020B0604020202020204" pitchFamily="34" charset="0"/>
+                <a:cs typeface="Arial" panose="020B0604020202020204" pitchFamily="34" charset="0"/>
+              </a:rPr>
+              <a:t>Interpretation &amp; Conclusion</a:t>
+            </a:r>
+          </a:p>
+        </p:txBody>
+      </p:sp>
+      <p:cxnSp>
+        <p:nvCxnSpPr>
+          <p:cNvPr id="4" name="Straight Connector 3">
+            <a:extLst>
+              <a:ext uri="{FF2B5EF4-FFF2-40B4-BE49-F238E27FC236}">
+                <a16:creationId xmlns:a16="http://schemas.microsoft.com/office/drawing/2014/main" id="{CFDF23E1-C7BD-4C48-9E8A-53704A4D662C}"/>
+              </a:ext>
+            </a:extLst>
+          </p:cNvPr>
+          <p:cNvCxnSpPr>
+            <a:cxnSpLocks/>
+          </p:cNvCxnSpPr>
+          <p:nvPr/>
+        </p:nvCxnSpPr>
+        <p:spPr>
+          <a:xfrm>
+            <a:off x="460714" y="886654"/>
+            <a:ext cx="11270573" cy="0"/>
+          </a:xfrm>
+          <a:prstGeom prst="line">
+            <a:avLst/>
+          </a:prstGeom>
+          <a:ln w="38100">
+            <a:solidFill>
+              <a:schemeClr val="tx1"/>
+            </a:solidFill>
+          </a:ln>
+        </p:spPr>
+        <p:style>
+          <a:lnRef idx="1">
+            <a:schemeClr val="accent1"/>
+          </a:lnRef>
+          <a:fillRef idx="0">
+            <a:schemeClr val="accent1"/>
+          </a:fillRef>
+          <a:effectRef idx="0">
+            <a:schemeClr val="accent1"/>
+          </a:effectRef>
+          <a:fontRef idx="minor">
+            <a:schemeClr val="tx1"/>
+          </a:fontRef>
+        </p:style>
+      </p:cxnSp>
+      <p:grpSp>
+        <p:nvGrpSpPr>
+          <p:cNvPr id="13" name="Group 12">
+            <a:extLst>
+              <a:ext uri="{FF2B5EF4-FFF2-40B4-BE49-F238E27FC236}">
+                <a16:creationId xmlns:a16="http://schemas.microsoft.com/office/drawing/2014/main" id="{8E985FFC-9E59-6F4F-9F75-C95E2250FD53}"/>
+              </a:ext>
+            </a:extLst>
+          </p:cNvPr>
+          <p:cNvGrpSpPr/>
+          <p:nvPr/>
+        </p:nvGrpSpPr>
+        <p:grpSpPr>
+          <a:xfrm>
+            <a:off x="460713" y="1147906"/>
+            <a:ext cx="5209425" cy="373028"/>
+            <a:chOff x="460713" y="1147906"/>
+            <a:chExt cx="5209425" cy="373028"/>
+          </a:xfrm>
+        </p:grpSpPr>
+        <p:sp>
+          <p:nvSpPr>
+            <p:cNvPr id="9" name="TextBox 8">
+              <a:extLst>
+                <a:ext uri="{FF2B5EF4-FFF2-40B4-BE49-F238E27FC236}">
+                  <a16:creationId xmlns:a16="http://schemas.microsoft.com/office/drawing/2014/main" id="{5864DE45-F31F-F34E-BAC6-E015E30D4D60}"/>
+                </a:ext>
+              </a:extLst>
+            </p:cNvPr>
+            <p:cNvSpPr txBox="1"/>
+            <p:nvPr/>
+          </p:nvSpPr>
+          <p:spPr>
+            <a:xfrm>
+              <a:off x="460713" y="1147906"/>
+              <a:ext cx="1043555" cy="369332"/>
+            </a:xfrm>
+            <a:prstGeom prst="rect">
+              <a:avLst/>
+            </a:prstGeom>
+            <a:noFill/>
+          </p:spPr>
+          <p:txBody>
+            <a:bodyPr wrap="none" lIns="0" tIns="0" rIns="0" bIns="0" rtlCol="0">
+              <a:spAutoFit/>
+            </a:bodyPr>
+            <a:lstStyle/>
+            <a:p>
+              <a:pPr algn="l"/>
+              <a:r>
+                <a:rPr lang="en-US" sz="2400" b="1" dirty="0">
+                  <a:solidFill>
+                    <a:srgbClr val="03529B"/>
+                  </a:solidFill>
+                  <a:latin typeface="Arial" panose="020B0604020202020204" pitchFamily="34" charset="0"/>
+                  <a:cs typeface="Arial" panose="020B0604020202020204" pitchFamily="34" charset="0"/>
+                </a:rPr>
+                <a:t>Level 1</a:t>
               </a:r>
             </a:p>
           </p:txBody>
@@ -10507,152 +12246,12 @@
           </p:style>
         </p:cxnSp>
       </p:grpSp>
-    </p:spTree>
-    <p:extLst>
-      <p:ext uri="{BB962C8B-B14F-4D97-AF65-F5344CB8AC3E}">
-        <p14:creationId xmlns:p14="http://schemas.microsoft.com/office/powerpoint/2010/main" val="3503870745"/>
-      </p:ext>
-    </p:extLst>
-  </p:cSld>
-  <p:clrMapOvr>
-    <a:masterClrMapping/>
-  </p:clrMapOvr>
-</p:sld>
-</file>
-
-<file path=ppt/slides/slide9.xml><?xml version="1.0" encoding="utf-8"?>
-<p:sld xmlns:a="http://schemas.openxmlformats.org/drawingml/2006/main" xmlns:r="http://schemas.openxmlformats.org/officeDocument/2006/relationships" xmlns:p="http://schemas.openxmlformats.org/presentationml/2006/main">
-  <p:cSld>
-    <p:spTree>
-      <p:nvGrpSpPr>
-        <p:cNvPr id="1" name=""/>
-        <p:cNvGrpSpPr/>
-        <p:nvPr/>
-      </p:nvGrpSpPr>
-      <p:grpSpPr>
-        <a:xfrm>
-          <a:off x="0" y="0"/>
-          <a:ext cx="0" cy="0"/>
-          <a:chOff x="0" y="0"/>
-          <a:chExt cx="0" cy="0"/>
-        </a:xfrm>
-      </p:grpSpPr>
-      <p:sp>
-        <p:nvSpPr>
-          <p:cNvPr id="2" name="Slide Number Placeholder 1">
-            <a:extLst>
-              <a:ext uri="{FF2B5EF4-FFF2-40B4-BE49-F238E27FC236}">
-                <a16:creationId xmlns:a16="http://schemas.microsoft.com/office/drawing/2014/main" id="{9B12371F-989E-EE43-B20F-90E48B433F0A}"/>
-              </a:ext>
-            </a:extLst>
-          </p:cNvPr>
-          <p:cNvSpPr>
-            <a:spLocks noGrp="1"/>
-          </p:cNvSpPr>
-          <p:nvPr>
-            <p:ph type="sldNum" sz="quarter" idx="12"/>
-          </p:nvPr>
-        </p:nvSpPr>
-        <p:spPr/>
-        <p:txBody>
-          <a:bodyPr/>
-          <a:lstStyle/>
-          <a:p>
-            <a:fld id="{2D00CA07-45C7-8142-9F4D-3A07AD48DFA1}" type="slidenum">
-              <a:rPr lang="en-US" smtClean="0"/>
-              <a:t>9</a:t>
-            </a:fld>
-            <a:endParaRPr lang="en-US"/>
-          </a:p>
-        </p:txBody>
-      </p:sp>
-      <p:sp>
-        <p:nvSpPr>
-          <p:cNvPr id="3" name="TextBox 2">
-            <a:extLst>
-              <a:ext uri="{FF2B5EF4-FFF2-40B4-BE49-F238E27FC236}">
-                <a16:creationId xmlns:a16="http://schemas.microsoft.com/office/drawing/2014/main" id="{2B4E9B55-4425-2740-A108-76FF69BA3D12}"/>
-              </a:ext>
-            </a:extLst>
-          </p:cNvPr>
-          <p:cNvSpPr txBox="1"/>
-          <p:nvPr/>
-        </p:nvSpPr>
-        <p:spPr>
-          <a:xfrm>
-            <a:off x="460713" y="332656"/>
-            <a:ext cx="6078587" cy="553998"/>
-          </a:xfrm>
-          <a:prstGeom prst="rect">
-            <a:avLst/>
-          </a:prstGeom>
-          <a:noFill/>
-        </p:spPr>
-        <p:txBody>
-          <a:bodyPr wrap="none" lIns="0" tIns="0" rIns="0" bIns="0" rtlCol="0">
-            <a:spAutoFit/>
-          </a:bodyPr>
-          <a:lstStyle/>
-          <a:p>
-            <a:r>
-              <a:rPr lang="en-US" sz="3600" b="1" dirty="0">
-                <a:latin typeface="Arial" panose="020B0604020202020204" pitchFamily="34" charset="0"/>
-                <a:cs typeface="Arial" panose="020B0604020202020204" pitchFamily="34" charset="0"/>
-              </a:rPr>
-              <a:t>Interpretation &amp; Conclusion</a:t>
-            </a:r>
-          </a:p>
-        </p:txBody>
-      </p:sp>
-      <p:cxnSp>
-        <p:nvCxnSpPr>
-          <p:cNvPr id="4" name="Straight Connector 3">
-            <a:extLst>
-              <a:ext uri="{FF2B5EF4-FFF2-40B4-BE49-F238E27FC236}">
-                <a16:creationId xmlns:a16="http://schemas.microsoft.com/office/drawing/2014/main" id="{CFDF23E1-C7BD-4C48-9E8A-53704A4D662C}"/>
-              </a:ext>
-            </a:extLst>
-          </p:cNvPr>
-          <p:cNvCxnSpPr>
-            <a:cxnSpLocks/>
-          </p:cNvCxnSpPr>
-          <p:nvPr/>
-        </p:nvCxnSpPr>
-        <p:spPr>
-          <a:xfrm>
-            <a:off x="460714" y="886654"/>
-            <a:ext cx="11270573" cy="0"/>
-          </a:xfrm>
-          <a:prstGeom prst="line">
-            <a:avLst/>
-          </a:prstGeom>
-          <a:ln w="38100">
-            <a:solidFill>
-              <a:schemeClr val="tx1"/>
-            </a:solidFill>
-          </a:ln>
-        </p:spPr>
-        <p:style>
-          <a:lnRef idx="1">
-            <a:schemeClr val="accent1"/>
-          </a:lnRef>
-          <a:fillRef idx="0">
-            <a:schemeClr val="accent1"/>
-          </a:fillRef>
-          <a:effectRef idx="0">
-            <a:schemeClr val="accent1"/>
-          </a:effectRef>
-          <a:fontRef idx="minor">
-            <a:schemeClr val="tx1"/>
-          </a:fontRef>
-        </p:style>
-      </p:cxnSp>
       <p:grpSp>
         <p:nvGrpSpPr>
-          <p:cNvPr id="13" name="Group 12">
-            <a:extLst>
-              <a:ext uri="{FF2B5EF4-FFF2-40B4-BE49-F238E27FC236}">
-                <a16:creationId xmlns:a16="http://schemas.microsoft.com/office/drawing/2014/main" id="{8E985FFC-9E59-6F4F-9F75-C95E2250FD53}"/>
+          <p:cNvPr id="8" name="Group 7">
+            <a:extLst>
+              <a:ext uri="{FF2B5EF4-FFF2-40B4-BE49-F238E27FC236}">
+                <a16:creationId xmlns:a16="http://schemas.microsoft.com/office/drawing/2014/main" id="{033FB7D1-4489-3844-BB20-0D8F5C228E77}"/>
               </a:ext>
             </a:extLst>
           </p:cNvPr>
@@ -10661,7 +12260,7 @@
         </p:nvGrpSpPr>
         <p:grpSpPr>
           <a:xfrm>
-            <a:off x="460713" y="1147906"/>
+            <a:off x="6521862" y="1147906"/>
             <a:ext cx="5209425" cy="373028"/>
             <a:chOff x="460713" y="1147906"/>
             <a:chExt cx="5209425" cy="373028"/>
@@ -10669,10 +12268,10 @@
         </p:grpSpPr>
         <p:sp>
           <p:nvSpPr>
-            <p:cNvPr id="9" name="TextBox 8">
+            <p:cNvPr id="10" name="TextBox 9">
               <a:extLst>
                 <a:ext uri="{FF2B5EF4-FFF2-40B4-BE49-F238E27FC236}">
-                  <a16:creationId xmlns:a16="http://schemas.microsoft.com/office/drawing/2014/main" id="{5864DE45-F31F-F34E-BAC6-E015E30D4D60}"/>
+                  <a16:creationId xmlns:a16="http://schemas.microsoft.com/office/drawing/2014/main" id="{7C2829FB-206E-C54A-93B9-CDB03FAA2D2D}"/>
                 </a:ext>
               </a:extLst>
             </p:cNvPr>
@@ -10682,7 +12281,7 @@
           <p:spPr>
             <a:xfrm>
               <a:off x="460713" y="1147906"/>
-              <a:ext cx="1126912" cy="369332"/>
+              <a:ext cx="1043555" cy="369332"/>
             </a:xfrm>
             <a:prstGeom prst="rect">
               <a:avLst/>
@@ -10704,17 +12303,17 @@
                   <a:latin typeface="Arial" panose="020B0604020202020204" pitchFamily="34" charset="0"/>
                   <a:cs typeface="Arial" panose="020B0604020202020204" pitchFamily="34" charset="0"/>
                 </a:rPr>
-                <a:t>Subtitle</a:t>
+                <a:t>Level 2</a:t>
               </a:r>
             </a:p>
           </p:txBody>
         </p:sp>
         <p:cxnSp>
           <p:nvCxnSpPr>
-            <p:cNvPr id="11" name="Straight Connector 10">
+            <p:cNvPr id="12" name="Straight Connector 11">
               <a:extLst>
                 <a:ext uri="{FF2B5EF4-FFF2-40B4-BE49-F238E27FC236}">
-                  <a16:creationId xmlns:a16="http://schemas.microsoft.com/office/drawing/2014/main" id="{F45F55A1-178F-204B-8122-0D25726930AE}"/>
+                  <a16:creationId xmlns:a16="http://schemas.microsoft.com/office/drawing/2014/main" id="{13F98F8F-BDC7-6447-B99E-08EDE92D734C}"/>
                 </a:ext>
               </a:extLst>
             </p:cNvPr>
@@ -10753,6 +12352,84 @@
           </p:style>
         </p:cxnSp>
       </p:grpSp>
+      <p:sp>
+        <p:nvSpPr>
+          <p:cNvPr id="5" name="TextBox 4">
+            <a:extLst>
+              <a:ext uri="{FF2B5EF4-FFF2-40B4-BE49-F238E27FC236}">
+                <a16:creationId xmlns:a16="http://schemas.microsoft.com/office/drawing/2014/main" id="{7460FC7F-7CA7-324D-98A7-AA2A9FB4A1A7}"/>
+              </a:ext>
+            </a:extLst>
+          </p:cNvPr>
+          <p:cNvSpPr txBox="1"/>
+          <p:nvPr/>
+        </p:nvSpPr>
+        <p:spPr>
+          <a:xfrm>
+            <a:off x="460713" y="2411596"/>
+            <a:ext cx="2070631" cy="369332"/>
+          </a:xfrm>
+          <a:prstGeom prst="rect">
+            <a:avLst/>
+          </a:prstGeom>
+          <a:noFill/>
+        </p:spPr>
+        <p:txBody>
+          <a:bodyPr wrap="none" lIns="0" tIns="0" rIns="0" bIns="0" rtlCol="0">
+            <a:spAutoFit/>
+          </a:bodyPr>
+          <a:lstStyle/>
+          <a:p>
+            <a:pPr algn="l"/>
+            <a:r>
+              <a:rPr lang="en-US" sz="2400" dirty="0">
+                <a:latin typeface="Arial" panose="020B0604020202020204" pitchFamily="34" charset="0"/>
+                <a:cs typeface="Arial" panose="020B0604020202020204" pitchFamily="34" charset="0"/>
+              </a:rPr>
+              <a:t>Tables in pretty</a:t>
+            </a:r>
+          </a:p>
+        </p:txBody>
+      </p:sp>
+      <p:sp>
+        <p:nvSpPr>
+          <p:cNvPr id="14" name="TextBox 13">
+            <a:extLst>
+              <a:ext uri="{FF2B5EF4-FFF2-40B4-BE49-F238E27FC236}">
+                <a16:creationId xmlns:a16="http://schemas.microsoft.com/office/drawing/2014/main" id="{E9E42052-CB52-DA42-A2EC-3F4F8312D3DC}"/>
+              </a:ext>
+            </a:extLst>
+          </p:cNvPr>
+          <p:cNvSpPr txBox="1"/>
+          <p:nvPr/>
+        </p:nvSpPr>
+        <p:spPr>
+          <a:xfrm>
+            <a:off x="6539300" y="2780928"/>
+            <a:ext cx="2806409" cy="369332"/>
+          </a:xfrm>
+          <a:prstGeom prst="rect">
+            <a:avLst/>
+          </a:prstGeom>
+          <a:noFill/>
+        </p:spPr>
+        <p:txBody>
+          <a:bodyPr wrap="none" lIns="0" tIns="0" rIns="0" bIns="0" rtlCol="0">
+            <a:spAutoFit/>
+          </a:bodyPr>
+          <a:lstStyle/>
+          <a:p>
+            <a:pPr algn="l"/>
+            <a:r>
+              <a:rPr lang="en-US" sz="2400" dirty="0">
+                <a:latin typeface="Arial" panose="020B0604020202020204" pitchFamily="34" charset="0"/>
+                <a:cs typeface="Arial" panose="020B0604020202020204" pitchFamily="34" charset="0"/>
+              </a:rPr>
+              <a:t>Tables/plots in pretty</a:t>
+            </a:r>
+          </a:p>
+        </p:txBody>
+      </p:sp>
     </p:spTree>
     <p:extLst>
       <p:ext uri="{BB962C8B-B14F-4D97-AF65-F5344CB8AC3E}">

--- a/Presentation/slide_deck.pptx
+++ b/Presentation/slide_deck.pptx
@@ -12074,7 +12074,7 @@
         <p:spPr>
           <a:xfrm>
             <a:off x="460713" y="332656"/>
-            <a:ext cx="6078587" cy="553998"/>
+            <a:ext cx="2975173" cy="553998"/>
           </a:xfrm>
           <a:prstGeom prst="rect">
             <a:avLst/>
@@ -12088,12 +12088,16 @@
           <a:lstStyle/>
           <a:p>
             <a:r>
-              <a:rPr lang="en-US" sz="3600" b="1" dirty="0">
+              <a:rPr lang="en-US" sz="3600" b="1">
                 <a:latin typeface="Arial" panose="020B0604020202020204" pitchFamily="34" charset="0"/>
                 <a:cs typeface="Arial" panose="020B0604020202020204" pitchFamily="34" charset="0"/>
               </a:rPr>
-              <a:t>Interpretation &amp; Conclusion</a:t>
-            </a:r>
+              <a:t>Interpretation</a:t>
+            </a:r>
+            <a:endParaRPr lang="en-US" sz="3600" b="1" dirty="0">
+              <a:latin typeface="Arial" panose="020B0604020202020204" pitchFamily="34" charset="0"/>
+              <a:cs typeface="Arial" panose="020B0604020202020204" pitchFamily="34" charset="0"/>
+            </a:endParaRPr>
           </a:p>
         </p:txBody>
       </p:sp>
@@ -12366,7 +12370,7 @@
         </p:nvSpPr>
         <p:spPr>
           <a:xfrm>
-            <a:off x="460713" y="2411596"/>
+            <a:off x="460713" y="2602562"/>
             <a:ext cx="2070631" cy="369332"/>
           </a:xfrm>
           <a:prstGeom prst="rect">

--- a/Presentation/slide_deck.pptx
+++ b/Presentation/slide_deck.pptx
@@ -5,7 +5,7 @@
     <p:sldMasterId id="2147483648" r:id="rId1"/>
   </p:sldMasterIdLst>
   <p:notesMasterIdLst>
-    <p:notesMasterId r:id="rId14"/>
+    <p:notesMasterId r:id="rId15"/>
   </p:notesMasterIdLst>
   <p:sldIdLst>
     <p:sldId id="275" r:id="rId2"/>
@@ -15,11 +15,12 @@
     <p:sldId id="283" r:id="rId6"/>
     <p:sldId id="284" r:id="rId7"/>
     <p:sldId id="280" r:id="rId8"/>
-    <p:sldId id="281" r:id="rId9"/>
-    <p:sldId id="282" r:id="rId10"/>
-    <p:sldId id="286" r:id="rId11"/>
-    <p:sldId id="267" r:id="rId12"/>
-    <p:sldId id="274" r:id="rId13"/>
+    <p:sldId id="287" r:id="rId9"/>
+    <p:sldId id="281" r:id="rId10"/>
+    <p:sldId id="282" r:id="rId11"/>
+    <p:sldId id="286" r:id="rId12"/>
+    <p:sldId id="267" r:id="rId13"/>
+    <p:sldId id="274" r:id="rId14"/>
   </p:sldIdLst>
   <p:sldSz cx="12192000" cy="6858000"/>
   <p:notesSz cx="6858000" cy="9144000"/>
@@ -1405,7 +1406,7 @@
     </p:spTree>
     <p:extLst>
       <p:ext uri="{BB962C8B-B14F-4D97-AF65-F5344CB8AC3E}">
-        <p14:creationId xmlns:p14="http://schemas.microsoft.com/office/powerpoint/2010/main" val="635991519"/>
+        <p14:creationId xmlns:p14="http://schemas.microsoft.com/office/powerpoint/2010/main" val="798934033"/>
       </p:ext>
     </p:extLst>
   </p:cSld>
@@ -1492,7 +1493,7 @@
     </p:spTree>
     <p:extLst>
       <p:ext uri="{BB962C8B-B14F-4D97-AF65-F5344CB8AC3E}">
-        <p14:creationId xmlns:p14="http://schemas.microsoft.com/office/powerpoint/2010/main" val="656284342"/>
+        <p14:creationId xmlns:p14="http://schemas.microsoft.com/office/powerpoint/2010/main" val="635991519"/>
       </p:ext>
     </p:extLst>
   </p:cSld>
@@ -1579,7 +1580,7 @@
     </p:spTree>
     <p:extLst>
       <p:ext uri="{BB962C8B-B14F-4D97-AF65-F5344CB8AC3E}">
-        <p14:creationId xmlns:p14="http://schemas.microsoft.com/office/powerpoint/2010/main" val="1139896885"/>
+        <p14:creationId xmlns:p14="http://schemas.microsoft.com/office/powerpoint/2010/main" val="656284342"/>
       </p:ext>
     </p:extLst>
   </p:cSld>
@@ -1657,7 +1658,94 @@
           <a:p>
             <a:fld id="{F5134806-D19D-A540-9B0B-614DC5FE67CD}" type="slidenum">
               <a:rPr lang="en-US" smtClean="0"/>
-              <a:t>12</a:t>
+              <a:t>11</a:t>
+            </a:fld>
+            <a:endParaRPr lang="en-US"/>
+          </a:p>
+        </p:txBody>
+      </p:sp>
+    </p:spTree>
+    <p:extLst>
+      <p:ext uri="{BB962C8B-B14F-4D97-AF65-F5344CB8AC3E}">
+        <p14:creationId xmlns:p14="http://schemas.microsoft.com/office/powerpoint/2010/main" val="1139896885"/>
+      </p:ext>
+    </p:extLst>
+  </p:cSld>
+  <p:clrMapOvr>
+    <a:masterClrMapping/>
+  </p:clrMapOvr>
+</p:notes>
+</file>
+
+<file path=ppt/notesSlides/notesSlide9.xml><?xml version="1.0" encoding="utf-8"?>
+<p:notes xmlns:a="http://schemas.openxmlformats.org/drawingml/2006/main" xmlns:r="http://schemas.openxmlformats.org/officeDocument/2006/relationships" xmlns:p="http://schemas.openxmlformats.org/presentationml/2006/main">
+  <p:cSld>
+    <p:spTree>
+      <p:nvGrpSpPr>
+        <p:cNvPr id="1" name=""/>
+        <p:cNvGrpSpPr/>
+        <p:nvPr/>
+      </p:nvGrpSpPr>
+      <p:grpSpPr>
+        <a:xfrm>
+          <a:off x="0" y="0"/>
+          <a:ext cx="0" cy="0"/>
+          <a:chOff x="0" y="0"/>
+          <a:chExt cx="0" cy="0"/>
+        </a:xfrm>
+      </p:grpSpPr>
+      <p:sp>
+        <p:nvSpPr>
+          <p:cNvPr id="2" name="Slide Image Placeholder 1"/>
+          <p:cNvSpPr>
+            <a:spLocks noGrp="1" noRot="1" noChangeAspect="1"/>
+          </p:cNvSpPr>
+          <p:nvPr>
+            <p:ph type="sldImg"/>
+          </p:nvPr>
+        </p:nvSpPr>
+        <p:spPr/>
+      </p:sp>
+      <p:sp>
+        <p:nvSpPr>
+          <p:cNvPr id="3" name="Notes Placeholder 2"/>
+          <p:cNvSpPr>
+            <a:spLocks noGrp="1"/>
+          </p:cNvSpPr>
+          <p:nvPr>
+            <p:ph type="body" idx="1"/>
+          </p:nvPr>
+        </p:nvSpPr>
+        <p:spPr/>
+        <p:txBody>
+          <a:bodyPr/>
+          <a:lstStyle/>
+          <a:p>
+            <a:r>
+              <a:rPr lang="en-US" dirty="0"/>
+              <a:t>Moritz</a:t>
+            </a:r>
+          </a:p>
+        </p:txBody>
+      </p:sp>
+      <p:sp>
+        <p:nvSpPr>
+          <p:cNvPr id="4" name="Slide Number Placeholder 3"/>
+          <p:cNvSpPr>
+            <a:spLocks noGrp="1"/>
+          </p:cNvSpPr>
+          <p:nvPr>
+            <p:ph type="sldNum" sz="quarter" idx="5"/>
+          </p:nvPr>
+        </p:nvSpPr>
+        <p:spPr/>
+        <p:txBody>
+          <a:bodyPr/>
+          <a:lstStyle/>
+          <a:p>
+            <a:fld id="{F5134806-D19D-A540-9B0B-614DC5FE67CD}" type="slidenum">
+              <a:rPr lang="en-US" smtClean="0"/>
+              <a:t>13</a:t>
             </a:fld>
             <a:endParaRPr lang="en-US"/>
           </a:p>
@@ -6636,6 +6724,60 @@
       </p:grpSpPr>
       <p:sp>
         <p:nvSpPr>
+          <p:cNvPr id="18" name="Rectangle 17">
+            <a:extLst>
+              <a:ext uri="{FF2B5EF4-FFF2-40B4-BE49-F238E27FC236}">
+                <a16:creationId xmlns:a16="http://schemas.microsoft.com/office/drawing/2014/main" id="{303A2021-6E62-A54C-A850-9BF712B08327}"/>
+              </a:ext>
+            </a:extLst>
+          </p:cNvPr>
+          <p:cNvSpPr/>
+          <p:nvPr/>
+        </p:nvSpPr>
+        <p:spPr>
+          <a:xfrm>
+            <a:off x="263352" y="5898557"/>
+            <a:ext cx="1584176" cy="770912"/>
+          </a:xfrm>
+          <a:prstGeom prst="rect">
+            <a:avLst/>
+          </a:prstGeom>
+          <a:solidFill>
+            <a:schemeClr val="bg1"/>
+          </a:solidFill>
+          <a:ln>
+            <a:solidFill>
+              <a:schemeClr val="bg1"/>
+            </a:solidFill>
+          </a:ln>
+        </p:spPr>
+        <p:style>
+          <a:lnRef idx="2">
+            <a:schemeClr val="accent1">
+              <a:shade val="50000"/>
+            </a:schemeClr>
+          </a:lnRef>
+          <a:fillRef idx="1">
+            <a:schemeClr val="accent1"/>
+          </a:fillRef>
+          <a:effectRef idx="0">
+            <a:schemeClr val="accent1"/>
+          </a:effectRef>
+          <a:fontRef idx="minor">
+            <a:schemeClr val="lt1"/>
+          </a:fontRef>
+        </p:style>
+        <p:txBody>
+          <a:bodyPr rtlCol="0" anchor="ctr"/>
+          <a:lstStyle/>
+          <a:p>
+            <a:pPr algn="ctr"/>
+            <a:endParaRPr lang="en-US"/>
+          </a:p>
+        </p:txBody>
+      </p:sp>
+      <p:sp>
+        <p:nvSpPr>
           <p:cNvPr id="2" name="Slide Number Placeholder 1">
             <a:extLst>
               <a:ext uri="{FF2B5EF4-FFF2-40B4-BE49-F238E27FC236}">
@@ -6678,7 +6820,7 @@
         <p:spPr>
           <a:xfrm>
             <a:off x="460713" y="332656"/>
-            <a:ext cx="5890715" cy="553998"/>
+            <a:ext cx="2975173" cy="553998"/>
           </a:xfrm>
           <a:prstGeom prst="rect">
             <a:avLst/>
@@ -6696,7 +6838,7 @@
                 <a:latin typeface="Arial" panose="020B0604020202020204" pitchFamily="34" charset="0"/>
                 <a:cs typeface="Arial" panose="020B0604020202020204" pitchFamily="34" charset="0"/>
               </a:rPr>
-              <a:t>Geographical Visualization</a:t>
+              <a:t>Interpretation</a:t>
             </a:r>
           </a:p>
         </p:txBody>
@@ -6744,12 +6886,224 @@
           </a:fontRef>
         </p:style>
       </p:cxnSp>
-      <p:sp>
-        <p:nvSpPr>
-          <p:cNvPr id="5" name="TextBox 4">
-            <a:extLst>
-              <a:ext uri="{FF2B5EF4-FFF2-40B4-BE49-F238E27FC236}">
-                <a16:creationId xmlns:a16="http://schemas.microsoft.com/office/drawing/2014/main" id="{83D3E52A-C0FD-7248-A1EC-048B33747734}"/>
+      <p:grpSp>
+        <p:nvGrpSpPr>
+          <p:cNvPr id="13" name="Group 12">
+            <a:extLst>
+              <a:ext uri="{FF2B5EF4-FFF2-40B4-BE49-F238E27FC236}">
+                <a16:creationId xmlns:a16="http://schemas.microsoft.com/office/drawing/2014/main" id="{8E985FFC-9E59-6F4F-9F75-C95E2250FD53}"/>
+              </a:ext>
+            </a:extLst>
+          </p:cNvPr>
+          <p:cNvGrpSpPr/>
+          <p:nvPr/>
+        </p:nvGrpSpPr>
+        <p:grpSpPr>
+          <a:xfrm>
+            <a:off x="460713" y="1147906"/>
+            <a:ext cx="5209425" cy="373028"/>
+            <a:chOff x="460713" y="1147906"/>
+            <a:chExt cx="5209425" cy="373028"/>
+          </a:xfrm>
+        </p:grpSpPr>
+        <p:sp>
+          <p:nvSpPr>
+            <p:cNvPr id="9" name="TextBox 8">
+              <a:extLst>
+                <a:ext uri="{FF2B5EF4-FFF2-40B4-BE49-F238E27FC236}">
+                  <a16:creationId xmlns:a16="http://schemas.microsoft.com/office/drawing/2014/main" id="{5864DE45-F31F-F34E-BAC6-E015E30D4D60}"/>
+                </a:ext>
+              </a:extLst>
+            </p:cNvPr>
+            <p:cNvSpPr txBox="1"/>
+            <p:nvPr/>
+          </p:nvSpPr>
+          <p:spPr>
+            <a:xfrm>
+              <a:off x="460713" y="1147906"/>
+              <a:ext cx="1043555" cy="369332"/>
+            </a:xfrm>
+            <a:prstGeom prst="rect">
+              <a:avLst/>
+            </a:prstGeom>
+            <a:noFill/>
+          </p:spPr>
+          <p:txBody>
+            <a:bodyPr wrap="none" lIns="0" tIns="0" rIns="0" bIns="0" rtlCol="0">
+              <a:spAutoFit/>
+            </a:bodyPr>
+            <a:lstStyle/>
+            <a:p>
+              <a:pPr algn="l"/>
+              <a:r>
+                <a:rPr lang="en-US" sz="2400" b="1" dirty="0">
+                  <a:solidFill>
+                    <a:srgbClr val="03529B"/>
+                  </a:solidFill>
+                  <a:latin typeface="Arial" panose="020B0604020202020204" pitchFamily="34" charset="0"/>
+                  <a:cs typeface="Arial" panose="020B0604020202020204" pitchFamily="34" charset="0"/>
+                </a:rPr>
+                <a:t>Level 1</a:t>
+              </a:r>
+            </a:p>
+          </p:txBody>
+        </p:sp>
+        <p:cxnSp>
+          <p:nvCxnSpPr>
+            <p:cNvPr id="11" name="Straight Connector 10">
+              <a:extLst>
+                <a:ext uri="{FF2B5EF4-FFF2-40B4-BE49-F238E27FC236}">
+                  <a16:creationId xmlns:a16="http://schemas.microsoft.com/office/drawing/2014/main" id="{F45F55A1-178F-204B-8122-0D25726930AE}"/>
+                </a:ext>
+              </a:extLst>
+            </p:cNvPr>
+            <p:cNvCxnSpPr>
+              <a:cxnSpLocks/>
+            </p:cNvCxnSpPr>
+            <p:nvPr/>
+          </p:nvCxnSpPr>
+          <p:spPr>
+            <a:xfrm>
+              <a:off x="460713" y="1520934"/>
+              <a:ext cx="5209425" cy="0"/>
+            </a:xfrm>
+            <a:prstGeom prst="line">
+              <a:avLst/>
+            </a:prstGeom>
+            <a:ln w="28575">
+              <a:solidFill>
+                <a:srgbClr val="03529B"/>
+              </a:solidFill>
+            </a:ln>
+          </p:spPr>
+          <p:style>
+            <a:lnRef idx="1">
+              <a:schemeClr val="accent1"/>
+            </a:lnRef>
+            <a:fillRef idx="0">
+              <a:schemeClr val="accent1"/>
+            </a:fillRef>
+            <a:effectRef idx="0">
+              <a:schemeClr val="accent1"/>
+            </a:effectRef>
+            <a:fontRef idx="minor">
+              <a:schemeClr val="tx1"/>
+            </a:fontRef>
+          </p:style>
+        </p:cxnSp>
+      </p:grpSp>
+      <p:grpSp>
+        <p:nvGrpSpPr>
+          <p:cNvPr id="8" name="Group 7">
+            <a:extLst>
+              <a:ext uri="{FF2B5EF4-FFF2-40B4-BE49-F238E27FC236}">
+                <a16:creationId xmlns:a16="http://schemas.microsoft.com/office/drawing/2014/main" id="{033FB7D1-4489-3844-BB20-0D8F5C228E77}"/>
+              </a:ext>
+            </a:extLst>
+          </p:cNvPr>
+          <p:cNvGrpSpPr/>
+          <p:nvPr/>
+        </p:nvGrpSpPr>
+        <p:grpSpPr>
+          <a:xfrm>
+            <a:off x="6521862" y="1147906"/>
+            <a:ext cx="5209425" cy="373028"/>
+            <a:chOff x="460713" y="1147906"/>
+            <a:chExt cx="5209425" cy="373028"/>
+          </a:xfrm>
+        </p:grpSpPr>
+        <p:sp>
+          <p:nvSpPr>
+            <p:cNvPr id="10" name="TextBox 9">
+              <a:extLst>
+                <a:ext uri="{FF2B5EF4-FFF2-40B4-BE49-F238E27FC236}">
+                  <a16:creationId xmlns:a16="http://schemas.microsoft.com/office/drawing/2014/main" id="{7C2829FB-206E-C54A-93B9-CDB03FAA2D2D}"/>
+                </a:ext>
+              </a:extLst>
+            </p:cNvPr>
+            <p:cNvSpPr txBox="1"/>
+            <p:nvPr/>
+          </p:nvSpPr>
+          <p:spPr>
+            <a:xfrm>
+              <a:off x="460713" y="1147906"/>
+              <a:ext cx="1043555" cy="369332"/>
+            </a:xfrm>
+            <a:prstGeom prst="rect">
+              <a:avLst/>
+            </a:prstGeom>
+            <a:noFill/>
+          </p:spPr>
+          <p:txBody>
+            <a:bodyPr wrap="none" lIns="0" tIns="0" rIns="0" bIns="0" rtlCol="0">
+              <a:spAutoFit/>
+            </a:bodyPr>
+            <a:lstStyle/>
+            <a:p>
+              <a:pPr algn="l"/>
+              <a:r>
+                <a:rPr lang="en-US" sz="2400" b="1" dirty="0">
+                  <a:solidFill>
+                    <a:srgbClr val="03529B"/>
+                  </a:solidFill>
+                  <a:latin typeface="Arial" panose="020B0604020202020204" pitchFamily="34" charset="0"/>
+                  <a:cs typeface="Arial" panose="020B0604020202020204" pitchFamily="34" charset="0"/>
+                </a:rPr>
+                <a:t>Level 2</a:t>
+              </a:r>
+            </a:p>
+          </p:txBody>
+        </p:sp>
+        <p:cxnSp>
+          <p:nvCxnSpPr>
+            <p:cNvPr id="12" name="Straight Connector 11">
+              <a:extLst>
+                <a:ext uri="{FF2B5EF4-FFF2-40B4-BE49-F238E27FC236}">
+                  <a16:creationId xmlns:a16="http://schemas.microsoft.com/office/drawing/2014/main" id="{13F98F8F-BDC7-6447-B99E-08EDE92D734C}"/>
+                </a:ext>
+              </a:extLst>
+            </p:cNvPr>
+            <p:cNvCxnSpPr>
+              <a:cxnSpLocks/>
+            </p:cNvCxnSpPr>
+            <p:nvPr/>
+          </p:nvCxnSpPr>
+          <p:spPr>
+            <a:xfrm>
+              <a:off x="460713" y="1520934"/>
+              <a:ext cx="5209425" cy="0"/>
+            </a:xfrm>
+            <a:prstGeom prst="line">
+              <a:avLst/>
+            </a:prstGeom>
+            <a:ln w="28575">
+              <a:solidFill>
+                <a:srgbClr val="03529B"/>
+              </a:solidFill>
+            </a:ln>
+          </p:spPr>
+          <p:style>
+            <a:lnRef idx="1">
+              <a:schemeClr val="accent1"/>
+            </a:lnRef>
+            <a:fillRef idx="0">
+              <a:schemeClr val="accent1"/>
+            </a:fillRef>
+            <a:effectRef idx="0">
+              <a:schemeClr val="accent1"/>
+            </a:effectRef>
+            <a:fontRef idx="minor">
+              <a:schemeClr val="tx1"/>
+            </a:fontRef>
+          </p:style>
+        </p:cxnSp>
+      </p:grpSp>
+      <p:sp>
+        <p:nvSpPr>
+          <p:cNvPr id="14" name="TextBox 13">
+            <a:extLst>
+              <a:ext uri="{FF2B5EF4-FFF2-40B4-BE49-F238E27FC236}">
+                <a16:creationId xmlns:a16="http://schemas.microsoft.com/office/drawing/2014/main" id="{E9E42052-CB52-DA42-A2EC-3F4F8312D3DC}"/>
               </a:ext>
             </a:extLst>
           </p:cNvPr>
@@ -6758,8 +7112,8 @@
         </p:nvSpPr>
         <p:spPr>
           <a:xfrm>
-            <a:off x="3386138" y="3457575"/>
-            <a:ext cx="599523" cy="369332"/>
+            <a:off x="7752184" y="1785882"/>
+            <a:ext cx="2189702" cy="369332"/>
           </a:xfrm>
           <a:prstGeom prst="rect">
             <a:avLst/>
@@ -6778,15 +7132,151 @@
                 <a:latin typeface="Arial" panose="020B0604020202020204" pitchFamily="34" charset="0"/>
                 <a:cs typeface="Arial" panose="020B0604020202020204" pitchFamily="34" charset="0"/>
               </a:rPr>
-              <a:t>map</a:t>
-            </a:r>
-          </a:p>
-        </p:txBody>
-      </p:sp>
+              <a:t>Key stats above</a:t>
+            </a:r>
+          </a:p>
+        </p:txBody>
+      </p:sp>
+      <p:pic>
+        <p:nvPicPr>
+          <p:cNvPr id="6" name="Picture 5">
+            <a:extLst>
+              <a:ext uri="{FF2B5EF4-FFF2-40B4-BE49-F238E27FC236}">
+                <a16:creationId xmlns:a16="http://schemas.microsoft.com/office/drawing/2014/main" id="{4322B6B6-124A-C249-9722-5A80534BABB3}"/>
+              </a:ext>
+            </a:extLst>
+          </p:cNvPr>
+          <p:cNvPicPr>
+            <a:picLocks noChangeAspect="1"/>
+          </p:cNvPicPr>
+          <p:nvPr/>
+        </p:nvPicPr>
+        <p:blipFill rotWithShape="1">
+          <a:blip r:embed="rId3"/>
+          <a:srcRect l="2747" r="2830"/>
+          <a:stretch/>
+        </p:blipFill>
+        <p:spPr>
+          <a:xfrm>
+            <a:off x="460713" y="1575053"/>
+            <a:ext cx="5209425" cy="2017713"/>
+          </a:xfrm>
+          <a:prstGeom prst="rect">
+            <a:avLst/>
+          </a:prstGeom>
+        </p:spPr>
+      </p:pic>
+      <p:sp>
+        <p:nvSpPr>
+          <p:cNvPr id="16" name="TextBox 15">
+            <a:extLst>
+              <a:ext uri="{FF2B5EF4-FFF2-40B4-BE49-F238E27FC236}">
+                <a16:creationId xmlns:a16="http://schemas.microsoft.com/office/drawing/2014/main" id="{77912B11-D2A7-634E-94F5-441071F425FB}"/>
+              </a:ext>
+            </a:extLst>
+          </p:cNvPr>
+          <p:cNvSpPr txBox="1"/>
+          <p:nvPr/>
+        </p:nvSpPr>
+        <p:spPr>
+          <a:xfrm>
+            <a:off x="7965383" y="3384644"/>
+            <a:ext cx="1763303" cy="369332"/>
+          </a:xfrm>
+          <a:prstGeom prst="rect">
+            <a:avLst/>
+          </a:prstGeom>
+          <a:noFill/>
+        </p:spPr>
+        <p:txBody>
+          <a:bodyPr wrap="none" lIns="0" tIns="0" rIns="0" bIns="0" rtlCol="0">
+            <a:spAutoFit/>
+          </a:bodyPr>
+          <a:lstStyle/>
+          <a:p>
+            <a:pPr algn="l"/>
+            <a:r>
+              <a:rPr lang="en-US" sz="2400" dirty="0">
+                <a:latin typeface="Arial" panose="020B0604020202020204" pitchFamily="34" charset="0"/>
+                <a:cs typeface="Arial" panose="020B0604020202020204" pitchFamily="34" charset="0"/>
+              </a:rPr>
+              <a:t>Dot plot here</a:t>
+            </a:r>
+          </a:p>
+        </p:txBody>
+      </p:sp>
+      <p:sp>
+        <p:nvSpPr>
+          <p:cNvPr id="17" name="TextBox 16">
+            <a:extLst>
+              <a:ext uri="{FF2B5EF4-FFF2-40B4-BE49-F238E27FC236}">
+                <a16:creationId xmlns:a16="http://schemas.microsoft.com/office/drawing/2014/main" id="{DD404164-7DED-744E-B683-2B1FB87E0EB2}"/>
+              </a:ext>
+            </a:extLst>
+          </p:cNvPr>
+          <p:cNvSpPr txBox="1"/>
+          <p:nvPr/>
+        </p:nvSpPr>
+        <p:spPr>
+          <a:xfrm>
+            <a:off x="7752184" y="4878452"/>
+            <a:ext cx="2346796" cy="369332"/>
+          </a:xfrm>
+          <a:prstGeom prst="rect">
+            <a:avLst/>
+          </a:prstGeom>
+          <a:noFill/>
+        </p:spPr>
+        <p:txBody>
+          <a:bodyPr wrap="none" lIns="0" tIns="0" rIns="0" bIns="0" rtlCol="0">
+            <a:spAutoFit/>
+          </a:bodyPr>
+          <a:lstStyle/>
+          <a:p>
+            <a:pPr algn="l"/>
+            <a:r>
+              <a:rPr lang="en-US" sz="2400" dirty="0">
+                <a:latin typeface="Arial" panose="020B0604020202020204" pitchFamily="34" charset="0"/>
+                <a:cs typeface="Arial" panose="020B0604020202020204" pitchFamily="34" charset="0"/>
+              </a:rPr>
+              <a:t>Some conclusion</a:t>
+            </a:r>
+          </a:p>
+        </p:txBody>
+      </p:sp>
+      <p:pic>
+        <p:nvPicPr>
+          <p:cNvPr id="20" name="Picture 19" descr="Chart, line chart&#10;&#10;Description automatically generated">
+            <a:extLst>
+              <a:ext uri="{FF2B5EF4-FFF2-40B4-BE49-F238E27FC236}">
+                <a16:creationId xmlns:a16="http://schemas.microsoft.com/office/drawing/2014/main" id="{EB89391D-FCCE-F041-BC85-0FA6BFB5774F}"/>
+              </a:ext>
+            </a:extLst>
+          </p:cNvPr>
+          <p:cNvPicPr>
+            <a:picLocks noChangeAspect="1"/>
+          </p:cNvPicPr>
+          <p:nvPr/>
+        </p:nvPicPr>
+        <p:blipFill rotWithShape="1">
+          <a:blip r:embed="rId4"/>
+          <a:srcRect l="2346" r="8964"/>
+          <a:stretch/>
+        </p:blipFill>
+        <p:spPr>
+          <a:xfrm>
+            <a:off x="460713" y="3646884"/>
+            <a:ext cx="5133884" cy="2894283"/>
+          </a:xfrm>
+          <a:prstGeom prst="rect">
+            <a:avLst/>
+          </a:prstGeom>
+        </p:spPr>
+      </p:pic>
     </p:spTree>
     <p:extLst>
       <p:ext uri="{BB962C8B-B14F-4D97-AF65-F5344CB8AC3E}">
-        <p14:creationId xmlns:p14="http://schemas.microsoft.com/office/powerpoint/2010/main" val="71190346"/>
+        <p14:creationId xmlns:p14="http://schemas.microsoft.com/office/powerpoint/2010/main" val="3604129743"/>
       </p:ext>
     </p:extLst>
   </p:cSld>
@@ -6857,7 +7347,7 @@
         <p:spPr>
           <a:xfrm>
             <a:off x="460713" y="332656"/>
-            <a:ext cx="2487861" cy="553998"/>
+            <a:ext cx="5890715" cy="553998"/>
           </a:xfrm>
           <a:prstGeom prst="rect">
             <a:avLst/>
@@ -6875,7 +7365,7 @@
                 <a:latin typeface="Arial" panose="020B0604020202020204" pitchFamily="34" charset="0"/>
                 <a:cs typeface="Arial" panose="020B0604020202020204" pitchFamily="34" charset="0"/>
               </a:rPr>
-              <a:t>References</a:t>
+              <a:t>Geographical Visualization</a:t>
             </a:r>
           </a:p>
         </p:txBody>
@@ -6928,6 +7418,185 @@
           <p:cNvPr id="5" name="TextBox 4">
             <a:extLst>
               <a:ext uri="{FF2B5EF4-FFF2-40B4-BE49-F238E27FC236}">
+                <a16:creationId xmlns:a16="http://schemas.microsoft.com/office/drawing/2014/main" id="{83D3E52A-C0FD-7248-A1EC-048B33747734}"/>
+              </a:ext>
+            </a:extLst>
+          </p:cNvPr>
+          <p:cNvSpPr txBox="1"/>
+          <p:nvPr/>
+        </p:nvSpPr>
+        <p:spPr>
+          <a:xfrm>
+            <a:off x="3386138" y="3457575"/>
+            <a:ext cx="599523" cy="369332"/>
+          </a:xfrm>
+          <a:prstGeom prst="rect">
+            <a:avLst/>
+          </a:prstGeom>
+          <a:noFill/>
+        </p:spPr>
+        <p:txBody>
+          <a:bodyPr wrap="none" lIns="0" tIns="0" rIns="0" bIns="0" rtlCol="0">
+            <a:spAutoFit/>
+          </a:bodyPr>
+          <a:lstStyle/>
+          <a:p>
+            <a:pPr algn="l"/>
+            <a:r>
+              <a:rPr lang="en-US" sz="2400" dirty="0">
+                <a:latin typeface="Arial" panose="020B0604020202020204" pitchFamily="34" charset="0"/>
+                <a:cs typeface="Arial" panose="020B0604020202020204" pitchFamily="34" charset="0"/>
+              </a:rPr>
+              <a:t>map</a:t>
+            </a:r>
+          </a:p>
+        </p:txBody>
+      </p:sp>
+    </p:spTree>
+    <p:extLst>
+      <p:ext uri="{BB962C8B-B14F-4D97-AF65-F5344CB8AC3E}">
+        <p14:creationId xmlns:p14="http://schemas.microsoft.com/office/powerpoint/2010/main" val="71190346"/>
+      </p:ext>
+    </p:extLst>
+  </p:cSld>
+  <p:clrMapOvr>
+    <a:masterClrMapping/>
+  </p:clrMapOvr>
+</p:sld>
+</file>
+
+<file path=ppt/slides/slide12.xml><?xml version="1.0" encoding="utf-8"?>
+<p:sld xmlns:a="http://schemas.openxmlformats.org/drawingml/2006/main" xmlns:r="http://schemas.openxmlformats.org/officeDocument/2006/relationships" xmlns:p="http://schemas.openxmlformats.org/presentationml/2006/main">
+  <p:cSld>
+    <p:spTree>
+      <p:nvGrpSpPr>
+        <p:cNvPr id="1" name=""/>
+        <p:cNvGrpSpPr/>
+        <p:nvPr/>
+      </p:nvGrpSpPr>
+      <p:grpSpPr>
+        <a:xfrm>
+          <a:off x="0" y="0"/>
+          <a:ext cx="0" cy="0"/>
+          <a:chOff x="0" y="0"/>
+          <a:chExt cx="0" cy="0"/>
+        </a:xfrm>
+      </p:grpSpPr>
+      <p:sp>
+        <p:nvSpPr>
+          <p:cNvPr id="2" name="Slide Number Placeholder 1">
+            <a:extLst>
+              <a:ext uri="{FF2B5EF4-FFF2-40B4-BE49-F238E27FC236}">
+                <a16:creationId xmlns:a16="http://schemas.microsoft.com/office/drawing/2014/main" id="{9B12371F-989E-EE43-B20F-90E48B433F0A}"/>
+              </a:ext>
+            </a:extLst>
+          </p:cNvPr>
+          <p:cNvSpPr>
+            <a:spLocks noGrp="1"/>
+          </p:cNvSpPr>
+          <p:nvPr>
+            <p:ph type="sldNum" sz="quarter" idx="12"/>
+          </p:nvPr>
+        </p:nvSpPr>
+        <p:spPr/>
+        <p:txBody>
+          <a:bodyPr/>
+          <a:lstStyle/>
+          <a:p>
+            <a:fld id="{2D00CA07-45C7-8142-9F4D-3A07AD48DFA1}" type="slidenum">
+              <a:rPr lang="en-US" smtClean="0"/>
+              <a:t>12</a:t>
+            </a:fld>
+            <a:endParaRPr lang="en-US"/>
+          </a:p>
+        </p:txBody>
+      </p:sp>
+      <p:sp>
+        <p:nvSpPr>
+          <p:cNvPr id="3" name="TextBox 2">
+            <a:extLst>
+              <a:ext uri="{FF2B5EF4-FFF2-40B4-BE49-F238E27FC236}">
+                <a16:creationId xmlns:a16="http://schemas.microsoft.com/office/drawing/2014/main" id="{2B4E9B55-4425-2740-A108-76FF69BA3D12}"/>
+              </a:ext>
+            </a:extLst>
+          </p:cNvPr>
+          <p:cNvSpPr txBox="1"/>
+          <p:nvPr/>
+        </p:nvSpPr>
+        <p:spPr>
+          <a:xfrm>
+            <a:off x="460713" y="332656"/>
+            <a:ext cx="2487861" cy="553998"/>
+          </a:xfrm>
+          <a:prstGeom prst="rect">
+            <a:avLst/>
+          </a:prstGeom>
+          <a:noFill/>
+        </p:spPr>
+        <p:txBody>
+          <a:bodyPr wrap="none" lIns="0" tIns="0" rIns="0" bIns="0" rtlCol="0">
+            <a:spAutoFit/>
+          </a:bodyPr>
+          <a:lstStyle/>
+          <a:p>
+            <a:r>
+              <a:rPr lang="en-US" sz="3600" b="1" dirty="0">
+                <a:latin typeface="Arial" panose="020B0604020202020204" pitchFamily="34" charset="0"/>
+                <a:cs typeface="Arial" panose="020B0604020202020204" pitchFamily="34" charset="0"/>
+              </a:rPr>
+              <a:t>References</a:t>
+            </a:r>
+          </a:p>
+        </p:txBody>
+      </p:sp>
+      <p:cxnSp>
+        <p:nvCxnSpPr>
+          <p:cNvPr id="4" name="Straight Connector 3">
+            <a:extLst>
+              <a:ext uri="{FF2B5EF4-FFF2-40B4-BE49-F238E27FC236}">
+                <a16:creationId xmlns:a16="http://schemas.microsoft.com/office/drawing/2014/main" id="{CFDF23E1-C7BD-4C48-9E8A-53704A4D662C}"/>
+              </a:ext>
+            </a:extLst>
+          </p:cNvPr>
+          <p:cNvCxnSpPr>
+            <a:cxnSpLocks/>
+          </p:cNvCxnSpPr>
+          <p:nvPr/>
+        </p:nvCxnSpPr>
+        <p:spPr>
+          <a:xfrm>
+            <a:off x="460714" y="886654"/>
+            <a:ext cx="11270573" cy="0"/>
+          </a:xfrm>
+          <a:prstGeom prst="line">
+            <a:avLst/>
+          </a:prstGeom>
+          <a:ln w="38100">
+            <a:solidFill>
+              <a:schemeClr val="tx1"/>
+            </a:solidFill>
+          </a:ln>
+        </p:spPr>
+        <p:style>
+          <a:lnRef idx="1">
+            <a:schemeClr val="accent1"/>
+          </a:lnRef>
+          <a:fillRef idx="0">
+            <a:schemeClr val="accent1"/>
+          </a:fillRef>
+          <a:effectRef idx="0">
+            <a:schemeClr val="accent1"/>
+          </a:effectRef>
+          <a:fontRef idx="minor">
+            <a:schemeClr val="tx1"/>
+          </a:fontRef>
+        </p:style>
+      </p:cxnSp>
+      <p:sp>
+        <p:nvSpPr>
+          <p:cNvPr id="5" name="TextBox 4">
+            <a:extLst>
+              <a:ext uri="{FF2B5EF4-FFF2-40B4-BE49-F238E27FC236}">
                 <a16:creationId xmlns:a16="http://schemas.microsoft.com/office/drawing/2014/main" id="{A282371E-38BA-5141-AE1B-F1AE656FF39C}"/>
               </a:ext>
             </a:extLst>
@@ -6978,7 +7647,7 @@
 </p:sld>
 </file>
 
-<file path=ppt/slides/slide12.xml><?xml version="1.0" encoding="utf-8"?>
+<file path=ppt/slides/slide13.xml><?xml version="1.0" encoding="utf-8"?>
 <p:sld xmlns:a="http://schemas.openxmlformats.org/drawingml/2006/main" xmlns:r="http://schemas.openxmlformats.org/officeDocument/2006/relationships" xmlns:p="http://schemas.openxmlformats.org/presentationml/2006/main" show="0">
   <p:cSld>
     <p:spTree>
@@ -7018,7 +7687,7 @@
           <a:p>
             <a:fld id="{2D00CA07-45C7-8142-9F4D-3A07AD48DFA1}" type="slidenum">
               <a:rPr lang="en-US" smtClean="0"/>
-              <a:t>12</a:t>
+              <a:t>13</a:t>
             </a:fld>
             <a:endParaRPr lang="en-US"/>
           </a:p>
@@ -8911,7 +9580,7 @@
           <a:noFill/>
         </p:spPr>
         <p:txBody>
-          <a:bodyPr wrap="none" lIns="0" tIns="0" rIns="0" bIns="0" rtlCol="0">
+          <a:bodyPr wrap="square" lIns="0" tIns="0" rIns="0" bIns="0" rtlCol="0">
             <a:spAutoFit/>
           </a:bodyPr>
           <a:lstStyle/>
@@ -8921,7 +9590,7 @@
                 <a:latin typeface="Arial" panose="020B0604020202020204" pitchFamily="34" charset="0"/>
                 <a:cs typeface="Arial" panose="020B0604020202020204" pitchFamily="34" charset="0"/>
               </a:rPr>
-              <a:t>Data Cleaning (Assumptions)</a:t>
+              <a:t>Data Cleaning</a:t>
             </a:r>
           </a:p>
         </p:txBody>
@@ -9069,9 +9738,9 @@
         <p:grpSpPr>
           <a:xfrm>
             <a:off x="6052594" y="1219235"/>
-            <a:ext cx="5662156" cy="2168285"/>
+            <a:ext cx="5674114" cy="1869824"/>
             <a:chOff x="6069131" y="3945077"/>
-            <a:chExt cx="5662156" cy="2168285"/>
+            <a:chExt cx="5674114" cy="1869824"/>
           </a:xfrm>
         </p:grpSpPr>
         <p:sp>
@@ -9239,8 +9908,8 @@
           </p:nvSpPr>
           <p:spPr>
             <a:xfrm>
-              <a:off x="6106816" y="5367426"/>
-              <a:ext cx="5624471" cy="745936"/>
+              <a:off x="6118774" y="5371315"/>
+              <a:ext cx="5624471" cy="443586"/>
             </a:xfrm>
             <a:prstGeom prst="rect">
               <a:avLst/>
@@ -9911,10 +10580,10 @@
         </p:nvGrpSpPr>
         <p:grpSpPr>
           <a:xfrm>
-            <a:off x="6052594" y="3541038"/>
-            <a:ext cx="5674115" cy="2588588"/>
-            <a:chOff x="6057172" y="1213380"/>
-            <a:chExt cx="5674115" cy="2588588"/>
+            <a:off x="6069131" y="3250400"/>
+            <a:ext cx="5690685" cy="2317724"/>
+            <a:chOff x="6073709" y="1213380"/>
+            <a:chExt cx="5690685" cy="2083766"/>
           </a:xfrm>
         </p:grpSpPr>
         <p:sp>
@@ -10033,7 +10702,7 @@
           </p:blipFill>
           <p:spPr>
             <a:xfrm>
-              <a:off x="6057172" y="1933792"/>
+              <a:off x="6106816" y="2332358"/>
               <a:ext cx="5657578" cy="964788"/>
             </a:xfrm>
             <a:prstGeom prst="rect">
@@ -10041,87 +10710,137 @@
             </a:prstGeom>
           </p:spPr>
         </p:pic>
-        <p:sp>
-          <p:nvSpPr>
-            <p:cNvPr id="71" name="Rectangle 70">
-              <a:extLst>
-                <a:ext uri="{FF2B5EF4-FFF2-40B4-BE49-F238E27FC236}">
-                  <a16:creationId xmlns:a16="http://schemas.microsoft.com/office/drawing/2014/main" id="{B8AB6456-0E57-7344-A5AD-3429BE7B53AA}"/>
-                </a:ext>
-              </a:extLst>
-            </p:cNvPr>
-            <p:cNvSpPr/>
-            <p:nvPr/>
-          </p:nvSpPr>
-          <p:spPr>
-            <a:xfrm>
-              <a:off x="6106816" y="3056032"/>
-              <a:ext cx="5624471" cy="745936"/>
-            </a:xfrm>
-            <a:prstGeom prst="rect">
-              <a:avLst/>
-            </a:prstGeom>
-            <a:solidFill>
-              <a:schemeClr val="bg1">
-                <a:lumMod val="95000"/>
-              </a:schemeClr>
-            </a:solidFill>
-            <a:ln w="28575">
-              <a:noFill/>
-            </a:ln>
-          </p:spPr>
-          <p:style>
-            <a:lnRef idx="2">
-              <a:schemeClr val="accent1">
-                <a:shade val="50000"/>
-              </a:schemeClr>
-            </a:lnRef>
-            <a:fillRef idx="1">
-              <a:schemeClr val="accent1"/>
-            </a:fillRef>
-            <a:effectRef idx="0">
-              <a:schemeClr val="accent1"/>
-            </a:effectRef>
-            <a:fontRef idx="minor">
-              <a:schemeClr val="lt1"/>
-            </a:fontRef>
-          </p:style>
-          <p:txBody>
-            <a:bodyPr rtlCol="0" anchor="ctr"/>
-            <a:lstStyle/>
-            <a:p>
-              <a:pPr algn="ctr"/>
-              <a:r>
-                <a:rPr lang="en-US" sz="2000" dirty="0">
-                  <a:solidFill>
-                    <a:schemeClr val="tx1"/>
-                  </a:solidFill>
-                  <a:latin typeface="Arial" panose="020B0604020202020204" pitchFamily="34" charset="0"/>
-                  <a:cs typeface="Arial" panose="020B0604020202020204" pitchFamily="34" charset="0"/>
-                </a:rPr>
-                <a:t>Factorized </a:t>
-              </a:r>
-              <a:r>
-                <a:rPr lang="en-US" sz="2000" dirty="0" err="1">
-                  <a:solidFill>
-                    <a:schemeClr val="tx1"/>
-                  </a:solidFill>
-                  <a:latin typeface="Arial" panose="020B0604020202020204" pitchFamily="34" charset="0"/>
-                  <a:cs typeface="Arial" panose="020B0604020202020204" pitchFamily="34" charset="0"/>
-                </a:rPr>
-                <a:t>mgstr</a:t>
-              </a:r>
-              <a:endParaRPr lang="en-US" sz="2000" dirty="0">
+      </p:grpSp>
+      <p:pic>
+        <p:nvPicPr>
+          <p:cNvPr id="75" name="Picture 74">
+            <a:extLst>
+              <a:ext uri="{FF2B5EF4-FFF2-40B4-BE49-F238E27FC236}">
+                <a16:creationId xmlns:a16="http://schemas.microsoft.com/office/drawing/2014/main" id="{40D1823F-66E7-BD41-BA5E-C11CC6915A4E}"/>
+              </a:ext>
+            </a:extLst>
+          </p:cNvPr>
+          <p:cNvPicPr>
+            <a:picLocks noChangeAspect="1"/>
+          </p:cNvPicPr>
+          <p:nvPr/>
+        </p:nvPicPr>
+        <p:blipFill>
+          <a:blip r:embed="rId4"/>
+          <a:stretch>
+            <a:fillRect/>
+          </a:stretch>
+        </p:blipFill>
+        <p:spPr>
+          <a:xfrm>
+            <a:off x="7622434" y="3887923"/>
+            <a:ext cx="2617186" cy="508603"/>
+          </a:xfrm>
+          <a:prstGeom prst="rect">
+            <a:avLst/>
+          </a:prstGeom>
+        </p:spPr>
+      </p:pic>
+      <p:sp>
+        <p:nvSpPr>
+          <p:cNvPr id="76" name="Rectangle 75">
+            <a:extLst>
+              <a:ext uri="{FF2B5EF4-FFF2-40B4-BE49-F238E27FC236}">
+                <a16:creationId xmlns:a16="http://schemas.microsoft.com/office/drawing/2014/main" id="{03E32738-55AB-E248-93A3-A0ADC1D4B974}"/>
+              </a:ext>
+            </a:extLst>
+          </p:cNvPr>
+          <p:cNvSpPr/>
+          <p:nvPr/>
+        </p:nvSpPr>
+        <p:spPr>
+          <a:xfrm>
+            <a:off x="6102237" y="5740394"/>
+            <a:ext cx="5624471" cy="443586"/>
+          </a:xfrm>
+          <a:prstGeom prst="rect">
+            <a:avLst/>
+          </a:prstGeom>
+          <a:solidFill>
+            <a:schemeClr val="bg1">
+              <a:lumMod val="95000"/>
+            </a:schemeClr>
+          </a:solidFill>
+          <a:ln w="28575">
+            <a:noFill/>
+          </a:ln>
+        </p:spPr>
+        <p:style>
+          <a:lnRef idx="2">
+            <a:schemeClr val="accent1">
+              <a:shade val="50000"/>
+            </a:schemeClr>
+          </a:lnRef>
+          <a:fillRef idx="1">
+            <a:schemeClr val="accent1"/>
+          </a:fillRef>
+          <a:effectRef idx="0">
+            <a:schemeClr val="accent1"/>
+          </a:effectRef>
+          <a:fontRef idx="minor">
+            <a:schemeClr val="lt1"/>
+          </a:fontRef>
+        </p:style>
+        <p:txBody>
+          <a:bodyPr rtlCol="0" anchor="ctr"/>
+          <a:lstStyle/>
+          <a:p>
+            <a:pPr algn="ctr"/>
+            <a:r>
+              <a:rPr lang="en-US" sz="2000" dirty="0">
                 <a:solidFill>
                   <a:schemeClr val="tx1"/>
                 </a:solidFill>
                 <a:latin typeface="Arial" panose="020B0604020202020204" pitchFamily="34" charset="0"/>
                 <a:cs typeface="Arial" panose="020B0604020202020204" pitchFamily="34" charset="0"/>
-              </a:endParaRPr>
-            </a:p>
-          </p:txBody>
-        </p:sp>
-      </p:grpSp>
+              </a:rPr>
+              <a:t>Removed error-like </a:t>
+            </a:r>
+            <a:r>
+              <a:rPr lang="en-US" sz="2000" dirty="0" err="1">
+                <a:solidFill>
+                  <a:schemeClr val="tx1"/>
+                </a:solidFill>
+                <a:latin typeface="Arial" panose="020B0604020202020204" pitchFamily="34" charset="0"/>
+                <a:cs typeface="Arial" panose="020B0604020202020204" pitchFamily="34" charset="0"/>
+              </a:rPr>
+              <a:t>mgstr</a:t>
+            </a:r>
+            <a:r>
+              <a:rPr lang="en-US" sz="2000" dirty="0">
+                <a:solidFill>
+                  <a:schemeClr val="tx1"/>
+                </a:solidFill>
+                <a:latin typeface="Arial" panose="020B0604020202020204" pitchFamily="34" charset="0"/>
+                <a:cs typeface="Arial" panose="020B0604020202020204" pitchFamily="34" charset="0"/>
+              </a:rPr>
+              <a:t> and factorized </a:t>
+            </a:r>
+            <a:r>
+              <a:rPr lang="en-US" sz="2000" dirty="0" err="1">
+                <a:solidFill>
+                  <a:schemeClr val="tx1"/>
+                </a:solidFill>
+                <a:latin typeface="Arial" panose="020B0604020202020204" pitchFamily="34" charset="0"/>
+                <a:cs typeface="Arial" panose="020B0604020202020204" pitchFamily="34" charset="0"/>
+              </a:rPr>
+              <a:t>mgstr</a:t>
+            </a:r>
+            <a:endParaRPr lang="en-US" sz="2000" dirty="0">
+              <a:solidFill>
+                <a:schemeClr val="tx1"/>
+              </a:solidFill>
+              <a:latin typeface="Arial" panose="020B0604020202020204" pitchFamily="34" charset="0"/>
+              <a:cs typeface="Arial" panose="020B0604020202020204" pitchFamily="34" charset="0"/>
+            </a:endParaRPr>
+          </a:p>
+        </p:txBody>
+      </p:sp>
     </p:spTree>
     <p:extLst>
       <p:ext uri="{BB962C8B-B14F-4D97-AF65-F5344CB8AC3E}">
@@ -11549,151 +12268,6 @@
           </p:sp>
         </mc:Fallback>
       </mc:AlternateContent>
-      <p:grpSp>
-        <p:nvGrpSpPr>
-          <p:cNvPr id="36" name="Group 35">
-            <a:extLst>
-              <a:ext uri="{FF2B5EF4-FFF2-40B4-BE49-F238E27FC236}">
-                <a16:creationId xmlns:a16="http://schemas.microsoft.com/office/drawing/2014/main" id="{A60885A5-0AEC-B246-97B1-DB4F6ECC4E1C}"/>
-              </a:ext>
-            </a:extLst>
-          </p:cNvPr>
-          <p:cNvGrpSpPr/>
-          <p:nvPr/>
-        </p:nvGrpSpPr>
-        <p:grpSpPr>
-          <a:xfrm>
-            <a:off x="6516502" y="3720919"/>
-            <a:ext cx="5209425" cy="373028"/>
-            <a:chOff x="460713" y="1147906"/>
-            <a:chExt cx="5209425" cy="373028"/>
-          </a:xfrm>
-        </p:grpSpPr>
-        <p:sp>
-          <p:nvSpPr>
-            <p:cNvPr id="37" name="TextBox 36">
-              <a:extLst>
-                <a:ext uri="{FF2B5EF4-FFF2-40B4-BE49-F238E27FC236}">
-                  <a16:creationId xmlns:a16="http://schemas.microsoft.com/office/drawing/2014/main" id="{E5A5B9E9-170F-1A4B-9EC8-86A671367F54}"/>
-                </a:ext>
-              </a:extLst>
-            </p:cNvPr>
-            <p:cNvSpPr txBox="1"/>
-            <p:nvPr/>
-          </p:nvSpPr>
-          <p:spPr>
-            <a:xfrm>
-              <a:off x="460713" y="1147906"/>
-              <a:ext cx="2777812" cy="369332"/>
-            </a:xfrm>
-            <a:prstGeom prst="rect">
-              <a:avLst/>
-            </a:prstGeom>
-            <a:noFill/>
-          </p:spPr>
-          <p:txBody>
-            <a:bodyPr wrap="none" lIns="0" tIns="0" rIns="0" bIns="0" rtlCol="0">
-              <a:spAutoFit/>
-            </a:bodyPr>
-            <a:lstStyle/>
-            <a:p>
-              <a:pPr algn="l"/>
-              <a:r>
-                <a:rPr lang="en-US" sz="2400" b="1" dirty="0">
-                  <a:solidFill>
-                    <a:srgbClr val="03529B"/>
-                  </a:solidFill>
-                  <a:latin typeface="Arial" panose="020B0604020202020204" pitchFamily="34" charset="0"/>
-                  <a:cs typeface="Arial" panose="020B0604020202020204" pitchFamily="34" charset="0"/>
-                </a:rPr>
-                <a:t>Model Assessment</a:t>
-              </a:r>
-            </a:p>
-          </p:txBody>
-        </p:sp>
-        <p:cxnSp>
-          <p:nvCxnSpPr>
-            <p:cNvPr id="38" name="Straight Connector 37">
-              <a:extLst>
-                <a:ext uri="{FF2B5EF4-FFF2-40B4-BE49-F238E27FC236}">
-                  <a16:creationId xmlns:a16="http://schemas.microsoft.com/office/drawing/2014/main" id="{E8DB7165-E5FE-E947-A2A5-7D0AD22A7E47}"/>
-                </a:ext>
-              </a:extLst>
-            </p:cNvPr>
-            <p:cNvCxnSpPr>
-              <a:cxnSpLocks/>
-            </p:cNvCxnSpPr>
-            <p:nvPr/>
-          </p:nvCxnSpPr>
-          <p:spPr>
-            <a:xfrm>
-              <a:off x="460713" y="1520934"/>
-              <a:ext cx="5209425" cy="0"/>
-            </a:xfrm>
-            <a:prstGeom prst="line">
-              <a:avLst/>
-            </a:prstGeom>
-            <a:ln w="28575">
-              <a:solidFill>
-                <a:srgbClr val="03529B"/>
-              </a:solidFill>
-            </a:ln>
-          </p:spPr>
-          <p:style>
-            <a:lnRef idx="1">
-              <a:schemeClr val="accent1"/>
-            </a:lnRef>
-            <a:fillRef idx="0">
-              <a:schemeClr val="accent1"/>
-            </a:fillRef>
-            <a:effectRef idx="0">
-              <a:schemeClr val="accent1"/>
-            </a:effectRef>
-            <a:fontRef idx="minor">
-              <a:schemeClr val="tx1"/>
-            </a:fontRef>
-          </p:style>
-        </p:cxnSp>
-      </p:grpSp>
-      <p:sp>
-        <p:nvSpPr>
-          <p:cNvPr id="39" name="TextBox 38">
-            <a:extLst>
-              <a:ext uri="{FF2B5EF4-FFF2-40B4-BE49-F238E27FC236}">
-                <a16:creationId xmlns:a16="http://schemas.microsoft.com/office/drawing/2014/main" id="{700CCFE9-EE16-0849-B628-39394941128E}"/>
-              </a:ext>
-            </a:extLst>
-          </p:cNvPr>
-          <p:cNvSpPr txBox="1"/>
-          <p:nvPr/>
-        </p:nvSpPr>
-        <p:spPr>
-          <a:xfrm>
-            <a:off x="6516501" y="4175289"/>
-            <a:ext cx="700513" cy="369332"/>
-          </a:xfrm>
-          <a:prstGeom prst="rect">
-            <a:avLst/>
-          </a:prstGeom>
-          <a:noFill/>
-        </p:spPr>
-        <p:txBody>
-          <a:bodyPr wrap="none" lIns="0" tIns="0" rIns="0" bIns="0" rtlCol="0">
-            <a:spAutoFit/>
-          </a:bodyPr>
-          <a:lstStyle/>
-          <a:p>
-            <a:pPr algn="l"/>
-            <a:r>
-              <a:rPr lang="en-US" sz="2400" dirty="0">
-                <a:latin typeface="Arial" panose="020B0604020202020204" pitchFamily="34" charset="0"/>
-                <a:cs typeface="Arial" panose="020B0604020202020204" pitchFamily="34" charset="0"/>
-              </a:rPr>
-              <a:t>Ok…</a:t>
-            </a:r>
-          </a:p>
-        </p:txBody>
-      </p:sp>
     </p:spTree>
     <p:extLst>
       <p:ext uri="{BB962C8B-B14F-4D97-AF65-F5344CB8AC3E}">
@@ -11748,6 +12322,195 @@
             <a:fld id="{2D00CA07-45C7-8142-9F4D-3A07AD48DFA1}" type="slidenum">
               <a:rPr lang="en-US" smtClean="0"/>
               <a:t>8</a:t>
+            </a:fld>
+            <a:endParaRPr lang="en-US"/>
+          </a:p>
+        </p:txBody>
+      </p:sp>
+      <p:sp>
+        <p:nvSpPr>
+          <p:cNvPr id="3" name="TextBox 2">
+            <a:extLst>
+              <a:ext uri="{FF2B5EF4-FFF2-40B4-BE49-F238E27FC236}">
+                <a16:creationId xmlns:a16="http://schemas.microsoft.com/office/drawing/2014/main" id="{2B4E9B55-4425-2740-A108-76FF69BA3D12}"/>
+              </a:ext>
+            </a:extLst>
+          </p:cNvPr>
+          <p:cNvSpPr txBox="1"/>
+          <p:nvPr/>
+        </p:nvSpPr>
+        <p:spPr>
+          <a:xfrm>
+            <a:off x="460713" y="332656"/>
+            <a:ext cx="5676747" cy="553998"/>
+          </a:xfrm>
+          <a:prstGeom prst="rect">
+            <a:avLst/>
+          </a:prstGeom>
+          <a:noFill/>
+        </p:spPr>
+        <p:txBody>
+          <a:bodyPr wrap="none" lIns="0" tIns="0" rIns="0" bIns="0" rtlCol="0">
+            <a:spAutoFit/>
+          </a:bodyPr>
+          <a:lstStyle/>
+          <a:p>
+            <a:r>
+              <a:rPr lang="en-US" sz="3600" b="1" dirty="0">
+                <a:latin typeface="Arial" panose="020B0604020202020204" pitchFamily="34" charset="0"/>
+                <a:cs typeface="Arial" panose="020B0604020202020204" pitchFamily="34" charset="0"/>
+              </a:rPr>
+              <a:t>Linear Model Assessment</a:t>
+            </a:r>
+          </a:p>
+        </p:txBody>
+      </p:sp>
+      <p:cxnSp>
+        <p:nvCxnSpPr>
+          <p:cNvPr id="4" name="Straight Connector 3">
+            <a:extLst>
+              <a:ext uri="{FF2B5EF4-FFF2-40B4-BE49-F238E27FC236}">
+                <a16:creationId xmlns:a16="http://schemas.microsoft.com/office/drawing/2014/main" id="{CFDF23E1-C7BD-4C48-9E8A-53704A4D662C}"/>
+              </a:ext>
+            </a:extLst>
+          </p:cNvPr>
+          <p:cNvCxnSpPr>
+            <a:cxnSpLocks/>
+          </p:cNvCxnSpPr>
+          <p:nvPr/>
+        </p:nvCxnSpPr>
+        <p:spPr>
+          <a:xfrm>
+            <a:off x="460714" y="886654"/>
+            <a:ext cx="11270573" cy="0"/>
+          </a:xfrm>
+          <a:prstGeom prst="line">
+            <a:avLst/>
+          </a:prstGeom>
+          <a:ln w="38100">
+            <a:solidFill>
+              <a:schemeClr val="tx1"/>
+            </a:solidFill>
+          </a:ln>
+        </p:spPr>
+        <p:style>
+          <a:lnRef idx="1">
+            <a:schemeClr val="accent1"/>
+          </a:lnRef>
+          <a:fillRef idx="0">
+            <a:schemeClr val="accent1"/>
+          </a:fillRef>
+          <a:effectRef idx="0">
+            <a:schemeClr val="accent1"/>
+          </a:effectRef>
+          <a:fontRef idx="minor">
+            <a:schemeClr val="tx1"/>
+          </a:fontRef>
+        </p:style>
+      </p:cxnSp>
+      <p:sp>
+        <p:nvSpPr>
+          <p:cNvPr id="5" name="TextBox 4">
+            <a:extLst>
+              <a:ext uri="{FF2B5EF4-FFF2-40B4-BE49-F238E27FC236}">
+                <a16:creationId xmlns:a16="http://schemas.microsoft.com/office/drawing/2014/main" id="{E6625A81-2759-1747-AA1C-9ED3B36FF8C8}"/>
+              </a:ext>
+            </a:extLst>
+          </p:cNvPr>
+          <p:cNvSpPr txBox="1"/>
+          <p:nvPr/>
+        </p:nvSpPr>
+        <p:spPr>
+          <a:xfrm>
+            <a:off x="2085975" y="3000375"/>
+            <a:ext cx="8144858" cy="738664"/>
+          </a:xfrm>
+          <a:prstGeom prst="rect">
+            <a:avLst/>
+          </a:prstGeom>
+          <a:noFill/>
+        </p:spPr>
+        <p:txBody>
+          <a:bodyPr wrap="none" lIns="0" tIns="0" rIns="0" bIns="0" rtlCol="0">
+            <a:spAutoFit/>
+          </a:bodyPr>
+          <a:lstStyle/>
+          <a:p>
+            <a:pPr algn="l"/>
+            <a:r>
+              <a:rPr lang="en-US" sz="2400" dirty="0">
+                <a:latin typeface="Arial" panose="020B0604020202020204" pitchFamily="34" charset="0"/>
+                <a:cs typeface="Arial" panose="020B0604020202020204" pitchFamily="34" charset="0"/>
+              </a:rPr>
+              <a:t>Do we want some assessment graphs or is that a bit much?</a:t>
+            </a:r>
+          </a:p>
+          <a:p>
+            <a:pPr algn="l"/>
+            <a:r>
+              <a:rPr lang="en-US" sz="2400" dirty="0">
+                <a:latin typeface="Arial" panose="020B0604020202020204" pitchFamily="34" charset="0"/>
+                <a:cs typeface="Arial" panose="020B0604020202020204" pitchFamily="34" charset="0"/>
+              </a:rPr>
+              <a:t>ALSO WE NEED SOME MEMES</a:t>
+            </a:r>
+          </a:p>
+        </p:txBody>
+      </p:sp>
+    </p:spTree>
+    <p:extLst>
+      <p:ext uri="{BB962C8B-B14F-4D97-AF65-F5344CB8AC3E}">
+        <p14:creationId xmlns:p14="http://schemas.microsoft.com/office/powerpoint/2010/main" val="3611620417"/>
+      </p:ext>
+    </p:extLst>
+  </p:cSld>
+  <p:clrMapOvr>
+    <a:masterClrMapping/>
+  </p:clrMapOvr>
+</p:sld>
+</file>
+
+<file path=ppt/slides/slide9.xml><?xml version="1.0" encoding="utf-8"?>
+<p:sld xmlns:a="http://schemas.openxmlformats.org/drawingml/2006/main" xmlns:r="http://schemas.openxmlformats.org/officeDocument/2006/relationships" xmlns:p="http://schemas.openxmlformats.org/presentationml/2006/main">
+  <p:cSld>
+    <p:spTree>
+      <p:nvGrpSpPr>
+        <p:cNvPr id="1" name=""/>
+        <p:cNvGrpSpPr/>
+        <p:nvPr/>
+      </p:nvGrpSpPr>
+      <p:grpSpPr>
+        <a:xfrm>
+          <a:off x="0" y="0"/>
+          <a:ext cx="0" cy="0"/>
+          <a:chOff x="0" y="0"/>
+          <a:chExt cx="0" cy="0"/>
+        </a:xfrm>
+      </p:grpSpPr>
+      <p:sp>
+        <p:nvSpPr>
+          <p:cNvPr id="2" name="Slide Number Placeholder 1">
+            <a:extLst>
+              <a:ext uri="{FF2B5EF4-FFF2-40B4-BE49-F238E27FC236}">
+                <a16:creationId xmlns:a16="http://schemas.microsoft.com/office/drawing/2014/main" id="{9B12371F-989E-EE43-B20F-90E48B433F0A}"/>
+              </a:ext>
+            </a:extLst>
+          </p:cNvPr>
+          <p:cNvSpPr>
+            <a:spLocks noGrp="1"/>
+          </p:cNvSpPr>
+          <p:nvPr>
+            <p:ph type="sldNum" sz="quarter" idx="12"/>
+          </p:nvPr>
+        </p:nvSpPr>
+        <p:spPr/>
+        <p:txBody>
+          <a:bodyPr/>
+          <a:lstStyle/>
+          <a:p>
+            <a:fld id="{2D00CA07-45C7-8142-9F4D-3A07AD48DFA1}" type="slidenum">
+              <a:rPr lang="en-US" smtClean="0"/>
+              <a:t>9</a:t>
             </a:fld>
             <a:endParaRPr lang="en-US"/>
           </a:p>
@@ -12004,440 +12767,6 @@
     <p:extLst>
       <p:ext uri="{BB962C8B-B14F-4D97-AF65-F5344CB8AC3E}">
         <p14:creationId xmlns:p14="http://schemas.microsoft.com/office/powerpoint/2010/main" val="3503870745"/>
-      </p:ext>
-    </p:extLst>
-  </p:cSld>
-  <p:clrMapOvr>
-    <a:masterClrMapping/>
-  </p:clrMapOvr>
-</p:sld>
-</file>
-
-<file path=ppt/slides/slide9.xml><?xml version="1.0" encoding="utf-8"?>
-<p:sld xmlns:a="http://schemas.openxmlformats.org/drawingml/2006/main" xmlns:r="http://schemas.openxmlformats.org/officeDocument/2006/relationships" xmlns:p="http://schemas.openxmlformats.org/presentationml/2006/main">
-  <p:cSld>
-    <p:spTree>
-      <p:nvGrpSpPr>
-        <p:cNvPr id="1" name=""/>
-        <p:cNvGrpSpPr/>
-        <p:nvPr/>
-      </p:nvGrpSpPr>
-      <p:grpSpPr>
-        <a:xfrm>
-          <a:off x="0" y="0"/>
-          <a:ext cx="0" cy="0"/>
-          <a:chOff x="0" y="0"/>
-          <a:chExt cx="0" cy="0"/>
-        </a:xfrm>
-      </p:grpSpPr>
-      <p:sp>
-        <p:nvSpPr>
-          <p:cNvPr id="2" name="Slide Number Placeholder 1">
-            <a:extLst>
-              <a:ext uri="{FF2B5EF4-FFF2-40B4-BE49-F238E27FC236}">
-                <a16:creationId xmlns:a16="http://schemas.microsoft.com/office/drawing/2014/main" id="{9B12371F-989E-EE43-B20F-90E48B433F0A}"/>
-              </a:ext>
-            </a:extLst>
-          </p:cNvPr>
-          <p:cNvSpPr>
-            <a:spLocks noGrp="1"/>
-          </p:cNvSpPr>
-          <p:nvPr>
-            <p:ph type="sldNum" sz="quarter" idx="12"/>
-          </p:nvPr>
-        </p:nvSpPr>
-        <p:spPr/>
-        <p:txBody>
-          <a:bodyPr/>
-          <a:lstStyle/>
-          <a:p>
-            <a:fld id="{2D00CA07-45C7-8142-9F4D-3A07AD48DFA1}" type="slidenum">
-              <a:rPr lang="en-US" smtClean="0"/>
-              <a:t>9</a:t>
-            </a:fld>
-            <a:endParaRPr lang="en-US"/>
-          </a:p>
-        </p:txBody>
-      </p:sp>
-      <p:sp>
-        <p:nvSpPr>
-          <p:cNvPr id="3" name="TextBox 2">
-            <a:extLst>
-              <a:ext uri="{FF2B5EF4-FFF2-40B4-BE49-F238E27FC236}">
-                <a16:creationId xmlns:a16="http://schemas.microsoft.com/office/drawing/2014/main" id="{2B4E9B55-4425-2740-A108-76FF69BA3D12}"/>
-              </a:ext>
-            </a:extLst>
-          </p:cNvPr>
-          <p:cNvSpPr txBox="1"/>
-          <p:nvPr/>
-        </p:nvSpPr>
-        <p:spPr>
-          <a:xfrm>
-            <a:off x="460713" y="332656"/>
-            <a:ext cx="2975173" cy="553998"/>
-          </a:xfrm>
-          <a:prstGeom prst="rect">
-            <a:avLst/>
-          </a:prstGeom>
-          <a:noFill/>
-        </p:spPr>
-        <p:txBody>
-          <a:bodyPr wrap="none" lIns="0" tIns="0" rIns="0" bIns="0" rtlCol="0">
-            <a:spAutoFit/>
-          </a:bodyPr>
-          <a:lstStyle/>
-          <a:p>
-            <a:r>
-              <a:rPr lang="en-US" sz="3600" b="1">
-                <a:latin typeface="Arial" panose="020B0604020202020204" pitchFamily="34" charset="0"/>
-                <a:cs typeface="Arial" panose="020B0604020202020204" pitchFamily="34" charset="0"/>
-              </a:rPr>
-              <a:t>Interpretation</a:t>
-            </a:r>
-            <a:endParaRPr lang="en-US" sz="3600" b="1" dirty="0">
-              <a:latin typeface="Arial" panose="020B0604020202020204" pitchFamily="34" charset="0"/>
-              <a:cs typeface="Arial" panose="020B0604020202020204" pitchFamily="34" charset="0"/>
-            </a:endParaRPr>
-          </a:p>
-        </p:txBody>
-      </p:sp>
-      <p:cxnSp>
-        <p:nvCxnSpPr>
-          <p:cNvPr id="4" name="Straight Connector 3">
-            <a:extLst>
-              <a:ext uri="{FF2B5EF4-FFF2-40B4-BE49-F238E27FC236}">
-                <a16:creationId xmlns:a16="http://schemas.microsoft.com/office/drawing/2014/main" id="{CFDF23E1-C7BD-4C48-9E8A-53704A4D662C}"/>
-              </a:ext>
-            </a:extLst>
-          </p:cNvPr>
-          <p:cNvCxnSpPr>
-            <a:cxnSpLocks/>
-          </p:cNvCxnSpPr>
-          <p:nvPr/>
-        </p:nvCxnSpPr>
-        <p:spPr>
-          <a:xfrm>
-            <a:off x="460714" y="886654"/>
-            <a:ext cx="11270573" cy="0"/>
-          </a:xfrm>
-          <a:prstGeom prst="line">
-            <a:avLst/>
-          </a:prstGeom>
-          <a:ln w="38100">
-            <a:solidFill>
-              <a:schemeClr val="tx1"/>
-            </a:solidFill>
-          </a:ln>
-        </p:spPr>
-        <p:style>
-          <a:lnRef idx="1">
-            <a:schemeClr val="accent1"/>
-          </a:lnRef>
-          <a:fillRef idx="0">
-            <a:schemeClr val="accent1"/>
-          </a:fillRef>
-          <a:effectRef idx="0">
-            <a:schemeClr val="accent1"/>
-          </a:effectRef>
-          <a:fontRef idx="minor">
-            <a:schemeClr val="tx1"/>
-          </a:fontRef>
-        </p:style>
-      </p:cxnSp>
-      <p:grpSp>
-        <p:nvGrpSpPr>
-          <p:cNvPr id="13" name="Group 12">
-            <a:extLst>
-              <a:ext uri="{FF2B5EF4-FFF2-40B4-BE49-F238E27FC236}">
-                <a16:creationId xmlns:a16="http://schemas.microsoft.com/office/drawing/2014/main" id="{8E985FFC-9E59-6F4F-9F75-C95E2250FD53}"/>
-              </a:ext>
-            </a:extLst>
-          </p:cNvPr>
-          <p:cNvGrpSpPr/>
-          <p:nvPr/>
-        </p:nvGrpSpPr>
-        <p:grpSpPr>
-          <a:xfrm>
-            <a:off x="460713" y="1147906"/>
-            <a:ext cx="5209425" cy="373028"/>
-            <a:chOff x="460713" y="1147906"/>
-            <a:chExt cx="5209425" cy="373028"/>
-          </a:xfrm>
-        </p:grpSpPr>
-        <p:sp>
-          <p:nvSpPr>
-            <p:cNvPr id="9" name="TextBox 8">
-              <a:extLst>
-                <a:ext uri="{FF2B5EF4-FFF2-40B4-BE49-F238E27FC236}">
-                  <a16:creationId xmlns:a16="http://schemas.microsoft.com/office/drawing/2014/main" id="{5864DE45-F31F-F34E-BAC6-E015E30D4D60}"/>
-                </a:ext>
-              </a:extLst>
-            </p:cNvPr>
-            <p:cNvSpPr txBox="1"/>
-            <p:nvPr/>
-          </p:nvSpPr>
-          <p:spPr>
-            <a:xfrm>
-              <a:off x="460713" y="1147906"/>
-              <a:ext cx="1043555" cy="369332"/>
-            </a:xfrm>
-            <a:prstGeom prst="rect">
-              <a:avLst/>
-            </a:prstGeom>
-            <a:noFill/>
-          </p:spPr>
-          <p:txBody>
-            <a:bodyPr wrap="none" lIns="0" tIns="0" rIns="0" bIns="0" rtlCol="0">
-              <a:spAutoFit/>
-            </a:bodyPr>
-            <a:lstStyle/>
-            <a:p>
-              <a:pPr algn="l"/>
-              <a:r>
-                <a:rPr lang="en-US" sz="2400" b="1" dirty="0">
-                  <a:solidFill>
-                    <a:srgbClr val="03529B"/>
-                  </a:solidFill>
-                  <a:latin typeface="Arial" panose="020B0604020202020204" pitchFamily="34" charset="0"/>
-                  <a:cs typeface="Arial" panose="020B0604020202020204" pitchFamily="34" charset="0"/>
-                </a:rPr>
-                <a:t>Level 1</a:t>
-              </a:r>
-            </a:p>
-          </p:txBody>
-        </p:sp>
-        <p:cxnSp>
-          <p:nvCxnSpPr>
-            <p:cNvPr id="11" name="Straight Connector 10">
-              <a:extLst>
-                <a:ext uri="{FF2B5EF4-FFF2-40B4-BE49-F238E27FC236}">
-                  <a16:creationId xmlns:a16="http://schemas.microsoft.com/office/drawing/2014/main" id="{F45F55A1-178F-204B-8122-0D25726930AE}"/>
-                </a:ext>
-              </a:extLst>
-            </p:cNvPr>
-            <p:cNvCxnSpPr>
-              <a:cxnSpLocks/>
-            </p:cNvCxnSpPr>
-            <p:nvPr/>
-          </p:nvCxnSpPr>
-          <p:spPr>
-            <a:xfrm>
-              <a:off x="460713" y="1520934"/>
-              <a:ext cx="5209425" cy="0"/>
-            </a:xfrm>
-            <a:prstGeom prst="line">
-              <a:avLst/>
-            </a:prstGeom>
-            <a:ln w="28575">
-              <a:solidFill>
-                <a:srgbClr val="03529B"/>
-              </a:solidFill>
-            </a:ln>
-          </p:spPr>
-          <p:style>
-            <a:lnRef idx="1">
-              <a:schemeClr val="accent1"/>
-            </a:lnRef>
-            <a:fillRef idx="0">
-              <a:schemeClr val="accent1"/>
-            </a:fillRef>
-            <a:effectRef idx="0">
-              <a:schemeClr val="accent1"/>
-            </a:effectRef>
-            <a:fontRef idx="minor">
-              <a:schemeClr val="tx1"/>
-            </a:fontRef>
-          </p:style>
-        </p:cxnSp>
-      </p:grpSp>
-      <p:grpSp>
-        <p:nvGrpSpPr>
-          <p:cNvPr id="8" name="Group 7">
-            <a:extLst>
-              <a:ext uri="{FF2B5EF4-FFF2-40B4-BE49-F238E27FC236}">
-                <a16:creationId xmlns:a16="http://schemas.microsoft.com/office/drawing/2014/main" id="{033FB7D1-4489-3844-BB20-0D8F5C228E77}"/>
-              </a:ext>
-            </a:extLst>
-          </p:cNvPr>
-          <p:cNvGrpSpPr/>
-          <p:nvPr/>
-        </p:nvGrpSpPr>
-        <p:grpSpPr>
-          <a:xfrm>
-            <a:off x="6521862" y="1147906"/>
-            <a:ext cx="5209425" cy="373028"/>
-            <a:chOff x="460713" y="1147906"/>
-            <a:chExt cx="5209425" cy="373028"/>
-          </a:xfrm>
-        </p:grpSpPr>
-        <p:sp>
-          <p:nvSpPr>
-            <p:cNvPr id="10" name="TextBox 9">
-              <a:extLst>
-                <a:ext uri="{FF2B5EF4-FFF2-40B4-BE49-F238E27FC236}">
-                  <a16:creationId xmlns:a16="http://schemas.microsoft.com/office/drawing/2014/main" id="{7C2829FB-206E-C54A-93B9-CDB03FAA2D2D}"/>
-                </a:ext>
-              </a:extLst>
-            </p:cNvPr>
-            <p:cNvSpPr txBox="1"/>
-            <p:nvPr/>
-          </p:nvSpPr>
-          <p:spPr>
-            <a:xfrm>
-              <a:off x="460713" y="1147906"/>
-              <a:ext cx="1043555" cy="369332"/>
-            </a:xfrm>
-            <a:prstGeom prst="rect">
-              <a:avLst/>
-            </a:prstGeom>
-            <a:noFill/>
-          </p:spPr>
-          <p:txBody>
-            <a:bodyPr wrap="none" lIns="0" tIns="0" rIns="0" bIns="0" rtlCol="0">
-              <a:spAutoFit/>
-            </a:bodyPr>
-            <a:lstStyle/>
-            <a:p>
-              <a:pPr algn="l"/>
-              <a:r>
-                <a:rPr lang="en-US" sz="2400" b="1" dirty="0">
-                  <a:solidFill>
-                    <a:srgbClr val="03529B"/>
-                  </a:solidFill>
-                  <a:latin typeface="Arial" panose="020B0604020202020204" pitchFamily="34" charset="0"/>
-                  <a:cs typeface="Arial" panose="020B0604020202020204" pitchFamily="34" charset="0"/>
-                </a:rPr>
-                <a:t>Level 2</a:t>
-              </a:r>
-            </a:p>
-          </p:txBody>
-        </p:sp>
-        <p:cxnSp>
-          <p:nvCxnSpPr>
-            <p:cNvPr id="12" name="Straight Connector 11">
-              <a:extLst>
-                <a:ext uri="{FF2B5EF4-FFF2-40B4-BE49-F238E27FC236}">
-                  <a16:creationId xmlns:a16="http://schemas.microsoft.com/office/drawing/2014/main" id="{13F98F8F-BDC7-6447-B99E-08EDE92D734C}"/>
-                </a:ext>
-              </a:extLst>
-            </p:cNvPr>
-            <p:cNvCxnSpPr>
-              <a:cxnSpLocks/>
-            </p:cNvCxnSpPr>
-            <p:nvPr/>
-          </p:nvCxnSpPr>
-          <p:spPr>
-            <a:xfrm>
-              <a:off x="460713" y="1520934"/>
-              <a:ext cx="5209425" cy="0"/>
-            </a:xfrm>
-            <a:prstGeom prst="line">
-              <a:avLst/>
-            </a:prstGeom>
-            <a:ln w="28575">
-              <a:solidFill>
-                <a:srgbClr val="03529B"/>
-              </a:solidFill>
-            </a:ln>
-          </p:spPr>
-          <p:style>
-            <a:lnRef idx="1">
-              <a:schemeClr val="accent1"/>
-            </a:lnRef>
-            <a:fillRef idx="0">
-              <a:schemeClr val="accent1"/>
-            </a:fillRef>
-            <a:effectRef idx="0">
-              <a:schemeClr val="accent1"/>
-            </a:effectRef>
-            <a:fontRef idx="minor">
-              <a:schemeClr val="tx1"/>
-            </a:fontRef>
-          </p:style>
-        </p:cxnSp>
-      </p:grpSp>
-      <p:sp>
-        <p:nvSpPr>
-          <p:cNvPr id="5" name="TextBox 4">
-            <a:extLst>
-              <a:ext uri="{FF2B5EF4-FFF2-40B4-BE49-F238E27FC236}">
-                <a16:creationId xmlns:a16="http://schemas.microsoft.com/office/drawing/2014/main" id="{7460FC7F-7CA7-324D-98A7-AA2A9FB4A1A7}"/>
-              </a:ext>
-            </a:extLst>
-          </p:cNvPr>
-          <p:cNvSpPr txBox="1"/>
-          <p:nvPr/>
-        </p:nvSpPr>
-        <p:spPr>
-          <a:xfrm>
-            <a:off x="460713" y="2602562"/>
-            <a:ext cx="2070631" cy="369332"/>
-          </a:xfrm>
-          <a:prstGeom prst="rect">
-            <a:avLst/>
-          </a:prstGeom>
-          <a:noFill/>
-        </p:spPr>
-        <p:txBody>
-          <a:bodyPr wrap="none" lIns="0" tIns="0" rIns="0" bIns="0" rtlCol="0">
-            <a:spAutoFit/>
-          </a:bodyPr>
-          <a:lstStyle/>
-          <a:p>
-            <a:pPr algn="l"/>
-            <a:r>
-              <a:rPr lang="en-US" sz="2400" dirty="0">
-                <a:latin typeface="Arial" panose="020B0604020202020204" pitchFamily="34" charset="0"/>
-                <a:cs typeface="Arial" panose="020B0604020202020204" pitchFamily="34" charset="0"/>
-              </a:rPr>
-              <a:t>Tables in pretty</a:t>
-            </a:r>
-          </a:p>
-        </p:txBody>
-      </p:sp>
-      <p:sp>
-        <p:nvSpPr>
-          <p:cNvPr id="14" name="TextBox 13">
-            <a:extLst>
-              <a:ext uri="{FF2B5EF4-FFF2-40B4-BE49-F238E27FC236}">
-                <a16:creationId xmlns:a16="http://schemas.microsoft.com/office/drawing/2014/main" id="{E9E42052-CB52-DA42-A2EC-3F4F8312D3DC}"/>
-              </a:ext>
-            </a:extLst>
-          </p:cNvPr>
-          <p:cNvSpPr txBox="1"/>
-          <p:nvPr/>
-        </p:nvSpPr>
-        <p:spPr>
-          <a:xfrm>
-            <a:off x="6539300" y="2780928"/>
-            <a:ext cx="2806409" cy="369332"/>
-          </a:xfrm>
-          <a:prstGeom prst="rect">
-            <a:avLst/>
-          </a:prstGeom>
-          <a:noFill/>
-        </p:spPr>
-        <p:txBody>
-          <a:bodyPr wrap="none" lIns="0" tIns="0" rIns="0" bIns="0" rtlCol="0">
-            <a:spAutoFit/>
-          </a:bodyPr>
-          <a:lstStyle/>
-          <a:p>
-            <a:pPr algn="l"/>
-            <a:r>
-              <a:rPr lang="en-US" sz="2400" dirty="0">
-                <a:latin typeface="Arial" panose="020B0604020202020204" pitchFamily="34" charset="0"/>
-                <a:cs typeface="Arial" panose="020B0604020202020204" pitchFamily="34" charset="0"/>
-              </a:rPr>
-              <a:t>Tables/plots in pretty</a:t>
-            </a:r>
-          </a:p>
-        </p:txBody>
-      </p:sp>
-    </p:spTree>
-    <p:extLst>
-      <p:ext uri="{BB962C8B-B14F-4D97-AF65-F5344CB8AC3E}">
-        <p14:creationId xmlns:p14="http://schemas.microsoft.com/office/powerpoint/2010/main" val="3604129743"/>
       </p:ext>
     </p:extLst>
   </p:cSld>

--- a/Presentation/slide_deck.pptx
+++ b/Presentation/slide_deck.pptx
@@ -6543,7 +6543,7 @@
                 <a:latin typeface="Comic Sans MS" panose="030F0902030302020204" pitchFamily="66" charset="0"/>
                 <a:cs typeface="Arial" panose="020B0604020202020204" pitchFamily="34" charset="0"/>
               </a:rPr>
-              <a:t>,    Moritz</a:t>
+              <a:t>,    m0RITZ</a:t>
             </a:r>
           </a:p>
         </p:txBody>
@@ -6612,7 +6612,7 @@
         </p:blipFill>
         <p:spPr>
           <a:xfrm>
-            <a:off x="552948" y="5517232"/>
+            <a:off x="504331" y="5422844"/>
             <a:ext cx="1915521" cy="4543037"/>
           </a:xfrm>
           <a:prstGeom prst="rect">
@@ -6622,10 +6622,10 @@
       </p:pic>
       <p:pic>
         <p:nvPicPr>
-          <p:cNvPr id="52" name="Picture 51" descr="Businesswoman arms raised">
-            <a:extLst>
-              <a:ext uri="{FF2B5EF4-FFF2-40B4-BE49-F238E27FC236}">
-                <a16:creationId xmlns:a16="http://schemas.microsoft.com/office/drawing/2014/main" id="{5B2BFA4A-8F70-C04C-BFD9-A01C6B02D19B}"/>
+          <p:cNvPr id="58" name="Picture 57" descr="Young businessman thumbs up">
+            <a:extLst>
+              <a:ext uri="{FF2B5EF4-FFF2-40B4-BE49-F238E27FC236}">
+                <a16:creationId xmlns:a16="http://schemas.microsoft.com/office/drawing/2014/main" id="{A8A5E190-C7C1-9B4B-B740-DD2EC56F28B4}"/>
               </a:ext>
             </a:extLst>
           </p:cNvPr>
@@ -6636,6 +6636,42 @@
         </p:nvPicPr>
         <p:blipFill>
           <a:blip r:embed="rId44" cstate="screen">
+            <a:extLst>
+              <a:ext uri="{28A0092B-C50C-407E-A947-70E740481C1C}">
+                <a14:useLocalDpi xmlns:a14="http://schemas.microsoft.com/office/drawing/2010/main"/>
+              </a:ext>
+            </a:extLst>
+          </a:blip>
+          <a:stretch>
+            <a:fillRect/>
+          </a:stretch>
+        </p:blipFill>
+        <p:spPr>
+          <a:xfrm>
+            <a:off x="4877861" y="5182619"/>
+            <a:ext cx="2458554" cy="4580022"/>
+          </a:xfrm>
+          <a:prstGeom prst="rect">
+            <a:avLst/>
+          </a:prstGeom>
+        </p:spPr>
+      </p:pic>
+      <p:pic>
+        <p:nvPicPr>
+          <p:cNvPr id="52" name="Picture 51" descr="Businesswoman arms raised">
+            <a:extLst>
+              <a:ext uri="{FF2B5EF4-FFF2-40B4-BE49-F238E27FC236}">
+                <a16:creationId xmlns:a16="http://schemas.microsoft.com/office/drawing/2014/main" id="{5B2BFA4A-8F70-C04C-BFD9-A01C6B02D19B}"/>
+              </a:ext>
+            </a:extLst>
+          </p:cNvPr>
+          <p:cNvPicPr>
+            <a:picLocks noChangeAspect="1"/>
+          </p:cNvPicPr>
+          <p:nvPr/>
+        </p:nvPicPr>
+        <p:blipFill>
+          <a:blip r:embed="rId45" cstate="screen">
             <a:extLst>
               <a:ext uri="{28A0092B-C50C-407E-A947-70E740481C1C}">
                 <a14:useLocalDpi xmlns:a14="http://schemas.microsoft.com/office/drawing/2010/main"/>
@@ -6650,42 +6686,6 @@
           <a:xfrm rot="16200000">
             <a:off x="11936699" y="-1949889"/>
             <a:ext cx="2180604" cy="6858000"/>
-          </a:xfrm>
-          <a:prstGeom prst="rect">
-            <a:avLst/>
-          </a:prstGeom>
-        </p:spPr>
-      </p:pic>
-      <p:pic>
-        <p:nvPicPr>
-          <p:cNvPr id="58" name="Picture 57" descr="Young businessman thumbs up">
-            <a:extLst>
-              <a:ext uri="{FF2B5EF4-FFF2-40B4-BE49-F238E27FC236}">
-                <a16:creationId xmlns:a16="http://schemas.microsoft.com/office/drawing/2014/main" id="{A8A5E190-C7C1-9B4B-B740-DD2EC56F28B4}"/>
-              </a:ext>
-            </a:extLst>
-          </p:cNvPr>
-          <p:cNvPicPr>
-            <a:picLocks noChangeAspect="1"/>
-          </p:cNvPicPr>
-          <p:nvPr/>
-        </p:nvPicPr>
-        <p:blipFill>
-          <a:blip r:embed="rId45" cstate="screen">
-            <a:extLst>
-              <a:ext uri="{28A0092B-C50C-407E-A947-70E740481C1C}">
-                <a14:useLocalDpi xmlns:a14="http://schemas.microsoft.com/office/drawing/2010/main"/>
-              </a:ext>
-            </a:extLst>
-          </a:blip>
-          <a:stretch>
-            <a:fillRect/>
-          </a:stretch>
-        </p:blipFill>
-        <p:spPr>
-          <a:xfrm>
-            <a:off x="4877861" y="5182619"/>
-            <a:ext cx="2458554" cy="4580022"/>
           </a:xfrm>
           <a:prstGeom prst="rect">
             <a:avLst/>
@@ -8416,8 +8416,8 @@
         </p:nvSpPr>
         <p:spPr>
           <a:xfrm>
-            <a:off x="460713" y="1440652"/>
-            <a:ext cx="4032448" cy="2954655"/>
+            <a:off x="460712" y="1440652"/>
+            <a:ext cx="4555167" cy="2954655"/>
           </a:xfrm>
           <a:prstGeom prst="rect">
             <a:avLst/>
@@ -8504,7 +8504,7 @@
                 <a:latin typeface="Arial" panose="020B0604020202020204" pitchFamily="34" charset="0"/>
                 <a:cs typeface="Arial" panose="020B0604020202020204" pitchFamily="34" charset="0"/>
               </a:rPr>
-              <a:t>Hierarchal Model Fitting</a:t>
+              <a:t>Hierarchical Model Fitting</a:t>
             </a:r>
           </a:p>
           <a:p>
@@ -11515,7 +11515,7 @@
                 <a:latin typeface="Arial" panose="020B0604020202020204" pitchFamily="34" charset="0"/>
                 <a:cs typeface="Arial" panose="020B0604020202020204" pitchFamily="34" charset="0"/>
               </a:rPr>
-              <a:t>Empty model</a:t>
+              <a:t>Intercept only</a:t>
             </a:r>
           </a:p>
         </p:txBody>

--- a/Presentation/slide_deck.pptx
+++ b/Presentation/slide_deck.pptx
@@ -9111,7 +9111,7 @@
                 <a:latin typeface="Arial" panose="020B0604020202020204" pitchFamily="34" charset="0"/>
                 <a:cs typeface="Arial" panose="020B0604020202020204" pitchFamily="34" charset="0"/>
               </a:rPr>
-              <a:t>Fit hierarchal model</a:t>
+              <a:t>Fit hierarchical model</a:t>
             </a:r>
           </a:p>
           <a:p>
@@ -9254,7 +9254,7 @@
                 <a:latin typeface="Arial" panose="020B0604020202020204" pitchFamily="34" charset="0"/>
                 <a:cs typeface="Arial" panose="020B0604020202020204" pitchFamily="34" charset="0"/>
               </a:rPr>
-              <a:t>Hierarchal Model Fitting</a:t>
+              <a:t>Hierarchical Model Fitting</a:t>
             </a:r>
           </a:p>
         </p:txBody>
